--- a/maquetteV1.pptx
+++ b/maquetteV1.pptx
@@ -2054,7 +2054,7 @@
           <a:p>
             <a:fld id="{9B6EC0DC-BE19-4A70-BED3-EAEAFD8E011A}" type="datetimeFigureOut">
               <a:rPr lang="fr-FR" smtClean="0"/>
-              <a:t>20/11/2017</a:t>
+              <a:t>22/11/2017</a:t>
             </a:fld>
             <a:endParaRPr lang="fr-FR"/>
           </a:p>
@@ -2252,7 +2252,7 @@
           <a:p>
             <a:fld id="{9B6EC0DC-BE19-4A70-BED3-EAEAFD8E011A}" type="datetimeFigureOut">
               <a:rPr lang="fr-FR" smtClean="0"/>
-              <a:t>20/11/2017</a:t>
+              <a:t>22/11/2017</a:t>
             </a:fld>
             <a:endParaRPr lang="fr-FR"/>
           </a:p>
@@ -2460,7 +2460,7 @@
           <a:p>
             <a:fld id="{9B6EC0DC-BE19-4A70-BED3-EAEAFD8E011A}" type="datetimeFigureOut">
               <a:rPr lang="fr-FR" smtClean="0"/>
-              <a:t>20/11/2017</a:t>
+              <a:t>22/11/2017</a:t>
             </a:fld>
             <a:endParaRPr lang="fr-FR"/>
           </a:p>
@@ -6604,7 +6604,7 @@
           <a:p>
             <a:fld id="{9B6EC0DC-BE19-4A70-BED3-EAEAFD8E011A}" type="datetimeFigureOut">
               <a:rPr lang="fr-FR" smtClean="0"/>
-              <a:t>20/11/2017</a:t>
+              <a:t>22/11/2017</a:t>
             </a:fld>
             <a:endParaRPr lang="fr-FR"/>
           </a:p>
@@ -6761,7 +6761,7 @@
           <a:p>
             <a:fld id="{635D3642-F947-4CAE-963C-757887DC1905}" type="datetimeFigureOut">
               <a:rPr lang="fr-FR" smtClean="0"/>
-              <a:t>20/11/2017</a:t>
+              <a:t>22/11/2017</a:t>
             </a:fld>
             <a:endParaRPr lang="fr-FR"/>
           </a:p>
@@ -6898,7 +6898,7 @@
           <a:p>
             <a:fld id="{635D3642-F947-4CAE-963C-757887DC1905}" type="datetimeFigureOut">
               <a:rPr lang="fr-FR" smtClean="0"/>
-              <a:t>20/11/2017</a:t>
+              <a:t>22/11/2017</a:t>
             </a:fld>
             <a:endParaRPr lang="fr-FR"/>
           </a:p>
@@ -7249,7 +7249,7 @@
           <a:p>
             <a:fld id="{9B6EC0DC-BE19-4A70-BED3-EAEAFD8E011A}" type="datetimeFigureOut">
               <a:rPr lang="fr-FR" smtClean="0"/>
-              <a:t>20/11/2017</a:t>
+              <a:t>22/11/2017</a:t>
             </a:fld>
             <a:endParaRPr lang="fr-FR"/>
           </a:p>
@@ -7514,7 +7514,7 @@
           <a:p>
             <a:fld id="{9B6EC0DC-BE19-4A70-BED3-EAEAFD8E011A}" type="datetimeFigureOut">
               <a:rPr lang="fr-FR" smtClean="0"/>
-              <a:t>20/11/2017</a:t>
+              <a:t>22/11/2017</a:t>
             </a:fld>
             <a:endParaRPr lang="fr-FR"/>
           </a:p>
@@ -7926,7 +7926,7 @@
           <a:p>
             <a:fld id="{9B6EC0DC-BE19-4A70-BED3-EAEAFD8E011A}" type="datetimeFigureOut">
               <a:rPr lang="fr-FR" smtClean="0"/>
-              <a:t>20/11/2017</a:t>
+              <a:t>22/11/2017</a:t>
             </a:fld>
             <a:endParaRPr lang="fr-FR"/>
           </a:p>
@@ -8067,7 +8067,7 @@
           <a:p>
             <a:fld id="{9B6EC0DC-BE19-4A70-BED3-EAEAFD8E011A}" type="datetimeFigureOut">
               <a:rPr lang="fr-FR" smtClean="0"/>
-              <a:t>20/11/2017</a:t>
+              <a:t>22/11/2017</a:t>
             </a:fld>
             <a:endParaRPr lang="fr-FR"/>
           </a:p>
@@ -8180,7 +8180,7 @@
           <a:p>
             <a:fld id="{9B6EC0DC-BE19-4A70-BED3-EAEAFD8E011A}" type="datetimeFigureOut">
               <a:rPr lang="fr-FR" smtClean="0"/>
-              <a:t>20/11/2017</a:t>
+              <a:t>22/11/2017</a:t>
             </a:fld>
             <a:endParaRPr lang="fr-FR"/>
           </a:p>
@@ -8491,7 +8491,7 @@
           <a:p>
             <a:fld id="{9B6EC0DC-BE19-4A70-BED3-EAEAFD8E011A}" type="datetimeFigureOut">
               <a:rPr lang="fr-FR" smtClean="0"/>
-              <a:t>20/11/2017</a:t>
+              <a:t>22/11/2017</a:t>
             </a:fld>
             <a:endParaRPr lang="fr-FR"/>
           </a:p>
@@ -8779,7 +8779,7 @@
           <a:p>
             <a:fld id="{9B6EC0DC-BE19-4A70-BED3-EAEAFD8E011A}" type="datetimeFigureOut">
               <a:rPr lang="fr-FR" smtClean="0"/>
-              <a:t>20/11/2017</a:t>
+              <a:t>22/11/2017</a:t>
             </a:fld>
             <a:endParaRPr lang="fr-FR"/>
           </a:p>
@@ -9020,7 +9020,7 @@
           <a:p>
             <a:fld id="{9B6EC0DC-BE19-4A70-BED3-EAEAFD8E011A}" type="datetimeFigureOut">
               <a:rPr lang="fr-FR" smtClean="0"/>
-              <a:t>20/11/2017</a:t>
+              <a:t>22/11/2017</a:t>
             </a:fld>
             <a:endParaRPr lang="fr-FR"/>
           </a:p>
@@ -45987,67 +45987,67 @@
 
 <file path=customXml/item1.xml><?xml version="1.0" encoding="utf-8"?>
 <Control xmlns="http://schemas.microsoft.com/VisualStudio/2011/storyboarding/control">
+  <Id Name="System.Storyboarding.Common.RadioButtonUnselected" Revision="1" Stencil="System.Storyboarding.Common" StencilVersion="0.1"/>
+</Control>
+</file>
+
+<file path=customXml/item10.xml><?xml version="1.0" encoding="utf-8"?>
+<Control xmlns="http://schemas.microsoft.com/VisualStudio/2011/storyboarding/control">
   <Id Name="System.Storyboarding.Common.TextInput" Revision="1" Stencil="System.Storyboarding.Common" StencilVersion="0.1"/>
 </Control>
 </file>
 
-<file path=customXml/item10.xml><?xml version="1.0" encoding="utf-8"?>
+<file path=customXml/item100.xml><?xml version="1.0" encoding="utf-8"?>
 <Control xmlns="http://schemas.microsoft.com/VisualStudio/2011/storyboarding/control">
-  <Id Name="System.Storyboarding.Common.CheckBoxChecked" Revision="1" Stencil="System.Storyboarding.Common" StencilVersion="0.1"/>
+  <Id Name="System.Storyboarding.Common.TextInput" Revision="1" Stencil="System.Storyboarding.Common" StencilVersion="0.1"/>
 </Control>
 </file>
 
-<file path=customXml/item100.xml><?xml version="1.0" encoding="utf-8"?>
+<file path=customXml/item101.xml><?xml version="1.0" encoding="utf-8"?>
 <Control xmlns="http://schemas.microsoft.com/VisualStudio/2011/storyboarding/control">
   <Id Name="System.Storyboarding.Common.Button" Revision="1" Stencil="System.Storyboarding.Common" StencilVersion="0.1"/>
 </Control>
 </file>
 
-<file path=customXml/item101.xml><?xml version="1.0" encoding="utf-8"?>
+<file path=customXml/item102.xml><?xml version="1.0" encoding="utf-8"?>
+<Control xmlns="http://schemas.microsoft.com/VisualStudio/2011/storyboarding/control">
+  <Id Name="System.Storyboarding.Backgrounds.WebBrowser" Revision="1" Stencil="System.Storyboarding.Backgrounds" StencilVersion="0.1"/>
+</Control>
+</file>
+
+<file path=customXml/item103.xml><?xml version="1.0" encoding="utf-8"?>
+<Control xmlns="http://schemas.microsoft.com/VisualStudio/2011/storyboarding/control">
+  <Id Name="System.Storyboarding.Common.Button" Revision="1" Stencil="System.Storyboarding.Common" StencilVersion="0.1"/>
+</Control>
+</file>
+
+<file path=customXml/item104.xml><?xml version="1.0" encoding="utf-8"?>
 <Control xmlns="http://schemas.microsoft.com/VisualStudio/2011/storyboarding/control">
   <Id Name="System.Storyboarding.Common.TextArea" Revision="1" Stencil="System.Storyboarding.Common" StencilVersion="0.1"/>
 </Control>
 </file>
 
-<file path=customXml/item102.xml><?xml version="1.0" encoding="utf-8"?>
-<Control xmlns="http://schemas.microsoft.com/VisualStudio/2011/storyboarding/control">
-  <Id Name="System.Storyboarding.Common.CheckBoxUnchecked" Revision="1" Stencil="System.Storyboarding.Common" StencilVersion="0.1"/>
-</Control>
-</file>
-
-<file path=customXml/item103.xml><?xml version="1.0" encoding="utf-8"?>
-<Control xmlns="http://schemas.microsoft.com/VisualStudio/2011/storyboarding/control">
-  <Id Name="System.Storyboarding.Common.TextArea" Revision="1" Stencil="System.Storyboarding.Common" StencilVersion="0.1"/>
-</Control>
-</file>
-
-<file path=customXml/item104.xml><?xml version="1.0" encoding="utf-8"?>
-<Control xmlns="http://schemas.microsoft.com/VisualStudio/2011/storyboarding/control">
-  <Id Name="System.Storyboarding.Common.Text" Revision="1" Stencil="System.Storyboarding.Common" StencilVersion="0.1"/>
-</Control>
-</file>
-
 <file path=customXml/item105.xml><?xml version="1.0" encoding="utf-8"?>
-<Control xmlns="http://schemas.microsoft.com/VisualStudio/2011/storyboarding/control">
-  <Id Name="System.Storyboarding.Common.RadioButtonSelected" Revision="1" Stencil="System.Storyboarding.Common" StencilVersion="0.1"/>
-</Control>
-</file>
-
-<file path=customXml/item106.xml><?xml version="1.0" encoding="utf-8"?>
-<Control xmlns="http://schemas.microsoft.com/VisualStudio/2011/storyboarding/control">
-  <Id Name="System.Storyboarding.Common.TextArea" Revision="1" Stencil="System.Storyboarding.Common" StencilVersion="0.1"/>
-</Control>
-</file>
-
-<file path=customXml/item107.xml><?xml version="1.0" encoding="utf-8"?>
 <Control xmlns="http://schemas.microsoft.com/VisualStudio/2011/storyboarding/control">
   <Id Name="System.Storyboarding.Common.Button" Revision="1" Stencil="System.Storyboarding.Common" StencilVersion="0.1"/>
 </Control>
 </file>
 
+<file path=customXml/item106.xml><?xml version="1.0" encoding="utf-8"?>
+<Control xmlns="http://schemas.microsoft.com/VisualStudio/2011/storyboarding/control">
+  <Id Name="System.Storyboarding.Common.Button" Revision="1" Stencil="System.Storyboarding.Common" StencilVersion="0.1"/>
+</Control>
+</file>
+
+<file path=customXml/item107.xml><?xml version="1.0" encoding="utf-8"?>
+<Control xmlns="http://schemas.microsoft.com/VisualStudio/2011/storyboarding/control">
+  <Id Name="System.Storyboarding.Common.TextInput" Revision="1" Stencil="System.Storyboarding.Common" StencilVersion="0.1"/>
+</Control>
+</file>
+
 <file path=customXml/item108.xml><?xml version="1.0" encoding="utf-8"?>
 <Control xmlns="http://schemas.microsoft.com/VisualStudio/2011/storyboarding/control">
-  <Id Name="System.Storyboarding.Common.TextArea" Revision="1" Stencil="System.Storyboarding.Common" StencilVersion="0.1"/>
+  <Id Name="System.Storyboarding.Common.TextInput" Revision="1" Stencil="System.Storyboarding.Common" StencilVersion="0.1"/>
 </Control>
 </file>
 
@@ -46059,43 +46059,43 @@
 
 <file path=customXml/item11.xml><?xml version="1.0" encoding="utf-8"?>
 <Control xmlns="http://schemas.microsoft.com/VisualStudio/2011/storyboarding/control">
-  <Id Name="System.Storyboarding.Common.TextInput" Revision="1" Stencil="System.Storyboarding.Common" StencilVersion="0.1"/>
+  <Id Name="System.Storyboarding.Common.MousePointer" Revision="1" Stencil="System.Storyboarding.Common" StencilVersion="0.1"/>
 </Control>
 </file>
 
 <file path=customXml/item110.xml><?xml version="1.0" encoding="utf-8"?>
-<Control xmlns="http://schemas.microsoft.com/VisualStudio/2011/storyboarding/control">
-  <Id Name="System.Storyboarding.Common.RadioButtonUnselected" Revision="1" Stencil="System.Storyboarding.Common" StencilVersion="0.1"/>
-</Control>
-</file>
-
-<file path=customXml/item111.xml><?xml version="1.0" encoding="utf-8"?>
-<Control xmlns="http://schemas.microsoft.com/VisualStudio/2011/storyboarding/control">
-  <Id Name="System.Storyboarding.Common.TextInput" Revision="1" Stencil="System.Storyboarding.Common" StencilVersion="0.1"/>
-</Control>
-</file>
-
-<file path=customXml/item112.xml><?xml version="1.0" encoding="utf-8"?>
-<Control xmlns="http://schemas.microsoft.com/VisualStudio/2011/storyboarding/control">
-  <Id Name="System.Storyboarding.Common.TextInput" Revision="1" Stencil="System.Storyboarding.Common" StencilVersion="0.1"/>
-</Control>
-</file>
-
-<file path=customXml/item113.xml><?xml version="1.0" encoding="utf-8"?>
 <Control xmlns="http://schemas.microsoft.com/VisualStudio/2011/storyboarding/control">
   <Id Name="System.Storyboarding.Common.CheckBoxUnchecked" Revision="1" Stencil="System.Storyboarding.Common" StencilVersion="0.1"/>
 </Control>
 </file>
 
+<file path=customXml/item111.xml><?xml version="1.0" encoding="utf-8"?>
+<Control xmlns="http://schemas.microsoft.com/VisualStudio/2011/storyboarding/control">
+  <Id Name="System.Storyboarding.Common.TextArea" Revision="1" Stencil="System.Storyboarding.Common" StencilVersion="0.1"/>
+</Control>
+</file>
+
+<file path=customXml/item112.xml><?xml version="1.0" encoding="utf-8"?>
+<Control xmlns="http://schemas.microsoft.com/VisualStudio/2011/storyboarding/control">
+  <Id Name="System.Storyboarding.Common.TextArea" Revision="1" Stencil="System.Storyboarding.Common" StencilVersion="0.1"/>
+</Control>
+</file>
+
+<file path=customXml/item113.xml><?xml version="1.0" encoding="utf-8"?>
+<Control xmlns="http://schemas.microsoft.com/VisualStudio/2011/storyboarding/control">
+  <Id Name="System.Storyboarding.Common.TextArea" Revision="1" Stencil="System.Storyboarding.Common" StencilVersion="0.1"/>
+</Control>
+</file>
+
 <file path=customXml/item114.xml><?xml version="1.0" encoding="utf-8"?>
 <Control xmlns="http://schemas.microsoft.com/VisualStudio/2011/storyboarding/control">
-  <Id Name="System.Storyboarding.Common.CheckBoxChecked" Revision="1" Stencil="System.Storyboarding.Common" StencilVersion="0.1"/>
+  <Id Name="System.Storyboarding.Common.TextArea" Revision="1" Stencil="System.Storyboarding.Common" StencilVersion="0.1"/>
 </Control>
 </file>
 
 <file path=customXml/item115.xml><?xml version="1.0" encoding="utf-8"?>
 <Control xmlns="http://schemas.microsoft.com/VisualStudio/2011/storyboarding/control">
-  <Id Name="System.Storyboarding.Common.TextInput" Revision="1" Stencil="System.Storyboarding.Common" StencilVersion="0.1"/>
+  <Id Name="System.Storyboarding.Common.MousePointer" Revision="1" Stencil="System.Storyboarding.Common" StencilVersion="0.1"/>
 </Control>
 </file>
 
@@ -46113,19 +46113,19 @@
 
 <file path=customXml/item118.xml><?xml version="1.0" encoding="utf-8"?>
 <Control xmlns="http://schemas.microsoft.com/VisualStudio/2011/storyboarding/control">
-  <Id Name="System.Storyboarding.Common.TextInput" Revision="1" Stencil="System.Storyboarding.Common" StencilVersion="0.1"/>
+  <Id Name="System.Storyboarding.Backgrounds.WebBrowser" Revision="1" Stencil="System.Storyboarding.Backgrounds" StencilVersion="0.1"/>
 </Control>
 </file>
 
 <file path=customXml/item119.xml><?xml version="1.0" encoding="utf-8"?>
 <Control xmlns="http://schemas.microsoft.com/VisualStudio/2011/storyboarding/control">
-  <Id Name="System.Storyboarding.Backgrounds.WebBrowser" Revision="1" Stencil="System.Storyboarding.Backgrounds" StencilVersion="0.1"/>
+  <Id Name="System.Storyboarding.Common.CheckBoxUnchecked" Revision="1" Stencil="System.Storyboarding.Common" StencilVersion="0.1"/>
 </Control>
 </file>
 
 <file path=customXml/item12.xml><?xml version="1.0" encoding="utf-8"?>
 <Control xmlns="http://schemas.microsoft.com/VisualStudio/2011/storyboarding/control">
-  <Id Name="System.Storyboarding.Common.TextArea" Revision="1" Stencil="System.Storyboarding.Common" StencilVersion="0.1"/>
+  <Id Name="System.Storyboarding.Backgrounds.WebBrowser" Revision="1" Stencil="System.Storyboarding.Backgrounds" StencilVersion="0.1"/>
 </Control>
 </file>
 
@@ -46137,7 +46137,7 @@
 
 <file path=customXml/item121.xml><?xml version="1.0" encoding="utf-8"?>
 <Control xmlns="http://schemas.microsoft.com/VisualStudio/2011/storyboarding/control">
-  <Id Name="System.Storyboarding.Common.CheckBoxUnchecked" Revision="1" Stencil="System.Storyboarding.Common" StencilVersion="0.1"/>
+  <Id Name="System.Storyboarding.Common.CheckBoxChecked" Revision="1" Stencil="System.Storyboarding.Common" StencilVersion="0.1"/>
 </Control>
 </file>
 
@@ -46148,116 +46148,116 @@
 </file>
 
 <file path=customXml/item123.xml><?xml version="1.0" encoding="utf-8"?>
+<Control xmlns="http://schemas.microsoft.com/VisualStudio/2011/storyboarding/control/v1.0">
+  <Id Name="System.Storyboarding.Common.Text" RevisionId="68ea164d-c1de-47a5-804f-d4d1290fa524" Stencil="System.Storyboarding.Common" StencilRevisionId="68ea164d-c1de-47a5-804f-d4d1290fa524" StencilVersion="0.1"/>
+</Control>
+</file>
+
+<file path=customXml/item124.xml><?xml version="1.0" encoding="utf-8"?>
+<Control xmlns="http://schemas.microsoft.com/VisualStudio/2011/storyboarding/control">
+  <Id Name="System.Storyboarding.Common.TextArea" Revision="1" Stencil="System.Storyboarding.Common" StencilVersion="0.1"/>
+</Control>
+</file>
+
+<file path=customXml/item125.xml><?xml version="1.0" encoding="utf-8"?>
 <Control xmlns="http://schemas.microsoft.com/VisualStudio/2011/storyboarding/control">
   <Id Name="System.Storyboarding.Common.TextInput" Revision="1" Stencil="System.Storyboarding.Common" StencilVersion="0.1"/>
 </Control>
 </file>
 
-<file path=customXml/item124.xml><?xml version="1.0" encoding="utf-8"?>
+<file path=customXml/item126.xml><?xml version="1.0" encoding="utf-8"?>
+<Control xmlns="http://schemas.microsoft.com/VisualStudio/2011/storyboarding/control">
+  <Id Name="System.Storyboarding.Common.TextArea" Revision="1" Stencil="System.Storyboarding.Common" StencilVersion="0.1"/>
+</Control>
+</file>
+
+<file path=customXml/item127.xml><?xml version="1.0" encoding="utf-8"?>
+<Control xmlns="http://schemas.microsoft.com/VisualStudio/2011/storyboarding/control">
+  <Id Name="System.Storyboarding.Common.Button" Revision="1" Stencil="System.Storyboarding.Common" StencilVersion="0.1"/>
+</Control>
+</file>
+
+<file path=customXml/item128.xml><?xml version="1.0" encoding="utf-8"?>
+<Control xmlns="http://schemas.microsoft.com/VisualStudio/2011/storyboarding/control">
+  <Id Name="System.Storyboarding.Common.Button" Revision="1" Stencil="System.Storyboarding.Common" StencilVersion="0.1"/>
+</Control>
+</file>
+
+<file path=customXml/item129.xml><?xml version="1.0" encoding="utf-8"?>
 <Control xmlns="http://schemas.microsoft.com/VisualStudio/2011/storyboarding/control">
   <Id Name="System.Storyboarding.Common.RadioButtonUnselected" Revision="1" Stencil="System.Storyboarding.Common" StencilVersion="0.1"/>
 </Control>
 </file>
 
-<file path=customXml/item125.xml><?xml version="1.0" encoding="utf-8"?>
+<file path=customXml/item13.xml><?xml version="1.0" encoding="utf-8"?>
 <Control xmlns="http://schemas.microsoft.com/VisualStudio/2011/storyboarding/control">
-  <Id Name="System.Storyboarding.Backgrounds.WebBrowser" Revision="1" Stencil="System.Storyboarding.Backgrounds" StencilVersion="0.1"/>
+  <Id Name="System.Storyboarding.Common.RadioButtonUnselected" Revision="1" Stencil="System.Storyboarding.Common" StencilVersion="0.1"/>
 </Control>
 </file>
 
-<file path=customXml/item126.xml><?xml version="1.0" encoding="utf-8"?>
+<file path=customXml/item130.xml><?xml version="1.0" encoding="utf-8"?>
+<Control xmlns="http://schemas.microsoft.com/VisualStudio/2011/storyboarding/control">
+  <Id Name="System.Storyboarding.Common.TextInput" Revision="1" Stencil="System.Storyboarding.Common" StencilVersion="0.1"/>
+</Control>
+</file>
+
+<file path=customXml/item131.xml><?xml version="1.0" encoding="utf-8"?>
+<Control xmlns="http://schemas.microsoft.com/VisualStudio/2011/storyboarding/control">
+  <Id Name="System.Storyboarding.Common.RadioButtonUnselected" Revision="1" Stencil="System.Storyboarding.Common" StencilVersion="0.1"/>
+</Control>
+</file>
+
+<file path=customXml/item132.xml><?xml version="1.0" encoding="utf-8"?>
 <Control xmlns="http://schemas.microsoft.com/VisualStudio/2011/storyboarding/control">
   <Id Name="System.Storyboarding.Common.Button" Revision="1" Stencil="System.Storyboarding.Common" StencilVersion="0.1"/>
 </Control>
 </file>
 
-<file path=customXml/item127.xml><?xml version="1.0" encoding="utf-8"?>
+<file path=customXml/item133.xml><?xml version="1.0" encoding="utf-8"?>
+<Control xmlns="http://schemas.microsoft.com/VisualStudio/2011/storyboarding/control">
+  <Id Name="System.Storyboarding.Common.Button" Revision="1" Stencil="System.Storyboarding.Common" StencilVersion="0.1"/>
+</Control>
+</file>
+
+<file path=customXml/item134.xml><?xml version="1.0" encoding="utf-8"?>
 <Control xmlns="http://schemas.microsoft.com/VisualStudio/2011/storyboarding/control">
   <Id Name="System.Storyboarding.Common.TextInput" Revision="1" Stencil="System.Storyboarding.Common" StencilVersion="0.1"/>
 </Control>
 </file>
 
-<file path=customXml/item128.xml><?xml version="1.0" encoding="utf-8"?>
+<file path=customXml/item135.xml><?xml version="1.0" encoding="utf-8"?>
+<Control xmlns="http://schemas.microsoft.com/VisualStudio/2011/storyboarding/control">
+  <Id Name="System.Storyboarding.Common.MousePointer" Revision="1" Stencil="System.Storyboarding.Common" StencilVersion="0.1"/>
+</Control>
+</file>
+
+<file path=customXml/item136.xml><?xml version="1.0" encoding="utf-8"?>
+<Control xmlns="http://schemas.microsoft.com/VisualStudio/2011/storyboarding/control">
+  <Id Name="System.Storyboarding.Common.Button" Revision="1" Stencil="System.Storyboarding.Common" StencilVersion="0.1"/>
+</Control>
+</file>
+
+<file path=customXml/item137.xml><?xml version="1.0" encoding="utf-8"?>
+<Control xmlns="http://schemas.microsoft.com/VisualStudio/2011/storyboarding/control">
+  <Id Name="System.Storyboarding.Common.TextArea" Revision="1" Stencil="System.Storyboarding.Common" StencilVersion="0.1"/>
+</Control>
+</file>
+
+<file path=customXml/item138.xml><?xml version="1.0" encoding="utf-8"?>
+<Control xmlns="http://schemas.microsoft.com/VisualStudio/2011/storyboarding/control">
+  <Id Name="System.Storyboarding.Icons.Copy" Revision="1" Stencil="System.Storyboarding.Icons" StencilVersion="0.1"/>
+</Control>
+</file>
+
+<file path=customXml/item139.xml><?xml version="1.0" encoding="utf-8"?>
 <Control xmlns="http://schemas.microsoft.com/VisualStudio/2011/storyboarding/control">
   <Id Name="System.Storyboarding.Common.TextInput" Revision="1" Stencil="System.Storyboarding.Common" StencilVersion="0.1"/>
 </Control>
 </file>
 
-<file path=customXml/item129.xml><?xml version="1.0" encoding="utf-8"?>
-<Control xmlns="http://schemas.microsoft.com/VisualStudio/2011/storyboarding/control">
-  <Id Name="System.Storyboarding.Common.MousePointer" Revision="1" Stencil="System.Storyboarding.Common" StencilVersion="0.1"/>
-</Control>
-</file>
-
-<file path=customXml/item13.xml><?xml version="1.0" encoding="utf-8"?>
+<file path=customXml/item14.xml><?xml version="1.0" encoding="utf-8"?>
 <Control xmlns="http://schemas.microsoft.com/VisualStudio/2011/storyboarding/control">
   <Id Name="System.Storyboarding.Common.TextInput" Revision="1" Stencil="System.Storyboarding.Common" StencilVersion="0.1"/>
-</Control>
-</file>
-
-<file path=customXml/item130.xml><?xml version="1.0" encoding="utf-8"?>
-<Control xmlns="http://schemas.microsoft.com/VisualStudio/2011/storyboarding/control">
-  <Id Name="System.Storyboarding.Common.RadioButtonUnselected" Revision="1" Stencil="System.Storyboarding.Common" StencilVersion="0.1"/>
-</Control>
-</file>
-
-<file path=customXml/item131.xml><?xml version="1.0" encoding="utf-8"?>
-<Control xmlns="http://schemas.microsoft.com/VisualStudio/2011/storyboarding/control">
-  <Id Name="System.Storyboarding.Common.TextInput" Revision="1" Stencil="System.Storyboarding.Common" StencilVersion="0.1"/>
-</Control>
-</file>
-
-<file path=customXml/item132.xml><?xml version="1.0" encoding="utf-8"?>
-<Control xmlns="http://schemas.microsoft.com/VisualStudio/2011/storyboarding/control">
-  <Id Name="System.Storyboarding.Common.RadioButtonUnselected" Revision="1" Stencil="System.Storyboarding.Common" StencilVersion="0.1"/>
-</Control>
-</file>
-
-<file path=customXml/item133.xml><?xml version="1.0" encoding="utf-8"?>
-<Control xmlns="http://schemas.microsoft.com/VisualStudio/2011/storyboarding/control">
-  <Id Name="System.Storyboarding.Common.TextArea" Revision="1" Stencil="System.Storyboarding.Common" StencilVersion="0.1"/>
-</Control>
-</file>
-
-<file path=customXml/item134.xml><?xml version="1.0" encoding="utf-8"?>
-<Control xmlns="http://schemas.microsoft.com/VisualStudio/2011/storyboarding/control">
-  <Id Name="System.Storyboarding.Common.TextArea" Revision="1" Stencil="System.Storyboarding.Common" StencilVersion="0.1"/>
-</Control>
-</file>
-
-<file path=customXml/item135.xml><?xml version="1.0" encoding="utf-8"?>
-<Control xmlns="http://schemas.microsoft.com/VisualStudio/2011/storyboarding/control">
-  <Id Name="System.Storyboarding.Common.TextArea" Revision="1" Stencil="System.Storyboarding.Common" StencilVersion="0.1"/>
-</Control>
-</file>
-
-<file path=customXml/item136.xml><?xml version="1.0" encoding="utf-8"?>
-<Control xmlns="http://schemas.microsoft.com/VisualStudio/2011/storyboarding/control">
-  <Id Name="System.Storyboarding.Common.TextInput" Revision="1" Stencil="System.Storyboarding.Common" StencilVersion="0.1"/>
-</Control>
-</file>
-
-<file path=customXml/item137.xml><?xml version="1.0" encoding="utf-8"?>
-<Control xmlns="http://schemas.microsoft.com/VisualStudio/2011/storyboarding/control">
-  <Id Name="System.Storyboarding.Backgrounds.WebBrowser" Revision="1" Stencil="System.Storyboarding.Backgrounds" StencilVersion="0.1"/>
-</Control>
-</file>
-
-<file path=customXml/item138.xml><?xml version="1.0" encoding="utf-8"?>
-<Control xmlns="http://schemas.microsoft.com/VisualStudio/2011/storyboarding/control">
-  <Id Name="System.Storyboarding.Common.TextArea" Revision="1" Stencil="System.Storyboarding.Common" StencilVersion="0.1"/>
-</Control>
-</file>
-
-<file path=customXml/item139.xml><?xml version="1.0" encoding="utf-8"?>
-<Control xmlns="http://schemas.microsoft.com/VisualStudio/2011/storyboarding/control">
-  <Id Name="System.Storyboarding.Common.Button" Revision="1" Stencil="System.Storyboarding.Common" StencilVersion="0.1"/>
-</Control>
-</file>
-
-<file path=customXml/item14.xml><?xml version="1.0" encoding="utf-8"?>
-<Control xmlns="http://schemas.microsoft.com/VisualStudio/2011/storyboarding/control">
-  <Id Name="System.Storyboarding.Common.TextArea" Revision="1" Stencil="System.Storyboarding.Common" StencilVersion="0.1"/>
 </Control>
 </file>
 
@@ -46269,67 +46269,67 @@
 
 <file path=customXml/item141.xml><?xml version="1.0" encoding="utf-8"?>
 <Control xmlns="http://schemas.microsoft.com/VisualStudio/2011/storyboarding/control">
-  <Id Name="System.Storyboarding.Common.MousePointer" Revision="1" Stencil="System.Storyboarding.Common" StencilVersion="0.1"/>
+  <Id Name="System.Storyboarding.Common.TextInput" Revision="1" Stencil="System.Storyboarding.Common" StencilVersion="0.1"/>
 </Control>
 </file>
 
 <file path=customXml/item142.xml><?xml version="1.0" encoding="utf-8"?>
+<Control xmlns="http://schemas.microsoft.com/VisualStudio/2011/storyboarding/control">
+  <Id Name="System.Storyboarding.Common.RadioButtonUnselected" Revision="1" Stencil="System.Storyboarding.Common" StencilVersion="0.1"/>
+</Control>
+</file>
+
+<file path=customXml/item143.xml><?xml version="1.0" encoding="utf-8"?>
 <Control xmlns="http://schemas.microsoft.com/VisualStudio/2011/storyboarding/control">
   <Id Name="System.Storyboarding.Common.TextArea" Revision="1" Stencil="System.Storyboarding.Common" StencilVersion="0.1"/>
 </Control>
 </file>
 
-<file path=customXml/item143.xml><?xml version="1.0" encoding="utf-8"?>
+<file path=customXml/item144.xml><?xml version="1.0" encoding="utf-8"?>
+<Control xmlns="http://schemas.microsoft.com/VisualStudio/2011/storyboarding/control">
+  <Id Name="System.Storyboarding.Backgrounds.WebBrowser" Revision="1" Stencil="System.Storyboarding.Backgrounds" StencilVersion="0.1"/>
+</Control>
+</file>
+
+<file path=customXml/item145.xml><?xml version="1.0" encoding="utf-8"?>
 <Control xmlns="http://schemas.microsoft.com/VisualStudio/2011/storyboarding/control">
   <Id Name="System.Storyboarding.Common.TextInput" Revision="1" Stencil="System.Storyboarding.Common" StencilVersion="0.1"/>
 </Control>
 </file>
 
-<file path=customXml/item144.xml><?xml version="1.0" encoding="utf-8"?>
-<Control xmlns="http://schemas.microsoft.com/VisualStudio/2011/storyboarding/control">
-  <Id Name="System.Storyboarding.Common.CheckBoxChecked" Revision="1" Stencil="System.Storyboarding.Common" StencilVersion="0.1"/>
-</Control>
-</file>
-
-<file path=customXml/item145.xml><?xml version="1.0" encoding="utf-8"?>
+<file path=customXml/item146.xml><?xml version="1.0" encoding="utf-8"?>
 <Control xmlns="http://schemas.microsoft.com/VisualStudio/2011/storyboarding/control">
   <Id Name="System.Storyboarding.Common.TextArea" Revision="1" Stencil="System.Storyboarding.Common" StencilVersion="0.1"/>
 </Control>
 </file>
 
-<file path=customXml/item146.xml><?xml version="1.0" encoding="utf-8"?>
+<file path=customXml/item147.xml><?xml version="1.0" encoding="utf-8"?>
 <Control xmlns="http://schemas.microsoft.com/VisualStudio/2011/storyboarding/control">
   <Id Name="System.Storyboarding.Common.TextInput" Revision="1" Stencil="System.Storyboarding.Common" StencilVersion="0.1"/>
 </Control>
 </file>
 
-<file path=customXml/item147.xml><?xml version="1.0" encoding="utf-8"?>
-<Control xmlns="http://schemas.microsoft.com/VisualStudio/2011/storyboarding/control">
-  <Id Name="System.Storyboarding.Common.CheckBoxChecked" Revision="1" Stencil="System.Storyboarding.Common" StencilVersion="0.1"/>
-</Control>
-</file>
-
 <file path=customXml/item148.xml><?xml version="1.0" encoding="utf-8"?>
-<Control xmlns="http://schemas.microsoft.com/VisualStudio/2011/storyboarding/control">
-  <Id Name="System.Storyboarding.Common.ProgressBar" Revision="1" Stencil="System.Storyboarding.Common" StencilVersion="0.1"/>
-</Control>
-</file>
-
-<file path=customXml/item149.xml><?xml version="1.0" encoding="utf-8"?>
 <Control xmlns="http://schemas.microsoft.com/VisualStudio/2011/storyboarding/control">
   <Id Name="System.Storyboarding.Common.TextArea" Revision="1" Stencil="System.Storyboarding.Common" StencilVersion="0.1"/>
 </Control>
 </file>
 
-<file path=customXml/item15.xml><?xml version="1.0" encoding="utf-8"?>
+<file path=customXml/item149.xml><?xml version="1.0" encoding="utf-8"?>
 <Control xmlns="http://schemas.microsoft.com/VisualStudio/2011/storyboarding/control">
   <Id Name="System.Storyboarding.Common.TextInput" Revision="1" Stencil="System.Storyboarding.Common" StencilVersion="0.1"/>
 </Control>
 </file>
 
+<file path=customXml/item15.xml><?xml version="1.0" encoding="utf-8"?>
+<Control xmlns="http://schemas.microsoft.com/VisualStudio/2011/storyboarding/control">
+  <Id Name="System.Storyboarding.Common.CheckBoxUnchecked" Revision="1" Stencil="System.Storyboarding.Common" StencilVersion="0.1"/>
+</Control>
+</file>
+
 <file path=customXml/item150.xml><?xml version="1.0" encoding="utf-8"?>
 <Control xmlns="http://schemas.microsoft.com/VisualStudio/2011/storyboarding/control">
-  <Id Name="System.Storyboarding.Common.TextInput" Revision="1" Stencil="System.Storyboarding.Common" StencilVersion="0.1"/>
+  <Id Name="System.Storyboarding.Common.TextArea" Revision="1" Stencil="System.Storyboarding.Common" StencilVersion="0.1"/>
 </Control>
 </file>
 
@@ -46347,67 +46347,67 @@
 
 <file path=customXml/item153.xml><?xml version="1.0" encoding="utf-8"?>
 <Control xmlns="http://schemas.microsoft.com/VisualStudio/2011/storyboarding/control">
-  <Id Name="System.Storyboarding.Common.Button" Revision="1" Stencil="System.Storyboarding.Common" StencilVersion="0.1"/>
+  <Id Name="System.Storyboarding.Common.TextArea" Revision="1" Stencil="System.Storyboarding.Common" StencilVersion="0.1"/>
 </Control>
 </file>
 
 <file path=customXml/item154.xml><?xml version="1.0" encoding="utf-8"?>
+<Control xmlns="http://schemas.microsoft.com/VisualStudio/2011/storyboarding/control">
+  <Id Name="System.Storyboarding.Common.MouseClick" Revision="1" Stencil="System.Storyboarding.Common" StencilVersion="0.1"/>
+</Control>
+</file>
+
+<file path=customXml/item155.xml><?xml version="1.0" encoding="utf-8"?>
+<Control xmlns="http://schemas.microsoft.com/VisualStudio/2011/storyboarding/control">
+  <Id Name="System.Storyboarding.Common.CheckBoxUnchecked" Revision="1" Stencil="System.Storyboarding.Common" StencilVersion="0.1"/>
+</Control>
+</file>
+
+<file path=customXml/item156.xml><?xml version="1.0" encoding="utf-8"?>
+<Control xmlns="http://schemas.microsoft.com/VisualStudio/2011/storyboarding/control">
+  <Id Name="System.Storyboarding.Common.TextInput" Revision="1" Stencil="System.Storyboarding.Common" StencilVersion="0.1"/>
+</Control>
+</file>
+
+<file path=customXml/item157.xml><?xml version="1.0" encoding="utf-8"?>
+<Control xmlns="http://schemas.microsoft.com/VisualStudio/2011/storyboarding/control">
+  <Id Name="System.Storyboarding.Common.RadioButtonSelected" Revision="1" Stencil="System.Storyboarding.Common" StencilVersion="0.1"/>
+</Control>
+</file>
+
+<file path=customXml/item158.xml><?xml version="1.0" encoding="utf-8"?>
+<Control xmlns="http://schemas.microsoft.com/VisualStudio/2011/storyboarding/control">
+  <Id Name="System.Storyboarding.Common.TextArea" Revision="1" Stencil="System.Storyboarding.Common" StencilVersion="0.1"/>
+</Control>
+</file>
+
+<file path=customXml/item159.xml><?xml version="1.0" encoding="utf-8"?>
+<Control xmlns="http://schemas.microsoft.com/VisualStudio/2011/storyboarding/control">
+  <Id Name="System.Storyboarding.Common.TextArea" Revision="1" Stencil="System.Storyboarding.Common" StencilVersion="0.1"/>
+</Control>
+</file>
+
+<file path=customXml/item16.xml><?xml version="1.0" encoding="utf-8"?>
+<Control xmlns="http://schemas.microsoft.com/VisualStudio/2011/storyboarding/control">
+  <Id Name="System.Storyboarding.Common.RadioButtonUnselected" Revision="1" Stencil="System.Storyboarding.Common" StencilVersion="0.1"/>
+</Control>
+</file>
+
+<file path=customXml/item160.xml><?xml version="1.0" encoding="utf-8"?>
 <Control xmlns="http://schemas.microsoft.com/VisualStudio/2011/storyboarding/control">
   <Id Name="System.Storyboarding.Common.Button" Revision="1" Stencil="System.Storyboarding.Common" StencilVersion="0.1"/>
 </Control>
 </file>
 
-<file path=customXml/item155.xml><?xml version="1.0" encoding="utf-8"?>
-<Control xmlns="http://schemas.microsoft.com/VisualStudio/2011/storyboarding/control">
-  <Id Name="System.Storyboarding.Common.RadioButtonUnselected" Revision="1" Stencil="System.Storyboarding.Common" StencilVersion="0.1"/>
-</Control>
-</file>
-
-<file path=customXml/item156.xml><?xml version="1.0" encoding="utf-8"?>
+<file path=customXml/item161.xml><?xml version="1.0" encoding="utf-8"?>
 <Control xmlns="http://schemas.microsoft.com/VisualStudio/2011/storyboarding/control">
   <Id Name="System.Storyboarding.Common.CheckBoxChecked" Revision="1" Stencil="System.Storyboarding.Common" StencilVersion="0.1"/>
 </Control>
 </file>
 
-<file path=customXml/item157.xml><?xml version="1.0" encoding="utf-8"?>
+<file path=customXml/item162.xml><?xml version="1.0" encoding="utf-8"?>
 <Control xmlns="http://schemas.microsoft.com/VisualStudio/2011/storyboarding/control">
   <Id Name="System.Storyboarding.Common.TextArea" Revision="1" Stencil="System.Storyboarding.Common" StencilVersion="0.1"/>
-</Control>
-</file>
-
-<file path=customXml/item158.xml><?xml version="1.0" encoding="utf-8"?>
-<Control xmlns="http://schemas.microsoft.com/VisualStudio/2011/storyboarding/control">
-  <Id Name="System.Storyboarding.Common.TextInput" Revision="1" Stencil="System.Storyboarding.Common" StencilVersion="0.1"/>
-</Control>
-</file>
-
-<file path=customXml/item159.xml><?xml version="1.0" encoding="utf-8"?>
-<Control xmlns="http://schemas.microsoft.com/VisualStudio/2011/storyboarding/control">
-  <Id Name="System.Storyboarding.Common.TextInput" Revision="1" Stencil="System.Storyboarding.Common" StencilVersion="0.1"/>
-</Control>
-</file>
-
-<file path=customXml/item16.xml><?xml version="1.0" encoding="utf-8"?>
-<Control xmlns="http://schemas.microsoft.com/VisualStudio/2011/storyboarding/control">
-  <Id Name="System.Storyboarding.Common.TextInput" Revision="1" Stencil="System.Storyboarding.Common" StencilVersion="0.1"/>
-</Control>
-</file>
-
-<file path=customXml/item160.xml><?xml version="1.0" encoding="utf-8"?>
-<Control xmlns="http://schemas.microsoft.com/VisualStudio/2011/storyboarding/control">
-  <Id Name="System.Storyboarding.Common.CheckBoxChecked" Revision="1" Stencil="System.Storyboarding.Common" StencilVersion="0.1"/>
-</Control>
-</file>
-
-<file path=customXml/item161.xml><?xml version="1.0" encoding="utf-8"?>
-<Control xmlns="http://schemas.microsoft.com/VisualStudio/2011/storyboarding/control">
-  <Id Name="System.Storyboarding.Common.TextArea" Revision="1" Stencil="System.Storyboarding.Common" StencilVersion="0.1"/>
-</Control>
-</file>
-
-<file path=customXml/item162.xml><?xml version="1.0" encoding="utf-8"?>
-<Control xmlns="http://schemas.microsoft.com/VisualStudio/2011/storyboarding/control">
-  <Id Name="System.Storyboarding.Common.MousePointer" Revision="1" Stencil="System.Storyboarding.Common" StencilVersion="0.1"/>
 </Control>
 </file>
 
@@ -46419,19 +46419,19 @@
 
 <file path=customXml/item164.xml><?xml version="1.0" encoding="utf-8"?>
 <Control xmlns="http://schemas.microsoft.com/VisualStudio/2011/storyboarding/control">
+  <Id Name="System.Storyboarding.Backgrounds.WebBrowser" Revision="1" Stencil="System.Storyboarding.Backgrounds" StencilVersion="0.1"/>
+</Control>
+</file>
+
+<file path=customXml/item165.xml><?xml version="1.0" encoding="utf-8"?>
+<Control xmlns="http://schemas.microsoft.com/VisualStudio/2011/storyboarding/control">
   <Id Name="System.Storyboarding.Common.TextArea" Revision="1" Stencil="System.Storyboarding.Common" StencilVersion="0.1"/>
 </Control>
 </file>
 
-<file path=customXml/item165.xml><?xml version="1.0" encoding="utf-8"?>
-<Control xmlns="http://schemas.microsoft.com/VisualStudio/2011/storyboarding/control">
-  <Id Name="System.Storyboarding.Common.CheckBoxUnchecked" Revision="1" Stencil="System.Storyboarding.Common" StencilVersion="0.1"/>
-</Control>
-</file>
-
 <file path=customXml/item166.xml><?xml version="1.0" encoding="utf-8"?>
 <Control xmlns="http://schemas.microsoft.com/VisualStudio/2011/storyboarding/control">
-  <Id Name="System.Storyboarding.Common.CheckBoxUnchecked" Revision="1" Stencil="System.Storyboarding.Common" StencilVersion="0.1"/>
+  <Id Name="System.Storyboarding.Common.RadioButtonUnselected" Revision="1" Stencil="System.Storyboarding.Common" StencilVersion="0.1"/>
 </Control>
 </file>
 
@@ -46443,31 +46443,31 @@
 
 <file path=customXml/item168.xml><?xml version="1.0" encoding="utf-8"?>
 <Control xmlns="http://schemas.microsoft.com/VisualStudio/2011/storyboarding/control">
-  <Id Name="System.Storyboarding.Common.RadioButtonUnselected" Revision="1" Stencil="System.Storyboarding.Common" StencilVersion="0.1"/>
+  <Id Name="System.Storyboarding.Common.Button" Revision="1" Stencil="System.Storyboarding.Common" StencilVersion="0.1"/>
 </Control>
 </file>
 
 <file path=customXml/item169.xml><?xml version="1.0" encoding="utf-8"?>
-<Control xmlns="http://schemas.microsoft.com/VisualStudio/2011/storyboarding/control">
-  <Id Name="System.Storyboarding.Common.TextArea" Revision="1" Stencil="System.Storyboarding.Common" StencilVersion="0.1"/>
-</Control>
-</file>
-
-<file path=customXml/item17.xml><?xml version="1.0" encoding="utf-8"?>
 <Control xmlns="http://schemas.microsoft.com/VisualStudio/2011/storyboarding/control">
   <Id Name="System.Storyboarding.Common.TextInput" Revision="1" Stencil="System.Storyboarding.Common" StencilVersion="0.1"/>
 </Control>
 </file>
 
+<file path=customXml/item17.xml><?xml version="1.0" encoding="utf-8"?>
+<Control xmlns="http://schemas.microsoft.com/VisualStudio/2011/storyboarding/control">
+  <Id Name="System.Storyboarding.Common.RadioButtonUnselected" Revision="1" Stencil="System.Storyboarding.Common" StencilVersion="0.1"/>
+</Control>
+</file>
+
 <file path=customXml/item170.xml><?xml version="1.0" encoding="utf-8"?>
 <Control xmlns="http://schemas.microsoft.com/VisualStudio/2011/storyboarding/control">
-  <Id Name="System.Storyboarding.Common.MousePointer" Revision="1" Stencil="System.Storyboarding.Common" StencilVersion="0.1"/>
+  <Id Name="System.Storyboarding.Common.Button" Revision="1" Stencil="System.Storyboarding.Common" StencilVersion="0.1"/>
 </Control>
 </file>
 
 <file path=customXml/item171.xml><?xml version="1.0" encoding="utf-8"?>
 <Control xmlns="http://schemas.microsoft.com/VisualStudio/2011/storyboarding/control">
-  <Id Name="System.Storyboarding.Backgrounds.WindowsPhoneLandscape" Revision="1" Stencil="System.Storyboarding.Backgrounds" StencilVersion="0.1"/>
+  <Id Name="System.Storyboarding.Common.Text" Revision="1" Stencil="System.Storyboarding.Common" StencilVersion="0.1"/>
 </Control>
 </file>
 
@@ -46479,7 +46479,7 @@
 
 <file path=customXml/item173.xml><?xml version="1.0" encoding="utf-8"?>
 <Control xmlns="http://schemas.microsoft.com/VisualStudio/2011/storyboarding/control">
-  <Id Name="System.Storyboarding.Common.TextInput" Revision="1" Stencil="System.Storyboarding.Common" StencilVersion="0.1"/>
+  <Id Name="System.Storyboarding.Common.TextArea" Revision="1" Stencil="System.Storyboarding.Common" StencilVersion="0.1"/>
 </Control>
 </file>
 
@@ -46497,19 +46497,19 @@
 
 <file path=customXml/item176.xml><?xml version="1.0" encoding="utf-8"?>
 <Control xmlns="http://schemas.microsoft.com/VisualStudio/2011/storyboarding/control">
-  <Id Name="System.Storyboarding.Common.CheckBoxChecked" Revision="1" Stencil="System.Storyboarding.Common" StencilVersion="0.1"/>
+  <Id Name="System.Storyboarding.Common.TextArea" Revision="1" Stencil="System.Storyboarding.Common" StencilVersion="0.1"/>
 </Control>
 </file>
 
 <file path=customXml/item177.xml><?xml version="1.0" encoding="utf-8"?>
 <Control xmlns="http://schemas.microsoft.com/VisualStudio/2011/storyboarding/control">
-  <Id Name="System.Storyboarding.Common.TextInput" Revision="1" Stencil="System.Storyboarding.Common" StencilVersion="0.1"/>
+  <Id Name="System.Storyboarding.Annotation.CallOut" Revision="1" Stencil="System.Storyboarding.Annotation" StencilVersion="0.1"/>
 </Control>
 </file>
 
 <file path=customXml/item178.xml><?xml version="1.0" encoding="utf-8"?>
 <Control xmlns="http://schemas.microsoft.com/VisualStudio/2011/storyboarding/control">
-  <Id Name="System.Storyboarding.Common.TextArea" Revision="1" Stencil="System.Storyboarding.Common" StencilVersion="0.1"/>
+  <Id Name="System.Storyboarding.Common.TextInput" Revision="1" Stencil="System.Storyboarding.Common" StencilVersion="0.1"/>
 </Control>
 </file>
 
@@ -46521,85 +46521,85 @@
 
 <file path=customXml/item18.xml><?xml version="1.0" encoding="utf-8"?>
 <Control xmlns="http://schemas.microsoft.com/VisualStudio/2011/storyboarding/control">
+  <Id Name="System.Storyboarding.Common.Button" Revision="1" Stencil="System.Storyboarding.Common" StencilVersion="0.1"/>
+</Control>
+</file>
+
+<file path=customXml/item180.xml><?xml version="1.0" encoding="utf-8"?>
+<Control xmlns="http://schemas.microsoft.com/VisualStudio/2011/storyboarding/control">
+  <Id Name="System.Storyboarding.Common.MousePointer" Revision="1" Stencil="System.Storyboarding.Common" StencilVersion="0.1"/>
+</Control>
+</file>
+
+<file path=customXml/item181.xml><?xml version="1.0" encoding="utf-8"?>
+<Control xmlns="http://schemas.microsoft.com/VisualStudio/2011/storyboarding/control">
+  <Id Name="System.Storyboarding.WindowsPhoneIcons.Check" Revision="1" Stencil="System.Storyboarding.WindowsPhoneIcons" StencilVersion="0.1"/>
+</Control>
+</file>
+
+<file path=customXml/item182.xml><?xml version="1.0" encoding="utf-8"?>
+<Control xmlns="http://schemas.microsoft.com/VisualStudio/2011/storyboarding/control">
   <Id Name="System.Storyboarding.Common.TextInput" Revision="1" Stencil="System.Storyboarding.Common" StencilVersion="0.1"/>
 </Control>
 </file>
 
-<file path=customXml/item180.xml><?xml version="1.0" encoding="utf-8"?>
+<file path=customXml/item183.xml><?xml version="1.0" encoding="utf-8"?>
+<Control xmlns="http://schemas.microsoft.com/VisualStudio/2011/storyboarding/control">
+  <Id Name="System.Storyboarding.Common.TextInput" Revision="1" Stencil="System.Storyboarding.Common" StencilVersion="0.1"/>
+</Control>
+</file>
+
+<file path=customXml/item184.xml><?xml version="1.0" encoding="utf-8"?>
+<Control xmlns="http://schemas.microsoft.com/VisualStudio/2011/storyboarding/control">
+  <Id Name="System.Storyboarding.Common.TextInput" Revision="1" Stencil="System.Storyboarding.Common" StencilVersion="0.1"/>
+</Control>
+</file>
+
+<file path=customXml/item185.xml><?xml version="1.0" encoding="utf-8"?>
+<Control xmlns="http://schemas.microsoft.com/VisualStudio/2011/storyboarding/control">
+  <Id Name="System.Storyboarding.Common.TextInput" Revision="1" Stencil="System.Storyboarding.Common" StencilVersion="0.1"/>
+</Control>
+</file>
+
+<file path=customXml/item186.xml><?xml version="1.0" encoding="utf-8"?>
 <Control xmlns="http://schemas.microsoft.com/VisualStudio/2011/storyboarding/control">
   <Id Name="System.Storyboarding.Common.TextArea" Revision="1" Stencil="System.Storyboarding.Common" StencilVersion="0.1"/>
 </Control>
 </file>
 
-<file path=customXml/item181.xml><?xml version="1.0" encoding="utf-8"?>
+<file path=customXml/item187.xml><?xml version="1.0" encoding="utf-8"?>
 <Control xmlns="http://schemas.microsoft.com/VisualStudio/2011/storyboarding/control">
   <Id Name="System.Storyboarding.Common.RadioButtonUnselected" Revision="1" Stencil="System.Storyboarding.Common" StencilVersion="0.1"/>
 </Control>
 </file>
 
-<file path=customXml/item182.xml><?xml version="1.0" encoding="utf-8"?>
-<Control xmlns="http://schemas.microsoft.com/VisualStudio/2011/storyboarding/control">
-  <Id Name="System.Storyboarding.Common.TextArea" Revision="1" Stencil="System.Storyboarding.Common" StencilVersion="0.1"/>
-</Control>
-</file>
-
-<file path=customXml/item183.xml><?xml version="1.0" encoding="utf-8"?>
-<Control xmlns="http://schemas.microsoft.com/VisualStudio/2011/storyboarding/control">
-  <Id Name="System.Storyboarding.Common.RadioButtonUnselected" Revision="1" Stencil="System.Storyboarding.Common" StencilVersion="0.1"/>
-</Control>
-</file>
-
-<file path=customXml/item184.xml><?xml version="1.0" encoding="utf-8"?>
-<Control xmlns="http://schemas.microsoft.com/VisualStudio/2011/storyboarding/control">
-  <Id Name="System.Storyboarding.Common.TextArea" Revision="1" Stencil="System.Storyboarding.Common" StencilVersion="0.1"/>
-</Control>
-</file>
-
-<file path=customXml/item185.xml><?xml version="1.0" encoding="utf-8"?>
-<Control xmlns="http://schemas.microsoft.com/VisualStudio/2011/storyboarding/control">
-  <Id Name="System.Storyboarding.Common.MouseClick" Revision="1" Stencil="System.Storyboarding.Common" StencilVersion="0.1"/>
-</Control>
-</file>
-
-<file path=customXml/item186.xml><?xml version="1.0" encoding="utf-8"?>
-<Control xmlns="http://schemas.microsoft.com/VisualStudio/2011/storyboarding/control">
-  <Id Name="System.Storyboarding.Common.RadioButtonSelected" Revision="1" Stencil="System.Storyboarding.Common" StencilVersion="0.1"/>
-</Control>
-</file>
-
-<file path=customXml/item187.xml><?xml version="1.0" encoding="utf-8"?>
-<Control xmlns="http://schemas.microsoft.com/VisualStudio/2011/storyboarding/control/v1.0">
-  <Id Name="System.Storyboarding.Common.Breadcrumb" RevisionId="68ea164d-c1de-47a5-804f-d4d1290fa524" Stencil="System.Storyboarding.Common" StencilRevisionId="68ea164d-c1de-47a5-804f-d4d1290fa524" StencilVersion="0.1"/>
-</Control>
-</file>
-
 <file path=customXml/item188.xml><?xml version="1.0" encoding="utf-8"?>
-<Control xmlns="http://schemas.microsoft.com/VisualStudio/2011/storyboarding/control">
-  <Id Name="System.Storyboarding.Common.Button" Revision="1" Stencil="System.Storyboarding.Common" StencilVersion="0.1"/>
-</Control>
-</file>
-
-<file path=customXml/item189.xml><?xml version="1.0" encoding="utf-8"?>
-<Control xmlns="http://schemas.microsoft.com/VisualStudio/2011/storyboarding/control">
-  <Id Name="System.Storyboarding.Common.Button" Revision="1" Stencil="System.Storyboarding.Common" StencilVersion="0.1"/>
-</Control>
-</file>
-
-<file path=customXml/item19.xml><?xml version="1.0" encoding="utf-8"?>
-<Control xmlns="http://schemas.microsoft.com/VisualStudio/2011/storyboarding/control">
-  <Id Name="System.Storyboarding.Backgrounds.WebBrowser" Revision="1" Stencil="System.Storyboarding.Backgrounds" StencilVersion="0.1"/>
-</Control>
-</file>
-
-<file path=customXml/item190.xml><?xml version="1.0" encoding="utf-8"?>
 <Control xmlns="http://schemas.microsoft.com/VisualStudio/2011/storyboarding/control">
   <Id Name="System.Storyboarding.Common.TextInput" Revision="1" Stencil="System.Storyboarding.Common" StencilVersion="0.1"/>
 </Control>
 </file>
 
+<file path=customXml/item189.xml><?xml version="1.0" encoding="utf-8"?>
+<Control xmlns="http://schemas.microsoft.com/VisualStudio/2011/storyboarding/control">
+  <Id Name="System.Storyboarding.Common.TextInput" Revision="1" Stencil="System.Storyboarding.Common" StencilVersion="0.1"/>
+</Control>
+</file>
+
+<file path=customXml/item19.xml><?xml version="1.0" encoding="utf-8"?>
+<Control xmlns="http://schemas.microsoft.com/VisualStudio/2011/storyboarding/control">
+  <Id Name="System.Storyboarding.Common.CheckBoxChecked" Revision="1" Stencil="System.Storyboarding.Common" StencilVersion="0.1"/>
+</Control>
+</file>
+
+<file path=customXml/item190.xml><?xml version="1.0" encoding="utf-8"?>
+<Control xmlns="http://schemas.microsoft.com/VisualStudio/2011/storyboarding/control">
+  <Id Name="System.Storyboarding.Common.Text" Revision="1" Stencil="System.Storyboarding.Common" StencilVersion="0.1"/>
+</Control>
+</file>
+
 <file path=customXml/item191.xml><?xml version="1.0" encoding="utf-8"?>
 <Control xmlns="http://schemas.microsoft.com/VisualStudio/2011/storyboarding/control">
-  <Id Name="System.Storyboarding.Common.RadioButtonSelected" Revision="1" Stencil="System.Storyboarding.Common" StencilVersion="0.1"/>
+  <Id Name="System.Storyboarding.Common.CheckBoxUnchecked" Revision="1" Stencil="System.Storyboarding.Common" StencilVersion="0.1"/>
 </Control>
 </file>
 
@@ -46611,49 +46611,49 @@
 
 <file path=customXml/item193.xml><?xml version="1.0" encoding="utf-8"?>
 <Control xmlns="http://schemas.microsoft.com/VisualStudio/2011/storyboarding/control">
-  <Id Name="System.Storyboarding.Common.TextInput" Revision="1" Stencil="System.Storyboarding.Common" StencilVersion="0.1"/>
+  <Id Name="System.Storyboarding.Common.CheckBoxChecked" Revision="1" Stencil="System.Storyboarding.Common" StencilVersion="0.1"/>
 </Control>
 </file>
 
 <file path=customXml/item194.xml><?xml version="1.0" encoding="utf-8"?>
-<Control xmlns="http://schemas.microsoft.com/VisualStudio/2011/storyboarding/control">
-  <Id Name="System.Storyboarding.Common.Text" Revision="1" Stencil="System.Storyboarding.Common" StencilVersion="0.1"/>
-</Control>
-</file>
-
-<file path=customXml/item195.xml><?xml version="1.0" encoding="utf-8"?>
 <Control xmlns="http://schemas.microsoft.com/VisualStudio/2011/storyboarding/control">
   <Id Name="System.Storyboarding.Common.TextInput" Revision="1" Stencil="System.Storyboarding.Common" StencilVersion="0.1"/>
 </Control>
 </file>
 
-<file path=customXml/item196.xml><?xml version="1.0" encoding="utf-8"?>
-<Control xmlns="http://schemas.microsoft.com/VisualStudio/2011/storyboarding/control">
-  <Id Name="System.Storyboarding.Common.TextInput" Revision="1" Stencil="System.Storyboarding.Common" StencilVersion="0.1"/>
-</Control>
-</file>
-
-<file path=customXml/item197.xml><?xml version="1.0" encoding="utf-8"?>
-<Control xmlns="http://schemas.microsoft.com/VisualStudio/2011/storyboarding/control">
-  <Id Name="System.Storyboarding.Common.TextInput" Revision="1" Stencil="System.Storyboarding.Common" StencilVersion="0.1"/>
-</Control>
-</file>
-
-<file path=customXml/item198.xml><?xml version="1.0" encoding="utf-8"?>
-<Control xmlns="http://schemas.microsoft.com/VisualStudio/2011/storyboarding/control">
-  <Id Name="System.Storyboarding.Common.ProgressBar" Revision="1" Stencil="System.Storyboarding.Common" StencilVersion="0.1"/>
-</Control>
-</file>
-
-<file path=customXml/item199.xml><?xml version="1.0" encoding="utf-8"?>
+<file path=customXml/item195.xml><?xml version="1.0" encoding="utf-8"?>
 <Control xmlns="http://schemas.microsoft.com/VisualStudio/2011/storyboarding/control">
   <Id Name="System.Storyboarding.Common.TextArea" Revision="1" Stencil="System.Storyboarding.Common" StencilVersion="0.1"/>
 </Control>
 </file>
 
+<file path=customXml/item196.xml><?xml version="1.0" encoding="utf-8"?>
+<Control xmlns="http://schemas.microsoft.com/VisualStudio/2011/storyboarding/control">
+  <Id Name="System.Storyboarding.Common.CheckBoxUnchecked" Revision="1" Stencil="System.Storyboarding.Common" StencilVersion="0.1"/>
+</Control>
+</file>
+
+<file path=customXml/item197.xml><?xml version="1.0" encoding="utf-8"?>
+<Control xmlns="http://schemas.microsoft.com/VisualStudio/2011/storyboarding/control">
+  <Id Name="System.Storyboarding.Common.RadioButtonSelected" Revision="1" Stencil="System.Storyboarding.Common" StencilVersion="0.1"/>
+</Control>
+</file>
+
+<file path=customXml/item198.xml><?xml version="1.0" encoding="utf-8"?>
+<Control xmlns="http://schemas.microsoft.com/VisualStudio/2011/storyboarding/control">
+  <Id Name="System.Storyboarding.Common.RadioButtonUnselected" Revision="1" Stencil="System.Storyboarding.Common" StencilVersion="0.1"/>
+</Control>
+</file>
+
+<file path=customXml/item199.xml><?xml version="1.0" encoding="utf-8"?>
+<Control xmlns="http://schemas.microsoft.com/VisualStudio/2011/storyboarding/control">
+  <Id Name="System.Storyboarding.Common.Button" Revision="1" Stencil="System.Storyboarding.Common" StencilVersion="0.1"/>
+</Control>
+</file>
+
 <file path=customXml/item2.xml><?xml version="1.0" encoding="utf-8"?>
 <Control xmlns="http://schemas.microsoft.com/VisualStudio/2011/storyboarding/control">
-  <Id Name="System.Storyboarding.Common.RadioButtonUnselected" Revision="1" Stencil="System.Storyboarding.Common" StencilVersion="0.1"/>
+  <Id Name="System.Storyboarding.Common.Button" Revision="1" Stencil="System.Storyboarding.Common" StencilVersion="0.1"/>
 </Control>
 </file>
 
@@ -46665,13 +46665,13 @@
 
 <file path=customXml/item200.xml><?xml version="1.0" encoding="utf-8"?>
 <Control xmlns="http://schemas.microsoft.com/VisualStudio/2011/storyboarding/control">
-  <Id Name="System.Storyboarding.Common.TextInput" Revision="1" Stencil="System.Storyboarding.Common" StencilVersion="0.1"/>
+  <Id Name="System.Storyboarding.Common.Button" Revision="1" Stencil="System.Storyboarding.Common" StencilVersion="0.1"/>
 </Control>
 </file>
 
 <file path=customXml/item201.xml><?xml version="1.0" encoding="utf-8"?>
 <Control xmlns="http://schemas.microsoft.com/VisualStudio/2011/storyboarding/control">
-  <Id Name="System.Storyboarding.Common.TextArea" Revision="1" Stencil="System.Storyboarding.Common" StencilVersion="0.1"/>
+  <Id Name="System.Storyboarding.Common.MousePointer" Revision="1" Stencil="System.Storyboarding.Common" StencilVersion="0.1"/>
 </Control>
 </file>
 
@@ -46689,43 +46689,43 @@
 
 <file path=customXml/item204.xml><?xml version="1.0" encoding="utf-8"?>
 <Control xmlns="http://schemas.microsoft.com/VisualStudio/2011/storyboarding/control">
+  <Id Name="System.Storyboarding.Common.TextArea" Revision="1" Stencil="System.Storyboarding.Common" StencilVersion="0.1"/>
+</Control>
+</file>
+
+<file path=customXml/item205.xml><?xml version="1.0" encoding="utf-8"?>
+<Control xmlns="http://schemas.microsoft.com/VisualStudio/2011/storyboarding/control">
   <Id Name="System.Storyboarding.Common.TextInput" Revision="1" Stencil="System.Storyboarding.Common" StencilVersion="0.1"/>
 </Control>
 </file>
 
-<file path=customXml/item205.xml><?xml version="1.0" encoding="utf-8"?>
-<Control xmlns="http://schemas.microsoft.com/VisualStudio/2011/storyboarding/control">
-  <Id Name="System.Storyboarding.Common.TextArea" Revision="1" Stencil="System.Storyboarding.Common" StencilVersion="0.1"/>
-</Control>
-</file>
-
 <file path=customXml/item206.xml><?xml version="1.0" encoding="utf-8"?>
 <Control xmlns="http://schemas.microsoft.com/VisualStudio/2011/storyboarding/control">
-  <Id Name="System.Storyboarding.Common.TextArea" Revision="1" Stencil="System.Storyboarding.Common" StencilVersion="0.1"/>
+  <Id Name="System.Storyboarding.Common.TextInput" Revision="1" Stencil="System.Storyboarding.Common" StencilVersion="0.1"/>
 </Control>
 </file>
 
 <file path=customXml/item207.xml><?xml version="1.0" encoding="utf-8"?>
 <Control xmlns="http://schemas.microsoft.com/VisualStudio/2011/storyboarding/control">
-  <Id Name="System.Storyboarding.Common.TextArea" Revision="1" Stencil="System.Storyboarding.Common" StencilVersion="0.1"/>
+  <Id Name="System.Storyboarding.Common.TextInput" Revision="1" Stencil="System.Storyboarding.Common" StencilVersion="0.1"/>
 </Control>
 </file>
 
 <file path=customXml/item208.xml><?xml version="1.0" encoding="utf-8"?>
 <Control xmlns="http://schemas.microsoft.com/VisualStudio/2011/storyboarding/control">
-  <Id Name="System.Storyboarding.Common.RadioButtonUnselected" Revision="1" Stencil="System.Storyboarding.Common" StencilVersion="0.1"/>
+  <Id Name="System.Storyboarding.Backgrounds.WebBrowser" Revision="1" Stencil="System.Storyboarding.Backgrounds" StencilVersion="0.1"/>
 </Control>
 </file>
 
 <file path=customXml/item209.xml><?xml version="1.0" encoding="utf-8"?>
 <Control xmlns="http://schemas.microsoft.com/VisualStudio/2011/storyboarding/control">
-  <Id Name="System.Storyboarding.Common.MousePointer" Revision="1" Stencil="System.Storyboarding.Common" StencilVersion="0.1"/>
+  <Id Name="System.Storyboarding.Common.TextInput" Revision="1" Stencil="System.Storyboarding.Common" StencilVersion="0.1"/>
 </Control>
 </file>
 
 <file path=customXml/item21.xml><?xml version="1.0" encoding="utf-8"?>
 <Control xmlns="http://schemas.microsoft.com/VisualStudio/2011/storyboarding/control">
-  <Id Name="System.Storyboarding.Common.Button" Revision="1" Stencil="System.Storyboarding.Common" StencilVersion="0.1"/>
+  <Id Name="System.Storyboarding.Common.TextInput" Revision="1" Stencil="System.Storyboarding.Common" StencilVersion="0.1"/>
 </Control>
 </file>
 
@@ -46737,13 +46737,13 @@
 
 <file path=customXml/item211.xml><?xml version="1.0" encoding="utf-8"?>
 <Control xmlns="http://schemas.microsoft.com/VisualStudio/2011/storyboarding/control">
-  <Id Name="System.Storyboarding.Common.TextInput" Revision="1" Stencil="System.Storyboarding.Common" StencilVersion="0.1"/>
+  <Id Name="System.Storyboarding.Common.CheckBoxUnchecked" Revision="1" Stencil="System.Storyboarding.Common" StencilVersion="0.1"/>
 </Control>
 </file>
 
 <file path=customXml/item212.xml><?xml version="1.0" encoding="utf-8"?>
 <Control xmlns="http://schemas.microsoft.com/VisualStudio/2011/storyboarding/control">
-  <Id Name="System.Storyboarding.Common.CheckBoxChecked" Revision="1" Stencil="System.Storyboarding.Common" StencilVersion="0.1"/>
+  <Id Name="System.Storyboarding.Common.CheckBoxUnchecked" Revision="1" Stencil="System.Storyboarding.Common" StencilVersion="0.1"/>
 </Control>
 </file>
 
@@ -46755,37 +46755,37 @@
 
 <file path=customXml/item214.xml><?xml version="1.0" encoding="utf-8"?>
 <Control xmlns="http://schemas.microsoft.com/VisualStudio/2011/storyboarding/control">
-  <Id Name="System.Storyboarding.Common.TextInput" Revision="1" Stencil="System.Storyboarding.Common" StencilVersion="0.1"/>
+  <Id Name="System.Storyboarding.Backgrounds.SharePoint" Revision="1" Stencil="System.Storyboarding.Backgrounds" StencilVersion="0.1"/>
 </Control>
 </file>
 
 <file path=customXml/item215.xml><?xml version="1.0" encoding="utf-8"?>
-<Control xmlns="http://schemas.microsoft.com/VisualStudio/2011/storyboarding/control/v1.0">
-  <Id Name="System.Storyboarding.Common.SearchBox" RevisionId="68ea164d-c1de-47a5-804f-d4d1290fa524" Stencil="System.Storyboarding.Common" StencilRevisionId="68ea164d-c1de-47a5-804f-d4d1290fa524" StencilVersion="0.1"/>
-</Control>
-</file>
-
-<file path=customXml/item216.xml><?xml version="1.0" encoding="utf-8"?>
 <Control xmlns="http://schemas.microsoft.com/VisualStudio/2011/storyboarding/control">
   <Id Name="System.Storyboarding.Common.TextArea" Revision="1" Stencil="System.Storyboarding.Common" StencilVersion="0.1"/>
 </Control>
 </file>
 
+<file path=customXml/item216.xml><?xml version="1.0" encoding="utf-8"?>
+<Control xmlns="http://schemas.microsoft.com/VisualStudio/2011/storyboarding/control">
+  <Id Name="System.Storyboarding.Common.RadioButtonUnselected" Revision="1" Stencil="System.Storyboarding.Common" StencilVersion="0.1"/>
+</Control>
+</file>
+
 <file path=customXml/item217.xml><?xml version="1.0" encoding="utf-8"?>
 <Control xmlns="http://schemas.microsoft.com/VisualStudio/2011/storyboarding/control">
-  <Id Name="System.Storyboarding.Common.TextArea" Revision="1" Stencil="System.Storyboarding.Common" StencilVersion="0.1"/>
+  <Id Name="System.Storyboarding.Common.CheckBoxChecked" Revision="1" Stencil="System.Storyboarding.Common" StencilVersion="0.1"/>
 </Control>
 </file>
 
 <file path=customXml/item218.xml><?xml version="1.0" encoding="utf-8"?>
 <Control xmlns="http://schemas.microsoft.com/VisualStudio/2011/storyboarding/control">
-  <Id Name="System.Storyboarding.Common.ProgressBar" Revision="1" Stencil="System.Storyboarding.Common" StencilVersion="0.1"/>
+  <Id Name="System.Storyboarding.Common.TextInput" Revision="1" Stencil="System.Storyboarding.Common" StencilVersion="0.1"/>
 </Control>
 </file>
 
 <file path=customXml/item219.xml><?xml version="1.0" encoding="utf-8"?>
 <Control xmlns="http://schemas.microsoft.com/VisualStudio/2011/storyboarding/control">
-  <Id Name="System.Storyboarding.Common.TextArea" Revision="1" Stencil="System.Storyboarding.Common" StencilVersion="0.1"/>
+  <Id Name="System.Storyboarding.Common.Button" Revision="1" Stencil="System.Storyboarding.Common" StencilVersion="0.1"/>
 </Control>
 </file>
 
@@ -46797,43 +46797,43 @@
 
 <file path=customXml/item220.xml><?xml version="1.0" encoding="utf-8"?>
 <Control xmlns="http://schemas.microsoft.com/VisualStudio/2011/storyboarding/control">
-  <Id Name="System.Storyboarding.Common.TextInput" Revision="1" Stencil="System.Storyboarding.Common" StencilVersion="0.1"/>
+  <Id Name="System.Storyboarding.Common.Button" Revision="1" Stencil="System.Storyboarding.Common" StencilVersion="0.1"/>
 </Control>
 </file>
 
 <file path=customXml/item221.xml><?xml version="1.0" encoding="utf-8"?>
 <Control xmlns="http://schemas.microsoft.com/VisualStudio/2011/storyboarding/control">
-  <Id Name="System.Storyboarding.Common.TextInput" Revision="1" Stencil="System.Storyboarding.Common" StencilVersion="0.1"/>
+  <Id Name="System.Storyboarding.Common.RadioButtonUnselected" Revision="1" Stencil="System.Storyboarding.Common" StencilVersion="0.1"/>
 </Control>
 </file>
 
 <file path=customXml/item222.xml><?xml version="1.0" encoding="utf-8"?>
+<Control xmlns="http://schemas.microsoft.com/VisualStudio/2011/storyboarding/control">
+  <Id Name="System.Storyboarding.Common.CheckBoxChecked" Revision="1" Stencil="System.Storyboarding.Common" StencilVersion="0.1"/>
+</Control>
+</file>
+
+<file path=customXml/item223.xml><?xml version="1.0" encoding="utf-8"?>
 <Control xmlns="http://schemas.microsoft.com/VisualStudio/2011/storyboarding/control">
   <Id Name="System.Storyboarding.Common.TextArea" Revision="1" Stencil="System.Storyboarding.Common" StencilVersion="0.1"/>
 </Control>
 </file>
 
-<file path=customXml/item223.xml><?xml version="1.0" encoding="utf-8"?>
+<file path=customXml/item224.xml><?xml version="1.0" encoding="utf-8"?>
+<Control xmlns="http://schemas.microsoft.com/VisualStudio/2011/storyboarding/control">
+  <Id Name="System.Storyboarding.Common.TextArea" Revision="1" Stencil="System.Storyboarding.Common" StencilVersion="0.1"/>
+</Control>
+</file>
+
+<file path=customXml/item225.xml><?xml version="1.0" encoding="utf-8"?>
+<Control xmlns="http://schemas.microsoft.com/VisualStudio/2011/storyboarding/control/v1.0">
+  <Id Name="System.Storyboarding.Common.Text" RevisionId="68ea164d-c1de-47a5-804f-d4d1290fa524" Stencil="System.Storyboarding.Common" StencilRevisionId="68ea164d-c1de-47a5-804f-d4d1290fa524" StencilVersion="0.1"/>
+</Control>
+</file>
+
+<file path=customXml/item226.xml><?xml version="1.0" encoding="utf-8"?>
 <Control xmlns="http://schemas.microsoft.com/VisualStudio/2011/storyboarding/control">
   <Id Name="System.Storyboarding.Common.RadioButtonUnselected" Revision="1" Stencil="System.Storyboarding.Common" StencilVersion="0.1"/>
-</Control>
-</file>
-
-<file path=customXml/item224.xml><?xml version="1.0" encoding="utf-8"?>
-<Control xmlns="http://schemas.microsoft.com/VisualStudio/2011/storyboarding/control">
-  <Id Name="System.Storyboarding.Common.TextInput" Revision="1" Stencil="System.Storyboarding.Common" StencilVersion="0.1"/>
-</Control>
-</file>
-
-<file path=customXml/item225.xml><?xml version="1.0" encoding="utf-8"?>
-<Control xmlns="http://schemas.microsoft.com/VisualStudio/2011/storyboarding/control">
-  <Id Name="System.Storyboarding.Common.RadioButtonUnselected" Revision="1" Stencil="System.Storyboarding.Common" StencilVersion="0.1"/>
-</Control>
-</file>
-
-<file path=customXml/item226.xml><?xml version="1.0" encoding="utf-8"?>
-<Control xmlns="http://schemas.microsoft.com/VisualStudio/2011/storyboarding/control">
-  <Id Name="System.Storyboarding.Common.TextArea" Revision="1" Stencil="System.Storyboarding.Common" StencilVersion="0.1"/>
 </Control>
 </file>
 
@@ -46851,7 +46851,7 @@
 
 <file path=customXml/item229.xml><?xml version="1.0" encoding="utf-8"?>
 <Control xmlns="http://schemas.microsoft.com/VisualStudio/2011/storyboarding/control">
-  <Id Name="System.Storyboarding.Common.TextInput" Revision="1" Stencil="System.Storyboarding.Common" StencilVersion="0.1"/>
+  <Id Name="System.Storyboarding.Common.TextArea" Revision="1" Stencil="System.Storyboarding.Common" StencilVersion="0.1"/>
 </Control>
 </file>
 
@@ -46863,7 +46863,7 @@
 
 <file path=customXml/item230.xml><?xml version="1.0" encoding="utf-8"?>
 <Control xmlns="http://schemas.microsoft.com/VisualStudio/2011/storyboarding/control">
-  <Id Name="System.Storyboarding.Common.CheckBoxUnchecked" Revision="1" Stencil="System.Storyboarding.Common" StencilVersion="0.1"/>
+  <Id Name="System.Storyboarding.Common.TextInput" Revision="1" Stencil="System.Storyboarding.Common" StencilVersion="0.1"/>
 </Control>
 </file>
 
@@ -46875,49 +46875,49 @@
 
 <file path=customXml/item232.xml><?xml version="1.0" encoding="utf-8"?>
 <Control xmlns="http://schemas.microsoft.com/VisualStudio/2011/storyboarding/control">
-  <Id Name="System.Storyboarding.Common.TextArea" Revision="1" Stencil="System.Storyboarding.Common" StencilVersion="0.1"/>
-</Control>
-</file>
-
-<file path=customXml/item233.xml><?xml version="1.0" encoding="utf-8"?>
-<Control xmlns="http://schemas.microsoft.com/VisualStudio/2011/storyboarding/control">
-  <Id Name="System.Storyboarding.Common.RadioButtonSelected" Revision="1" Stencil="System.Storyboarding.Common" StencilVersion="0.1"/>
-</Control>
-</file>
-
-<file path=customXml/item234.xml><?xml version="1.0" encoding="utf-8"?>
-<Control xmlns="http://schemas.microsoft.com/VisualStudio/2011/storyboarding/control">
-  <Id Name="System.Storyboarding.Common.RadioButtonSelected" Revision="1" Stencil="System.Storyboarding.Common" StencilVersion="0.1"/>
-</Control>
-</file>
-
-<file path=customXml/item235.xml><?xml version="1.0" encoding="utf-8"?>
-<Control xmlns="http://schemas.microsoft.com/VisualStudio/2011/storyboarding/control">
   <Id Name="System.Storyboarding.Common.RadioButtonUnselected" Revision="1" Stencil="System.Storyboarding.Common" StencilVersion="0.1"/>
 </Control>
 </file>
 
-<file path=customXml/item236.xml><?xml version="1.0" encoding="utf-8"?>
+<file path=customXml/item233.xml><?xml version="1.0" encoding="utf-8"?>
 <Control xmlns="http://schemas.microsoft.com/VisualStudio/2011/storyboarding/control">
   <Id Name="System.Storyboarding.Common.TextInput" Revision="1" Stencil="System.Storyboarding.Common" StencilVersion="0.1"/>
 </Control>
 </file>
 
-<file path=customXml/item237.xml><?xml version="1.0" encoding="utf-8"?>
+<file path=customXml/item234.xml><?xml version="1.0" encoding="utf-8"?>
 <Control xmlns="http://schemas.microsoft.com/VisualStudio/2011/storyboarding/control">
   <Id Name="System.Storyboarding.Common.TextInput" Revision="1" Stencil="System.Storyboarding.Common" StencilVersion="0.1"/>
 </Control>
 </file>
 
-<file path=customXml/item238.xml><?xml version="1.0" encoding="utf-8"?>
+<file path=customXml/item235.xml><?xml version="1.0" encoding="utf-8"?>
 <Control xmlns="http://schemas.microsoft.com/VisualStudio/2011/storyboarding/control">
   <Id Name="System.Storyboarding.Common.TextInput" Revision="1" Stencil="System.Storyboarding.Common" StencilVersion="0.1"/>
 </Control>
 </file>
 
+<file path=customXml/item236.xml><?xml version="1.0" encoding="utf-8"?>
+<Control xmlns="http://schemas.microsoft.com/VisualStudio/2011/storyboarding/control">
+  <Id Name="System.Storyboarding.Common.TextArea" Revision="1" Stencil="System.Storyboarding.Common" StencilVersion="0.1"/>
+</Control>
+</file>
+
+<file path=customXml/item237.xml><?xml version="1.0" encoding="utf-8"?>
+<Control xmlns="http://schemas.microsoft.com/VisualStudio/2011/storyboarding/control">
+  <Id Name="System.Storyboarding.Common.CheckBoxUnchecked" Revision="1" Stencil="System.Storyboarding.Common" StencilVersion="0.1"/>
+</Control>
+</file>
+
+<file path=customXml/item238.xml><?xml version="1.0" encoding="utf-8"?>
+<Control xmlns="http://schemas.microsoft.com/VisualStudio/2011/storyboarding/control/v1.0">
+  <Id Name="System.Storyboarding.Common.Breadcrumb" RevisionId="68ea164d-c1de-47a5-804f-d4d1290fa524" Stencil="System.Storyboarding.Common" StencilRevisionId="68ea164d-c1de-47a5-804f-d4d1290fa524" StencilVersion="0.1"/>
+</Control>
+</file>
+
 <file path=customXml/item239.xml><?xml version="1.0" encoding="utf-8"?>
 <Control xmlns="http://schemas.microsoft.com/VisualStudio/2011/storyboarding/control">
-  <Id Name="System.Storyboarding.Common.TextInput" Revision="1" Stencil="System.Storyboarding.Common" StencilVersion="0.1"/>
+  <Id Name="System.Storyboarding.Common.TextArea" Revision="1" Stencil="System.Storyboarding.Common" StencilVersion="0.1"/>
 </Control>
 </file>
 
@@ -46935,25 +46935,25 @@
 
 <file path=customXml/item241.xml><?xml version="1.0" encoding="utf-8"?>
 <Control xmlns="http://schemas.microsoft.com/VisualStudio/2011/storyboarding/control">
-  <Id Name="System.Storyboarding.Common.Button" Revision="1" Stencil="System.Storyboarding.Common" StencilVersion="0.1"/>
+  <Id Name="System.Storyboarding.Common.RadioButtonUnselected" Revision="1" Stencil="System.Storyboarding.Common" StencilVersion="0.1"/>
 </Control>
 </file>
 
 <file path=customXml/item242.xml><?xml version="1.0" encoding="utf-8"?>
+<Control xmlns="http://schemas.microsoft.com/VisualStudio/2011/storyboarding/control">
+  <Id Name="System.Storyboarding.Common.CheckBoxUnchecked" Revision="1" Stencil="System.Storyboarding.Common" StencilVersion="0.1"/>
+</Control>
+</file>
+
+<file path=customXml/item243.xml><?xml version="1.0" encoding="utf-8"?>
 <Control xmlns="http://schemas.microsoft.com/VisualStudio/2011/storyboarding/control">
   <Id Name="System.Storyboarding.Common.TextInput" Revision="1" Stencil="System.Storyboarding.Common" StencilVersion="0.1"/>
 </Control>
 </file>
 
-<file path=customXml/item243.xml><?xml version="1.0" encoding="utf-8"?>
-<Control xmlns="http://schemas.microsoft.com/VisualStudio/2011/storyboarding/control/v1.0">
-  <Id Name="System.Storyboarding.Common.Text" RevisionId="68ea164d-c1de-47a5-804f-d4d1290fa524" Stencil="System.Storyboarding.Common" StencilRevisionId="68ea164d-c1de-47a5-804f-d4d1290fa524" StencilVersion="0.1"/>
-</Control>
-</file>
-
 <file path=customXml/item244.xml><?xml version="1.0" encoding="utf-8"?>
 <Control xmlns="http://schemas.microsoft.com/VisualStudio/2011/storyboarding/control">
-  <Id Name="fd7d7bed-114e-464c-a4f1-01a512005949" Revision="1" Stencil="System.MyShapes" StencilVersion="1.0"/>
+  <Id Name="System.Storyboarding.Common.TextInput" Revision="1" Stencil="System.Storyboarding.Common" StencilVersion="0.1"/>
 </Control>
 </file>
 
@@ -46965,13 +46965,13 @@
 
 <file path=customXml/item246.xml><?xml version="1.0" encoding="utf-8"?>
 <Control xmlns="http://schemas.microsoft.com/VisualStudio/2011/storyboarding/control">
-  <Id Name="System.Storyboarding.Common.CheckBoxUnchecked" Revision="1" Stencil="System.Storyboarding.Common" StencilVersion="0.1"/>
+  <Id Name="System.Storyboarding.Common.CheckBoxChecked" Revision="1" Stencil="System.Storyboarding.Common" StencilVersion="0.1"/>
 </Control>
 </file>
 
 <file path=customXml/item247.xml><?xml version="1.0" encoding="utf-8"?>
 <Control xmlns="http://schemas.microsoft.com/VisualStudio/2011/storyboarding/control">
-  <Id Name="System.Storyboarding.Common.RadioButtonUnselected" Revision="1" Stencil="System.Storyboarding.Common" StencilVersion="0.1"/>
+  <Id Name="System.Storyboarding.Common.RadioButtonSelected" Revision="1" Stencil="System.Storyboarding.Common" StencilVersion="0.1"/>
 </Control>
 </file>
 
@@ -46983,67 +46983,67 @@
 
 <file path=customXml/item249.xml><?xml version="1.0" encoding="utf-8"?>
 <Control xmlns="http://schemas.microsoft.com/VisualStudio/2011/storyboarding/control">
+  <Id Name="System.Storyboarding.Common.Button" Revision="1" Stencil="System.Storyboarding.Common" StencilVersion="0.1"/>
+</Control>
+</file>
+
+<file path=customXml/item25.xml><?xml version="1.0" encoding="utf-8"?>
+<Control xmlns="http://schemas.microsoft.com/VisualStudio/2011/storyboarding/control">
+  <Id Name="System.Storyboarding.Common.TextInput" Revision="1" Stencil="System.Storyboarding.Common" StencilVersion="0.1"/>
+</Control>
+</file>
+
+<file path=customXml/item250.xml><?xml version="1.0" encoding="utf-8"?>
+<Control xmlns="http://schemas.microsoft.com/VisualStudio/2011/storyboarding/control">
   <Id Name="System.Storyboarding.Common.TextArea" Revision="1" Stencil="System.Storyboarding.Common" StencilVersion="0.1"/>
 </Control>
 </file>
 
-<file path=customXml/item25.xml><?xml version="1.0" encoding="utf-8"?>
+<file path=customXml/item251.xml><?xml version="1.0" encoding="utf-8"?>
 <Control xmlns="http://schemas.microsoft.com/VisualStudio/2011/storyboarding/control">
   <Id Name="System.Storyboarding.Common.CheckBoxChecked" Revision="1" Stencil="System.Storyboarding.Common" StencilVersion="0.1"/>
 </Control>
 </file>
 
-<file path=customXml/item250.xml><?xml version="1.0" encoding="utf-8"?>
+<file path=customXml/item252.xml><?xml version="1.0" encoding="utf-8"?>
+<Control xmlns="http://schemas.microsoft.com/VisualStudio/2011/storyboarding/control">
+  <Id Name="System.Storyboarding.Common.RadioButtonUnselected" Revision="1" Stencil="System.Storyboarding.Common" StencilVersion="0.1"/>
+</Control>
+</file>
+
+<file path=customXml/item253.xml><?xml version="1.0" encoding="utf-8"?>
+<Control xmlns="http://schemas.microsoft.com/VisualStudio/2011/storyboarding/control">
+  <Id Name="System.Storyboarding.Common.TextArea" Revision="1" Stencil="System.Storyboarding.Common" StencilVersion="0.1"/>
+</Control>
+</file>
+
+<file path=customXml/item254.xml><?xml version="1.0" encoding="utf-8"?>
 <Control xmlns="http://schemas.microsoft.com/VisualStudio/2011/storyboarding/control">
   <Id Name="System.Storyboarding.Common.CheckBoxChecked" Revision="1" Stencil="System.Storyboarding.Common" StencilVersion="0.1"/>
 </Control>
 </file>
 
-<file path=customXml/item251.xml><?xml version="1.0" encoding="utf-8"?>
+<file path=customXml/item255.xml><?xml version="1.0" encoding="utf-8"?>
+<Control xmlns="http://schemas.microsoft.com/VisualStudio/2011/storyboarding/control">
+  <Id Name="System.Storyboarding.Common.TextInput" Revision="1" Stencil="System.Storyboarding.Common" StencilVersion="0.1"/>
+</Control>
+</file>
+
+<file path=customXml/item256.xml><?xml version="1.0" encoding="utf-8"?>
 <Control xmlns="http://schemas.microsoft.com/VisualStudio/2011/storyboarding/control">
   <Id Name="System.Storyboarding.Common.TextArea" Revision="1" Stencil="System.Storyboarding.Common" StencilVersion="0.1"/>
 </Control>
 </file>
 
-<file path=customXml/item252.xml><?xml version="1.0" encoding="utf-8"?>
-<Control xmlns="http://schemas.microsoft.com/VisualStudio/2011/storyboarding/control">
-  <Id Name="System.Storyboarding.Backgrounds.WebBrowser" Revision="1" Stencil="System.Storyboarding.Backgrounds" StencilVersion="0.1"/>
-</Control>
-</file>
-
-<file path=customXml/item253.xml><?xml version="1.0" encoding="utf-8"?>
-<Control xmlns="http://schemas.microsoft.com/VisualStudio/2011/storyboarding/control">
-  <Id Name="System.Storyboarding.Common.TextInput" Revision="1" Stencil="System.Storyboarding.Common" StencilVersion="0.1"/>
-</Control>
-</file>
-
-<file path=customXml/item254.xml><?xml version="1.0" encoding="utf-8"?>
-<Control xmlns="http://schemas.microsoft.com/VisualStudio/2011/storyboarding/control">
-  <Id Name="System.Storyboarding.Common.TextInput" Revision="1" Stencil="System.Storyboarding.Common" StencilVersion="0.1"/>
-</Control>
-</file>
-
-<file path=customXml/item255.xml><?xml version="1.0" encoding="utf-8"?>
-<Control xmlns="http://schemas.microsoft.com/VisualStudio/2011/storyboarding/control">
-  <Id Name="System.Storyboarding.Common.Button" Revision="1" Stencil="System.Storyboarding.Common" StencilVersion="0.1"/>
-</Control>
-</file>
-
-<file path=customXml/item256.xml><?xml version="1.0" encoding="utf-8"?>
-<Control xmlns="http://schemas.microsoft.com/VisualStudio/2011/storyboarding/control">
-  <Id Name="System.Storyboarding.Common.TextInput" Revision="1" Stencil="System.Storyboarding.Common" StencilVersion="0.1"/>
-</Control>
-</file>
-
 <file path=customXml/item257.xml><?xml version="1.0" encoding="utf-8"?>
 <Control xmlns="http://schemas.microsoft.com/VisualStudio/2011/storyboarding/control">
-  <Id Name="System.Storyboarding.Common.CheckBoxChecked" Revision="1" Stencil="System.Storyboarding.Common" StencilVersion="0.1"/>
+  <Id Name="System.Storyboarding.Common.TextArea" Revision="1" Stencil="System.Storyboarding.Common" StencilVersion="0.1"/>
 </Control>
 </file>
 
 <file path=customXml/item258.xml><?xml version="1.0" encoding="utf-8"?>
 <Control xmlns="http://schemas.microsoft.com/VisualStudio/2011/storyboarding/control">
-  <Id Name="System.Storyboarding.Common.TextInput" Revision="1" Stencil="System.Storyboarding.Common" StencilVersion="0.1"/>
+  <Id Name="System.Storyboarding.Common.CheckBoxChecked" Revision="1" Stencil="System.Storyboarding.Common" StencilVersion="0.1"/>
 </Control>
 </file>
 
@@ -47061,37 +47061,37 @@
 
 <file path=customXml/item260.xml><?xml version="1.0" encoding="utf-8"?>
 <Control xmlns="http://schemas.microsoft.com/VisualStudio/2011/storyboarding/control">
-  <Id Name="System.Storyboarding.Common.TextInput" Revision="1" Stencil="System.Storyboarding.Common" StencilVersion="0.1"/>
+  <Id Name="System.Storyboarding.Common.ProgressBar" Revision="1" Stencil="System.Storyboarding.Common" StencilVersion="0.1"/>
 </Control>
 </file>
 
 <file path=customXml/item261.xml><?xml version="1.0" encoding="utf-8"?>
 <Control xmlns="http://schemas.microsoft.com/VisualStudio/2011/storyboarding/control">
-  <Id Name="System.Storyboarding.Common.TextInput" Revision="1" Stencil="System.Storyboarding.Common" StencilVersion="0.1"/>
+  <Id Name="System.Storyboarding.Common.MousePointer" Revision="1" Stencil="System.Storyboarding.Common" StencilVersion="0.1"/>
 </Control>
 </file>
 
 <file path=customXml/item262.xml><?xml version="1.0" encoding="utf-8"?>
-<Control xmlns="http://schemas.microsoft.com/VisualStudio/2011/storyboarding/control">
-  <Id Name="System.Storyboarding.Backgrounds.WebBrowser" Revision="1" Stencil="System.Storyboarding.Backgrounds" StencilVersion="0.1"/>
-</Control>
-</file>
-
-<file path=customXml/item263.xml><?xml version="1.0" encoding="utf-8"?>
-<Control xmlns="http://schemas.microsoft.com/VisualStudio/2011/storyboarding/control">
-  <Id Name="System.Storyboarding.Common.TextInput" Revision="1" Stencil="System.Storyboarding.Common" StencilVersion="0.1"/>
-</Control>
-</file>
-
-<file path=customXml/item264.xml><?xml version="1.0" encoding="utf-8"?>
 <Control xmlns="http://schemas.microsoft.com/VisualStudio/2011/storyboarding/control">
   <Id Name="System.Storyboarding.Common.RadioButtonUnselected" Revision="1" Stencil="System.Storyboarding.Common" StencilVersion="0.1"/>
 </Control>
 </file>
 
+<file path=customXml/item263.xml><?xml version="1.0" encoding="utf-8"?>
+<Control xmlns="http://schemas.microsoft.com/VisualStudio/2011/storyboarding/control">
+  <Id Name="System.Storyboarding.Common.TextArea" Revision="1" Stencil="System.Storyboarding.Common" StencilVersion="0.1"/>
+</Control>
+</file>
+
+<file path=customXml/item264.xml><?xml version="1.0" encoding="utf-8"?>
+<Control xmlns="http://schemas.microsoft.com/VisualStudio/2011/storyboarding/control">
+  <Id Name="System.Storyboarding.Common.Button" Revision="1" Stencil="System.Storyboarding.Common" StencilVersion="0.1"/>
+</Control>
+</file>
+
 <file path=customXml/item265.xml><?xml version="1.0" encoding="utf-8"?>
 <Control xmlns="http://schemas.microsoft.com/VisualStudio/2011/storyboarding/control">
-  <Id Name="System.Storyboarding.Common.TextInput" Revision="1" Stencil="System.Storyboarding.Common" StencilVersion="0.1"/>
+  <Id Name="System.Storyboarding.Common.Button" Revision="1" Stencil="System.Storyboarding.Common" StencilVersion="0.1"/>
 </Control>
 </file>
 
@@ -47103,67 +47103,67 @@
 
 <file path=customXml/item267.xml><?xml version="1.0" encoding="utf-8"?>
 <Control xmlns="http://schemas.microsoft.com/VisualStudio/2011/storyboarding/control">
+  <Id Name="System.Storyboarding.Common.RadioButtonUnselected" Revision="1" Stencil="System.Storyboarding.Common" StencilVersion="0.1"/>
+</Control>
+</file>
+
+<file path=customXml/item268.xml><?xml version="1.0" encoding="utf-8"?>
+<Control xmlns="http://schemas.microsoft.com/VisualStudio/2011/storyboarding/control">
+  <Id Name="fd7d7bed-114e-464c-a4f1-01a512005949" Revision="1" Stencil="System.MyShapes" StencilVersion="1.0"/>
+</Control>
+</file>
+
+<file path=customXml/item269.xml><?xml version="1.0" encoding="utf-8"?>
+<Control xmlns="http://schemas.microsoft.com/VisualStudio/2011/storyboarding/control">
+  <Id Name="System.Storyboarding.Common.CheckBoxChecked" Revision="1" Stencil="System.Storyboarding.Common" StencilVersion="0.1"/>
+</Control>
+</file>
+
+<file path=customXml/item27.xml><?xml version="1.0" encoding="utf-8"?>
+<Control xmlns="http://schemas.microsoft.com/VisualStudio/2011/storyboarding/control">
+  <Id Name="System.Storyboarding.Common.TextArea" Revision="1" Stencil="System.Storyboarding.Common" StencilVersion="0.1"/>
+</Control>
+</file>
+
+<file path=customXml/item270.xml><?xml version="1.0" encoding="utf-8"?>
+<Control xmlns="http://schemas.microsoft.com/VisualStudio/2011/storyboarding/control">
   <Id Name="System.Storyboarding.Common.TextInput" Revision="1" Stencil="System.Storyboarding.Common" StencilVersion="0.1"/>
 </Control>
 </file>
 
-<file path=customXml/item268.xml><?xml version="1.0" encoding="utf-8"?>
+<file path=customXml/item271.xml><?xml version="1.0" encoding="utf-8"?>
+<Control xmlns="http://schemas.microsoft.com/VisualStudio/2011/storyboarding/control">
+  <Id Name="System.Storyboarding.Backgrounds.WebBrowser" Revision="1" Stencil="System.Storyboarding.Backgrounds" StencilVersion="0.1"/>
+</Control>
+</file>
+
+<file path=customXml/item272.xml><?xml version="1.0" encoding="utf-8"?>
+<Control xmlns="http://schemas.microsoft.com/VisualStudio/2011/storyboarding/control">
+  <Id Name="System.Storyboarding.Common.TextInput" Revision="1" Stencil="System.Storyboarding.Common" StencilVersion="0.1"/>
+</Control>
+</file>
+
+<file path=customXml/item273.xml><?xml version="1.0" encoding="utf-8"?>
 <Control xmlns="http://schemas.microsoft.com/VisualStudio/2011/storyboarding/control">
   <Id Name="System.Storyboarding.Common.Button" Revision="1" Stencil="System.Storyboarding.Common" StencilVersion="0.1"/>
 </Control>
 </file>
 
-<file path=customXml/item269.xml><?xml version="1.0" encoding="utf-8"?>
-<Control xmlns="http://schemas.microsoft.com/VisualStudio/2011/storyboarding/control">
-  <Id Name="System.Storyboarding.Common.Button" Revision="1" Stencil="System.Storyboarding.Common" StencilVersion="0.1"/>
-</Control>
-</file>
-
-<file path=customXml/item27.xml><?xml version="1.0" encoding="utf-8"?>
-<Control xmlns="http://schemas.microsoft.com/VisualStudio/2011/storyboarding/control">
-  <Id Name="System.Storyboarding.Common.TextInput" Revision="1" Stencil="System.Storyboarding.Common" StencilVersion="0.1"/>
-</Control>
-</file>
-
-<file path=customXml/item270.xml><?xml version="1.0" encoding="utf-8"?>
-<Control xmlns="http://schemas.microsoft.com/VisualStudio/2011/storyboarding/control">
-  <Id Name="System.Storyboarding.Common.CheckBoxUnchecked" Revision="1" Stencil="System.Storyboarding.Common" StencilVersion="0.1"/>
-</Control>
-</file>
-
-<file path=customXml/item271.xml><?xml version="1.0" encoding="utf-8"?>
-<Control xmlns="http://schemas.microsoft.com/VisualStudio/2011/storyboarding/control">
-  <Id Name="System.Storyboarding.Common.CheckBoxChecked" Revision="1" Stencil="System.Storyboarding.Common" StencilVersion="0.1"/>
-</Control>
-</file>
-
-<file path=customXml/item272.xml><?xml version="1.0" encoding="utf-8"?>
-<Control xmlns="http://schemas.microsoft.com/VisualStudio/2011/storyboarding/control">
-  <Id Name="System.Storyboarding.Common.TextArea" Revision="1" Stencil="System.Storyboarding.Common" StencilVersion="0.1"/>
-</Control>
-</file>
-
-<file path=customXml/item273.xml><?xml version="1.0" encoding="utf-8"?>
-<Control xmlns="http://schemas.microsoft.com/VisualStudio/2011/storyboarding/control">
-  <Id Name="System.Storyboarding.Common.TextArea" Revision="1" Stencil="System.Storyboarding.Common" StencilVersion="0.1"/>
-</Control>
-</file>
-
 <file path=customXml/item274.xml><?xml version="1.0" encoding="utf-8"?>
-<Control xmlns="http://schemas.microsoft.com/VisualStudio/2011/storyboarding/control">
-  <Id Name="System.Storyboarding.Common.TextInput" Revision="1" Stencil="System.Storyboarding.Common" StencilVersion="0.1"/>
+<Control xmlns="http://schemas.microsoft.com/VisualStudio/2011/storyboarding/control/v1.0">
+  <Id Name="System.Storyboarding.Common.DropdownBox" RevisionId="68ea164d-c1de-47a5-804f-d4d1290fa524" Stencil="System.Storyboarding.Common" StencilRevisionId="68ea164d-c1de-47a5-804f-d4d1290fa524" StencilVersion="0.1"/>
 </Control>
 </file>
 
 <file path=customXml/item275.xml><?xml version="1.0" encoding="utf-8"?>
 <Control xmlns="http://schemas.microsoft.com/VisualStudio/2011/storyboarding/control">
-  <Id Name="System.Storyboarding.Common.RadioButtonUnselected" Revision="1" Stencil="System.Storyboarding.Common" StencilVersion="0.1"/>
+  <Id Name="System.Storyboarding.Common.Text" Revision="1" Stencil="System.Storyboarding.Common" StencilVersion="0.1"/>
 </Control>
 </file>
 
 <file path=customXml/item276.xml><?xml version="1.0" encoding="utf-8"?>
 <Control xmlns="http://schemas.microsoft.com/VisualStudio/2011/storyboarding/control">
-  <Id Name="System.Storyboarding.Common.RadioButtonUnselected" Revision="1" Stencil="System.Storyboarding.Common" StencilVersion="0.1"/>
+  <Id Name="System.Storyboarding.Backgrounds.WebBrowser" Revision="1" Stencil="System.Storyboarding.Backgrounds" StencilVersion="0.1"/>
 </Control>
 </file>
 
@@ -47181,31 +47181,31 @@
 
 <file path=customXml/item279.xml><?xml version="1.0" encoding="utf-8"?>
 <Control xmlns="http://schemas.microsoft.com/VisualStudio/2011/storyboarding/control">
-  <Id Name="System.Storyboarding.Common.RadioButtonUnselected" Revision="1" Stencil="System.Storyboarding.Common" StencilVersion="0.1"/>
+  <Id Name="System.Storyboarding.Common.Button" Revision="1" Stencil="System.Storyboarding.Common" StencilVersion="0.1"/>
 </Control>
 </file>
 
 <file path=customXml/item28.xml><?xml version="1.0" encoding="utf-8"?>
+<Control xmlns="http://schemas.microsoft.com/VisualStudio/2011/storyboarding/control">
+  <Id Name="System.Storyboarding.Common.TextInput" Revision="1" Stencil="System.Storyboarding.Common" StencilVersion="0.1"/>
+</Control>
+</file>
+
+<file path=customXml/item280.xml><?xml version="1.0" encoding="utf-8"?>
 <Control xmlns="http://schemas.microsoft.com/VisualStudio/2011/storyboarding/control">
   <Id Name="System.Storyboarding.Common.Button" Revision="1" Stencil="System.Storyboarding.Common" StencilVersion="0.1"/>
 </Control>
 </file>
 
-<file path=customXml/item280.xml><?xml version="1.0" encoding="utf-8"?>
+<file path=customXml/item281.xml><?xml version="1.0" encoding="utf-8"?>
 <Control xmlns="http://schemas.microsoft.com/VisualStudio/2011/storyboarding/control">
   <Id Name="System.Storyboarding.Common.TextInput" Revision="1" Stencil="System.Storyboarding.Common" StencilVersion="0.1"/>
 </Control>
 </file>
 
-<file path=customXml/item281.xml><?xml version="1.0" encoding="utf-8"?>
-<Control xmlns="http://schemas.microsoft.com/VisualStudio/2011/storyboarding/control">
-  <Id Name="System.Storyboarding.Common.CheckBoxChecked" Revision="1" Stencil="System.Storyboarding.Common" StencilVersion="0.1"/>
-</Control>
-</file>
-
 <file path=customXml/item282.xml><?xml version="1.0" encoding="utf-8"?>
 <Control xmlns="http://schemas.microsoft.com/VisualStudio/2011/storyboarding/control">
-  <Id Name="System.Storyboarding.Common.TextArea" Revision="1" Stencil="System.Storyboarding.Common" StencilVersion="0.1"/>
+  <Id Name="System.Storyboarding.Common.RadioButtonSelected" Revision="1" Stencil="System.Storyboarding.Common" StencilVersion="0.1"/>
 </Control>
 </file>
 
@@ -47217,67 +47217,67 @@
 
 <file path=customXml/item284.xml><?xml version="1.0" encoding="utf-8"?>
 <Control xmlns="http://schemas.microsoft.com/VisualStudio/2011/storyboarding/control">
+  <Id Name="System.Storyboarding.Common.Button" Revision="1" Stencil="System.Storyboarding.Common" StencilVersion="0.1"/>
+</Control>
+</file>
+
+<file path=customXml/item285.xml><?xml version="1.0" encoding="utf-8"?>
+<Control xmlns="http://schemas.microsoft.com/VisualStudio/2011/storyboarding/control">
   <Id Name="System.Storyboarding.Common.TextArea" Revision="1" Stencil="System.Storyboarding.Common" StencilVersion="0.1"/>
 </Control>
 </file>
 
-<file path=customXml/item285.xml><?xml version="1.0" encoding="utf-8"?>
+<file path=customXml/item286.xml><?xml version="1.0" encoding="utf-8"?>
 <Control xmlns="http://schemas.microsoft.com/VisualStudio/2011/storyboarding/control">
   <Id Name="System.Storyboarding.Common.TextInput" Revision="1" Stencil="System.Storyboarding.Common" StencilVersion="0.1"/>
 </Control>
 </file>
 
-<file path=customXml/item286.xml><?xml version="1.0" encoding="utf-8"?>
-<Control xmlns="http://schemas.microsoft.com/VisualStudio/2011/storyboarding/control">
-  <Id Name="System.Storyboarding.Common.Button" Revision="1" Stencil="System.Storyboarding.Common" StencilVersion="0.1"/>
-</Control>
-</file>
-
 <file path=customXml/item287.xml><?xml version="1.0" encoding="utf-8"?>
 <Control xmlns="http://schemas.microsoft.com/VisualStudio/2011/storyboarding/control">
-  <Id Name="System.Storyboarding.Common.TextInput" Revision="1" Stencil="System.Storyboarding.Common" StencilVersion="0.1"/>
+  <Id Name="System.Storyboarding.Common.TextArea" Revision="1" Stencil="System.Storyboarding.Common" StencilVersion="0.1"/>
 </Control>
 </file>
 
 <file path=customXml/item288.xml><?xml version="1.0" encoding="utf-8"?>
+<Control xmlns="http://schemas.microsoft.com/VisualStudio/2011/storyboarding/control">
+  <Id Name="System.Storyboarding.Common.TextArea" Revision="1" Stencil="System.Storyboarding.Common" StencilVersion="0.1"/>
+</Control>
+</file>
+
+<file path=customXml/item289.xml><?xml version="1.0" encoding="utf-8"?>
+<Control xmlns="http://schemas.microsoft.com/VisualStudio/2011/storyboarding/control">
+  <Id Name="System.Storyboarding.Common.RadioButtonSelected" Revision="1" Stencil="System.Storyboarding.Common" StencilVersion="0.1"/>
+</Control>
+</file>
+
+<file path=customXml/item29.xml><?xml version="1.0" encoding="utf-8"?>
+<Control xmlns="http://schemas.microsoft.com/VisualStudio/2011/storyboarding/control">
+  <Id Name="System.Storyboarding.Common.TextArea" Revision="1" Stencil="System.Storyboarding.Common" StencilVersion="0.1"/>
+</Control>
+</file>
+
+<file path=customXml/item290.xml><?xml version="1.0" encoding="utf-8"?>
+<Control xmlns="http://schemas.microsoft.com/VisualStudio/2011/storyboarding/control">
+  <Id Name="System.Storyboarding.Common.TextArea" Revision="1" Stencil="System.Storyboarding.Common" StencilVersion="0.1"/>
+</Control>
+</file>
+
+<file path=customXml/item291.xml><?xml version="1.0" encoding="utf-8"?>
 <Control xmlns="http://schemas.microsoft.com/VisualStudio/2011/storyboarding/control">
   <Id Name="System.Storyboarding.Common.RadioButtonUnselected" Revision="1" Stencil="System.Storyboarding.Common" StencilVersion="0.1"/>
 </Control>
 </file>
 
-<file path=customXml/item289.xml><?xml version="1.0" encoding="utf-8"?>
-<Control xmlns="http://schemas.microsoft.com/VisualStudio/2011/storyboarding/control">
-  <Id Name="System.Storyboarding.Common.TextInput" Revision="1" Stencil="System.Storyboarding.Common" StencilVersion="0.1"/>
-</Control>
-</file>
-
-<file path=customXml/item29.xml><?xml version="1.0" encoding="utf-8"?>
+<file path=customXml/item292.xml><?xml version="1.0" encoding="utf-8"?>
 <Control xmlns="http://schemas.microsoft.com/VisualStudio/2011/storyboarding/control">
   <Id Name="System.Storyboarding.Common.MousePointer" Revision="1" Stencil="System.Storyboarding.Common" StencilVersion="0.1"/>
 </Control>
 </file>
 
-<file path=customXml/item290.xml><?xml version="1.0" encoding="utf-8"?>
-<Control xmlns="http://schemas.microsoft.com/VisualStudio/2011/storyboarding/control">
-  <Id Name="System.Storyboarding.Common.CheckBoxChecked" Revision="1" Stencil="System.Storyboarding.Common" StencilVersion="0.1"/>
-</Control>
-</file>
-
-<file path=customXml/item291.xml><?xml version="1.0" encoding="utf-8"?>
+<file path=customXml/item293.xml><?xml version="1.0" encoding="utf-8"?>
 <Control xmlns="http://schemas.microsoft.com/VisualStudio/2011/storyboarding/control">
   <Id Name="System.Storyboarding.Common.Button" Revision="1" Stencil="System.Storyboarding.Common" StencilVersion="0.1"/>
-</Control>
-</file>
-
-<file path=customXml/item292.xml><?xml version="1.0" encoding="utf-8"?>
-<Control xmlns="http://schemas.microsoft.com/VisualStudio/2011/storyboarding/control">
-  <Id Name="System.Storyboarding.Common.RadioButtonUnselected" Revision="1" Stencil="System.Storyboarding.Common" StencilVersion="0.1"/>
-</Control>
-</file>
-
-<file path=customXml/item293.xml><?xml version="1.0" encoding="utf-8"?>
-<Control xmlns="http://schemas.microsoft.com/VisualStudio/2011/storyboarding/control">
-  <Id Name="System.Storyboarding.Common.TextInput" Revision="1" Stencil="System.Storyboarding.Common" StencilVersion="0.1"/>
 </Control>
 </file>
 
@@ -47295,7 +47295,7 @@
 
 <file path=customXml/item296.xml><?xml version="1.0" encoding="utf-8"?>
 <Control xmlns="http://schemas.microsoft.com/VisualStudio/2011/storyboarding/control">
-  <Id Name="System.Storyboarding.Common.TextArea" Revision="1" Stencil="System.Storyboarding.Common" StencilVersion="0.1"/>
+  <Id Name="System.Storyboarding.Common.Button" Revision="1" Stencil="System.Storyboarding.Common" StencilVersion="0.1"/>
 </Control>
 </file>
 
@@ -47307,31 +47307,31 @@
 
 <file path=customXml/item298.xml><?xml version="1.0" encoding="utf-8"?>
 <Control xmlns="http://schemas.microsoft.com/VisualStudio/2011/storyboarding/control">
-  <Id Name="System.Storyboarding.Common.ProgressBar" Revision="1" Stencil="System.Storyboarding.Common" StencilVersion="0.1"/>
+  <Id Name="System.Storyboarding.Common.TextInput" Revision="1" Stencil="System.Storyboarding.Common" StencilVersion="0.1"/>
 </Control>
 </file>
 
 <file path=customXml/item299.xml><?xml version="1.0" encoding="utf-8"?>
+<Control xmlns="http://schemas.microsoft.com/VisualStudio/2011/storyboarding/control">
+  <Id Name="System.Storyboarding.Common.TextArea" Revision="1" Stencil="System.Storyboarding.Common" StencilVersion="0.1"/>
+</Control>
+</file>
+
+<file path=customXml/item3.xml><?xml version="1.0" encoding="utf-8"?>
 <Control xmlns="http://schemas.microsoft.com/VisualStudio/2011/storyboarding/control">
   <Id Name="System.Storyboarding.Common.MousePointer" Revision="1" Stencil="System.Storyboarding.Common" StencilVersion="0.1"/>
 </Control>
 </file>
 
-<file path=customXml/item3.xml><?xml version="1.0" encoding="utf-8"?>
-<Control xmlns="http://schemas.microsoft.com/VisualStudio/2011/storyboarding/control">
-  <Id Name="System.Storyboarding.Common.CheckBoxChecked" Revision="1" Stencil="System.Storyboarding.Common" StencilVersion="0.1"/>
-</Control>
-</file>
-
 <file path=customXml/item30.xml><?xml version="1.0" encoding="utf-8"?>
 <Control xmlns="http://schemas.microsoft.com/VisualStudio/2011/storyboarding/control">
-  <Id Name="System.Storyboarding.Common.TextInput" Revision="1" Stencil="System.Storyboarding.Common" StencilVersion="0.1"/>
+  <Id Name="System.Storyboarding.Common.TextArea" Revision="1" Stencil="System.Storyboarding.Common" StencilVersion="0.1"/>
 </Control>
 </file>
 
 <file path=customXml/item300.xml><?xml version="1.0" encoding="utf-8"?>
 <Control xmlns="http://schemas.microsoft.com/VisualStudio/2011/storyboarding/control">
-  <Id Name="System.Storyboarding.Common.CheckBoxChecked" Revision="1" Stencil="System.Storyboarding.Common" StencilVersion="0.1"/>
+  <Id Name="System.Storyboarding.Common.TextArea" Revision="1" Stencil="System.Storyboarding.Common" StencilVersion="0.1"/>
 </Control>
 </file>
 
@@ -47343,19 +47343,19 @@
 
 <file path=customXml/item302.xml><?xml version="1.0" encoding="utf-8"?>
 <Control xmlns="http://schemas.microsoft.com/VisualStudio/2011/storyboarding/control">
-  <Id Name="System.Storyboarding.Common.TextArea" Revision="1" Stencil="System.Storyboarding.Common" StencilVersion="0.1"/>
+  <Id Name="System.Storyboarding.Common.Button" Revision="1" Stencil="System.Storyboarding.Common" StencilVersion="0.1"/>
 </Control>
 </file>
 
 <file path=customXml/item303.xml><?xml version="1.0" encoding="utf-8"?>
 <Control xmlns="http://schemas.microsoft.com/VisualStudio/2011/storyboarding/control">
-  <Id Name="System.Storyboarding.Common.RadioButtonUnselected" Revision="1" Stencil="System.Storyboarding.Common" StencilVersion="0.1"/>
+  <Id Name="System.Storyboarding.Common.CheckBoxUnchecked" Revision="1" Stencil="System.Storyboarding.Common" StencilVersion="0.1"/>
 </Control>
 </file>
 
 <file path=customXml/item304.xml><?xml version="1.0" encoding="utf-8"?>
 <Control xmlns="http://schemas.microsoft.com/VisualStudio/2011/storyboarding/control">
-  <Id Name="System.Storyboarding.Common.TextArea" Revision="1" Stencil="System.Storyboarding.Common" StencilVersion="0.1"/>
+  <Id Name="System.Storyboarding.Common.Button" Revision="1" Stencil="System.Storyboarding.Common" StencilVersion="0.1"/>
 </Control>
 </file>
 
@@ -47367,7 +47367,7 @@
 
 <file path=customXml/item306.xml><?xml version="1.0" encoding="utf-8"?>
 <Control xmlns="http://schemas.microsoft.com/VisualStudio/2011/storyboarding/control">
-  <Id Name="System.Storyboarding.Common.TextInput" Revision="1" Stencil="System.Storyboarding.Common" StencilVersion="0.1"/>
+  <Id Name="System.Storyboarding.Common.Button" Revision="1" Stencil="System.Storyboarding.Common" StencilVersion="0.1"/>
 </Control>
 </file>
 
@@ -47379,37 +47379,37 @@
 
 <file path=customXml/item308.xml><?xml version="1.0" encoding="utf-8"?>
 <Control xmlns="http://schemas.microsoft.com/VisualStudio/2011/storyboarding/control">
-  <Id Name="System.Storyboarding.Common.CheckBoxUnchecked" Revision="1" Stencil="System.Storyboarding.Common" StencilVersion="0.1"/>
+  <Id Name="System.Storyboarding.Common.TextInput" Revision="1" Stencil="System.Storyboarding.Common" StencilVersion="0.1"/>
 </Control>
 </file>
 
 <file path=customXml/item309.xml><?xml version="1.0" encoding="utf-8"?>
+<Control xmlns="http://schemas.microsoft.com/VisualStudio/2011/storyboarding/control">
+  <Id Name="System.Storyboarding.Common.TextInput" Revision="1" Stencil="System.Storyboarding.Common" StencilVersion="0.1"/>
+</Control>
+</file>
+
+<file path=customXml/item31.xml><?xml version="1.0" encoding="utf-8"?>
 <Control xmlns="http://schemas.microsoft.com/VisualStudio/2011/storyboarding/control">
   <Id Name="System.Storyboarding.Backgrounds.WebBrowser" Revision="1" Stencil="System.Storyboarding.Backgrounds" StencilVersion="0.1"/>
 </Control>
 </file>
 
-<file path=customXml/item31.xml><?xml version="1.0" encoding="utf-8"?>
+<file path=customXml/item310.xml><?xml version="1.0" encoding="utf-8"?>
 <Control xmlns="http://schemas.microsoft.com/VisualStudio/2011/storyboarding/control">
-  <Id Name="System.Storyboarding.Common.Button" Revision="1" Stencil="System.Storyboarding.Common" StencilVersion="0.1"/>
+  <Id Name="System.Storyboarding.Backgrounds.WebBrowser" Revision="1" Stencil="System.Storyboarding.Backgrounds" StencilVersion="0.1"/>
 </Control>
 </file>
 
-<file path=customXml/item310.xml><?xml version="1.0" encoding="utf-8"?>
+<file path=customXml/item311.xml><?xml version="1.0" encoding="utf-8"?>
 <Control xmlns="http://schemas.microsoft.com/VisualStudio/2011/storyboarding/control">
   <Id Name="System.Storyboarding.Common.TextInput" Revision="1" Stencil="System.Storyboarding.Common" StencilVersion="0.1"/>
 </Control>
 </file>
 
-<file path=customXml/item311.xml><?xml version="1.0" encoding="utf-8"?>
-<Control xmlns="http://schemas.microsoft.com/VisualStudio/2011/storyboarding/control">
-  <Id Name="System.Storyboarding.Common.Button" Revision="1" Stencil="System.Storyboarding.Common" StencilVersion="0.1"/>
-</Control>
-</file>
-
 <file path=customXml/item312.xml><?xml version="1.0" encoding="utf-8"?>
 <Control xmlns="http://schemas.microsoft.com/VisualStudio/2011/storyboarding/control">
-  <Id Name="System.Storyboarding.Common.TextArea" Revision="1" Stencil="System.Storyboarding.Common" StencilVersion="0.1"/>
+  <Id Name="System.Storyboarding.Common.TextInput" Revision="1" Stencil="System.Storyboarding.Common" StencilVersion="0.1"/>
 </Control>
 </file>
 
@@ -47427,85 +47427,85 @@
 
 <file path=customXml/item315.xml><?xml version="1.0" encoding="utf-8"?>
 <Control xmlns="http://schemas.microsoft.com/VisualStudio/2011/storyboarding/control">
-  <Id Name="System.Storyboarding.Backgrounds.WebBrowser" Revision="1" Stencil="System.Storyboarding.Backgrounds" StencilVersion="0.1"/>
+  <Id Name="System.Storyboarding.Common.MousePointer" Revision="1" Stencil="System.Storyboarding.Common" StencilVersion="0.1"/>
 </Control>
 </file>
 
 <file path=customXml/item316.xml><?xml version="1.0" encoding="utf-8"?>
+<Control xmlns="http://schemas.microsoft.com/VisualStudio/2011/storyboarding/control">
+  <Id Name="System.Storyboarding.Common.CheckBoxUnchecked" Revision="1" Stencil="System.Storyboarding.Common" StencilVersion="0.1"/>
+</Control>
+</file>
+
+<file path=customXml/item317.xml><?xml version="1.0" encoding="utf-8"?>
+<Control xmlns="http://schemas.microsoft.com/VisualStudio/2011/storyboarding/control">
+  <Id Name="System.Storyboarding.Common.TextInput" Revision="1" Stencil="System.Storyboarding.Common" StencilVersion="0.1"/>
+</Control>
+</file>
+
+<file path=customXml/item318.xml><?xml version="1.0" encoding="utf-8"?>
+<Control xmlns="http://schemas.microsoft.com/VisualStudio/2011/storyboarding/control">
+  <Id Name="System.Storyboarding.Common.RadioButtonSelected" Revision="1" Stencil="System.Storyboarding.Common" StencilVersion="0.1"/>
+</Control>
+</file>
+
+<file path=customXml/item319.xml><?xml version="1.0" encoding="utf-8"?>
+<Control xmlns="http://schemas.microsoft.com/VisualStudio/2011/storyboarding/control">
+  <Id Name="System.Storyboarding.Common.Button" Revision="1" Stencil="System.Storyboarding.Common" StencilVersion="0.1"/>
+</Control>
+</file>
+
+<file path=customXml/item32.xml><?xml version="1.0" encoding="utf-8"?>
+<Control xmlns="http://schemas.microsoft.com/VisualStudio/2011/storyboarding/control">
+  <Id Name="System.Storyboarding.Common.TextInput" Revision="1" Stencil="System.Storyboarding.Common" StencilVersion="0.1"/>
+</Control>
+</file>
+
+<file path=customXml/item320.xml><?xml version="1.0" encoding="utf-8"?>
 <Control xmlns="http://schemas.microsoft.com/VisualStudio/2011/storyboarding/control">
   <Id Name="System.Storyboarding.Common.CheckBoxChecked" Revision="1" Stencil="System.Storyboarding.Common" StencilVersion="0.1"/>
 </Control>
 </file>
 
-<file path=customXml/item317.xml><?xml version="1.0" encoding="utf-8"?>
+<file path=customXml/item321.xml><?xml version="1.0" encoding="utf-8"?>
+<Control xmlns="http://schemas.microsoft.com/VisualStudio/2011/storyboarding/control">
+  <Id Name="System.Storyboarding.Common.RadioButtonUnselected" Revision="1" Stencil="System.Storyboarding.Common" StencilVersion="0.1"/>
+</Control>
+</file>
+
+<file path=customXml/item322.xml><?xml version="1.0" encoding="utf-8"?>
+<Control xmlns="http://schemas.microsoft.com/VisualStudio/2011/storyboarding/control">
+  <Id Name="System.Storyboarding.Common.TextArea" Revision="1" Stencil="System.Storyboarding.Common" StencilVersion="0.1"/>
+</Control>
+</file>
+
+<file path=customXml/item323.xml><?xml version="1.0" encoding="utf-8"?>
+<Control xmlns="http://schemas.microsoft.com/VisualStudio/2011/storyboarding/control">
+  <Id Name="System.Storyboarding.Common.RadioButtonUnselected" Revision="1" Stencil="System.Storyboarding.Common" StencilVersion="0.1"/>
+</Control>
+</file>
+
+<file path=customXml/item324.xml><?xml version="1.0" encoding="utf-8"?>
+<Control xmlns="http://schemas.microsoft.com/VisualStudio/2011/storyboarding/control">
+  <Id Name="System.Storyboarding.Common.TextInput" Revision="1" Stencil="System.Storyboarding.Common" StencilVersion="0.1"/>
+</Control>
+</file>
+
+<file path=customXml/item325.xml><?xml version="1.0" encoding="utf-8"?>
+<Control xmlns="http://schemas.microsoft.com/VisualStudio/2011/storyboarding/control">
+  <Id Name="System.Storyboarding.Backgrounds.WebBrowser" Revision="1" Stencil="System.Storyboarding.Backgrounds" StencilVersion="0.1"/>
+</Control>
+</file>
+
+<file path=customXml/item326.xml><?xml version="1.0" encoding="utf-8"?>
 <Control xmlns="http://schemas.microsoft.com/VisualStudio/2011/storyboarding/control">
   <Id Name="System.Storyboarding.Common.Button" Revision="1" Stencil="System.Storyboarding.Common" StencilVersion="0.1"/>
 </Control>
 </file>
 
-<file path=customXml/item318.xml><?xml version="1.0" encoding="utf-8"?>
-<Control xmlns="http://schemas.microsoft.com/VisualStudio/2011/storyboarding/control">
-  <Id Name="System.Storyboarding.Common.TextArea" Revision="1" Stencil="System.Storyboarding.Common" StencilVersion="0.1"/>
-</Control>
-</file>
-
-<file path=customXml/item319.xml><?xml version="1.0" encoding="utf-8"?>
-<Control xmlns="http://schemas.microsoft.com/VisualStudio/2011/storyboarding/control">
-  <Id Name="System.Storyboarding.Common.RadioButtonUnselected" Revision="1" Stencil="System.Storyboarding.Common" StencilVersion="0.1"/>
-</Control>
-</file>
-
-<file path=customXml/item32.xml><?xml version="1.0" encoding="utf-8"?>
-<Control xmlns="http://schemas.microsoft.com/VisualStudio/2011/storyboarding/control">
-  <Id Name="System.Storyboarding.Common.RadioButtonUnselected" Revision="1" Stencil="System.Storyboarding.Common" StencilVersion="0.1"/>
-</Control>
-</file>
-
-<file path=customXml/item320.xml><?xml version="1.0" encoding="utf-8"?>
-<Control xmlns="http://schemas.microsoft.com/VisualStudio/2011/storyboarding/control">
-  <Id Name="System.Storyboarding.Backgrounds.SharePoint" Revision="1" Stencil="System.Storyboarding.Backgrounds" StencilVersion="0.1"/>
-</Control>
-</file>
-
-<file path=customXml/item321.xml><?xml version="1.0" encoding="utf-8"?>
+<file path=customXml/item327.xml><?xml version="1.0" encoding="utf-8"?>
 <Control xmlns="http://schemas.microsoft.com/VisualStudio/2011/storyboarding/control">
   <Id Name="System.Storyboarding.Common.MousePointer" Revision="1" Stencil="System.Storyboarding.Common" StencilVersion="0.1"/>
-</Control>
-</file>
-
-<file path=customXml/item322.xml><?xml version="1.0" encoding="utf-8"?>
-<Control xmlns="http://schemas.microsoft.com/VisualStudio/2011/storyboarding/control">
-  <Id Name="System.Storyboarding.Common.Button" Revision="1" Stencil="System.Storyboarding.Common" StencilVersion="0.1"/>
-</Control>
-</file>
-
-<file path=customXml/item323.xml><?xml version="1.0" encoding="utf-8"?>
-<Control xmlns="http://schemas.microsoft.com/VisualStudio/2011/storyboarding/control">
-  <Id Name="System.Storyboarding.Common.TextInput" Revision="1" Stencil="System.Storyboarding.Common" StencilVersion="0.1"/>
-</Control>
-</file>
-
-<file path=customXml/item324.xml><?xml version="1.0" encoding="utf-8"?>
-<Control xmlns="http://schemas.microsoft.com/VisualStudio/2011/storyboarding/control">
-  <Id Name="System.Storyboarding.Common.RadioButtonUnselected" Revision="1" Stencil="System.Storyboarding.Common" StencilVersion="0.1"/>
-</Control>
-</file>
-
-<file path=customXml/item325.xml><?xml version="1.0" encoding="utf-8"?>
-<Control xmlns="http://schemas.microsoft.com/VisualStudio/2011/storyboarding/control">
-  <Id Name="System.Storyboarding.Common.Button" Revision="1" Stencil="System.Storyboarding.Common" StencilVersion="0.1"/>
-</Control>
-</file>
-
-<file path=customXml/item326.xml><?xml version="1.0" encoding="utf-8"?>
-<Control xmlns="http://schemas.microsoft.com/VisualStudio/2011/storyboarding/control">
-  <Id Name="System.Storyboarding.Common.MousePointer" Revision="1" Stencil="System.Storyboarding.Common" StencilVersion="0.1"/>
-</Control>
-</file>
-
-<file path=customXml/item327.xml><?xml version="1.0" encoding="utf-8"?>
-<Control xmlns="http://schemas.microsoft.com/VisualStudio/2011/storyboarding/control">
-  <Id Name="System.Storyboarding.Common.Button" Revision="1" Stencil="System.Storyboarding.Common" StencilVersion="0.1"/>
 </Control>
 </file>
 
@@ -47517,7 +47517,7 @@
 
 <file path=customXml/item329.xml><?xml version="1.0" encoding="utf-8"?>
 <Control xmlns="http://schemas.microsoft.com/VisualStudio/2011/storyboarding/control">
-  <Id Name="System.Storyboarding.Common.Button" Revision="1" Stencil="System.Storyboarding.Common" StencilVersion="0.1"/>
+  <Id Name="System.Storyboarding.Backgrounds.WebBrowser" Revision="1" Stencil="System.Storyboarding.Backgrounds" StencilVersion="0.1"/>
 </Control>
 </file>
 
@@ -47529,13 +47529,13 @@
 
 <file path=customXml/item330.xml><?xml version="1.0" encoding="utf-8"?>
 <Control xmlns="http://schemas.microsoft.com/VisualStudio/2011/storyboarding/control">
-  <Id Name="System.Storyboarding.Common.TextInput" Revision="1" Stencil="System.Storyboarding.Common" StencilVersion="0.1"/>
+  <Id Name="System.Storyboarding.Common.RadioButtonUnselected" Revision="1" Stencil="System.Storyboarding.Common" StencilVersion="0.1"/>
 </Control>
 </file>
 
 <file path=customXml/item331.xml><?xml version="1.0" encoding="utf-8"?>
 <Control xmlns="http://schemas.microsoft.com/VisualStudio/2011/storyboarding/control">
-  <Id Name="System.Storyboarding.Common.TextArea" Revision="1" Stencil="System.Storyboarding.Common" StencilVersion="0.1"/>
+  <Id Name="System.Storyboarding.Common.CheckBoxChecked" Revision="1" Stencil="System.Storyboarding.Common" StencilVersion="0.1"/>
 </Control>
 </file>
 
@@ -47565,19 +47565,19 @@
 
 <file path=customXml/item336.xml><?xml version="1.0" encoding="utf-8"?>
 <Control xmlns="http://schemas.microsoft.com/VisualStudio/2011/storyboarding/control">
-  <Id Name="System.Storyboarding.Common.RadioButtonUnselected" Revision="1" Stencil="System.Storyboarding.Common" StencilVersion="0.1"/>
+  <Id Name="System.Storyboarding.Common.ProgressBar" Revision="1" Stencil="System.Storyboarding.Common" StencilVersion="0.1"/>
 </Control>
 </file>
 
 <file path=customXml/item337.xml><?xml version="1.0" encoding="utf-8"?>
 <Control xmlns="http://schemas.microsoft.com/VisualStudio/2011/storyboarding/control">
-  <Id Name="System.Storyboarding.Icons.Copy" Revision="1" Stencil="System.Storyboarding.Icons" StencilVersion="0.1"/>
+  <Id Name="System.Storyboarding.Common.CheckBoxChecked" Revision="1" Stencil="System.Storyboarding.Common" StencilVersion="0.1"/>
 </Control>
 </file>
 
 <file path=customXml/item338.xml><?xml version="1.0" encoding="utf-8"?>
 <Control xmlns="http://schemas.microsoft.com/VisualStudio/2011/storyboarding/control">
-  <Id Name="System.Storyboarding.Common.Button" Revision="1" Stencil="System.Storyboarding.Common" StencilVersion="0.1"/>
+  <Id Name="System.Storyboarding.Common.TextInput" Revision="1" Stencil="System.Storyboarding.Common" StencilVersion="0.1"/>
 </Control>
 </file>
 
@@ -47589,31 +47589,31 @@
 
 <file path=customXml/item34.xml><?xml version="1.0" encoding="utf-8"?>
 <Control xmlns="http://schemas.microsoft.com/VisualStudio/2011/storyboarding/control">
-  <Id Name="System.Storyboarding.Common.RadioButtonUnselected" Revision="1" Stencil="System.Storyboarding.Common" StencilVersion="0.1"/>
+  <Id Name="System.Storyboarding.Common.CheckBoxChecked" Revision="1" Stencil="System.Storyboarding.Common" StencilVersion="0.1"/>
 </Control>
 </file>
 
 <file path=customXml/item340.xml><?xml version="1.0" encoding="utf-8"?>
+<Control xmlns="http://schemas.microsoft.com/VisualStudio/2011/storyboarding/control">
+  <Id Name="System.Storyboarding.Backgrounds.WebBrowser" Revision="1" Stencil="System.Storyboarding.Backgrounds" StencilVersion="0.1"/>
+</Control>
+</file>
+
+<file path=customXml/item341.xml><?xml version="1.0" encoding="utf-8"?>
+<Control xmlns="http://schemas.microsoft.com/VisualStudio/2011/storyboarding/control">
+  <Id Name="System.Storyboarding.Common.TextInput" Revision="1" Stencil="System.Storyboarding.Common" StencilVersion="0.1"/>
+</Control>
+</file>
+
+<file path=customXml/item342.xml><?xml version="1.0" encoding="utf-8"?>
 <Control xmlns="http://schemas.microsoft.com/VisualStudio/2011/storyboarding/control">
   <Id Name="System.Storyboarding.Common.TextArea" Revision="1" Stencil="System.Storyboarding.Common" StencilVersion="0.1"/>
 </Control>
 </file>
 
-<file path=customXml/item341.xml><?xml version="1.0" encoding="utf-8"?>
-<Control xmlns="http://schemas.microsoft.com/VisualStudio/2011/storyboarding/control">
-  <Id Name="System.Storyboarding.Common.Button" Revision="1" Stencil="System.Storyboarding.Common" StencilVersion="0.1"/>
-</Control>
-</file>
-
-<file path=customXml/item342.xml><?xml version="1.0" encoding="utf-8"?>
-<Control xmlns="http://schemas.microsoft.com/VisualStudio/2011/storyboarding/control">
-  <Id Name="System.Storyboarding.Common.RadioButtonUnselected" Revision="1" Stencil="System.Storyboarding.Common" StencilVersion="0.1"/>
-</Control>
-</file>
-
 <file path=customXml/item343.xml><?xml version="1.0" encoding="utf-8"?>
 <Control xmlns="http://schemas.microsoft.com/VisualStudio/2011/storyboarding/control">
-  <Id Name="System.Storyboarding.Common.CheckBoxUnchecked" Revision="1" Stencil="System.Storyboarding.Common" StencilVersion="0.1"/>
+  <Id Name="System.Storyboarding.Common.TextInput" Revision="1" Stencil="System.Storyboarding.Common" StencilVersion="0.1"/>
 </Control>
 </file>
 
@@ -47625,49 +47625,49 @@
 
 <file path=customXml/item345.xml><?xml version="1.0" encoding="utf-8"?>
 <Control xmlns="http://schemas.microsoft.com/VisualStudio/2011/storyboarding/control">
-  <Id Name="System.Storyboarding.Common.MousePointer" Revision="1" Stencil="System.Storyboarding.Common" StencilVersion="0.1"/>
+  <Id Name="System.Storyboarding.Common.TextArea" Revision="1" Stencil="System.Storyboarding.Common" StencilVersion="0.1"/>
 </Control>
 </file>
 
 <file path=customXml/item346.xml><?xml version="1.0" encoding="utf-8"?>
+<Control xmlns="http://schemas.microsoft.com/VisualStudio/2011/storyboarding/control">
+  <Id Name="System.Storyboarding.Common.Button" Revision="1" Stencil="System.Storyboarding.Common" StencilVersion="0.1"/>
+</Control>
+</file>
+
+<file path=customXml/item347.xml><?xml version="1.0" encoding="utf-8"?>
 <Control xmlns="http://schemas.microsoft.com/VisualStudio/2011/storyboarding/control">
   <Id Name="System.Storyboarding.Common.TextInput" Revision="1" Stencil="System.Storyboarding.Common" StencilVersion="0.1"/>
 </Control>
 </file>
 
-<file path=customXml/item347.xml><?xml version="1.0" encoding="utf-8"?>
+<file path=customXml/item348.xml><?xml version="1.0" encoding="utf-8"?>
 <Control xmlns="http://schemas.microsoft.com/VisualStudio/2011/storyboarding/control">
-  <Id Name="System.Storyboarding.Common.CheckBoxUnchecked" Revision="1" Stencil="System.Storyboarding.Common" StencilVersion="0.1"/>
+  <Id Name="System.Storyboarding.Common.MousePointer" Revision="1" Stencil="System.Storyboarding.Common" StencilVersion="0.1"/>
 </Control>
 </file>
 
-<file path=customXml/item348.xml><?xml version="1.0" encoding="utf-8"?>
+<file path=customXml/item349.xml><?xml version="1.0" encoding="utf-8"?>
+<Control xmlns="http://schemas.microsoft.com/VisualStudio/2011/storyboarding/control">
+  <Id Name="System.Storyboarding.Common.TextInput" Revision="1" Stencil="System.Storyboarding.Common" StencilVersion="0.1"/>
+</Control>
+</file>
+
+<file path=customXml/item35.xml><?xml version="1.0" encoding="utf-8"?>
 <Control xmlns="http://schemas.microsoft.com/VisualStudio/2011/storyboarding/control">
   <Id Name="System.Storyboarding.Common.TextArea" Revision="1" Stencil="System.Storyboarding.Common" StencilVersion="0.1"/>
 </Control>
 </file>
 
-<file path=customXml/item349.xml><?xml version="1.0" encoding="utf-8"?>
-<Control xmlns="http://schemas.microsoft.com/VisualStudio/2011/storyboarding/control">
-  <Id Name="System.Storyboarding.Common.Button" Revision="1" Stencil="System.Storyboarding.Common" StencilVersion="0.1"/>
-</Control>
-</file>
-
-<file path=customXml/item35.xml><?xml version="1.0" encoding="utf-8"?>
-<Control xmlns="http://schemas.microsoft.com/VisualStudio/2011/storyboarding/control">
-  <Id Name="System.Storyboarding.Common.TextInput" Revision="1" Stencil="System.Storyboarding.Common" StencilVersion="0.1"/>
-</Control>
-</file>
-
 <file path=customXml/item350.xml><?xml version="1.0" encoding="utf-8"?>
 <Control xmlns="http://schemas.microsoft.com/VisualStudio/2011/storyboarding/control">
-  <Id Name="System.Storyboarding.Common.CheckBoxUnchecked" Revision="1" Stencil="System.Storyboarding.Common" StencilVersion="0.1"/>
+  <Id Name="System.Storyboarding.Common.MousePointer" Revision="1" Stencil="System.Storyboarding.Common" StencilVersion="0.1"/>
 </Control>
 </file>
 
 <file path=customXml/item351.xml><?xml version="1.0" encoding="utf-8"?>
 <Control xmlns="http://schemas.microsoft.com/VisualStudio/2011/storyboarding/control">
-  <Id Name="System.Storyboarding.Common.RadioButtonUnselected" Revision="1" Stencil="System.Storyboarding.Common" StencilVersion="0.1"/>
+  <Id Name="System.Storyboarding.Common.TextArea" Revision="1" Stencil="System.Storyboarding.Common" StencilVersion="0.1"/>
 </Control>
 </file>
 
@@ -47679,37 +47679,37 @@
 
 <file path=customXml/item353.xml><?xml version="1.0" encoding="utf-8"?>
 <Control xmlns="http://schemas.microsoft.com/VisualStudio/2011/storyboarding/control">
-  <Id Name="System.Storyboarding.Common.RadioButtonSelected" Revision="1" Stencil="System.Storyboarding.Common" StencilVersion="0.1"/>
+  <Id Name="System.Storyboarding.Common.TextInput" Revision="1" Stencil="System.Storyboarding.Common" StencilVersion="0.1"/>
 </Control>
 </file>
 
 <file path=customXml/item354.xml><?xml version="1.0" encoding="utf-8"?>
+<Control xmlns="http://schemas.microsoft.com/VisualStudio/2011/storyboarding/control">
+  <Id Name="System.Storyboarding.Common.RadioButtonUnselected" Revision="1" Stencil="System.Storyboarding.Common" StencilVersion="0.1"/>
+</Control>
+</file>
+
+<file path=customXml/item355.xml><?xml version="1.0" encoding="utf-8"?>
+<Control xmlns="http://schemas.microsoft.com/VisualStudio/2011/storyboarding/control">
+  <Id Name="System.Storyboarding.Common.CheckBoxUnchecked" Revision="1" Stencil="System.Storyboarding.Common" StencilVersion="0.1"/>
+</Control>
+</file>
+
+<file path=customXml/item356.xml><?xml version="1.0" encoding="utf-8"?>
 <Control xmlns="http://schemas.microsoft.com/VisualStudio/2011/storyboarding/control">
   <Id Name="System.Storyboarding.Common.TextInput" Revision="1" Stencil="System.Storyboarding.Common" StencilVersion="0.1"/>
 </Control>
 </file>
 
-<file path=customXml/item355.xml><?xml version="1.0" encoding="utf-8"?>
+<file path=customXml/item357.xml><?xml version="1.0" encoding="utf-8"?>
+<Control xmlns="http://schemas.microsoft.com/VisualStudio/2011/storyboarding/control">
+  <Id Name="System.Storyboarding.Common.RadioButtonUnselected" Revision="1" Stencil="System.Storyboarding.Common" StencilVersion="0.1"/>
+</Control>
+</file>
+
+<file path=customXml/item358.xml><?xml version="1.0" encoding="utf-8"?>
 <Control xmlns="http://schemas.microsoft.com/VisualStudio/2011/storyboarding/control">
   <Id Name="System.Storyboarding.Common.TextInput" Revision="1" Stencil="System.Storyboarding.Common" StencilVersion="0.1"/>
-</Control>
-</file>
-
-<file path=customXml/item356.xml><?xml version="1.0" encoding="utf-8"?>
-<Control xmlns="http://schemas.microsoft.com/VisualStudio/2011/storyboarding/control">
-  <Id Name="System.Storyboarding.Common.TextArea" Revision="1" Stencil="System.Storyboarding.Common" StencilVersion="0.1"/>
-</Control>
-</file>
-
-<file path=customXml/item357.xml><?xml version="1.0" encoding="utf-8"?>
-<Control xmlns="http://schemas.microsoft.com/VisualStudio/2011/storyboarding/control">
-  <Id Name="System.Storyboarding.Common.TextInput" Revision="1" Stencil="System.Storyboarding.Common" StencilVersion="0.1"/>
-</Control>
-</file>
-
-<file path=customXml/item358.xml><?xml version="1.0" encoding="utf-8"?>
-<Control xmlns="http://schemas.microsoft.com/VisualStudio/2011/storyboarding/control">
-  <Id Name="System.Storyboarding.Common.ProgressBar" Revision="1" Stencil="System.Storyboarding.Common" StencilVersion="0.1"/>
 </Control>
 </file>
 
@@ -47721,31 +47721,31 @@
 
 <file path=customXml/item36.xml><?xml version="1.0" encoding="utf-8"?>
 <Control xmlns="http://schemas.microsoft.com/VisualStudio/2011/storyboarding/control">
-  <Id Name="System.Storyboarding.Common.RadioButtonUnselected" Revision="1" Stencil="System.Storyboarding.Common" StencilVersion="0.1"/>
+  <Id Name="System.Storyboarding.Common.TextArea" Revision="1" Stencil="System.Storyboarding.Common" StencilVersion="0.1"/>
 </Control>
 </file>
 
 <file path=customXml/item360.xml><?xml version="1.0" encoding="utf-8"?>
 <Control xmlns="http://schemas.microsoft.com/VisualStudio/2011/storyboarding/control">
-  <Id Name="System.Storyboarding.Common.Button" Revision="1" Stencil="System.Storyboarding.Common" StencilVersion="0.1"/>
+  <Id Name="System.Storyboarding.Common.TextArea" Revision="1" Stencil="System.Storyboarding.Common" StencilVersion="0.1"/>
 </Control>
 </file>
 
 <file path=customXml/item361.xml><?xml version="1.0" encoding="utf-8"?>
 <Control xmlns="http://schemas.microsoft.com/VisualStudio/2011/storyboarding/control">
-  <Id Name="System.Storyboarding.Annotation.CallOut" Revision="1" Stencil="System.Storyboarding.Annotation" StencilVersion="0.1"/>
+  <Id Name="System.Storyboarding.Common.TextInput" Revision="1" Stencil="System.Storyboarding.Common" StencilVersion="0.1"/>
 </Control>
 </file>
 
 <file path=customXml/item362.xml><?xml version="1.0" encoding="utf-8"?>
 <Control xmlns="http://schemas.microsoft.com/VisualStudio/2011/storyboarding/control">
-  <Id Name="System.Storyboarding.Common.Button" Revision="1" Stencil="System.Storyboarding.Common" StencilVersion="0.1"/>
+  <Id Name="System.Storyboarding.Common.TextInput" Revision="1" Stencil="System.Storyboarding.Common" StencilVersion="0.1"/>
 </Control>
 </file>
 
 <file path=customXml/item363.xml><?xml version="1.0" encoding="utf-8"?>
 <Control xmlns="http://schemas.microsoft.com/VisualStudio/2011/storyboarding/control">
-  <Id Name="System.Storyboarding.Common.TextArea" Revision="1" Stencil="System.Storyboarding.Common" StencilVersion="0.1"/>
+  <Id Name="System.Storyboarding.Common.CheckBoxChecked" Revision="1" Stencil="System.Storyboarding.Common" StencilVersion="0.1"/>
 </Control>
 </file>
 
@@ -47757,13 +47757,13 @@
 
 <file path=customXml/item365.xml><?xml version="1.0" encoding="utf-8"?>
 <Control xmlns="http://schemas.microsoft.com/VisualStudio/2011/storyboarding/control">
-  <Id Name="System.Storyboarding.Common.MousePointer" Revision="1" Stencil="System.Storyboarding.Common" StencilVersion="0.1"/>
+  <Id Name="System.Storyboarding.Common.TextInput" Revision="1" Stencil="System.Storyboarding.Common" StencilVersion="0.1"/>
 </Control>
 </file>
 
 <file path=customXml/item366.xml><?xml version="1.0" encoding="utf-8"?>
 <Control xmlns="http://schemas.microsoft.com/VisualStudio/2011/storyboarding/control">
-  <Id Name="System.Storyboarding.Common.Button" Revision="1" Stencil="System.Storyboarding.Common" StencilVersion="0.1"/>
+  <Id Name="System.Storyboarding.Common.TextInput" Revision="1" Stencil="System.Storyboarding.Common" StencilVersion="0.1"/>
 </Control>
 </file>
 
@@ -47775,25 +47775,25 @@
 
 <file path=customXml/item368.xml><?xml version="1.0" encoding="utf-8"?>
 <Control xmlns="http://schemas.microsoft.com/VisualStudio/2011/storyboarding/control">
+  <Id Name="System.Storyboarding.Common.ProgressBar" Revision="1" Stencil="System.Storyboarding.Common" StencilVersion="0.1"/>
+</Control>
+</file>
+
+<file path=customXml/item369.xml><?xml version="1.0" encoding="utf-8"?>
+<Control xmlns="http://schemas.microsoft.com/VisualStudio/2011/storyboarding/control">
   <Id Name="System.Storyboarding.Common.TextArea" Revision="1" Stencil="System.Storyboarding.Common" StencilVersion="0.1"/>
 </Control>
 </file>
 
-<file path=customXml/item369.xml><?xml version="1.0" encoding="utf-8"?>
-<Control xmlns="http://schemas.microsoft.com/VisualStudio/2011/storyboarding/control">
-  <Id Name="System.Storyboarding.Common.CheckBoxChecked" Revision="1" Stencil="System.Storyboarding.Common" StencilVersion="0.1"/>
-</Control>
-</file>
-
 <file path=customXml/item37.xml><?xml version="1.0" encoding="utf-8"?>
 <Control xmlns="http://schemas.microsoft.com/VisualStudio/2011/storyboarding/control">
-  <Id Name="System.Storyboarding.Common.TextInput" Revision="1" Stencil="System.Storyboarding.Common" StencilVersion="0.1"/>
+  <Id Name="System.Storyboarding.Common.ProgressBar" Revision="1" Stencil="System.Storyboarding.Common" StencilVersion="0.1"/>
 </Control>
 </file>
 
 <file path=customXml/item370.xml><?xml version="1.0" encoding="utf-8"?>
 <Control xmlns="http://schemas.microsoft.com/VisualStudio/2011/storyboarding/control">
-  <Id Name="System.Storyboarding.Common.MousePointer" Revision="1" Stencil="System.Storyboarding.Common" StencilVersion="0.1"/>
+  <Id Name="System.Storyboarding.Common.TextInput" Revision="1" Stencil="System.Storyboarding.Common" StencilVersion="0.1"/>
 </Control>
 </file>
 
@@ -47805,55 +47805,55 @@
 
 <file path=customXml/item372.xml><?xml version="1.0" encoding="utf-8"?>
 <Control xmlns="http://schemas.microsoft.com/VisualStudio/2011/storyboarding/control">
-  <Id Name="System.Storyboarding.Common.Button" Revision="1" Stencil="System.Storyboarding.Common" StencilVersion="0.1"/>
+  <Id Name="System.Storyboarding.Common.TextArea" Revision="1" Stencil="System.Storyboarding.Common" StencilVersion="0.1"/>
 </Control>
 </file>
 
 <file path=customXml/item373.xml><?xml version="1.0" encoding="utf-8"?>
-<Control xmlns="http://schemas.microsoft.com/VisualStudio/2011/storyboarding/control">
-  <Id Name="System.Storyboarding.Common.RadioButtonUnselected" Revision="1" Stencil="System.Storyboarding.Common" StencilVersion="0.1"/>
-</Control>
-</file>
-
-<file path=customXml/item374.xml><?xml version="1.0" encoding="utf-8"?>
 <Control xmlns="http://schemas.microsoft.com/VisualStudio/2011/storyboarding/control">
   <Id Name="System.Storyboarding.Common.TextInput" Revision="1" Stencil="System.Storyboarding.Common" StencilVersion="0.1"/>
 </Control>
 </file>
 
+<file path=customXml/item374.xml><?xml version="1.0" encoding="utf-8"?>
+<Control xmlns="http://schemas.microsoft.com/VisualStudio/2011/storyboarding/control">
+  <Id Name="System.Storyboarding.Common.CheckBoxUnchecked" Revision="1" Stencil="System.Storyboarding.Common" StencilVersion="0.1"/>
+</Control>
+</file>
+
 <file path=customXml/item375.xml><?xml version="1.0" encoding="utf-8"?>
-<Control xmlns="http://schemas.microsoft.com/VisualStudio/2011/storyboarding/control">
-  <Id Name="System.Storyboarding.Backgrounds.WebBrowser" Revision="1" Stencil="System.Storyboarding.Backgrounds" StencilVersion="0.1"/>
-</Control>
-</file>
-
-<file path=customXml/item376.xml><?xml version="1.0" encoding="utf-8"?>
 <Control xmlns="http://schemas.microsoft.com/VisualStudio/2011/storyboarding/control">
   <Id Name="System.Storyboarding.Common.TextArea" Revision="1" Stencil="System.Storyboarding.Common" StencilVersion="0.1"/>
 </Control>
 </file>
 
+<file path=customXml/item376.xml><?xml version="1.0" encoding="utf-8"?>
+<Control xmlns="http://schemas.microsoft.com/VisualStudio/2011/storyboarding/control/v1.0">
+  <Id Name="System.Storyboarding.Common.SearchBox" RevisionId="68ea164d-c1de-47a5-804f-d4d1290fa524" Stencil="System.Storyboarding.Common" StencilRevisionId="68ea164d-c1de-47a5-804f-d4d1290fa524" StencilVersion="0.1"/>
+</Control>
+</file>
+
 <file path=customXml/item377.xml><?xml version="1.0" encoding="utf-8"?>
-<Control xmlns="http://schemas.microsoft.com/VisualStudio/2011/storyboarding/control">
-  <Id Name="System.Storyboarding.Common.MousePointer" Revision="1" Stencil="System.Storyboarding.Common" StencilVersion="0.1"/>
-</Control>
-</file>
-
-<file path=customXml/item378.xml><?xml version="1.0" encoding="utf-8"?>
 <Control xmlns="http://schemas.microsoft.com/VisualStudio/2011/storyboarding/control">
   <Id Name="System.Storyboarding.Common.TextInput" Revision="1" Stencil="System.Storyboarding.Common" StencilVersion="0.1"/>
 </Control>
 </file>
 
+<file path=customXml/item378.xml><?xml version="1.0" encoding="utf-8"?>
+<Control xmlns="http://schemas.microsoft.com/VisualStudio/2011/storyboarding/control">
+  <Id Name="System.Storyboarding.Common.CheckBoxChecked" Revision="1" Stencil="System.Storyboarding.Common" StencilVersion="0.1"/>
+</Control>
+</file>
+
 <file path=customXml/item379.xml><?xml version="1.0" encoding="utf-8"?>
 <Control xmlns="http://schemas.microsoft.com/VisualStudio/2011/storyboarding/control">
-  <Id Name="System.Storyboarding.Common.TextArea" Revision="1" Stencil="System.Storyboarding.Common" StencilVersion="0.1"/>
+  <Id Name="System.Storyboarding.Common.CheckBoxUnchecked" Revision="1" Stencil="System.Storyboarding.Common" StencilVersion="0.1"/>
 </Control>
 </file>
 
 <file path=customXml/item38.xml><?xml version="1.0" encoding="utf-8"?>
 <Control xmlns="http://schemas.microsoft.com/VisualStudio/2011/storyboarding/control">
-  <Id Name="System.Storyboarding.Common.TextArea" Revision="1" Stencil="System.Storyboarding.Common" StencilVersion="0.1"/>
+  <Id Name="System.Storyboarding.Common.TextInput" Revision="1" Stencil="System.Storyboarding.Common" StencilVersion="0.1"/>
 </Control>
 </file>
 
@@ -47865,13 +47865,13 @@
 
 <file path=customXml/item381.xml><?xml version="1.0" encoding="utf-8"?>
 <Control xmlns="http://schemas.microsoft.com/VisualStudio/2011/storyboarding/control">
-  <Id Name="System.Storyboarding.Common.TextArea" Revision="1" Stencil="System.Storyboarding.Common" StencilVersion="0.1"/>
+  <Id Name="System.Storyboarding.Common.TextInput" Revision="1" Stencil="System.Storyboarding.Common" StencilVersion="0.1"/>
 </Control>
 </file>
 
 <file path=customXml/item382.xml><?xml version="1.0" encoding="utf-8"?>
 <Control xmlns="http://schemas.microsoft.com/VisualStudio/2011/storyboarding/control">
-  <Id Name="System.Storyboarding.Common.MousePointer" Revision="1" Stencil="System.Storyboarding.Common" StencilVersion="0.1"/>
+  <Id Name="System.Storyboarding.Common.RadioButtonUnselected" Revision="1" Stencil="System.Storyboarding.Common" StencilVersion="0.1"/>
 </Control>
 </file>
 
@@ -47883,19 +47883,19 @@
 
 <file path=customXml/item384.xml><?xml version="1.0" encoding="utf-8"?>
 <Control xmlns="http://schemas.microsoft.com/VisualStudio/2011/storyboarding/control">
-  <Id Name="System.Storyboarding.Common.Button" Revision="1" Stencil="System.Storyboarding.Common" StencilVersion="0.1"/>
+  <Id Name="System.Storyboarding.Common.CheckBoxChecked" Revision="1" Stencil="System.Storyboarding.Common" StencilVersion="0.1"/>
 </Control>
 </file>
 
 <file path=customXml/item385.xml><?xml version="1.0" encoding="utf-8"?>
 <Control xmlns="http://schemas.microsoft.com/VisualStudio/2011/storyboarding/control">
-  <Id Name="System.Storyboarding.Common.TextInput" Revision="1" Stencil="System.Storyboarding.Common" StencilVersion="0.1"/>
+  <Id Name="System.Storyboarding.Common.TextArea" Revision="1" Stencil="System.Storyboarding.Common" StencilVersion="0.1"/>
 </Control>
 </file>
 
 <file path=customXml/item386.xml><?xml version="1.0" encoding="utf-8"?>
 <Control xmlns="http://schemas.microsoft.com/VisualStudio/2011/storyboarding/control">
-  <Id Name="System.Storyboarding.Common.TextArea" Revision="1" Stencil="System.Storyboarding.Common" StencilVersion="0.1"/>
+  <Id Name="System.Storyboarding.Common.MousePointer" Revision="1" Stencil="System.Storyboarding.Common" StencilVersion="0.1"/>
 </Control>
 </file>
 
@@ -47907,31 +47907,31 @@
 
 <file path=customXml/item388.xml><?xml version="1.0" encoding="utf-8"?>
 <Control xmlns="http://schemas.microsoft.com/VisualStudio/2011/storyboarding/control">
-  <Id Name="System.Storyboarding.Common.MousePointer" Revision="1" Stencil="System.Storyboarding.Common" StencilVersion="0.1"/>
+  <Id Name="System.Storyboarding.Common.RadioButtonSelected" Revision="1" Stencil="System.Storyboarding.Common" StencilVersion="0.1"/>
 </Control>
 </file>
 
 <file path=customXml/item389.xml><?xml version="1.0" encoding="utf-8"?>
 <Control xmlns="http://schemas.microsoft.com/VisualStudio/2011/storyboarding/control">
-  <Id Name="System.Storyboarding.Common.Button" Revision="1" Stencil="System.Storyboarding.Common" StencilVersion="0.1"/>
+  <Id Name="System.Storyboarding.Common.TextArea" Revision="1" Stencil="System.Storyboarding.Common" StencilVersion="0.1"/>
 </Control>
 </file>
 
 <file path=customXml/item39.xml><?xml version="1.0" encoding="utf-8"?>
 <Control xmlns="http://schemas.microsoft.com/VisualStudio/2011/storyboarding/control">
-  <Id Name="System.Storyboarding.Backgrounds.WebBrowser" Revision="1" Stencil="System.Storyboarding.Backgrounds" StencilVersion="0.1"/>
+  <Id Name="System.Storyboarding.Common.CheckBoxUnchecked" Revision="1" Stencil="System.Storyboarding.Common" StencilVersion="0.1"/>
 </Control>
 </file>
 
 <file path=customXml/item390.xml><?xml version="1.0" encoding="utf-8"?>
-<Control xmlns="http://schemas.microsoft.com/VisualStudio/2011/storyboarding/control/v1.0">
-  <Id Name="System.Storyboarding.Media.Image" RevisionId="658c0869-8ded-44f2-a68a-f8e8fcb7d3bd" Stencil="System.Storyboarding.Media" StencilRevisionId="658c0869-8ded-44f2-a68a-f8e8fcb7d3bd" StencilVersion="0.1"/>
+<Control xmlns="http://schemas.microsoft.com/VisualStudio/2011/storyboarding/control">
+  <Id Name="System.Storyboarding.Common.RadioButtonUnselected" Revision="1" Stencil="System.Storyboarding.Common" StencilVersion="0.1"/>
 </Control>
 </file>
 
 <file path=customXml/item391.xml><?xml version="1.0" encoding="utf-8"?>
 <Control xmlns="http://schemas.microsoft.com/VisualStudio/2011/storyboarding/control">
-  <Id Name="System.Storyboarding.Common.TextInput" Revision="1" Stencil="System.Storyboarding.Common" StencilVersion="0.1"/>
+  <Id Name="System.Storyboarding.Common.RadioButtonSelected" Revision="1" Stencil="System.Storyboarding.Common" StencilVersion="0.1"/>
 </Control>
 </file>
 
@@ -47943,25 +47943,25 @@
 
 <file path=customXml/item393.xml><?xml version="1.0" encoding="utf-8"?>
 <Control xmlns="http://schemas.microsoft.com/VisualStudio/2011/storyboarding/control">
-  <Id Name="System.Storyboarding.Common.Button" Revision="1" Stencil="System.Storyboarding.Common" StencilVersion="0.1"/>
+  <Id Name="System.Storyboarding.Common.TextInput" Revision="1" Stencil="System.Storyboarding.Common" StencilVersion="0.1"/>
 </Control>
 </file>
 
 <file path=customXml/item394.xml><?xml version="1.0" encoding="utf-8"?>
+<Control xmlns="http://schemas.microsoft.com/VisualStudio/2011/storyboarding/control">
+  <Id Name="System.Storyboarding.Common.TextInput" Revision="1" Stencil="System.Storyboarding.Common" StencilVersion="0.1"/>
+</Control>
+</file>
+
+<file path=customXml/item395.xml><?xml version="1.0" encoding="utf-8"?>
 <Control xmlns="http://schemas.microsoft.com/VisualStudio/2011/storyboarding/control">
   <Id Name="System.Storyboarding.Common.CheckBoxUnchecked" Revision="1" Stencil="System.Storyboarding.Common" StencilVersion="0.1"/>
 </Control>
 </file>
 
-<file path=customXml/item395.xml><?xml version="1.0" encoding="utf-8"?>
-<Control xmlns="http://schemas.microsoft.com/VisualStudio/2011/storyboarding/control">
-  <Id Name="System.Storyboarding.Common.Button" Revision="1" Stencil="System.Storyboarding.Common" StencilVersion="0.1"/>
-</Control>
-</file>
-
 <file path=customXml/item396.xml><?xml version="1.0" encoding="utf-8"?>
 <Control xmlns="http://schemas.microsoft.com/VisualStudio/2011/storyboarding/control">
-  <Id Name="System.Storyboarding.Common.RadioButtonUnselected" Revision="1" Stencil="System.Storyboarding.Common" StencilVersion="0.1"/>
+  <Id Name="System.Storyboarding.Common.TextArea" Revision="1" Stencil="System.Storyboarding.Common" StencilVersion="0.1"/>
 </Control>
 </file>
 
@@ -47973,97 +47973,97 @@
 
 <file path=customXml/item398.xml><?xml version="1.0" encoding="utf-8"?>
 <Control xmlns="http://schemas.microsoft.com/VisualStudio/2011/storyboarding/control">
+  <Id Name="System.Storyboarding.Common.TextArea" Revision="1" Stencil="System.Storyboarding.Common" StencilVersion="0.1"/>
+</Control>
+</file>
+
+<file path=customXml/item399.xml><?xml version="1.0" encoding="utf-8"?>
+<Control xmlns="http://schemas.microsoft.com/VisualStudio/2011/storyboarding/control">
   <Id Name="System.Storyboarding.Common.TextInput" Revision="1" Stencil="System.Storyboarding.Common" StencilVersion="0.1"/>
 </Control>
 </file>
 
-<file path=customXml/item399.xml><?xml version="1.0" encoding="utf-8"?>
+<file path=customXml/item4.xml><?xml version="1.0" encoding="utf-8"?>
 <Control xmlns="http://schemas.microsoft.com/VisualStudio/2011/storyboarding/control">
-  <Id Name="System.Storyboarding.Common.ProgressBar" Revision="1" Stencil="System.Storyboarding.Common" StencilVersion="0.1"/>
+  <Id Name="System.Storyboarding.Common.TextArea" Revision="1" Stencil="System.Storyboarding.Common" StencilVersion="0.1"/>
 </Control>
 </file>
 
-<file path=customXml/item4.xml><?xml version="1.0" encoding="utf-8"?>
+<file path=customXml/item40.xml><?xml version="1.0" encoding="utf-8"?>
+<Control xmlns="http://schemas.microsoft.com/VisualStudio/2011/storyboarding/control">
+  <Id Name="System.Storyboarding.Common.TextInput" Revision="1" Stencil="System.Storyboarding.Common" StencilVersion="0.1"/>
+</Control>
+</file>
+
+<file path=customXml/item400.xml><?xml version="1.0" encoding="utf-8"?>
+<Control xmlns="http://schemas.microsoft.com/VisualStudio/2011/storyboarding/control">
+  <Id Name="System.Storyboarding.Common.TextInput" Revision="1" Stencil="System.Storyboarding.Common" StencilVersion="0.1"/>
+</Control>
+</file>
+
+<file path=customXml/item401.xml><?xml version="1.0" encoding="utf-8"?>
+<Control xmlns="http://schemas.microsoft.com/VisualStudio/2011/storyboarding/control">
+  <Id Name="System.Storyboarding.Common.CheckBoxChecked" Revision="1" Stencil="System.Storyboarding.Common" StencilVersion="0.1"/>
+</Control>
+</file>
+
+<file path=customXml/item402.xml><?xml version="1.0" encoding="utf-8"?>
+<Control xmlns="http://schemas.microsoft.com/VisualStudio/2011/storyboarding/control">
+  <Id Name="System.Storyboarding.Common.TextArea" Revision="1" Stencil="System.Storyboarding.Common" StencilVersion="0.1"/>
+</Control>
+</file>
+
+<file path=customXml/item403.xml><?xml version="1.0" encoding="utf-8"?>
 <Control xmlns="http://schemas.microsoft.com/VisualStudio/2011/storyboarding/control">
   <Id Name="System.Storyboarding.Common.CheckBoxUnchecked" Revision="1" Stencil="System.Storyboarding.Common" StencilVersion="0.1"/>
 </Control>
 </file>
 
-<file path=customXml/item40.xml><?xml version="1.0" encoding="utf-8"?>
+<file path=customXml/item404.xml><?xml version="1.0" encoding="utf-8"?>
+<Control xmlns="http://schemas.microsoft.com/VisualStudio/2011/storyboarding/control">
+  <Id Name="System.Storyboarding.Common.TextInput" Revision="1" Stencil="System.Storyboarding.Common" StencilVersion="0.1"/>
+</Control>
+</file>
+
+<file path=customXml/item405.xml><?xml version="1.0" encoding="utf-8"?>
+<Control xmlns="http://schemas.microsoft.com/VisualStudio/2011/storyboarding/control">
+  <Id Name="System.Storyboarding.Common.MousePointer" Revision="1" Stencil="System.Storyboarding.Common" StencilVersion="0.1"/>
+</Control>
+</file>
+
+<file path=customXml/item406.xml><?xml version="1.0" encoding="utf-8"?>
+<Control xmlns="http://schemas.microsoft.com/VisualStudio/2011/storyboarding/control">
+  <Id Name="System.Storyboarding.Common.CheckBoxChecked" Revision="1" Stencil="System.Storyboarding.Common" StencilVersion="0.1"/>
+</Control>
+</file>
+
+<file path=customXml/item407.xml><?xml version="1.0" encoding="utf-8"?>
+<Control xmlns="http://schemas.microsoft.com/VisualStudio/2011/storyboarding/control">
+  <Id Name="System.Storyboarding.Common.TextInput" Revision="1" Stencil="System.Storyboarding.Common" StencilVersion="0.1"/>
+</Control>
+</file>
+
+<file path=customXml/item408.xml><?xml version="1.0" encoding="utf-8"?>
 <Control xmlns="http://schemas.microsoft.com/VisualStudio/2011/storyboarding/control">
   <Id Name="System.Storyboarding.Common.Button" Revision="1" Stencil="System.Storyboarding.Common" StencilVersion="0.1"/>
 </Control>
 </file>
 
-<file path=customXml/item400.xml><?xml version="1.0" encoding="utf-8"?>
-<Control xmlns="http://schemas.microsoft.com/VisualStudio/2011/storyboarding/control">
-  <Id Name="System.Storyboarding.Common.CheckBoxChecked" Revision="1" Stencil="System.Storyboarding.Common" StencilVersion="0.1"/>
-</Control>
-</file>
-
-<file path=customXml/item401.xml><?xml version="1.0" encoding="utf-8"?>
-<Control xmlns="http://schemas.microsoft.com/VisualStudio/2011/storyboarding/control">
-  <Id Name="System.Storyboarding.Common.TextInput" Revision="1" Stencil="System.Storyboarding.Common" StencilVersion="0.1"/>
-</Control>
-</file>
-
-<file path=customXml/item402.xml><?xml version="1.0" encoding="utf-8"?>
-<Control xmlns="http://schemas.microsoft.com/VisualStudio/2011/storyboarding/control">
-  <Id Name="System.Storyboarding.Common.CheckBoxUnchecked" Revision="1" Stencil="System.Storyboarding.Common" StencilVersion="0.1"/>
-</Control>
-</file>
-
-<file path=customXml/item403.xml><?xml version="1.0" encoding="utf-8"?>
-<Control xmlns="http://schemas.microsoft.com/VisualStudio/2011/storyboarding/control">
-  <Id Name="System.Storyboarding.Common.TextArea" Revision="1" Stencil="System.Storyboarding.Common" StencilVersion="0.1"/>
-</Control>
-</file>
-
-<file path=customXml/item404.xml><?xml version="1.0" encoding="utf-8"?>
-<Control xmlns="http://schemas.microsoft.com/VisualStudio/2011/storyboarding/control">
-  <Id Name="System.Storyboarding.Common.Button" Revision="1" Stencil="System.Storyboarding.Common" StencilVersion="0.1"/>
-</Control>
-</file>
-
-<file path=customXml/item405.xml><?xml version="1.0" encoding="utf-8"?>
-<Control xmlns="http://schemas.microsoft.com/VisualStudio/2011/storyboarding/control">
-  <Id Name="System.Storyboarding.Common.TextArea" Revision="1" Stencil="System.Storyboarding.Common" StencilVersion="0.1"/>
-</Control>
-</file>
-
-<file path=customXml/item406.xml><?xml version="1.0" encoding="utf-8"?>
-<Control xmlns="http://schemas.microsoft.com/VisualStudio/2011/storyboarding/control">
-  <Id Name="System.Storyboarding.Common.RadioButtonSelected" Revision="1" Stencil="System.Storyboarding.Common" StencilVersion="0.1"/>
-</Control>
-</file>
-
-<file path=customXml/item407.xml><?xml version="1.0" encoding="utf-8"?>
-<Control xmlns="http://schemas.microsoft.com/VisualStudio/2011/storyboarding/control">
-  <Id Name="System.Storyboarding.Common.MousePointer" Revision="1" Stencil="System.Storyboarding.Common" StencilVersion="0.1"/>
-</Control>
-</file>
-
-<file path=customXml/item408.xml><?xml version="1.0" encoding="utf-8"?>
-<Control xmlns="http://schemas.microsoft.com/VisualStudio/2011/storyboarding/control">
-  <Id Name="System.Storyboarding.Common.TextInput" Revision="1" Stencil="System.Storyboarding.Common" StencilVersion="0.1"/>
-</Control>
-</file>
-
 <file path=customXml/item409.xml><?xml version="1.0" encoding="utf-8"?>
 <Control xmlns="http://schemas.microsoft.com/VisualStudio/2011/storyboarding/control">
-  <Id Name="System.Storyboarding.Common.TextArea" Revision="1" Stencil="System.Storyboarding.Common" StencilVersion="0.1"/>
+  <Id Name="System.Storyboarding.Common.RadioButtonUnselected" Revision="1" Stencil="System.Storyboarding.Common" StencilVersion="0.1"/>
 </Control>
 </file>
 
 <file path=customXml/item41.xml><?xml version="1.0" encoding="utf-8"?>
 <Control xmlns="http://schemas.microsoft.com/VisualStudio/2011/storyboarding/control">
-  <Id Name="System.Storyboarding.Common.Button" Revision="1" Stencil="System.Storyboarding.Common" StencilVersion="0.1"/>
+  <Id Name="System.Storyboarding.Backgrounds.WebBrowser" Revision="1" Stencil="System.Storyboarding.Backgrounds" StencilVersion="0.1"/>
 </Control>
 </file>
 
 <file path=customXml/item410.xml><?xml version="1.0" encoding="utf-8"?>
 <Control xmlns="http://schemas.microsoft.com/VisualStudio/2011/storyboarding/control">
-  <Id Name="System.Storyboarding.Common.MousePointer" Revision="1" Stencil="System.Storyboarding.Common" StencilVersion="0.1"/>
+  <Id Name="System.Storyboarding.Backgrounds.WindowsPhoneLandscape" Revision="1" Stencil="System.Storyboarding.Backgrounds" StencilVersion="0.1"/>
 </Control>
 </file>
 
@@ -48075,13 +48075,13 @@
 
 <file path=customXml/item412.xml><?xml version="1.0" encoding="utf-8"?>
 <Control xmlns="http://schemas.microsoft.com/VisualStudio/2011/storyboarding/control">
-  <Id Name="System.Storyboarding.Common.RadioButtonSelected" Revision="1" Stencil="System.Storyboarding.Common" StencilVersion="0.1"/>
+  <Id Name="System.Storyboarding.Common.Button" Revision="1" Stencil="System.Storyboarding.Common" StencilVersion="0.1"/>
 </Control>
 </file>
 
 <file path=customXml/item413.xml><?xml version="1.0" encoding="utf-8"?>
 <Control xmlns="http://schemas.microsoft.com/VisualStudio/2011/storyboarding/control">
-  <Id Name="System.Storyboarding.Common.TextArea" Revision="1" Stencil="System.Storyboarding.Common" StencilVersion="0.1"/>
+  <Id Name="System.Storyboarding.Common.TextInput" Revision="1" Stencil="System.Storyboarding.Common" StencilVersion="0.1"/>
 </Control>
 </file>
 
@@ -48093,25 +48093,25 @@
 
 <file path=customXml/item415.xml><?xml version="1.0" encoding="utf-8"?>
 <Control xmlns="http://schemas.microsoft.com/VisualStudio/2011/storyboarding/control">
-  <Id Name="System.Storyboarding.Common.Button" Revision="1" Stencil="System.Storyboarding.Common" StencilVersion="0.1"/>
+  <Id Name="System.Storyboarding.Common.MousePointer" Revision="1" Stencil="System.Storyboarding.Common" StencilVersion="0.1"/>
 </Control>
 </file>
 
 <file path=customXml/item416.xml><?xml version="1.0" encoding="utf-8"?>
 <Control xmlns="http://schemas.microsoft.com/VisualStudio/2011/storyboarding/control">
-  <Id Name="System.Storyboarding.Icons.Copy" Revision="1" Stencil="System.Storyboarding.Icons" StencilVersion="0.1"/>
+  <Id Name="System.Storyboarding.Common.TextInput" Revision="1" Stencil="System.Storyboarding.Common" StencilVersion="0.1"/>
 </Control>
 </file>
 
 <file path=customXml/item417.xml><?xml version="1.0" encoding="utf-8"?>
 <Control xmlns="http://schemas.microsoft.com/VisualStudio/2011/storyboarding/control">
-  <Id Name="System.Storyboarding.WindowsPhoneIcons.Check" Revision="1" Stencil="System.Storyboarding.WindowsPhoneIcons" StencilVersion="0.1"/>
+  <Id Name="System.Storyboarding.Common.RadioButtonUnselected" Revision="1" Stencil="System.Storyboarding.Common" StencilVersion="0.1"/>
 </Control>
 </file>
 
 <file path=customXml/item418.xml><?xml version="1.0" encoding="utf-8"?>
 <Control xmlns="http://schemas.microsoft.com/VisualStudio/2011/storyboarding/control">
-  <Id Name="System.Storyboarding.Common.CheckBoxChecked" Revision="1" Stencil="System.Storyboarding.Common" StencilVersion="0.1"/>
+  <Id Name="System.Storyboarding.Common.Button" Revision="1" Stencil="System.Storyboarding.Common" StencilVersion="0.1"/>
 </Control>
 </file>
 
@@ -48123,7 +48123,7 @@
 
 <file path=customXml/item42.xml><?xml version="1.0" encoding="utf-8"?>
 <Control xmlns="http://schemas.microsoft.com/VisualStudio/2011/storyboarding/control">
-  <Id Name="System.Storyboarding.Common.RadioButtonUnselected" Revision="1" Stencil="System.Storyboarding.Common" StencilVersion="0.1"/>
+  <Id Name="System.Storyboarding.Common.CheckBoxUnchecked" Revision="1" Stencil="System.Storyboarding.Common" StencilVersion="0.1"/>
 </Control>
 </file>
 
@@ -48141,73 +48141,73 @@
 
 <file path=customXml/item422.xml><?xml version="1.0" encoding="utf-8"?>
 <Control xmlns="http://schemas.microsoft.com/VisualStudio/2011/storyboarding/control">
+  <Id Name="System.Storyboarding.Common.TextArea" Revision="1" Stencil="System.Storyboarding.Common" StencilVersion="0.1"/>
+</Control>
+</file>
+
+<file path=customXml/item423.xml><?xml version="1.0" encoding="utf-8"?>
+<Control xmlns="http://schemas.microsoft.com/VisualStudio/2011/storyboarding/control">
+  <Id Name="System.Storyboarding.Common.Button" Revision="1" Stencil="System.Storyboarding.Common" StencilVersion="0.1"/>
+</Control>
+</file>
+
+<file path=customXml/item424.xml><?xml version="1.0" encoding="utf-8"?>
+<Control xmlns="http://schemas.microsoft.com/VisualStudio/2011/storyboarding/control">
   <Id Name="System.Storyboarding.Common.TextInput" Revision="1" Stencil="System.Storyboarding.Common" StencilVersion="0.1"/>
 </Control>
 </file>
 
-<file path=customXml/item423.xml><?xml version="1.0" encoding="utf-8"?>
+<file path=customXml/item425.xml><?xml version="1.0" encoding="utf-8"?>
+<Control xmlns="http://schemas.microsoft.com/VisualStudio/2011/storyboarding/control">
+  <Id Name="System.Storyboarding.Common.Button" Revision="1" Stencil="System.Storyboarding.Common" StencilVersion="0.1"/>
+</Control>
+</file>
+
+<file path=customXml/item426.xml><?xml version="1.0" encoding="utf-8"?>
+<Control xmlns="http://schemas.microsoft.com/VisualStudio/2011/storyboarding/control">
+  <Id Name="System.Storyboarding.Common.TextInput" Revision="1" Stencil="System.Storyboarding.Common" StencilVersion="0.1"/>
+</Control>
+</file>
+
+<file path=customXml/item427.xml><?xml version="1.0" encoding="utf-8"?>
 <Control xmlns="http://schemas.microsoft.com/VisualStudio/2011/storyboarding/control">
   <Id Name="System.Storyboarding.Common.CheckBoxUnchecked" Revision="1" Stencil="System.Storyboarding.Common" StencilVersion="0.1"/>
 </Control>
 </file>
 
-<file path=customXml/item424.xml><?xml version="1.0" encoding="utf-8"?>
+<file path=customXml/item428.xml><?xml version="1.0" encoding="utf-8"?>
 <Control xmlns="http://schemas.microsoft.com/VisualStudio/2011/storyboarding/control">
-  <Id Name="System.Storyboarding.Common.CheckBoxUnchecked" Revision="1" Stencil="System.Storyboarding.Common" StencilVersion="0.1"/>
+  <Id Name="System.Storyboarding.Common.RadioButtonUnselected" Revision="1" Stencil="System.Storyboarding.Common" StencilVersion="0.1"/>
 </Control>
 </file>
 
-<file path=customXml/item425.xml><?xml version="1.0" encoding="utf-8"?>
+<file path=customXml/item429.xml><?xml version="1.0" encoding="utf-8"?>
+<Control xmlns="http://schemas.microsoft.com/VisualStudio/2011/storyboarding/control">
+  <Id Name="System.Storyboarding.Common.TextArea" Revision="1" Stencil="System.Storyboarding.Common" StencilVersion="0.1"/>
+</Control>
+</file>
+
+<file path=customXml/item43.xml><?xml version="1.0" encoding="utf-8"?>
+<Control xmlns="http://schemas.microsoft.com/VisualStudio/2011/storyboarding/control">
+  <Id Name="System.Storyboarding.Common.MousePointer" Revision="1" Stencil="System.Storyboarding.Common" StencilVersion="0.1"/>
+</Control>
+</file>
+
+<file path=customXml/item430.xml><?xml version="1.0" encoding="utf-8"?>
 <Control xmlns="http://schemas.microsoft.com/VisualStudio/2011/storyboarding/control">
   <Id Name="System.Storyboarding.Common.TextInput" Revision="1" Stencil="System.Storyboarding.Common" StencilVersion="0.1"/>
 </Control>
 </file>
 
-<file path=customXml/item426.xml><?xml version="1.0" encoding="utf-8"?>
-<Control xmlns="http://schemas.microsoft.com/VisualStudio/2011/storyboarding/control">
-  <Id Name="System.Storyboarding.Backgrounds.WebBrowser" Revision="1" Stencil="System.Storyboarding.Backgrounds" StencilVersion="0.1"/>
-</Control>
-</file>
-
-<file path=customXml/item427.xml><?xml version="1.0" encoding="utf-8"?>
-<Control xmlns="http://schemas.microsoft.com/VisualStudio/2011/storyboarding/control">
-  <Id Name="System.Storyboarding.Common.CheckBoxChecked" Revision="1" Stencil="System.Storyboarding.Common" StencilVersion="0.1"/>
-</Control>
-</file>
-
-<file path=customXml/item428.xml><?xml version="1.0" encoding="utf-8"?>
-<Control xmlns="http://schemas.microsoft.com/VisualStudio/2011/storyboarding/control">
-  <Id Name="System.Storyboarding.Common.TextInput" Revision="1" Stencil="System.Storyboarding.Common" StencilVersion="0.1"/>
-</Control>
-</file>
-
-<file path=customXml/item429.xml><?xml version="1.0" encoding="utf-8"?>
-<Control xmlns="http://schemas.microsoft.com/VisualStudio/2011/storyboarding/control">
-  <Id Name="System.Storyboarding.Common.TextInput" Revision="1" Stencil="System.Storyboarding.Common" StencilVersion="0.1"/>
-</Control>
-</file>
-
-<file path=customXml/item43.xml><?xml version="1.0" encoding="utf-8"?>
-<Control xmlns="http://schemas.microsoft.com/VisualStudio/2011/storyboarding/control">
-  <Id Name="System.Storyboarding.Common.RadioButtonUnselected" Revision="1" Stencil="System.Storyboarding.Common" StencilVersion="0.1"/>
-</Control>
-</file>
-
-<file path=customXml/item430.xml><?xml version="1.0" encoding="utf-8"?>
-<Control xmlns="http://schemas.microsoft.com/VisualStudio/2011/storyboarding/control">
-  <Id Name="System.Storyboarding.Common.CheckBoxChecked" Revision="1" Stencil="System.Storyboarding.Common" StencilVersion="0.1"/>
-</Control>
-</file>
-
 <file path=customXml/item431.xml><?xml version="1.0" encoding="utf-8"?>
 <Control xmlns="http://schemas.microsoft.com/VisualStudio/2011/storyboarding/control">
-  <Id Name="System.Storyboarding.Common.CheckBoxUnchecked" Revision="1" Stencil="System.Storyboarding.Common" StencilVersion="0.1"/>
+  <Id Name="System.Storyboarding.Common.Button" Revision="1" Stencil="System.Storyboarding.Common" StencilVersion="0.1"/>
 </Control>
 </file>
 
 <file path=customXml/item432.xml><?xml version="1.0" encoding="utf-8"?>
 <Control xmlns="http://schemas.microsoft.com/VisualStudio/2011/storyboarding/control">
-  <Id Name="System.Storyboarding.Common.TextInput" Revision="1" Stencil="System.Storyboarding.Common" StencilVersion="0.1"/>
+  <Id Name="System.Storyboarding.Common.TextArea" Revision="1" Stencil="System.Storyboarding.Common" StencilVersion="0.1"/>
 </Control>
 </file>
 
@@ -48219,37 +48219,37 @@
 
 <file path=customXml/item434.xml><?xml version="1.0" encoding="utf-8"?>
 <Control xmlns="http://schemas.microsoft.com/VisualStudio/2011/storyboarding/control">
+  <Id Name="System.Storyboarding.Common.Button" Revision="1" Stencil="System.Storyboarding.Common" StencilVersion="0.1"/>
+</Control>
+</file>
+
+<file path=customXml/item435.xml><?xml version="1.0" encoding="utf-8"?>
+<Control xmlns="http://schemas.microsoft.com/VisualStudio/2011/storyboarding/control">
   <Id Name="System.Storyboarding.Common.TextInput" Revision="1" Stencil="System.Storyboarding.Common" StencilVersion="0.1"/>
 </Control>
 </file>
 
-<file path=customXml/item435.xml><?xml version="1.0" encoding="utf-8"?>
+<file path=customXml/item436.xml><?xml version="1.0" encoding="utf-8"?>
+<Control xmlns="http://schemas.microsoft.com/VisualStudio/2011/storyboarding/control">
+  <Id Name="System.Storyboarding.Common.TextInput" Revision="1" Stencil="System.Storyboarding.Common" StencilVersion="0.1"/>
+</Control>
+</file>
+
+<file path=customXml/item44.xml><?xml version="1.0" encoding="utf-8"?>
+<Control xmlns="http://schemas.microsoft.com/VisualStudio/2011/storyboarding/control">
+  <Id Name="System.Storyboarding.Common.ProgressBar" Revision="1" Stencil="System.Storyboarding.Common" StencilVersion="0.1"/>
+</Control>
+</file>
+
+<file path=customXml/item45.xml><?xml version="1.0" encoding="utf-8"?>
 <Control xmlns="http://schemas.microsoft.com/VisualStudio/2011/storyboarding/control">
   <Id Name="System.Storyboarding.Common.RadioButtonUnselected" Revision="1" Stencil="System.Storyboarding.Common" StencilVersion="0.1"/>
 </Control>
 </file>
 
-<file path=customXml/item436.xml><?xml version="1.0" encoding="utf-8"?>
-<Control xmlns="http://schemas.microsoft.com/VisualStudio/2011/storyboarding/control">
-  <Id Name="System.Storyboarding.Common.RadioButtonUnselected" Revision="1" Stencil="System.Storyboarding.Common" StencilVersion="0.1"/>
-</Control>
-</file>
-
-<file path=customXml/item44.xml><?xml version="1.0" encoding="utf-8"?>
-<Control xmlns="http://schemas.microsoft.com/VisualStudio/2011/storyboarding/control">
-  <Id Name="System.Storyboarding.Common.RadioButtonUnselected" Revision="1" Stencil="System.Storyboarding.Common" StencilVersion="0.1"/>
-</Control>
-</file>
-
-<file path=customXml/item45.xml><?xml version="1.0" encoding="utf-8"?>
-<Control xmlns="http://schemas.microsoft.com/VisualStudio/2011/storyboarding/control">
-  <Id Name="System.Storyboarding.Common.TextInput" Revision="1" Stencil="System.Storyboarding.Common" StencilVersion="0.1"/>
-</Control>
-</file>
-
 <file path=customXml/item46.xml><?xml version="1.0" encoding="utf-8"?>
 <Control xmlns="http://schemas.microsoft.com/VisualStudio/2011/storyboarding/control">
-  <Id Name="System.Storyboarding.Common.TextInput" Revision="1" Stencil="System.Storyboarding.Common" StencilVersion="0.1"/>
+  <Id Name="System.Storyboarding.Common.TextArea" Revision="1" Stencil="System.Storyboarding.Common" StencilVersion="0.1"/>
 </Control>
 </file>
 
@@ -48261,7 +48261,7 @@
 
 <file path=customXml/item48.xml><?xml version="1.0" encoding="utf-8"?>
 <Control xmlns="http://schemas.microsoft.com/VisualStudio/2011/storyboarding/control">
-  <Id Name="System.Storyboarding.Common.TextArea" Revision="1" Stencil="System.Storyboarding.Common" StencilVersion="0.1"/>
+  <Id Name="System.Storyboarding.Common.TextInput" Revision="1" Stencil="System.Storyboarding.Common" StencilVersion="0.1"/>
 </Control>
 </file>
 
@@ -48273,19 +48273,19 @@
 
 <file path=customXml/item5.xml><?xml version="1.0" encoding="utf-8"?>
 <Control xmlns="http://schemas.microsoft.com/VisualStudio/2011/storyboarding/control">
-  <Id Name="System.Storyboarding.Backgrounds.WebBrowser" Revision="1" Stencil="System.Storyboarding.Backgrounds" StencilVersion="0.1"/>
+  <Id Name="System.Storyboarding.Common.MousePointer" Revision="1" Stencil="System.Storyboarding.Common" StencilVersion="0.1"/>
 </Control>
 </file>
 
 <file path=customXml/item50.xml><?xml version="1.0" encoding="utf-8"?>
-<Control xmlns="http://schemas.microsoft.com/VisualStudio/2011/storyboarding/control/v1.0">
-  <Id Name="System.Storyboarding.Common.DropdownBox" RevisionId="68ea164d-c1de-47a5-804f-d4d1290fa524" Stencil="System.Storyboarding.Common" StencilRevisionId="68ea164d-c1de-47a5-804f-d4d1290fa524" StencilVersion="0.1"/>
+<Control xmlns="http://schemas.microsoft.com/VisualStudio/2011/storyboarding/control">
+  <Id Name="System.Storyboarding.Common.TextInput" Revision="1" Stencil="System.Storyboarding.Common" StencilVersion="0.1"/>
 </Control>
 </file>
 
 <file path=customXml/item51.xml><?xml version="1.0" encoding="utf-8"?>
 <Control xmlns="http://schemas.microsoft.com/VisualStudio/2011/storyboarding/control">
-  <Id Name="System.Storyboarding.Backgrounds.WebBrowser" Revision="1" Stencil="System.Storyboarding.Backgrounds" StencilVersion="0.1"/>
+  <Id Name="System.Storyboarding.Common.TextArea" Revision="1" Stencil="System.Storyboarding.Common" StencilVersion="0.1"/>
 </Control>
 </file>
 
@@ -48297,7 +48297,7 @@
 
 <file path=customXml/item53.xml><?xml version="1.0" encoding="utf-8"?>
 <Control xmlns="http://schemas.microsoft.com/VisualStudio/2011/storyboarding/control">
-  <Id Name="System.Storyboarding.Common.CheckBoxUnchecked" Revision="1" Stencil="System.Storyboarding.Common" StencilVersion="0.1"/>
+  <Id Name="System.Storyboarding.Common.RadioButtonUnselected" Revision="1" Stencil="System.Storyboarding.Common" StencilVersion="0.1"/>
 </Control>
 </file>
 
@@ -48309,31 +48309,31 @@
 
 <file path=customXml/item55.xml><?xml version="1.0" encoding="utf-8"?>
 <Control xmlns="http://schemas.microsoft.com/VisualStudio/2011/storyboarding/control">
-  <Id Name="System.Storyboarding.Common.RadioButtonUnselected" Revision="1" Stencil="System.Storyboarding.Common" StencilVersion="0.1"/>
+  <Id Name="System.Storyboarding.Common.TextInput" Revision="1" Stencil="System.Storyboarding.Common" StencilVersion="0.1"/>
 </Control>
 </file>
 
 <file path=customXml/item56.xml><?xml version="1.0" encoding="utf-8"?>
-<Control xmlns="http://schemas.microsoft.com/VisualStudio/2011/storyboarding/control">
-  <Id Name="System.Storyboarding.Common.Button" Revision="1" Stencil="System.Storyboarding.Common" StencilVersion="0.1"/>
-</Control>
-</file>
-
-<file path=customXml/item57.xml><?xml version="1.0" encoding="utf-8"?>
-<Control xmlns="http://schemas.microsoft.com/VisualStudio/2011/storyboarding/control">
-  <Id Name="System.Storyboarding.Common.TextArea" Revision="1" Stencil="System.Storyboarding.Common" StencilVersion="0.1"/>
-</Control>
-</file>
-
-<file path=customXml/item58.xml><?xml version="1.0" encoding="utf-8"?>
 <Control xmlns="http://schemas.microsoft.com/VisualStudio/2011/storyboarding/control">
   <Id Name="System.Storyboarding.Common.TextInput" Revision="1" Stencil="System.Storyboarding.Common" StencilVersion="0.1"/>
 </Control>
 </file>
 
+<file path=customXml/item57.xml><?xml version="1.0" encoding="utf-8"?>
+<Control xmlns="http://schemas.microsoft.com/VisualStudio/2011/storyboarding/control">
+  <Id Name="System.Storyboarding.Common.CheckBoxChecked" Revision="1" Stencil="System.Storyboarding.Common" StencilVersion="0.1"/>
+</Control>
+</file>
+
+<file path=customXml/item58.xml><?xml version="1.0" encoding="utf-8"?>
+<Control xmlns="http://schemas.microsoft.com/VisualStudio/2011/storyboarding/control">
+  <Id Name="System.Storyboarding.Common.CheckBoxChecked" Revision="1" Stencil="System.Storyboarding.Common" StencilVersion="0.1"/>
+</Control>
+</file>
+
 <file path=customXml/item59.xml><?xml version="1.0" encoding="utf-8"?>
 <Control xmlns="http://schemas.microsoft.com/VisualStudio/2011/storyboarding/control">
-  <Id Name="System.Storyboarding.Common.TextInput" Revision="1" Stencil="System.Storyboarding.Common" StencilVersion="0.1"/>
+  <Id Name="System.Storyboarding.Icons.Copy" Revision="1" Stencil="System.Storyboarding.Icons" StencilVersion="0.1"/>
 </Control>
 </file>
 
@@ -48345,19 +48345,19 @@
 
 <file path=customXml/item60.xml><?xml version="1.0" encoding="utf-8"?>
 <Control xmlns="http://schemas.microsoft.com/VisualStudio/2011/storyboarding/control">
-  <Id Name="System.Storyboarding.Common.TextInput" Revision="1" Stencil="System.Storyboarding.Common" StencilVersion="0.1"/>
+  <Id Name="System.Storyboarding.Common.RadioButtonUnselected" Revision="1" Stencil="System.Storyboarding.Common" StencilVersion="0.1"/>
 </Control>
 </file>
 
 <file path=customXml/item61.xml><?xml version="1.0" encoding="utf-8"?>
 <Control xmlns="http://schemas.microsoft.com/VisualStudio/2011/storyboarding/control">
-  <Id Name="System.Storyboarding.Common.TextInput" Revision="1" Stencil="System.Storyboarding.Common" StencilVersion="0.1"/>
+  <Id Name="System.Storyboarding.Common.RadioButtonUnselected" Revision="1" Stencil="System.Storyboarding.Common" StencilVersion="0.1"/>
 </Control>
 </file>
 
 <file path=customXml/item62.xml><?xml version="1.0" encoding="utf-8"?>
 <Control xmlns="http://schemas.microsoft.com/VisualStudio/2011/storyboarding/control">
-  <Id Name="System.Storyboarding.Common.TextInput" Revision="1" Stencil="System.Storyboarding.Common" StencilVersion="0.1"/>
+  <Id Name="System.Storyboarding.Common.RadioButtonUnselected" Revision="1" Stencil="System.Storyboarding.Common" StencilVersion="0.1"/>
 </Control>
 </file>
 
@@ -48369,103 +48369,103 @@
 
 <file path=customXml/item64.xml><?xml version="1.0" encoding="utf-8"?>
 <Control xmlns="http://schemas.microsoft.com/VisualStudio/2011/storyboarding/control">
-  <Id Name="System.Storyboarding.Common.CheckBoxChecked" Revision="1" Stencil="System.Storyboarding.Common" StencilVersion="0.1"/>
+  <Id Name="System.Storyboarding.Common.TextArea" Revision="1" Stencil="System.Storyboarding.Common" StencilVersion="0.1"/>
 </Control>
 </file>
 
 <file path=customXml/item65.xml><?xml version="1.0" encoding="utf-8"?>
+<Control xmlns="http://schemas.microsoft.com/VisualStudio/2011/storyboarding/control">
+  <Id Name="System.Storyboarding.Common.MousePointer" Revision="1" Stencil="System.Storyboarding.Common" StencilVersion="0.1"/>
+</Control>
+</file>
+
+<file path=customXml/item66.xml><?xml version="1.0" encoding="utf-8"?>
 <Control xmlns="http://schemas.microsoft.com/VisualStudio/2011/storyboarding/control">
   <Id Name="System.Storyboarding.Common.ProgressBar" Revision="1" Stencil="System.Storyboarding.Common" StencilVersion="0.1"/>
 </Control>
 </file>
 
-<file path=customXml/item66.xml><?xml version="1.0" encoding="utf-8"?>
+<file path=customXml/item67.xml><?xml version="1.0" encoding="utf-8"?>
 <Control xmlns="http://schemas.microsoft.com/VisualStudio/2011/storyboarding/control">
-  <Id Name="System.Storyboarding.Icons.Copy" Revision="1" Stencil="System.Storyboarding.Icons" StencilVersion="0.1"/>
+  <Id Name="System.Storyboarding.Common.TextArea" Revision="1" Stencil="System.Storyboarding.Common" StencilVersion="0.1"/>
 </Control>
 </file>
 
-<file path=customXml/item67.xml><?xml version="1.0" encoding="utf-8"?>
+<file path=customXml/item68.xml><?xml version="1.0" encoding="utf-8"?>
+<Control xmlns="http://schemas.microsoft.com/VisualStudio/2011/storyboarding/control">
+  <Id Name="System.Storyboarding.Common.TextInput" Revision="1" Stencil="System.Storyboarding.Common" StencilVersion="0.1"/>
+</Control>
+</file>
+
+<file path=customXml/item69.xml><?xml version="1.0" encoding="utf-8"?>
+<Control xmlns="http://schemas.microsoft.com/VisualStudio/2011/storyboarding/control">
+  <Id Name="System.Storyboarding.Common.MousePointer" Revision="1" Stencil="System.Storyboarding.Common" StencilVersion="0.1"/>
+</Control>
+</file>
+
+<file path=customXml/item7.xml><?xml version="1.0" encoding="utf-8"?>
+<Control xmlns="http://schemas.microsoft.com/VisualStudio/2011/storyboarding/control">
+  <Id Name="System.Storyboarding.Common.RadioButtonUnselected" Revision="1" Stencil="System.Storyboarding.Common" StencilVersion="0.1"/>
+</Control>
+</file>
+
+<file path=customXml/item70.xml><?xml version="1.0" encoding="utf-8"?>
+<Control xmlns="http://schemas.microsoft.com/VisualStudio/2011/storyboarding/control">
+  <Id Name="System.Storyboarding.Common.RadioButtonUnselected" Revision="1" Stencil="System.Storyboarding.Common" StencilVersion="0.1"/>
+</Control>
+</file>
+
+<file path=customXml/item71.xml><?xml version="1.0" encoding="utf-8"?>
+<Control xmlns="http://schemas.microsoft.com/VisualStudio/2011/storyboarding/control">
+  <Id Name="System.Storyboarding.Common.ProgressBar" Revision="1" Stencil="System.Storyboarding.Common" StencilVersion="0.1"/>
+</Control>
+</file>
+
+<file path=customXml/item72.xml><?xml version="1.0" encoding="utf-8"?>
+<Control xmlns="http://schemas.microsoft.com/VisualStudio/2011/storyboarding/control">
+  <Id Name="System.Storyboarding.Common.TextInput" Revision="1" Stencil="System.Storyboarding.Common" StencilVersion="0.1"/>
+</Control>
+</file>
+
+<file path=customXml/item73.xml><?xml version="1.0" encoding="utf-8"?>
 <Control xmlns="http://schemas.microsoft.com/VisualStudio/2011/storyboarding/control/v1.0">
-  <Id Name="System.Storyboarding.Common.Text" RevisionId="68ea164d-c1de-47a5-804f-d4d1290fa524" Stencil="System.Storyboarding.Common" StencilRevisionId="68ea164d-c1de-47a5-804f-d4d1290fa524" StencilVersion="0.1"/>
+  <Id Name="System.Storyboarding.Media.Image" RevisionId="658c0869-8ded-44f2-a68a-f8e8fcb7d3bd" Stencil="System.Storyboarding.Media" StencilRevisionId="658c0869-8ded-44f2-a68a-f8e8fcb7d3bd" StencilVersion="0.1"/>
 </Control>
 </file>
 
-<file path=customXml/item68.xml><?xml version="1.0" encoding="utf-8"?>
+<file path=customXml/item74.xml><?xml version="1.0" encoding="utf-8"?>
 <Control xmlns="http://schemas.microsoft.com/VisualStudio/2011/storyboarding/control">
   <Id Name="System.Storyboarding.Common.Button" Revision="1" Stencil="System.Storyboarding.Common" StencilVersion="0.1"/>
 </Control>
 </file>
 
-<file path=customXml/item69.xml><?xml version="1.0" encoding="utf-8"?>
-<Control xmlns="http://schemas.microsoft.com/VisualStudio/2011/storyboarding/control">
-  <Id Name="System.Storyboarding.Common.CheckBoxUnchecked" Revision="1" Stencil="System.Storyboarding.Common" StencilVersion="0.1"/>
-</Control>
-</file>
-
-<file path=customXml/item7.xml><?xml version="1.0" encoding="utf-8"?>
+<file path=customXml/item75.xml><?xml version="1.0" encoding="utf-8"?>
 <Control xmlns="http://schemas.microsoft.com/VisualStudio/2011/storyboarding/control">
   <Id Name="System.Storyboarding.Common.TextInput" Revision="1" Stencil="System.Storyboarding.Common" StencilVersion="0.1"/>
 </Control>
 </file>
 
-<file path=customXml/item70.xml><?xml version="1.0" encoding="utf-8"?>
+<file path=customXml/item76.xml><?xml version="1.0" encoding="utf-8"?>
 <Control xmlns="http://schemas.microsoft.com/VisualStudio/2011/storyboarding/control">
-  <Id Name="System.Storyboarding.Common.TextInput" Revision="1" Stencil="System.Storyboarding.Common" StencilVersion="0.1"/>
+  <Id Name="System.Storyboarding.Common.CheckBoxChecked" Revision="1" Stencil="System.Storyboarding.Common" StencilVersion="0.1"/>
 </Control>
 </file>
 
-<file path=customXml/item71.xml><?xml version="1.0" encoding="utf-8"?>
+<file path=customXml/item77.xml><?xml version="1.0" encoding="utf-8"?>
 <Control xmlns="http://schemas.microsoft.com/VisualStudio/2011/storyboarding/control">
-  <Id Name="System.Storyboarding.Common.TextInput" Revision="1" Stencil="System.Storyboarding.Common" StencilVersion="0.1"/>
+  <Id Name="System.Storyboarding.Common.CheckBoxChecked" Revision="1" Stencil="System.Storyboarding.Common" StencilVersion="0.1"/>
 </Control>
 </file>
 
-<file path=customXml/item72.xml><?xml version="1.0" encoding="utf-8"?>
-<Control xmlns="http://schemas.microsoft.com/VisualStudio/2011/storyboarding/control">
-  <Id Name="System.Storyboarding.Common.Button" Revision="1" Stencil="System.Storyboarding.Common" StencilVersion="0.1"/>
-</Control>
-</file>
-
-<file path=customXml/item73.xml><?xml version="1.0" encoding="utf-8"?>
-<Control xmlns="http://schemas.microsoft.com/VisualStudio/2011/storyboarding/control">
-  <Id Name="System.Storyboarding.Common.TextInput" Revision="1" Stencil="System.Storyboarding.Common" StencilVersion="0.1"/>
-</Control>
-</file>
-
-<file path=customXml/item74.xml><?xml version="1.0" encoding="utf-8"?>
-<Control xmlns="http://schemas.microsoft.com/VisualStudio/2011/storyboarding/control">
-  <Id Name="System.Storyboarding.Common.TextInput" Revision="1" Stencil="System.Storyboarding.Common" StencilVersion="0.1"/>
-</Control>
-</file>
-
-<file path=customXml/item75.xml><?xml version="1.0" encoding="utf-8"?>
-<Control xmlns="http://schemas.microsoft.com/VisualStudio/2011/storyboarding/control">
-  <Id Name="System.Storyboarding.Common.Button" Revision="1" Stencil="System.Storyboarding.Common" StencilVersion="0.1"/>
-</Control>
-</file>
-
-<file path=customXml/item76.xml><?xml version="1.0" encoding="utf-8"?>
+<file path=customXml/item78.xml><?xml version="1.0" encoding="utf-8"?>
 <Control xmlns="http://schemas.microsoft.com/VisualStudio/2011/storyboarding/control">
   <Id Name="System.Storyboarding.Common.RadioButtonUnselected" Revision="1" Stencil="System.Storyboarding.Common" StencilVersion="0.1"/>
 </Control>
 </file>
 
-<file path=customXml/item77.xml><?xml version="1.0" encoding="utf-8"?>
-<Control xmlns="http://schemas.microsoft.com/VisualStudio/2011/storyboarding/control">
-  <Id Name="System.Storyboarding.Backgrounds.WebBrowser" Revision="1" Stencil="System.Storyboarding.Backgrounds" StencilVersion="0.1"/>
-</Control>
-</file>
-
-<file path=customXml/item78.xml><?xml version="1.0" encoding="utf-8"?>
-<Control xmlns="http://schemas.microsoft.com/VisualStudio/2011/storyboarding/control">
-  <Id Name="System.Storyboarding.Common.TextArea" Revision="1" Stencil="System.Storyboarding.Common" StencilVersion="0.1"/>
-</Control>
-</file>
-
 <file path=customXml/item79.xml><?xml version="1.0" encoding="utf-8"?>
 <Control xmlns="http://schemas.microsoft.com/VisualStudio/2011/storyboarding/control">
-  <Id Name="System.Storyboarding.Common.Text" Revision="1" Stencil="System.Storyboarding.Common" StencilVersion="0.1"/>
+  <Id Name="System.Storyboarding.Common.TextInput" Revision="1" Stencil="System.Storyboarding.Common" StencilVersion="0.1"/>
 </Control>
 </file>
 
@@ -48477,31 +48477,31 @@
 
 <file path=customXml/item80.xml><?xml version="1.0" encoding="utf-8"?>
 <Control xmlns="http://schemas.microsoft.com/VisualStudio/2011/storyboarding/control">
-  <Id Name="System.Storyboarding.Common.TextArea" Revision="1" Stencil="System.Storyboarding.Common" StencilVersion="0.1"/>
+  <Id Name="System.Storyboarding.Common.TextInput" Revision="1" Stencil="System.Storyboarding.Common" StencilVersion="0.1"/>
 </Control>
 </file>
 
 <file path=customXml/item81.xml><?xml version="1.0" encoding="utf-8"?>
 <Control xmlns="http://schemas.microsoft.com/VisualStudio/2011/storyboarding/control">
-  <Id Name="System.Storyboarding.Common.TextArea" Revision="1" Stencil="System.Storyboarding.Common" StencilVersion="0.1"/>
+  <Id Name="System.Storyboarding.Common.TextInput" Revision="1" Stencil="System.Storyboarding.Common" StencilVersion="0.1"/>
 </Control>
 </file>
 
 <file path=customXml/item82.xml><?xml version="1.0" encoding="utf-8"?>
 <Control xmlns="http://schemas.microsoft.com/VisualStudio/2011/storyboarding/control">
-  <Id Name="System.Storyboarding.Common.Button" Revision="1" Stencil="System.Storyboarding.Common" StencilVersion="0.1"/>
+  <Id Name="System.Storyboarding.Icons.Copy" Revision="1" Stencil="System.Storyboarding.Icons" StencilVersion="0.1"/>
 </Control>
 </file>
 
 <file path=customXml/item83.xml><?xml version="1.0" encoding="utf-8"?>
 <Control xmlns="http://schemas.microsoft.com/VisualStudio/2011/storyboarding/control">
-  <Id Name="System.Storyboarding.Common.MousePointer" Revision="1" Stencil="System.Storyboarding.Common" StencilVersion="0.1"/>
+  <Id Name="System.Storyboarding.Common.TextInput" Revision="1" Stencil="System.Storyboarding.Common" StencilVersion="0.1"/>
 </Control>
 </file>
 
 <file path=customXml/item84.xml><?xml version="1.0" encoding="utf-8"?>
 <Control xmlns="http://schemas.microsoft.com/VisualStudio/2011/storyboarding/control">
-  <Id Name="System.Storyboarding.Common.CheckBoxChecked" Revision="1" Stencil="System.Storyboarding.Common" StencilVersion="0.1"/>
+  <Id Name="System.Storyboarding.Common.RadioButtonUnselected" Revision="1" Stencil="System.Storyboarding.Common" StencilVersion="0.1"/>
 </Control>
 </file>
 
@@ -48513,73 +48513,73 @@
 
 <file path=customXml/item86.xml><?xml version="1.0" encoding="utf-8"?>
 <Control xmlns="http://schemas.microsoft.com/VisualStudio/2011/storyboarding/control">
+  <Id Name="System.Storyboarding.Common.Button" Revision="1" Stencil="System.Storyboarding.Common" StencilVersion="0.1"/>
+</Control>
+</file>
+
+<file path=customXml/item87.xml><?xml version="1.0" encoding="utf-8"?>
+<Control xmlns="http://schemas.microsoft.com/VisualStudio/2011/storyboarding/control">
   <Id Name="System.Storyboarding.Common.TextArea" Revision="1" Stencil="System.Storyboarding.Common" StencilVersion="0.1"/>
 </Control>
 </file>
 
-<file path=customXml/item87.xml><?xml version="1.0" encoding="utf-8"?>
+<file path=customXml/item88.xml><?xml version="1.0" encoding="utf-8"?>
+<Control xmlns="http://schemas.microsoft.com/VisualStudio/2011/storyboarding/control">
+  <Id Name="System.Storyboarding.Common.CheckBoxChecked" Revision="1" Stencil="System.Storyboarding.Common" StencilVersion="0.1"/>
+</Control>
+</file>
+
+<file path=customXml/item89.xml><?xml version="1.0" encoding="utf-8"?>
 <Control xmlns="http://schemas.microsoft.com/VisualStudio/2011/storyboarding/control">
   <Id Name="System.Storyboarding.Common.TextInput" Revision="1" Stencil="System.Storyboarding.Common" StencilVersion="0.1"/>
 </Control>
 </file>
 
-<file path=customXml/item88.xml><?xml version="1.0" encoding="utf-8"?>
+<file path=customXml/item9.xml><?xml version="1.0" encoding="utf-8"?>
+<Control xmlns="http://schemas.microsoft.com/VisualStudio/2011/storyboarding/control">
+  <Id Name="System.Storyboarding.Common.TextInput" Revision="1" Stencil="System.Storyboarding.Common" StencilVersion="0.1"/>
+</Control>
+</file>
+
+<file path=customXml/item90.xml><?xml version="1.0" encoding="utf-8"?>
+<Control xmlns="http://schemas.microsoft.com/VisualStudio/2011/storyboarding/control">
+  <Id Name="System.Storyboarding.Common.TextInput" Revision="1" Stencil="System.Storyboarding.Common" StencilVersion="0.1"/>
+</Control>
+</file>
+
+<file path=customXml/item91.xml><?xml version="1.0" encoding="utf-8"?>
+<Control xmlns="http://schemas.microsoft.com/VisualStudio/2011/storyboarding/control">
+  <Id Name="System.Storyboarding.Common.Text" Revision="1" Stencil="System.Storyboarding.Common" StencilVersion="0.1"/>
+</Control>
+</file>
+
+<file path=customXml/item92.xml><?xml version="1.0" encoding="utf-8"?>
 <Control xmlns="http://schemas.microsoft.com/VisualStudio/2011/storyboarding/control">
   <Id Name="System.Storyboarding.Common.RadioButtonUnselected" Revision="1" Stencil="System.Storyboarding.Common" StencilVersion="0.1"/>
 </Control>
 </file>
 
-<file path=customXml/item89.xml><?xml version="1.0" encoding="utf-8"?>
-<Control xmlns="http://schemas.microsoft.com/VisualStudio/2011/storyboarding/control">
-  <Id Name="System.Storyboarding.Common.Text" Revision="1" Stencil="System.Storyboarding.Common" StencilVersion="0.1"/>
-</Control>
-</file>
-
-<file path=customXml/item9.xml><?xml version="1.0" encoding="utf-8"?>
-<Control xmlns="http://schemas.microsoft.com/VisualStudio/2011/storyboarding/control">
-  <Id Name="System.Storyboarding.Common.TextArea" Revision="1" Stencil="System.Storyboarding.Common" StencilVersion="0.1"/>
-</Control>
-</file>
-
-<file path=customXml/item90.xml><?xml version="1.0" encoding="utf-8"?>
-<Control xmlns="http://schemas.microsoft.com/VisualStudio/2011/storyboarding/control">
-  <Id Name="System.Storyboarding.Common.TextArea" Revision="1" Stencil="System.Storyboarding.Common" StencilVersion="0.1"/>
-</Control>
-</file>
-
-<file path=customXml/item91.xml><?xml version="1.0" encoding="utf-8"?>
+<file path=customXml/item93.xml><?xml version="1.0" encoding="utf-8"?>
 <Control xmlns="http://schemas.microsoft.com/VisualStudio/2011/storyboarding/control">
   <Id Name="System.Storyboarding.Common.TextInput" Revision="1" Stencil="System.Storyboarding.Common" StencilVersion="0.1"/>
 </Control>
 </file>
 
-<file path=customXml/item92.xml><?xml version="1.0" encoding="utf-8"?>
-<Control xmlns="http://schemas.microsoft.com/VisualStudio/2011/storyboarding/control">
-  <Id Name="System.Storyboarding.Common.TextArea" Revision="1" Stencil="System.Storyboarding.Common" StencilVersion="0.1"/>
-</Control>
-</file>
-
-<file path=customXml/item93.xml><?xml version="1.0" encoding="utf-8"?>
-<Control xmlns="http://schemas.microsoft.com/VisualStudio/2011/storyboarding/control">
-  <Id Name="System.Storyboarding.Common.MousePointer" Revision="1" Stencil="System.Storyboarding.Common" StencilVersion="0.1"/>
-</Control>
-</file>
-
 <file path=customXml/item94.xml><?xml version="1.0" encoding="utf-8"?>
-<Control xmlns="http://schemas.microsoft.com/VisualStudio/2011/storyboarding/control">
-  <Id Name="System.Storyboarding.Common.RadioButtonUnselected" Revision="1" Stencil="System.Storyboarding.Common" StencilVersion="0.1"/>
-</Control>
-</file>
-
-<file path=customXml/item95.xml><?xml version="1.0" encoding="utf-8"?>
 <Control xmlns="http://schemas.microsoft.com/VisualStudio/2011/storyboarding/control">
   <Id Name="System.Storyboarding.Common.TextInput" Revision="1" Stencil="System.Storyboarding.Common" StencilVersion="0.1"/>
 </Control>
 </file>
 
+<file path=customXml/item95.xml><?xml version="1.0" encoding="utf-8"?>
+<Control xmlns="http://schemas.microsoft.com/VisualStudio/2011/storyboarding/control">
+  <Id Name="System.Storyboarding.Common.Button" Revision="1" Stencil="System.Storyboarding.Common" StencilVersion="0.1"/>
+</Control>
+</file>
+
 <file path=customXml/item96.xml><?xml version="1.0" encoding="utf-8"?>
 <Control xmlns="http://schemas.microsoft.com/VisualStudio/2011/storyboarding/control">
-  <Id Name="System.Storyboarding.Common.CheckBoxChecked" Revision="1" Stencil="System.Storyboarding.Common" StencilVersion="0.1"/>
+  <Id Name="System.Storyboarding.Common.RadioButtonUnselected" Revision="1" Stencil="System.Storyboarding.Common" StencilVersion="0.1"/>
 </Control>
 </file>
 
@@ -48597,12 +48597,12 @@
 
 <file path=customXml/item99.xml><?xml version="1.0" encoding="utf-8"?>
 <Control xmlns="http://schemas.microsoft.com/VisualStudio/2011/storyboarding/control">
-  <Id Name="System.Storyboarding.Common.TextInput" Revision="1" Stencil="System.Storyboarding.Common" StencilVersion="0.1"/>
+  <Id Name="System.Storyboarding.Common.TextArea" Revision="1" Stencil="System.Storyboarding.Common" StencilVersion="0.1"/>
 </Control>
 </file>
 
 <file path=customXml/itemProps1.xml><?xml version="1.0" encoding="utf-8"?>
-<ds:datastoreItem xmlns:ds="http://schemas.openxmlformats.org/officeDocument/2006/customXml" ds:itemID="{7FF7B971-D9C8-40D6-9DFB-DFABC8096E99}">
+<ds:datastoreItem xmlns:ds="http://schemas.openxmlformats.org/officeDocument/2006/customXml" ds:itemID="{5D825EB6-3DC2-488A-8980-8B421CF9F5ED}">
   <ds:schemaRefs>
     <ds:schemaRef ds:uri="http://schemas.microsoft.com/VisualStudio/2011/storyboarding/control"/>
   </ds:schemaRefs>
@@ -48610,7 +48610,7 @@
 </file>
 
 <file path=customXml/itemProps10.xml><?xml version="1.0" encoding="utf-8"?>
-<ds:datastoreItem xmlns:ds="http://schemas.openxmlformats.org/officeDocument/2006/customXml" ds:itemID="{F4921144-EC02-4B45-BB5E-1F068BD3CB5B}">
+<ds:datastoreItem xmlns:ds="http://schemas.openxmlformats.org/officeDocument/2006/customXml" ds:itemID="{18428A4F-E924-4A8A-B70D-3EB988B69749}">
   <ds:schemaRefs>
     <ds:schemaRef ds:uri="http://schemas.microsoft.com/VisualStudio/2011/storyboarding/control"/>
   </ds:schemaRefs>
@@ -48618,6 +48618,30 @@
 </file>
 
 <file path=customXml/itemProps100.xml><?xml version="1.0" encoding="utf-8"?>
+<ds:datastoreItem xmlns:ds="http://schemas.openxmlformats.org/officeDocument/2006/customXml" ds:itemID="{906CCE4F-9857-49D9-8FF2-795D3EB4AAD7}">
+  <ds:schemaRefs>
+    <ds:schemaRef ds:uri="http://schemas.microsoft.com/VisualStudio/2011/storyboarding/control"/>
+  </ds:schemaRefs>
+</ds:datastoreItem>
+</file>
+
+<file path=customXml/itemProps101.xml><?xml version="1.0" encoding="utf-8"?>
+<ds:datastoreItem xmlns:ds="http://schemas.openxmlformats.org/officeDocument/2006/customXml" ds:itemID="{BDB7EAA1-3CB5-45BB-8644-E0B50D07B7F6}">
+  <ds:schemaRefs>
+    <ds:schemaRef ds:uri="http://schemas.microsoft.com/VisualStudio/2011/storyboarding/control"/>
+  </ds:schemaRefs>
+</ds:datastoreItem>
+</file>
+
+<file path=customXml/itemProps102.xml><?xml version="1.0" encoding="utf-8"?>
+<ds:datastoreItem xmlns:ds="http://schemas.openxmlformats.org/officeDocument/2006/customXml" ds:itemID="{8E3CD8FD-A6FB-4D9D-B900-4456435FC34C}">
+  <ds:schemaRefs>
+    <ds:schemaRef ds:uri="http://schemas.microsoft.com/VisualStudio/2011/storyboarding/control"/>
+  </ds:schemaRefs>
+</ds:datastoreItem>
+</file>
+
+<file path=customXml/itemProps103.xml><?xml version="1.0" encoding="utf-8"?>
 <ds:datastoreItem xmlns:ds="http://schemas.openxmlformats.org/officeDocument/2006/customXml" ds:itemID="{49E6662A-45B9-4081-9FD8-CFA2736F3878}">
   <ds:schemaRefs>
     <ds:schemaRef ds:uri="http://schemas.microsoft.com/VisualStudio/2011/storyboarding/control"/>
@@ -48625,7 +48649,415 @@
 </ds:datastoreItem>
 </file>
 
-<file path=customXml/itemProps101.xml><?xml version="1.0" encoding="utf-8"?>
+<file path=customXml/itemProps104.xml><?xml version="1.0" encoding="utf-8"?>
+<ds:datastoreItem xmlns:ds="http://schemas.openxmlformats.org/officeDocument/2006/customXml" ds:itemID="{61207A15-0E1C-41C0-9C90-1C74074B6686}">
+  <ds:schemaRefs>
+    <ds:schemaRef ds:uri="http://schemas.microsoft.com/VisualStudio/2011/storyboarding/control"/>
+  </ds:schemaRefs>
+</ds:datastoreItem>
+</file>
+
+<file path=customXml/itemProps105.xml><?xml version="1.0" encoding="utf-8"?>
+<ds:datastoreItem xmlns:ds="http://schemas.openxmlformats.org/officeDocument/2006/customXml" ds:itemID="{D594D659-F61A-46EE-819E-B862E160BCC4}">
+  <ds:schemaRefs>
+    <ds:schemaRef ds:uri="http://schemas.microsoft.com/VisualStudio/2011/storyboarding/control"/>
+  </ds:schemaRefs>
+</ds:datastoreItem>
+</file>
+
+<file path=customXml/itemProps106.xml><?xml version="1.0" encoding="utf-8"?>
+<ds:datastoreItem xmlns:ds="http://schemas.openxmlformats.org/officeDocument/2006/customXml" ds:itemID="{3414111C-E509-493B-B6FC-20334365615E}">
+  <ds:schemaRefs>
+    <ds:schemaRef ds:uri="http://schemas.microsoft.com/VisualStudio/2011/storyboarding/control"/>
+  </ds:schemaRefs>
+</ds:datastoreItem>
+</file>
+
+<file path=customXml/itemProps107.xml><?xml version="1.0" encoding="utf-8"?>
+<ds:datastoreItem xmlns:ds="http://schemas.openxmlformats.org/officeDocument/2006/customXml" ds:itemID="{A398F485-9D9F-46FC-ACE5-67F0E9A16E90}">
+  <ds:schemaRefs>
+    <ds:schemaRef ds:uri="http://schemas.microsoft.com/VisualStudio/2011/storyboarding/control"/>
+  </ds:schemaRefs>
+</ds:datastoreItem>
+</file>
+
+<file path=customXml/itemProps108.xml><?xml version="1.0" encoding="utf-8"?>
+<ds:datastoreItem xmlns:ds="http://schemas.openxmlformats.org/officeDocument/2006/customXml" ds:itemID="{2ED0A94E-5533-4321-A8A5-F3ABEFD83B0D}">
+  <ds:schemaRefs>
+    <ds:schemaRef ds:uri="http://schemas.microsoft.com/VisualStudio/2011/storyboarding/control"/>
+  </ds:schemaRefs>
+</ds:datastoreItem>
+</file>
+
+<file path=customXml/itemProps109.xml><?xml version="1.0" encoding="utf-8"?>
+<ds:datastoreItem xmlns:ds="http://schemas.openxmlformats.org/officeDocument/2006/customXml" ds:itemID="{17DA2C23-F634-46EC-8650-57A19AE6618D}">
+  <ds:schemaRefs>
+    <ds:schemaRef ds:uri="http://schemas.microsoft.com/VisualStudio/2011/storyboarding/control"/>
+  </ds:schemaRefs>
+</ds:datastoreItem>
+</file>
+
+<file path=customXml/itemProps11.xml><?xml version="1.0" encoding="utf-8"?>
+<ds:datastoreItem xmlns:ds="http://schemas.openxmlformats.org/officeDocument/2006/customXml" ds:itemID="{C10707C1-E3FE-498A-9037-6CB48FF96B47}">
+  <ds:schemaRefs>
+    <ds:schemaRef ds:uri="http://schemas.microsoft.com/VisualStudio/2011/storyboarding/control"/>
+  </ds:schemaRefs>
+</ds:datastoreItem>
+</file>
+
+<file path=customXml/itemProps110.xml><?xml version="1.0" encoding="utf-8"?>
+<ds:datastoreItem xmlns:ds="http://schemas.openxmlformats.org/officeDocument/2006/customXml" ds:itemID="{45E516F3-1330-48B3-9C61-EFAE6F478054}">
+  <ds:schemaRefs>
+    <ds:schemaRef ds:uri="http://schemas.microsoft.com/VisualStudio/2011/storyboarding/control"/>
+  </ds:schemaRefs>
+</ds:datastoreItem>
+</file>
+
+<file path=customXml/itemProps111.xml><?xml version="1.0" encoding="utf-8"?>
+<ds:datastoreItem xmlns:ds="http://schemas.openxmlformats.org/officeDocument/2006/customXml" ds:itemID="{36260D16-BEAB-43A7-90AC-6E76F0EEADCF}">
+  <ds:schemaRefs>
+    <ds:schemaRef ds:uri="http://schemas.microsoft.com/VisualStudio/2011/storyboarding/control"/>
+  </ds:schemaRefs>
+</ds:datastoreItem>
+</file>
+
+<file path=customXml/itemProps112.xml><?xml version="1.0" encoding="utf-8"?>
+<ds:datastoreItem xmlns:ds="http://schemas.openxmlformats.org/officeDocument/2006/customXml" ds:itemID="{15D36D67-E44A-4939-8D65-C7A4CF25B3FD}">
+  <ds:schemaRefs>
+    <ds:schemaRef ds:uri="http://schemas.microsoft.com/VisualStudio/2011/storyboarding/control"/>
+  </ds:schemaRefs>
+</ds:datastoreItem>
+</file>
+
+<file path=customXml/itemProps113.xml><?xml version="1.0" encoding="utf-8"?>
+<ds:datastoreItem xmlns:ds="http://schemas.openxmlformats.org/officeDocument/2006/customXml" ds:itemID="{0EABF081-AA8B-4306-B79F-5683E2A0666C}">
+  <ds:schemaRefs>
+    <ds:schemaRef ds:uri="http://schemas.microsoft.com/VisualStudio/2011/storyboarding/control"/>
+  </ds:schemaRefs>
+</ds:datastoreItem>
+</file>
+
+<file path=customXml/itemProps114.xml><?xml version="1.0" encoding="utf-8"?>
+<ds:datastoreItem xmlns:ds="http://schemas.openxmlformats.org/officeDocument/2006/customXml" ds:itemID="{583D34C7-3C51-4788-8865-11C9189A22CB}">
+  <ds:schemaRefs>
+    <ds:schemaRef ds:uri="http://schemas.microsoft.com/VisualStudio/2011/storyboarding/control"/>
+  </ds:schemaRefs>
+</ds:datastoreItem>
+</file>
+
+<file path=customXml/itemProps115.xml><?xml version="1.0" encoding="utf-8"?>
+<ds:datastoreItem xmlns:ds="http://schemas.openxmlformats.org/officeDocument/2006/customXml" ds:itemID="{FD9C96D4-710C-44EF-AD15-1151968D1DE3}">
+  <ds:schemaRefs>
+    <ds:schemaRef ds:uri="http://schemas.microsoft.com/VisualStudio/2011/storyboarding/control"/>
+  </ds:schemaRefs>
+</ds:datastoreItem>
+</file>
+
+<file path=customXml/itemProps116.xml><?xml version="1.0" encoding="utf-8"?>
+<ds:datastoreItem xmlns:ds="http://schemas.openxmlformats.org/officeDocument/2006/customXml" ds:itemID="{383A1961-1008-4826-A033-DC5BE9F4B375}">
+  <ds:schemaRefs>
+    <ds:schemaRef ds:uri="http://schemas.microsoft.com/VisualStudio/2011/storyboarding/control"/>
+  </ds:schemaRefs>
+</ds:datastoreItem>
+</file>
+
+<file path=customXml/itemProps117.xml><?xml version="1.0" encoding="utf-8"?>
+<ds:datastoreItem xmlns:ds="http://schemas.openxmlformats.org/officeDocument/2006/customXml" ds:itemID="{F8837172-1C80-4E68-8393-A78EE906129D}">
+  <ds:schemaRefs>
+    <ds:schemaRef ds:uri="http://schemas.microsoft.com/VisualStudio/2011/storyboarding/control"/>
+  </ds:schemaRefs>
+</ds:datastoreItem>
+</file>
+
+<file path=customXml/itemProps118.xml><?xml version="1.0" encoding="utf-8"?>
+<ds:datastoreItem xmlns:ds="http://schemas.openxmlformats.org/officeDocument/2006/customXml" ds:itemID="{6A0C2FFC-E113-4CA0-B1F3-68E017177AE3}">
+  <ds:schemaRefs>
+    <ds:schemaRef ds:uri="http://schemas.microsoft.com/VisualStudio/2011/storyboarding/control"/>
+  </ds:schemaRefs>
+</ds:datastoreItem>
+</file>
+
+<file path=customXml/itemProps119.xml><?xml version="1.0" encoding="utf-8"?>
+<ds:datastoreItem xmlns:ds="http://schemas.openxmlformats.org/officeDocument/2006/customXml" ds:itemID="{0712081C-44E6-4B90-8C8B-21FA4CFD13CD}">
+  <ds:schemaRefs>
+    <ds:schemaRef ds:uri="http://schemas.microsoft.com/VisualStudio/2011/storyboarding/control"/>
+  </ds:schemaRefs>
+</ds:datastoreItem>
+</file>
+
+<file path=customXml/itemProps12.xml><?xml version="1.0" encoding="utf-8"?>
+<ds:datastoreItem xmlns:ds="http://schemas.openxmlformats.org/officeDocument/2006/customXml" ds:itemID="{D8A066E9-E7DF-49AD-8FC1-BC6D09DB0760}">
+  <ds:schemaRefs>
+    <ds:schemaRef ds:uri="http://schemas.microsoft.com/VisualStudio/2011/storyboarding/control"/>
+  </ds:schemaRefs>
+</ds:datastoreItem>
+</file>
+
+<file path=customXml/itemProps120.xml><?xml version="1.0" encoding="utf-8"?>
+<ds:datastoreItem xmlns:ds="http://schemas.openxmlformats.org/officeDocument/2006/customXml" ds:itemID="{F0C473A6-3E17-4279-AD74-541B6D3E7D6B}">
+  <ds:schemaRefs>
+    <ds:schemaRef ds:uri="http://schemas.microsoft.com/VisualStudio/2011/storyboarding/control"/>
+  </ds:schemaRefs>
+</ds:datastoreItem>
+</file>
+
+<file path=customXml/itemProps121.xml><?xml version="1.0" encoding="utf-8"?>
+<ds:datastoreItem xmlns:ds="http://schemas.openxmlformats.org/officeDocument/2006/customXml" ds:itemID="{CEC7B8F1-9D0D-488B-A5EE-29CDE97D1D43}">
+  <ds:schemaRefs>
+    <ds:schemaRef ds:uri="http://schemas.microsoft.com/VisualStudio/2011/storyboarding/control"/>
+  </ds:schemaRefs>
+</ds:datastoreItem>
+</file>
+
+<file path=customXml/itemProps122.xml><?xml version="1.0" encoding="utf-8"?>
+<ds:datastoreItem xmlns:ds="http://schemas.openxmlformats.org/officeDocument/2006/customXml" ds:itemID="{B1BEDB0F-5A50-4B4B-946F-5A656833C0AE}">
+  <ds:schemaRefs>
+    <ds:schemaRef ds:uri="http://schemas.microsoft.com/VisualStudio/2011/storyboarding/control"/>
+  </ds:schemaRefs>
+</ds:datastoreItem>
+</file>
+
+<file path=customXml/itemProps123.xml><?xml version="1.0" encoding="utf-8"?>
+<ds:datastoreItem xmlns:ds="http://schemas.openxmlformats.org/officeDocument/2006/customXml" ds:itemID="{BCFDDF06-4D2E-4D6D-9A1B-C447B3F4EA67}">
+  <ds:schemaRefs>
+    <ds:schemaRef ds:uri="http://schemas.microsoft.com/VisualStudio/2011/storyboarding/control/v1.0"/>
+  </ds:schemaRefs>
+</ds:datastoreItem>
+</file>
+
+<file path=customXml/itemProps124.xml><?xml version="1.0" encoding="utf-8"?>
+<ds:datastoreItem xmlns:ds="http://schemas.openxmlformats.org/officeDocument/2006/customXml" ds:itemID="{09951142-19E5-4AEA-9007-A3B691709732}">
+  <ds:schemaRefs>
+    <ds:schemaRef ds:uri="http://schemas.microsoft.com/VisualStudio/2011/storyboarding/control"/>
+  </ds:schemaRefs>
+</ds:datastoreItem>
+</file>
+
+<file path=customXml/itemProps125.xml><?xml version="1.0" encoding="utf-8"?>
+<ds:datastoreItem xmlns:ds="http://schemas.openxmlformats.org/officeDocument/2006/customXml" ds:itemID="{8540B99E-33C0-4F1E-8AB6-6057DD1484BC}">
+  <ds:schemaRefs>
+    <ds:schemaRef ds:uri="http://schemas.microsoft.com/VisualStudio/2011/storyboarding/control"/>
+  </ds:schemaRefs>
+</ds:datastoreItem>
+</file>
+
+<file path=customXml/itemProps126.xml><?xml version="1.0" encoding="utf-8"?>
+<ds:datastoreItem xmlns:ds="http://schemas.openxmlformats.org/officeDocument/2006/customXml" ds:itemID="{6CB941F7-3AAB-47D0-9A92-14E2F9EE3786}">
+  <ds:schemaRefs>
+    <ds:schemaRef ds:uri="http://schemas.microsoft.com/VisualStudio/2011/storyboarding/control"/>
+  </ds:schemaRefs>
+</ds:datastoreItem>
+</file>
+
+<file path=customXml/itemProps127.xml><?xml version="1.0" encoding="utf-8"?>
+<ds:datastoreItem xmlns:ds="http://schemas.openxmlformats.org/officeDocument/2006/customXml" ds:itemID="{13862F25-DDE8-4B38-96FE-1F74B1EA2F3B}">
+  <ds:schemaRefs>
+    <ds:schemaRef ds:uri="http://schemas.microsoft.com/VisualStudio/2011/storyboarding/control"/>
+  </ds:schemaRefs>
+</ds:datastoreItem>
+</file>
+
+<file path=customXml/itemProps128.xml><?xml version="1.0" encoding="utf-8"?>
+<ds:datastoreItem xmlns:ds="http://schemas.openxmlformats.org/officeDocument/2006/customXml" ds:itemID="{6304A6C1-8350-4ED1-A225-28A68C115140}">
+  <ds:schemaRefs>
+    <ds:schemaRef ds:uri="http://schemas.microsoft.com/VisualStudio/2011/storyboarding/control"/>
+  </ds:schemaRefs>
+</ds:datastoreItem>
+</file>
+
+<file path=customXml/itemProps129.xml><?xml version="1.0" encoding="utf-8"?>
+<ds:datastoreItem xmlns:ds="http://schemas.openxmlformats.org/officeDocument/2006/customXml" ds:itemID="{99041C39-6427-4986-9AC5-D174733614A9}">
+  <ds:schemaRefs>
+    <ds:schemaRef ds:uri="http://schemas.microsoft.com/VisualStudio/2011/storyboarding/control"/>
+  </ds:schemaRefs>
+</ds:datastoreItem>
+</file>
+
+<file path=customXml/itemProps13.xml><?xml version="1.0" encoding="utf-8"?>
+<ds:datastoreItem xmlns:ds="http://schemas.openxmlformats.org/officeDocument/2006/customXml" ds:itemID="{232626DA-CB6F-4D9D-AF0F-8AF24D624B31}">
+  <ds:schemaRefs>
+    <ds:schemaRef ds:uri="http://schemas.microsoft.com/VisualStudio/2011/storyboarding/control"/>
+  </ds:schemaRefs>
+</ds:datastoreItem>
+</file>
+
+<file path=customXml/itemProps130.xml><?xml version="1.0" encoding="utf-8"?>
+<ds:datastoreItem xmlns:ds="http://schemas.openxmlformats.org/officeDocument/2006/customXml" ds:itemID="{141EA961-BF9C-49C9-A156-49AF19DAFB2F}">
+  <ds:schemaRefs>
+    <ds:schemaRef ds:uri="http://schemas.microsoft.com/VisualStudio/2011/storyboarding/control"/>
+  </ds:schemaRefs>
+</ds:datastoreItem>
+</file>
+
+<file path=customXml/itemProps131.xml><?xml version="1.0" encoding="utf-8"?>
+<ds:datastoreItem xmlns:ds="http://schemas.openxmlformats.org/officeDocument/2006/customXml" ds:itemID="{5BABDC81-A28D-414F-86A7-D23CB31C112E}">
+  <ds:schemaRefs>
+    <ds:schemaRef ds:uri="http://schemas.microsoft.com/VisualStudio/2011/storyboarding/control"/>
+  </ds:schemaRefs>
+</ds:datastoreItem>
+</file>
+
+<file path=customXml/itemProps132.xml><?xml version="1.0" encoding="utf-8"?>
+<ds:datastoreItem xmlns:ds="http://schemas.openxmlformats.org/officeDocument/2006/customXml" ds:itemID="{38013BC7-20A9-4417-916D-9A323942A1F4}">
+  <ds:schemaRefs>
+    <ds:schemaRef ds:uri="http://schemas.microsoft.com/VisualStudio/2011/storyboarding/control"/>
+  </ds:schemaRefs>
+</ds:datastoreItem>
+</file>
+
+<file path=customXml/itemProps133.xml><?xml version="1.0" encoding="utf-8"?>
+<ds:datastoreItem xmlns:ds="http://schemas.openxmlformats.org/officeDocument/2006/customXml" ds:itemID="{029BC453-F4CB-445F-868F-1286B15E09F1}">
+  <ds:schemaRefs>
+    <ds:schemaRef ds:uri="http://schemas.microsoft.com/VisualStudio/2011/storyboarding/control"/>
+  </ds:schemaRefs>
+</ds:datastoreItem>
+</file>
+
+<file path=customXml/itemProps134.xml><?xml version="1.0" encoding="utf-8"?>
+<ds:datastoreItem xmlns:ds="http://schemas.openxmlformats.org/officeDocument/2006/customXml" ds:itemID="{6EB7CA94-CC81-47A2-A94B-CB77DAC15E80}">
+  <ds:schemaRefs>
+    <ds:schemaRef ds:uri="http://schemas.microsoft.com/VisualStudio/2011/storyboarding/control"/>
+  </ds:schemaRefs>
+</ds:datastoreItem>
+</file>
+
+<file path=customXml/itemProps135.xml><?xml version="1.0" encoding="utf-8"?>
+<ds:datastoreItem xmlns:ds="http://schemas.openxmlformats.org/officeDocument/2006/customXml" ds:itemID="{18794C29-4947-4C84-8999-B61535A88DD9}">
+  <ds:schemaRefs>
+    <ds:schemaRef ds:uri="http://schemas.microsoft.com/VisualStudio/2011/storyboarding/control"/>
+  </ds:schemaRefs>
+</ds:datastoreItem>
+</file>
+
+<file path=customXml/itemProps136.xml><?xml version="1.0" encoding="utf-8"?>
+<ds:datastoreItem xmlns:ds="http://schemas.openxmlformats.org/officeDocument/2006/customXml" ds:itemID="{168C76B7-6608-442F-A74F-5EEE8F8CB7CE}">
+  <ds:schemaRefs>
+    <ds:schemaRef ds:uri="http://schemas.microsoft.com/VisualStudio/2011/storyboarding/control"/>
+  </ds:schemaRefs>
+</ds:datastoreItem>
+</file>
+
+<file path=customXml/itemProps137.xml><?xml version="1.0" encoding="utf-8"?>
+<ds:datastoreItem xmlns:ds="http://schemas.openxmlformats.org/officeDocument/2006/customXml" ds:itemID="{06C3F0F6-DFBE-4958-9153-3070329A8D1C}">
+  <ds:schemaRefs>
+    <ds:schemaRef ds:uri="http://schemas.microsoft.com/VisualStudio/2011/storyboarding/control"/>
+  </ds:schemaRefs>
+</ds:datastoreItem>
+</file>
+
+<file path=customXml/itemProps138.xml><?xml version="1.0" encoding="utf-8"?>
+<ds:datastoreItem xmlns:ds="http://schemas.openxmlformats.org/officeDocument/2006/customXml" ds:itemID="{09590611-13C5-4BBB-B620-410B176DC479}">
+  <ds:schemaRefs>
+    <ds:schemaRef ds:uri="http://schemas.microsoft.com/VisualStudio/2011/storyboarding/control"/>
+  </ds:schemaRefs>
+</ds:datastoreItem>
+</file>
+
+<file path=customXml/itemProps139.xml><?xml version="1.0" encoding="utf-8"?>
+<ds:datastoreItem xmlns:ds="http://schemas.openxmlformats.org/officeDocument/2006/customXml" ds:itemID="{5CCA529B-9DEF-4705-9ADE-4AFEB6613C97}">
+  <ds:schemaRefs>
+    <ds:schemaRef ds:uri="http://schemas.microsoft.com/VisualStudio/2011/storyboarding/control"/>
+  </ds:schemaRefs>
+</ds:datastoreItem>
+</file>
+
+<file path=customXml/itemProps14.xml><?xml version="1.0" encoding="utf-8"?>
+<ds:datastoreItem xmlns:ds="http://schemas.openxmlformats.org/officeDocument/2006/customXml" ds:itemID="{02334B55-2D4F-417F-ABE8-4E654DA5ECA6}">
+  <ds:schemaRefs>
+    <ds:schemaRef ds:uri="http://schemas.microsoft.com/VisualStudio/2011/storyboarding/control"/>
+  </ds:schemaRefs>
+</ds:datastoreItem>
+</file>
+
+<file path=customXml/itemProps140.xml><?xml version="1.0" encoding="utf-8"?>
+<ds:datastoreItem xmlns:ds="http://schemas.openxmlformats.org/officeDocument/2006/customXml" ds:itemID="{22DCE103-0459-42AB-97CC-7C8E6823F075}">
+  <ds:schemaRefs>
+    <ds:schemaRef ds:uri="http://schemas.microsoft.com/VisualStudio/2011/storyboarding/control"/>
+  </ds:schemaRefs>
+</ds:datastoreItem>
+</file>
+
+<file path=customXml/itemProps141.xml><?xml version="1.0" encoding="utf-8"?>
+<ds:datastoreItem xmlns:ds="http://schemas.openxmlformats.org/officeDocument/2006/customXml" ds:itemID="{0E055C2A-F08D-4A38-81FE-23BECD46585B}">
+  <ds:schemaRefs>
+    <ds:schemaRef ds:uri="http://schemas.microsoft.com/VisualStudio/2011/storyboarding/control"/>
+  </ds:schemaRefs>
+</ds:datastoreItem>
+</file>
+
+<file path=customXml/itemProps142.xml><?xml version="1.0" encoding="utf-8"?>
+<ds:datastoreItem xmlns:ds="http://schemas.openxmlformats.org/officeDocument/2006/customXml" ds:itemID="{804E1972-D499-4C51-A9D1-9DFDC1275E5F}">
+  <ds:schemaRefs>
+    <ds:schemaRef ds:uri="http://schemas.microsoft.com/VisualStudio/2011/storyboarding/control"/>
+  </ds:schemaRefs>
+</ds:datastoreItem>
+</file>
+
+<file path=customXml/itemProps143.xml><?xml version="1.0" encoding="utf-8"?>
+<ds:datastoreItem xmlns:ds="http://schemas.openxmlformats.org/officeDocument/2006/customXml" ds:itemID="{F98273B1-2CAD-4DA9-83D6-B1BECAE6CBBD}">
+  <ds:schemaRefs>
+    <ds:schemaRef ds:uri="http://schemas.microsoft.com/VisualStudio/2011/storyboarding/control"/>
+  </ds:schemaRefs>
+</ds:datastoreItem>
+</file>
+
+<file path=customXml/itemProps144.xml><?xml version="1.0" encoding="utf-8"?>
+<ds:datastoreItem xmlns:ds="http://schemas.openxmlformats.org/officeDocument/2006/customXml" ds:itemID="{9C536043-4824-4ADA-8C8B-AE4C0470CAD4}">
+  <ds:schemaRefs>
+    <ds:schemaRef ds:uri="http://schemas.microsoft.com/VisualStudio/2011/storyboarding/control"/>
+  </ds:schemaRefs>
+</ds:datastoreItem>
+</file>
+
+<file path=customXml/itemProps145.xml><?xml version="1.0" encoding="utf-8"?>
+<ds:datastoreItem xmlns:ds="http://schemas.openxmlformats.org/officeDocument/2006/customXml" ds:itemID="{00D3C3C2-2740-4C03-97B1-A7D61B1CC91D}">
+  <ds:schemaRefs>
+    <ds:schemaRef ds:uri="http://schemas.microsoft.com/VisualStudio/2011/storyboarding/control"/>
+  </ds:schemaRefs>
+</ds:datastoreItem>
+</file>
+
+<file path=customXml/itemProps146.xml><?xml version="1.0" encoding="utf-8"?>
+<ds:datastoreItem xmlns:ds="http://schemas.openxmlformats.org/officeDocument/2006/customXml" ds:itemID="{736A0723-04F9-412A-9F0D-C81FAAC3B0C5}">
+  <ds:schemaRefs>
+    <ds:schemaRef ds:uri="http://schemas.microsoft.com/VisualStudio/2011/storyboarding/control"/>
+  </ds:schemaRefs>
+</ds:datastoreItem>
+</file>
+
+<file path=customXml/itemProps147.xml><?xml version="1.0" encoding="utf-8"?>
+<ds:datastoreItem xmlns:ds="http://schemas.openxmlformats.org/officeDocument/2006/customXml" ds:itemID="{9EB0501C-1528-4621-BF54-B8654EC76FED}">
+  <ds:schemaRefs>
+    <ds:schemaRef ds:uri="http://schemas.microsoft.com/VisualStudio/2011/storyboarding/control"/>
+  </ds:schemaRefs>
+</ds:datastoreItem>
+</file>
+
+<file path=customXml/itemProps148.xml><?xml version="1.0" encoding="utf-8"?>
+<ds:datastoreItem xmlns:ds="http://schemas.openxmlformats.org/officeDocument/2006/customXml" ds:itemID="{1457B7FC-E4DC-4897-9BBA-55583E2834E8}">
+  <ds:schemaRefs>
+    <ds:schemaRef ds:uri="http://schemas.microsoft.com/VisualStudio/2011/storyboarding/control"/>
+  </ds:schemaRefs>
+</ds:datastoreItem>
+</file>
+
+<file path=customXml/itemProps149.xml><?xml version="1.0" encoding="utf-8"?>
+<ds:datastoreItem xmlns:ds="http://schemas.openxmlformats.org/officeDocument/2006/customXml" ds:itemID="{D95446BE-4BAD-4ABA-8FA1-A99CFFB6D8FB}">
+  <ds:schemaRefs>
+    <ds:schemaRef ds:uri="http://schemas.microsoft.com/VisualStudio/2011/storyboarding/control"/>
+  </ds:schemaRefs>
+</ds:datastoreItem>
+</file>
+
+<file path=customXml/itemProps15.xml><?xml version="1.0" encoding="utf-8"?>
+<ds:datastoreItem xmlns:ds="http://schemas.openxmlformats.org/officeDocument/2006/customXml" ds:itemID="{5CF360A7-3055-4BC8-B690-806B326CFE59}">
+  <ds:schemaRefs>
+    <ds:schemaRef ds:uri="http://schemas.microsoft.com/VisualStudio/2011/storyboarding/control"/>
+  </ds:schemaRefs>
+</ds:datastoreItem>
+</file>
+
+<file path=customXml/itemProps150.xml><?xml version="1.0" encoding="utf-8"?>
 <ds:datastoreItem xmlns:ds="http://schemas.openxmlformats.org/officeDocument/2006/customXml" ds:itemID="{22A2D44B-4838-4372-860A-7BB7000D3E98}">
   <ds:schemaRefs>
     <ds:schemaRef ds:uri="http://schemas.microsoft.com/VisualStudio/2011/storyboarding/control"/>
@@ -48633,95 +49065,191 @@
 </ds:datastoreItem>
 </file>
 
-<file path=customXml/itemProps102.xml><?xml version="1.0" encoding="utf-8"?>
-<ds:datastoreItem xmlns:ds="http://schemas.openxmlformats.org/officeDocument/2006/customXml" ds:itemID="{DC5D0EC2-E0F8-4C82-95D2-DDCC24047F6E}">
+<file path=customXml/itemProps151.xml><?xml version="1.0" encoding="utf-8"?>
+<ds:datastoreItem xmlns:ds="http://schemas.openxmlformats.org/officeDocument/2006/customXml" ds:itemID="{4E6C720A-AA79-462A-9DDC-88840B7E6302}">
   <ds:schemaRefs>
     <ds:schemaRef ds:uri="http://schemas.microsoft.com/VisualStudio/2011/storyboarding/control"/>
   </ds:schemaRefs>
 </ds:datastoreItem>
 </file>
 
-<file path=customXml/itemProps103.xml><?xml version="1.0" encoding="utf-8"?>
-<ds:datastoreItem xmlns:ds="http://schemas.openxmlformats.org/officeDocument/2006/customXml" ds:itemID="{DC4C35DF-2656-4E75-8D8A-0C3F662513B2}">
+<file path=customXml/itemProps152.xml><?xml version="1.0" encoding="utf-8"?>
+<ds:datastoreItem xmlns:ds="http://schemas.openxmlformats.org/officeDocument/2006/customXml" ds:itemID="{BC48BA4D-1228-4612-8F5A-827B60EAB597}">
   <ds:schemaRefs>
     <ds:schemaRef ds:uri="http://schemas.microsoft.com/VisualStudio/2011/storyboarding/control"/>
   </ds:schemaRefs>
 </ds:datastoreItem>
 </file>
 
-<file path=customXml/itemProps104.xml><?xml version="1.0" encoding="utf-8"?>
-<ds:datastoreItem xmlns:ds="http://schemas.openxmlformats.org/officeDocument/2006/customXml" ds:itemID="{4053B059-6D3E-4C23-8C7B-1616C814AC61}">
+<file path=customXml/itemProps153.xml><?xml version="1.0" encoding="utf-8"?>
+<ds:datastoreItem xmlns:ds="http://schemas.openxmlformats.org/officeDocument/2006/customXml" ds:itemID="{B5166D70-168E-4E61-A961-F9636EBF598C}">
   <ds:schemaRefs>
     <ds:schemaRef ds:uri="http://schemas.microsoft.com/VisualStudio/2011/storyboarding/control"/>
   </ds:schemaRefs>
 </ds:datastoreItem>
 </file>
 
-<file path=customXml/itemProps105.xml><?xml version="1.0" encoding="utf-8"?>
-<ds:datastoreItem xmlns:ds="http://schemas.openxmlformats.org/officeDocument/2006/customXml" ds:itemID="{99F0CC47-58FA-46D7-9D90-1F68C476AA54}">
+<file path=customXml/itemProps154.xml><?xml version="1.0" encoding="utf-8"?>
+<ds:datastoreItem xmlns:ds="http://schemas.openxmlformats.org/officeDocument/2006/customXml" ds:itemID="{61C66E92-C86E-4F9C-96B2-2C3EF17163DA}">
   <ds:schemaRefs>
     <ds:schemaRef ds:uri="http://schemas.microsoft.com/VisualStudio/2011/storyboarding/control"/>
   </ds:schemaRefs>
 </ds:datastoreItem>
 </file>
 
-<file path=customXml/itemProps106.xml><?xml version="1.0" encoding="utf-8"?>
-<ds:datastoreItem xmlns:ds="http://schemas.openxmlformats.org/officeDocument/2006/customXml" ds:itemID="{573265B5-A79C-4926-96A0-BFF93C581B0C}">
+<file path=customXml/itemProps155.xml><?xml version="1.0" encoding="utf-8"?>
+<ds:datastoreItem xmlns:ds="http://schemas.openxmlformats.org/officeDocument/2006/customXml" ds:itemID="{3C08A34A-F8FC-4B9A-966C-4026C362B734}">
   <ds:schemaRefs>
     <ds:schemaRef ds:uri="http://schemas.microsoft.com/VisualStudio/2011/storyboarding/control"/>
   </ds:schemaRefs>
 </ds:datastoreItem>
 </file>
 
-<file path=customXml/itemProps107.xml><?xml version="1.0" encoding="utf-8"?>
-<ds:datastoreItem xmlns:ds="http://schemas.openxmlformats.org/officeDocument/2006/customXml" ds:itemID="{18479CBD-00A4-4343-8A6F-D192772CDD2F}">
+<file path=customXml/itemProps156.xml><?xml version="1.0" encoding="utf-8"?>
+<ds:datastoreItem xmlns:ds="http://schemas.openxmlformats.org/officeDocument/2006/customXml" ds:itemID="{3429CB68-4F13-4BE2-8E8F-A5FD82005DBB}">
   <ds:schemaRefs>
     <ds:schemaRef ds:uri="http://schemas.microsoft.com/VisualStudio/2011/storyboarding/control"/>
   </ds:schemaRefs>
 </ds:datastoreItem>
 </file>
 
-<file path=customXml/itemProps108.xml><?xml version="1.0" encoding="utf-8"?>
-<ds:datastoreItem xmlns:ds="http://schemas.openxmlformats.org/officeDocument/2006/customXml" ds:itemID="{6F25A223-D2EF-42A5-B86A-9C93BB7A6BB5}">
+<file path=customXml/itemProps157.xml><?xml version="1.0" encoding="utf-8"?>
+<ds:datastoreItem xmlns:ds="http://schemas.openxmlformats.org/officeDocument/2006/customXml" ds:itemID="{E3D55CBD-A6D5-4731-B5E3-0F5F074ECD1C}">
   <ds:schemaRefs>
     <ds:schemaRef ds:uri="http://schemas.microsoft.com/VisualStudio/2011/storyboarding/control"/>
   </ds:schemaRefs>
 </ds:datastoreItem>
 </file>
 
-<file path=customXml/itemProps109.xml><?xml version="1.0" encoding="utf-8"?>
-<ds:datastoreItem xmlns:ds="http://schemas.openxmlformats.org/officeDocument/2006/customXml" ds:itemID="{2238959C-0CA2-4DF6-AF6A-D5199B277DDA}">
+<file path=customXml/itemProps158.xml><?xml version="1.0" encoding="utf-8"?>
+<ds:datastoreItem xmlns:ds="http://schemas.openxmlformats.org/officeDocument/2006/customXml" ds:itemID="{CFC13812-EB5F-45B1-A345-C7F9AFD25243}">
   <ds:schemaRefs>
     <ds:schemaRef ds:uri="http://schemas.microsoft.com/VisualStudio/2011/storyboarding/control"/>
   </ds:schemaRefs>
 </ds:datastoreItem>
 </file>
 
-<file path=customXml/itemProps11.xml><?xml version="1.0" encoding="utf-8"?>
-<ds:datastoreItem xmlns:ds="http://schemas.openxmlformats.org/officeDocument/2006/customXml" ds:itemID="{07463043-8C73-4A96-A0C3-812E55AED541}">
+<file path=customXml/itemProps159.xml><?xml version="1.0" encoding="utf-8"?>
+<ds:datastoreItem xmlns:ds="http://schemas.openxmlformats.org/officeDocument/2006/customXml" ds:itemID="{736A967F-104D-4DB1-9FD9-ACC47ADEB4F9}">
   <ds:schemaRefs>
     <ds:schemaRef ds:uri="http://schemas.microsoft.com/VisualStudio/2011/storyboarding/control"/>
   </ds:schemaRefs>
 </ds:datastoreItem>
 </file>
 
-<file path=customXml/itemProps110.xml><?xml version="1.0" encoding="utf-8"?>
-<ds:datastoreItem xmlns:ds="http://schemas.openxmlformats.org/officeDocument/2006/customXml" ds:itemID="{EEAB6399-D929-4C95-B958-72D00AA501DE}">
+<file path=customXml/itemProps16.xml><?xml version="1.0" encoding="utf-8"?>
+<ds:datastoreItem xmlns:ds="http://schemas.openxmlformats.org/officeDocument/2006/customXml" ds:itemID="{7CA68FB6-F890-438B-B497-8E051E64CA29}">
   <ds:schemaRefs>
     <ds:schemaRef ds:uri="http://schemas.microsoft.com/VisualStudio/2011/storyboarding/control"/>
   </ds:schemaRefs>
 </ds:datastoreItem>
 </file>
 
-<file path=customXml/itemProps111.xml><?xml version="1.0" encoding="utf-8"?>
-<ds:datastoreItem xmlns:ds="http://schemas.openxmlformats.org/officeDocument/2006/customXml" ds:itemID="{141EA961-BF9C-49C9-A156-49AF19DAFB2F}">
+<file path=customXml/itemProps160.xml><?xml version="1.0" encoding="utf-8"?>
+<ds:datastoreItem xmlns:ds="http://schemas.openxmlformats.org/officeDocument/2006/customXml" ds:itemID="{57E526B8-0F26-49E6-8217-552139C3327D}">
   <ds:schemaRefs>
     <ds:schemaRef ds:uri="http://schemas.microsoft.com/VisualStudio/2011/storyboarding/control"/>
   </ds:schemaRefs>
 </ds:datastoreItem>
 </file>
 
-<file path=customXml/itemProps112.xml><?xml version="1.0" encoding="utf-8"?>
+<file path=customXml/itemProps161.xml><?xml version="1.0" encoding="utf-8"?>
+<ds:datastoreItem xmlns:ds="http://schemas.openxmlformats.org/officeDocument/2006/customXml" ds:itemID="{DEBAB9CE-F64D-4C02-9A04-3F614D7A9AD2}">
+  <ds:schemaRefs>
+    <ds:schemaRef ds:uri="http://schemas.microsoft.com/VisualStudio/2011/storyboarding/control"/>
+  </ds:schemaRefs>
+</ds:datastoreItem>
+</file>
+
+<file path=customXml/itemProps162.xml><?xml version="1.0" encoding="utf-8"?>
+<ds:datastoreItem xmlns:ds="http://schemas.openxmlformats.org/officeDocument/2006/customXml" ds:itemID="{3055C328-CA29-4701-84B0-9F3C5F35E67F}">
+  <ds:schemaRefs>
+    <ds:schemaRef ds:uri="http://schemas.microsoft.com/VisualStudio/2011/storyboarding/control"/>
+  </ds:schemaRefs>
+</ds:datastoreItem>
+</file>
+
+<file path=customXml/itemProps163.xml><?xml version="1.0" encoding="utf-8"?>
+<ds:datastoreItem xmlns:ds="http://schemas.openxmlformats.org/officeDocument/2006/customXml" ds:itemID="{DB3152CF-338A-46EA-AAB7-691A69C0B0E9}">
+  <ds:schemaRefs>
+    <ds:schemaRef ds:uri="http://schemas.microsoft.com/VisualStudio/2011/storyboarding/control"/>
+  </ds:schemaRefs>
+</ds:datastoreItem>
+</file>
+
+<file path=customXml/itemProps164.xml><?xml version="1.0" encoding="utf-8"?>
+<ds:datastoreItem xmlns:ds="http://schemas.openxmlformats.org/officeDocument/2006/customXml" ds:itemID="{D4C5C259-7D43-42F4-AF72-972F8F49260F}">
+  <ds:schemaRefs>
+    <ds:schemaRef ds:uri="http://schemas.microsoft.com/VisualStudio/2011/storyboarding/control"/>
+  </ds:schemaRefs>
+</ds:datastoreItem>
+</file>
+
+<file path=customXml/itemProps165.xml><?xml version="1.0" encoding="utf-8"?>
+<ds:datastoreItem xmlns:ds="http://schemas.openxmlformats.org/officeDocument/2006/customXml" ds:itemID="{C5AD7F61-BDDC-4AE5-B432-4B8C3E600F1A}">
+  <ds:schemaRefs>
+    <ds:schemaRef ds:uri="http://schemas.microsoft.com/VisualStudio/2011/storyboarding/control"/>
+  </ds:schemaRefs>
+</ds:datastoreItem>
+</file>
+
+<file path=customXml/itemProps166.xml><?xml version="1.0" encoding="utf-8"?>
+<ds:datastoreItem xmlns:ds="http://schemas.openxmlformats.org/officeDocument/2006/customXml" ds:itemID="{3306F836-D9BF-45AD-9E63-D6B8C3B58DAD}">
+  <ds:schemaRefs>
+    <ds:schemaRef ds:uri="http://schemas.microsoft.com/VisualStudio/2011/storyboarding/control"/>
+  </ds:schemaRefs>
+</ds:datastoreItem>
+</file>
+
+<file path=customXml/itemProps167.xml><?xml version="1.0" encoding="utf-8"?>
+<ds:datastoreItem xmlns:ds="http://schemas.openxmlformats.org/officeDocument/2006/customXml" ds:itemID="{A81B66F1-253E-4227-AEB2-47D6FFE115F8}">
+  <ds:schemaRefs>
+    <ds:schemaRef ds:uri="http://schemas.microsoft.com/VisualStudio/2011/storyboarding/control"/>
+  </ds:schemaRefs>
+</ds:datastoreItem>
+</file>
+
+<file path=customXml/itemProps168.xml><?xml version="1.0" encoding="utf-8"?>
+<ds:datastoreItem xmlns:ds="http://schemas.openxmlformats.org/officeDocument/2006/customXml" ds:itemID="{6628319E-03CF-47A1-9C1C-1800FEF2379C}">
+  <ds:schemaRefs>
+    <ds:schemaRef ds:uri="http://schemas.microsoft.com/VisualStudio/2011/storyboarding/control"/>
+  </ds:schemaRefs>
+</ds:datastoreItem>
+</file>
+
+<file path=customXml/itemProps169.xml><?xml version="1.0" encoding="utf-8"?>
+<ds:datastoreItem xmlns:ds="http://schemas.openxmlformats.org/officeDocument/2006/customXml" ds:itemID="{74178230-2CA7-4E22-A564-FCD85B33EC02}">
+  <ds:schemaRefs>
+    <ds:schemaRef ds:uri="http://schemas.microsoft.com/VisualStudio/2011/storyboarding/control"/>
+  </ds:schemaRefs>
+</ds:datastoreItem>
+</file>
+
+<file path=customXml/itemProps17.xml><?xml version="1.0" encoding="utf-8"?>
+<ds:datastoreItem xmlns:ds="http://schemas.openxmlformats.org/officeDocument/2006/customXml" ds:itemID="{1757988F-6D16-40D8-A530-81F3C8368DAD}">
+  <ds:schemaRefs>
+    <ds:schemaRef ds:uri="http://schemas.microsoft.com/VisualStudio/2011/storyboarding/control"/>
+  </ds:schemaRefs>
+</ds:datastoreItem>
+</file>
+
+<file path=customXml/itemProps170.xml><?xml version="1.0" encoding="utf-8"?>
+<ds:datastoreItem xmlns:ds="http://schemas.openxmlformats.org/officeDocument/2006/customXml" ds:itemID="{9A7640EE-2A10-4D04-98A5-BF26F958E3B3}">
+  <ds:schemaRefs>
+    <ds:schemaRef ds:uri="http://schemas.microsoft.com/VisualStudio/2011/storyboarding/control"/>
+  </ds:schemaRefs>
+</ds:datastoreItem>
+</file>
+
+<file path=customXml/itemProps171.xml><?xml version="1.0" encoding="utf-8"?>
+<ds:datastoreItem xmlns:ds="http://schemas.openxmlformats.org/officeDocument/2006/customXml" ds:itemID="{42067514-F2AE-4C7D-B6F2-E8950F6B61AA}">
+  <ds:schemaRefs>
+    <ds:schemaRef ds:uri="http://schemas.microsoft.com/VisualStudio/2011/storyboarding/control"/>
+  </ds:schemaRefs>
+</ds:datastoreItem>
+</file>
+
+<file path=customXml/itemProps172.xml><?xml version="1.0" encoding="utf-8"?>
 <ds:datastoreItem xmlns:ds="http://schemas.openxmlformats.org/officeDocument/2006/customXml" ds:itemID="{B1087AFA-D5D9-42F5-BB3C-37AC9E0563C2}">
   <ds:schemaRefs>
     <ds:schemaRef ds:uri="http://schemas.microsoft.com/VisualStudio/2011/storyboarding/control"/>
@@ -48729,183 +49257,7 @@
 </ds:datastoreItem>
 </file>
 
-<file path=customXml/itemProps113.xml><?xml version="1.0" encoding="utf-8"?>
-<ds:datastoreItem xmlns:ds="http://schemas.openxmlformats.org/officeDocument/2006/customXml" ds:itemID="{7D00CABB-1869-4EF0-85BB-32A2CAC80D78}">
-  <ds:schemaRefs>
-    <ds:schemaRef ds:uri="http://schemas.microsoft.com/VisualStudio/2011/storyboarding/control"/>
-  </ds:schemaRefs>
-</ds:datastoreItem>
-</file>
-
-<file path=customXml/itemProps114.xml><?xml version="1.0" encoding="utf-8"?>
-<ds:datastoreItem xmlns:ds="http://schemas.openxmlformats.org/officeDocument/2006/customXml" ds:itemID="{FCE830F2-AEC8-45CA-B11B-642711AB7761}">
-  <ds:schemaRefs>
-    <ds:schemaRef ds:uri="http://schemas.microsoft.com/VisualStudio/2011/storyboarding/control"/>
-  </ds:schemaRefs>
-</ds:datastoreItem>
-</file>
-
-<file path=customXml/itemProps115.xml><?xml version="1.0" encoding="utf-8"?>
-<ds:datastoreItem xmlns:ds="http://schemas.openxmlformats.org/officeDocument/2006/customXml" ds:itemID="{0446D0D0-2CFF-4680-9958-3DE5402AE64B}">
-  <ds:schemaRefs>
-    <ds:schemaRef ds:uri="http://schemas.microsoft.com/VisualStudio/2011/storyboarding/control"/>
-  </ds:schemaRefs>
-</ds:datastoreItem>
-</file>
-
-<file path=customXml/itemProps116.xml><?xml version="1.0" encoding="utf-8"?>
-<ds:datastoreItem xmlns:ds="http://schemas.openxmlformats.org/officeDocument/2006/customXml" ds:itemID="{F8BB2829-F45A-45A4-9F01-17DFF4059B51}">
-  <ds:schemaRefs>
-    <ds:schemaRef ds:uri="http://schemas.microsoft.com/VisualStudio/2011/storyboarding/control"/>
-  </ds:schemaRefs>
-</ds:datastoreItem>
-</file>
-
-<file path=customXml/itemProps117.xml><?xml version="1.0" encoding="utf-8"?>
-<ds:datastoreItem xmlns:ds="http://schemas.openxmlformats.org/officeDocument/2006/customXml" ds:itemID="{C4516B8B-2849-4DB5-B2B3-91823A6170D5}">
-  <ds:schemaRefs>
-    <ds:schemaRef ds:uri="http://schemas.microsoft.com/VisualStudio/2011/storyboarding/control"/>
-  </ds:schemaRefs>
-</ds:datastoreItem>
-</file>
-
-<file path=customXml/itemProps118.xml><?xml version="1.0" encoding="utf-8"?>
-<ds:datastoreItem xmlns:ds="http://schemas.openxmlformats.org/officeDocument/2006/customXml" ds:itemID="{61521408-1A6C-4395-A9F6-CA91C8F403E2}">
-  <ds:schemaRefs>
-    <ds:schemaRef ds:uri="http://schemas.microsoft.com/VisualStudio/2011/storyboarding/control"/>
-  </ds:schemaRefs>
-</ds:datastoreItem>
-</file>
-
-<file path=customXml/itemProps119.xml><?xml version="1.0" encoding="utf-8"?>
-<ds:datastoreItem xmlns:ds="http://schemas.openxmlformats.org/officeDocument/2006/customXml" ds:itemID="{B99BBEE2-8622-4465-BC31-E25ADC83ECB7}">
-  <ds:schemaRefs>
-    <ds:schemaRef ds:uri="http://schemas.microsoft.com/VisualStudio/2011/storyboarding/control"/>
-  </ds:schemaRefs>
-</ds:datastoreItem>
-</file>
-
-<file path=customXml/itemProps12.xml><?xml version="1.0" encoding="utf-8"?>
-<ds:datastoreItem xmlns:ds="http://schemas.openxmlformats.org/officeDocument/2006/customXml" ds:itemID="{EFD61237-453B-4EEA-BEC2-9F216D84E35F}">
-  <ds:schemaRefs>
-    <ds:schemaRef ds:uri="http://schemas.microsoft.com/VisualStudio/2011/storyboarding/control"/>
-  </ds:schemaRefs>
-</ds:datastoreItem>
-</file>
-
-<file path=customXml/itemProps120.xml><?xml version="1.0" encoding="utf-8"?>
-<ds:datastoreItem xmlns:ds="http://schemas.openxmlformats.org/officeDocument/2006/customXml" ds:itemID="{70EB66AB-98CC-4150-B485-07F59B4ACF88}">
-  <ds:schemaRefs>
-    <ds:schemaRef ds:uri="http://schemas.microsoft.com/VisualStudio/2011/storyboarding/control"/>
-  </ds:schemaRefs>
-</ds:datastoreItem>
-</file>
-
-<file path=customXml/itemProps121.xml><?xml version="1.0" encoding="utf-8"?>
-<ds:datastoreItem xmlns:ds="http://schemas.openxmlformats.org/officeDocument/2006/customXml" ds:itemID="{45E516F3-1330-48B3-9C61-EFAE6F478054}">
-  <ds:schemaRefs>
-    <ds:schemaRef ds:uri="http://schemas.microsoft.com/VisualStudio/2011/storyboarding/control"/>
-  </ds:schemaRefs>
-</ds:datastoreItem>
-</file>
-
-<file path=customXml/itemProps122.xml><?xml version="1.0" encoding="utf-8"?>
-<ds:datastoreItem xmlns:ds="http://schemas.openxmlformats.org/officeDocument/2006/customXml" ds:itemID="{4E6C720A-AA79-462A-9DDC-88840B7E6302}">
-  <ds:schemaRefs>
-    <ds:schemaRef ds:uri="http://schemas.microsoft.com/VisualStudio/2011/storyboarding/control"/>
-  </ds:schemaRefs>
-</ds:datastoreItem>
-</file>
-
-<file path=customXml/itemProps123.xml><?xml version="1.0" encoding="utf-8"?>
-<ds:datastoreItem xmlns:ds="http://schemas.openxmlformats.org/officeDocument/2006/customXml" ds:itemID="{9C8A5251-EB53-47DD-BD83-C5CE9455045B}">
-  <ds:schemaRefs>
-    <ds:schemaRef ds:uri="http://schemas.microsoft.com/VisualStudio/2011/storyboarding/control"/>
-  </ds:schemaRefs>
-</ds:datastoreItem>
-</file>
-
-<file path=customXml/itemProps124.xml><?xml version="1.0" encoding="utf-8"?>
-<ds:datastoreItem xmlns:ds="http://schemas.openxmlformats.org/officeDocument/2006/customXml" ds:itemID="{58CE69CD-F971-408B-97A6-8A1599F0765E}">
-  <ds:schemaRefs>
-    <ds:schemaRef ds:uri="http://schemas.microsoft.com/VisualStudio/2011/storyboarding/control"/>
-  </ds:schemaRefs>
-</ds:datastoreItem>
-</file>
-
-<file path=customXml/itemProps125.xml><?xml version="1.0" encoding="utf-8"?>
-<ds:datastoreItem xmlns:ds="http://schemas.openxmlformats.org/officeDocument/2006/customXml" ds:itemID="{706FAB6E-BE39-4E0F-8B3A-D4226741A0E3}">
-  <ds:schemaRefs>
-    <ds:schemaRef ds:uri="http://schemas.microsoft.com/VisualStudio/2011/storyboarding/control"/>
-  </ds:schemaRefs>
-</ds:datastoreItem>
-</file>
-
-<file path=customXml/itemProps126.xml><?xml version="1.0" encoding="utf-8"?>
-<ds:datastoreItem xmlns:ds="http://schemas.openxmlformats.org/officeDocument/2006/customXml" ds:itemID="{0BAA9085-5803-4448-8256-2B9361BB43A7}">
-  <ds:schemaRefs>
-    <ds:schemaRef ds:uri="http://schemas.microsoft.com/VisualStudio/2011/storyboarding/control"/>
-  </ds:schemaRefs>
-</ds:datastoreItem>
-</file>
-
-<file path=customXml/itemProps127.xml><?xml version="1.0" encoding="utf-8"?>
-<ds:datastoreItem xmlns:ds="http://schemas.openxmlformats.org/officeDocument/2006/customXml" ds:itemID="{9421B463-D4D7-4516-A75B-86A55D143026}">
-  <ds:schemaRefs>
-    <ds:schemaRef ds:uri="http://schemas.microsoft.com/VisualStudio/2011/storyboarding/control"/>
-  </ds:schemaRefs>
-</ds:datastoreItem>
-</file>
-
-<file path=customXml/itemProps128.xml><?xml version="1.0" encoding="utf-8"?>
-<ds:datastoreItem xmlns:ds="http://schemas.openxmlformats.org/officeDocument/2006/customXml" ds:itemID="{D4CD806F-6376-432D-BA7D-ABF9FF12FF7E}">
-  <ds:schemaRefs>
-    <ds:schemaRef ds:uri="http://schemas.microsoft.com/VisualStudio/2011/storyboarding/control"/>
-  </ds:schemaRefs>
-</ds:datastoreItem>
-</file>
-
-<file path=customXml/itemProps129.xml><?xml version="1.0" encoding="utf-8"?>
-<ds:datastoreItem xmlns:ds="http://schemas.openxmlformats.org/officeDocument/2006/customXml" ds:itemID="{5C59363F-9BDD-4051-9E0B-5EE8CD62FD4F}">
-  <ds:schemaRefs>
-    <ds:schemaRef ds:uri="http://schemas.microsoft.com/VisualStudio/2011/storyboarding/control"/>
-  </ds:schemaRefs>
-</ds:datastoreItem>
-</file>
-
-<file path=customXml/itemProps13.xml><?xml version="1.0" encoding="utf-8"?>
-<ds:datastoreItem xmlns:ds="http://schemas.openxmlformats.org/officeDocument/2006/customXml" ds:itemID="{9A6A7808-2196-4291-859A-AC2267FED0F3}">
-  <ds:schemaRefs>
-    <ds:schemaRef ds:uri="http://schemas.microsoft.com/VisualStudio/2011/storyboarding/control"/>
-  </ds:schemaRefs>
-</ds:datastoreItem>
-</file>
-
-<file path=customXml/itemProps130.xml><?xml version="1.0" encoding="utf-8"?>
-<ds:datastoreItem xmlns:ds="http://schemas.openxmlformats.org/officeDocument/2006/customXml" ds:itemID="{1B146DBB-C522-4C8D-905F-9208E084F7E7}">
-  <ds:schemaRefs>
-    <ds:schemaRef ds:uri="http://schemas.microsoft.com/VisualStudio/2011/storyboarding/control"/>
-  </ds:schemaRefs>
-</ds:datastoreItem>
-</file>
-
-<file path=customXml/itemProps131.xml><?xml version="1.0" encoding="utf-8"?>
-<ds:datastoreItem xmlns:ds="http://schemas.openxmlformats.org/officeDocument/2006/customXml" ds:itemID="{67BE8394-1579-4487-9434-E108C9C9A034}">
-  <ds:schemaRefs>
-    <ds:schemaRef ds:uri="http://schemas.microsoft.com/VisualStudio/2011/storyboarding/control"/>
-  </ds:schemaRefs>
-</ds:datastoreItem>
-</file>
-
-<file path=customXml/itemProps132.xml><?xml version="1.0" encoding="utf-8"?>
-<ds:datastoreItem xmlns:ds="http://schemas.openxmlformats.org/officeDocument/2006/customXml" ds:itemID="{5BABDC81-A28D-414F-86A7-D23CB31C112E}">
-  <ds:schemaRefs>
-    <ds:schemaRef ds:uri="http://schemas.microsoft.com/VisualStudio/2011/storyboarding/control"/>
-  </ds:schemaRefs>
-</ds:datastoreItem>
-</file>
-
-<file path=customXml/itemProps133.xml><?xml version="1.0" encoding="utf-8"?>
+<file path=customXml/itemProps173.xml><?xml version="1.0" encoding="utf-8"?>
 <ds:datastoreItem xmlns:ds="http://schemas.openxmlformats.org/officeDocument/2006/customXml" ds:itemID="{AD92579F-DD3B-49D5-9A70-08D065BFA4CE}">
   <ds:schemaRefs>
     <ds:schemaRef ds:uri="http://schemas.microsoft.com/VisualStudio/2011/storyboarding/control"/>
@@ -48913,360 +49265,8 @@
 </ds:datastoreItem>
 </file>
 
-<file path=customXml/itemProps134.xml><?xml version="1.0" encoding="utf-8"?>
-<ds:datastoreItem xmlns:ds="http://schemas.openxmlformats.org/officeDocument/2006/customXml" ds:itemID="{AE97AF5C-752F-44CF-8B6B-12D2E01EF4F3}">
-  <ds:schemaRefs>
-    <ds:schemaRef ds:uri="http://schemas.microsoft.com/VisualStudio/2011/storyboarding/control"/>
-  </ds:schemaRefs>
-</ds:datastoreItem>
-</file>
-
-<file path=customXml/itemProps135.xml><?xml version="1.0" encoding="utf-8"?>
-<ds:datastoreItem xmlns:ds="http://schemas.openxmlformats.org/officeDocument/2006/customXml" ds:itemID="{CEF86DB2-3911-4AA1-8775-C8791F39CEEC}">
-  <ds:schemaRefs>
-    <ds:schemaRef ds:uri="http://schemas.microsoft.com/VisualStudio/2011/storyboarding/control"/>
-  </ds:schemaRefs>
-</ds:datastoreItem>
-</file>
-
-<file path=customXml/itemProps136.xml><?xml version="1.0" encoding="utf-8"?>
-<ds:datastoreItem xmlns:ds="http://schemas.openxmlformats.org/officeDocument/2006/customXml" ds:itemID="{9C95B9FF-EF8D-4C10-BFB9-D42385F58FA8}">
-  <ds:schemaRefs>
-    <ds:schemaRef ds:uri="http://schemas.microsoft.com/VisualStudio/2011/storyboarding/control"/>
-  </ds:schemaRefs>
-</ds:datastoreItem>
-</file>
-
-<file path=customXml/itemProps137.xml><?xml version="1.0" encoding="utf-8"?>
-<ds:datastoreItem xmlns:ds="http://schemas.openxmlformats.org/officeDocument/2006/customXml" ds:itemID="{C6C0676A-A317-4303-84CF-6D08AD39770E}">
-  <ds:schemaRefs>
-    <ds:schemaRef ds:uri="http://schemas.microsoft.com/VisualStudio/2011/storyboarding/control"/>
-  </ds:schemaRefs>
-</ds:datastoreItem>
-</file>
-
-<file path=customXml/itemProps138.xml><?xml version="1.0" encoding="utf-8"?>
-<ds:datastoreItem xmlns:ds="http://schemas.openxmlformats.org/officeDocument/2006/customXml" ds:itemID="{7969621E-9D5C-44BF-A99D-2B42DF6EAE67}">
-  <ds:schemaRefs>
-    <ds:schemaRef ds:uri="http://schemas.microsoft.com/VisualStudio/2011/storyboarding/control"/>
-  </ds:schemaRefs>
-</ds:datastoreItem>
-</file>
-
-<file path=customXml/itemProps139.xml><?xml version="1.0" encoding="utf-8"?>
-<ds:datastoreItem xmlns:ds="http://schemas.openxmlformats.org/officeDocument/2006/customXml" ds:itemID="{2EE49787-E092-47EE-B505-CA959AFA1301}">
-  <ds:schemaRefs>
-    <ds:schemaRef ds:uri="http://schemas.microsoft.com/VisualStudio/2011/storyboarding/control"/>
-  </ds:schemaRefs>
-</ds:datastoreItem>
-</file>
-
-<file path=customXml/itemProps14.xml><?xml version="1.0" encoding="utf-8"?>
-<ds:datastoreItem xmlns:ds="http://schemas.openxmlformats.org/officeDocument/2006/customXml" ds:itemID="{9B6AF35C-235D-48A0-8830-5DFB2DFC9FD5}">
-  <ds:schemaRefs>
-    <ds:schemaRef ds:uri="http://schemas.microsoft.com/VisualStudio/2011/storyboarding/control"/>
-  </ds:schemaRefs>
-</ds:datastoreItem>
-</file>
-
-<file path=customXml/itemProps140.xml><?xml version="1.0" encoding="utf-8"?>
-<ds:datastoreItem xmlns:ds="http://schemas.openxmlformats.org/officeDocument/2006/customXml" ds:itemID="{86536C94-2BFE-4B4D-9309-D227F76E896E}">
-  <ds:schemaRefs>
-    <ds:schemaRef ds:uri="http://schemas.microsoft.com/VisualStudio/2011/storyboarding/control"/>
-  </ds:schemaRefs>
-</ds:datastoreItem>
-</file>
-
-<file path=customXml/itemProps141.xml><?xml version="1.0" encoding="utf-8"?>
-<ds:datastoreItem xmlns:ds="http://schemas.openxmlformats.org/officeDocument/2006/customXml" ds:itemID="{490EF0FA-4D0A-44BC-AAFB-5385F9A445D9}">
-  <ds:schemaRefs>
-    <ds:schemaRef ds:uri="http://schemas.microsoft.com/VisualStudio/2011/storyboarding/control"/>
-  </ds:schemaRefs>
-</ds:datastoreItem>
-</file>
-
-<file path=customXml/itemProps142.xml><?xml version="1.0" encoding="utf-8"?>
-<ds:datastoreItem xmlns:ds="http://schemas.openxmlformats.org/officeDocument/2006/customXml" ds:itemID="{36260D16-BEAB-43A7-90AC-6E76F0EEADCF}">
-  <ds:schemaRefs>
-    <ds:schemaRef ds:uri="http://schemas.microsoft.com/VisualStudio/2011/storyboarding/control"/>
-  </ds:schemaRefs>
-</ds:datastoreItem>
-</file>
-
-<file path=customXml/itemProps143.xml><?xml version="1.0" encoding="utf-8"?>
-<ds:datastoreItem xmlns:ds="http://schemas.openxmlformats.org/officeDocument/2006/customXml" ds:itemID="{BC48BA4D-1228-4612-8F5A-827B60EAB597}">
-  <ds:schemaRefs>
-    <ds:schemaRef ds:uri="http://schemas.microsoft.com/VisualStudio/2011/storyboarding/control"/>
-  </ds:schemaRefs>
-</ds:datastoreItem>
-</file>
-
-<file path=customXml/itemProps144.xml><?xml version="1.0" encoding="utf-8"?>
-<ds:datastoreItem xmlns:ds="http://schemas.openxmlformats.org/officeDocument/2006/customXml" ds:itemID="{A1D56861-4DD7-4502-9172-422E57051037}">
-  <ds:schemaRefs>
-    <ds:schemaRef ds:uri="http://schemas.microsoft.com/VisualStudio/2011/storyboarding/control"/>
-  </ds:schemaRefs>
-</ds:datastoreItem>
-</file>
-
-<file path=customXml/itemProps145.xml><?xml version="1.0" encoding="utf-8"?>
-<ds:datastoreItem xmlns:ds="http://schemas.openxmlformats.org/officeDocument/2006/customXml" ds:itemID="{5B4D8E86-8C69-404F-8F70-5132528EF3E8}">
-  <ds:schemaRefs>
-    <ds:schemaRef ds:uri="http://schemas.microsoft.com/VisualStudio/2011/storyboarding/control"/>
-  </ds:schemaRefs>
-</ds:datastoreItem>
-</file>
-
-<file path=customXml/itemProps146.xml><?xml version="1.0" encoding="utf-8"?>
-<ds:datastoreItem xmlns:ds="http://schemas.openxmlformats.org/officeDocument/2006/customXml" ds:itemID="{380496B2-CD29-439E-BFC1-17B6F6D74631}">
-  <ds:schemaRefs>
-    <ds:schemaRef ds:uri="http://schemas.microsoft.com/VisualStudio/2011/storyboarding/control"/>
-  </ds:schemaRefs>
-</ds:datastoreItem>
-</file>
-
-<file path=customXml/itemProps147.xml><?xml version="1.0" encoding="utf-8"?>
-<ds:datastoreItem xmlns:ds="http://schemas.openxmlformats.org/officeDocument/2006/customXml" ds:itemID="{083E5DBF-99A6-4800-820B-DF4AFA30FB33}">
-  <ds:schemaRefs>
-    <ds:schemaRef ds:uri="http://schemas.microsoft.com/VisualStudio/2011/storyboarding/control"/>
-  </ds:schemaRefs>
-</ds:datastoreItem>
-</file>
-
-<file path=customXml/itemProps148.xml><?xml version="1.0" encoding="utf-8"?>
-<ds:datastoreItem xmlns:ds="http://schemas.openxmlformats.org/officeDocument/2006/customXml" ds:itemID="{BC110AD7-E256-4677-A5AB-4F50FCBCFA79}">
-  <ds:schemaRefs>
-    <ds:schemaRef ds:uri="http://schemas.microsoft.com/VisualStudio/2011/storyboarding/control"/>
-  </ds:schemaRefs>
-</ds:datastoreItem>
-</file>
-
-<file path=customXml/itemProps149.xml><?xml version="1.0" encoding="utf-8"?>
-<ds:datastoreItem xmlns:ds="http://schemas.openxmlformats.org/officeDocument/2006/customXml" ds:itemID="{17ED3A74-6D84-4651-96C9-D3EDE797AE29}">
-  <ds:schemaRefs>
-    <ds:schemaRef ds:uri="http://schemas.microsoft.com/VisualStudio/2011/storyboarding/control"/>
-  </ds:schemaRefs>
-</ds:datastoreItem>
-</file>
-
-<file path=customXml/itemProps15.xml><?xml version="1.0" encoding="utf-8"?>
-<ds:datastoreItem xmlns:ds="http://schemas.openxmlformats.org/officeDocument/2006/customXml" ds:itemID="{0E055C2A-F08D-4A38-81FE-23BECD46585B}">
-  <ds:schemaRefs>
-    <ds:schemaRef ds:uri="http://schemas.microsoft.com/VisualStudio/2011/storyboarding/control"/>
-  </ds:schemaRefs>
-</ds:datastoreItem>
-</file>
-
-<file path=customXml/itemProps150.xml><?xml version="1.0" encoding="utf-8"?>
-<ds:datastoreItem xmlns:ds="http://schemas.openxmlformats.org/officeDocument/2006/customXml" ds:itemID="{0AD6ED1D-23F6-4CEB-B927-328CCE1634FD}">
-  <ds:schemaRefs>
-    <ds:schemaRef ds:uri="http://schemas.microsoft.com/VisualStudio/2011/storyboarding/control"/>
-  </ds:schemaRefs>
-</ds:datastoreItem>
-</file>
-
-<file path=customXml/itemProps151.xml><?xml version="1.0" encoding="utf-8"?>
-<ds:datastoreItem xmlns:ds="http://schemas.openxmlformats.org/officeDocument/2006/customXml" ds:itemID="{CFEC3E2B-E600-472B-9097-E07844FD6B64}">
-  <ds:schemaRefs>
-    <ds:schemaRef ds:uri="http://schemas.microsoft.com/VisualStudio/2011/storyboarding/control"/>
-  </ds:schemaRefs>
-</ds:datastoreItem>
-</file>
-
-<file path=customXml/itemProps152.xml><?xml version="1.0" encoding="utf-8"?>
-<ds:datastoreItem xmlns:ds="http://schemas.openxmlformats.org/officeDocument/2006/customXml" ds:itemID="{C9056568-EAFF-4891-9A31-4B332D885DAE}">
-  <ds:schemaRefs>
-    <ds:schemaRef ds:uri="http://schemas.microsoft.com/VisualStudio/2011/storyboarding/control"/>
-  </ds:schemaRefs>
-</ds:datastoreItem>
-</file>
-
-<file path=customXml/itemProps153.xml><?xml version="1.0" encoding="utf-8"?>
-<ds:datastoreItem xmlns:ds="http://schemas.openxmlformats.org/officeDocument/2006/customXml" ds:itemID="{38013BC7-20A9-4417-916D-9A323942A1F4}">
-  <ds:schemaRefs>
-    <ds:schemaRef ds:uri="http://schemas.microsoft.com/VisualStudio/2011/storyboarding/control"/>
-  </ds:schemaRefs>
-</ds:datastoreItem>
-</file>
-
-<file path=customXml/itemProps154.xml><?xml version="1.0" encoding="utf-8"?>
+<file path=customXml/itemProps174.xml><?xml version="1.0" encoding="utf-8"?>
 <ds:datastoreItem xmlns:ds="http://schemas.openxmlformats.org/officeDocument/2006/customXml" ds:itemID="{8C539578-DB2C-47E4-B045-40B72A2E1D69}">
-  <ds:schemaRefs>
-    <ds:schemaRef ds:uri="http://schemas.microsoft.com/VisualStudio/2011/storyboarding/control"/>
-  </ds:schemaRefs>
-</ds:datastoreItem>
-</file>
-
-<file path=customXml/itemProps155.xml><?xml version="1.0" encoding="utf-8"?>
-<ds:datastoreItem xmlns:ds="http://schemas.openxmlformats.org/officeDocument/2006/customXml" ds:itemID="{B421A78F-4997-4C1D-9E74-E8D10CEC2731}">
-  <ds:schemaRefs>
-    <ds:schemaRef ds:uri="http://schemas.microsoft.com/VisualStudio/2011/storyboarding/control"/>
-  </ds:schemaRefs>
-</ds:datastoreItem>
-</file>
-
-<file path=customXml/itemProps156.xml><?xml version="1.0" encoding="utf-8"?>
-<ds:datastoreItem xmlns:ds="http://schemas.openxmlformats.org/officeDocument/2006/customXml" ds:itemID="{2966C0FF-C408-4ADE-A2B5-732C4E8E05A8}">
-  <ds:schemaRefs>
-    <ds:schemaRef ds:uri="http://schemas.microsoft.com/VisualStudio/2011/storyboarding/control"/>
-  </ds:schemaRefs>
-</ds:datastoreItem>
-</file>
-
-<file path=customXml/itemProps157.xml><?xml version="1.0" encoding="utf-8"?>
-<ds:datastoreItem xmlns:ds="http://schemas.openxmlformats.org/officeDocument/2006/customXml" ds:itemID="{CD90278B-1B18-4F6E-B790-D4600CEFD472}">
-  <ds:schemaRefs>
-    <ds:schemaRef ds:uri="http://schemas.microsoft.com/VisualStudio/2011/storyboarding/control"/>
-  </ds:schemaRefs>
-</ds:datastoreItem>
-</file>
-
-<file path=customXml/itemProps158.xml><?xml version="1.0" encoding="utf-8"?>
-<ds:datastoreItem xmlns:ds="http://schemas.openxmlformats.org/officeDocument/2006/customXml" ds:itemID="{52E341A9-0195-49A5-93C7-11D576A5B82E}">
-  <ds:schemaRefs>
-    <ds:schemaRef ds:uri="http://schemas.microsoft.com/VisualStudio/2011/storyboarding/control"/>
-  </ds:schemaRefs>
-</ds:datastoreItem>
-</file>
-
-<file path=customXml/itemProps159.xml><?xml version="1.0" encoding="utf-8"?>
-<ds:datastoreItem xmlns:ds="http://schemas.openxmlformats.org/officeDocument/2006/customXml" ds:itemID="{3D6E0966-9A4E-42A8-89C2-1FF5C943087D}">
-  <ds:schemaRefs>
-    <ds:schemaRef ds:uri="http://schemas.microsoft.com/VisualStudio/2011/storyboarding/control"/>
-  </ds:schemaRefs>
-</ds:datastoreItem>
-</file>
-
-<file path=customXml/itemProps16.xml><?xml version="1.0" encoding="utf-8"?>
-<ds:datastoreItem xmlns:ds="http://schemas.openxmlformats.org/officeDocument/2006/customXml" ds:itemID="{FC6EB015-C954-4EBA-9A56-8D0DF921554C}">
-  <ds:schemaRefs>
-    <ds:schemaRef ds:uri="http://schemas.microsoft.com/VisualStudio/2011/storyboarding/control"/>
-  </ds:schemaRefs>
-</ds:datastoreItem>
-</file>
-
-<file path=customXml/itemProps160.xml><?xml version="1.0" encoding="utf-8"?>
-<ds:datastoreItem xmlns:ds="http://schemas.openxmlformats.org/officeDocument/2006/customXml" ds:itemID="{57484A40-2804-4672-8F43-06BEE1F15443}">
-  <ds:schemaRefs>
-    <ds:schemaRef ds:uri="http://schemas.microsoft.com/VisualStudio/2011/storyboarding/control"/>
-  </ds:schemaRefs>
-</ds:datastoreItem>
-</file>
-
-<file path=customXml/itemProps161.xml><?xml version="1.0" encoding="utf-8"?>
-<ds:datastoreItem xmlns:ds="http://schemas.openxmlformats.org/officeDocument/2006/customXml" ds:itemID="{C3E88E09-E4AB-434D-9976-030290DD2A1E}">
-  <ds:schemaRefs>
-    <ds:schemaRef ds:uri="http://schemas.microsoft.com/VisualStudio/2011/storyboarding/control"/>
-  </ds:schemaRefs>
-</ds:datastoreItem>
-</file>
-
-<file path=customXml/itemProps162.xml><?xml version="1.0" encoding="utf-8"?>
-<ds:datastoreItem xmlns:ds="http://schemas.openxmlformats.org/officeDocument/2006/customXml" ds:itemID="{B3A1A28C-1881-4070-B0CE-2BBBEBB5B012}">
-  <ds:schemaRefs>
-    <ds:schemaRef ds:uri="http://schemas.microsoft.com/VisualStudio/2011/storyboarding/control"/>
-  </ds:schemaRefs>
-</ds:datastoreItem>
-</file>
-
-<file path=customXml/itemProps163.xml><?xml version="1.0" encoding="utf-8"?>
-<ds:datastoreItem xmlns:ds="http://schemas.openxmlformats.org/officeDocument/2006/customXml" ds:itemID="{15D36D67-E44A-4939-8D65-C7A4CF25B3FD}">
-  <ds:schemaRefs>
-    <ds:schemaRef ds:uri="http://schemas.microsoft.com/VisualStudio/2011/storyboarding/control"/>
-  </ds:schemaRefs>
-</ds:datastoreItem>
-</file>
-
-<file path=customXml/itemProps164.xml><?xml version="1.0" encoding="utf-8"?>
-<ds:datastoreItem xmlns:ds="http://schemas.openxmlformats.org/officeDocument/2006/customXml" ds:itemID="{B5166D70-168E-4E61-A961-F9636EBF598C}">
-  <ds:schemaRefs>
-    <ds:schemaRef ds:uri="http://schemas.microsoft.com/VisualStudio/2011/storyboarding/control"/>
-  </ds:schemaRefs>
-</ds:datastoreItem>
-</file>
-
-<file path=customXml/itemProps165.xml><?xml version="1.0" encoding="utf-8"?>
-<ds:datastoreItem xmlns:ds="http://schemas.openxmlformats.org/officeDocument/2006/customXml" ds:itemID="{EDD50F34-8362-4F2C-A2FF-70494335449A}">
-  <ds:schemaRefs>
-    <ds:schemaRef ds:uri="http://schemas.microsoft.com/VisualStudio/2011/storyboarding/control"/>
-  </ds:schemaRefs>
-</ds:datastoreItem>
-</file>
-
-<file path=customXml/itemProps166.xml><?xml version="1.0" encoding="utf-8"?>
-<ds:datastoreItem xmlns:ds="http://schemas.openxmlformats.org/officeDocument/2006/customXml" ds:itemID="{14A3B3E1-E5A4-4176-846E-890E8F916D9E}">
-  <ds:schemaRefs>
-    <ds:schemaRef ds:uri="http://schemas.microsoft.com/VisualStudio/2011/storyboarding/control"/>
-  </ds:schemaRefs>
-</ds:datastoreItem>
-</file>
-
-<file path=customXml/itemProps167.xml><?xml version="1.0" encoding="utf-8"?>
-<ds:datastoreItem xmlns:ds="http://schemas.openxmlformats.org/officeDocument/2006/customXml" ds:itemID="{222E879B-2AA6-403B-A643-3830173DAD02}">
-  <ds:schemaRefs>
-    <ds:schemaRef ds:uri="http://schemas.microsoft.com/VisualStudio/2011/storyboarding/control"/>
-  </ds:schemaRefs>
-</ds:datastoreItem>
-</file>
-
-<file path=customXml/itemProps168.xml><?xml version="1.0" encoding="utf-8"?>
-<ds:datastoreItem xmlns:ds="http://schemas.openxmlformats.org/officeDocument/2006/customXml" ds:itemID="{D83A3943-74DF-4309-B997-3DD55BF04BD7}">
-  <ds:schemaRefs>
-    <ds:schemaRef ds:uri="http://schemas.microsoft.com/VisualStudio/2011/storyboarding/control"/>
-  </ds:schemaRefs>
-</ds:datastoreItem>
-</file>
-
-<file path=customXml/itemProps169.xml><?xml version="1.0" encoding="utf-8"?>
-<ds:datastoreItem xmlns:ds="http://schemas.openxmlformats.org/officeDocument/2006/customXml" ds:itemID="{5712DC65-8902-4269-A303-53958B262EDB}">
-  <ds:schemaRefs>
-    <ds:schemaRef ds:uri="http://schemas.microsoft.com/VisualStudio/2011/storyboarding/control"/>
-  </ds:schemaRefs>
-</ds:datastoreItem>
-</file>
-
-<file path=customXml/itemProps17.xml><?xml version="1.0" encoding="utf-8"?>
-<ds:datastoreItem xmlns:ds="http://schemas.openxmlformats.org/officeDocument/2006/customXml" ds:itemID="{C24D1031-91E7-4068-82E9-153EAB75D693}">
-  <ds:schemaRefs>
-    <ds:schemaRef ds:uri="http://schemas.microsoft.com/VisualStudio/2011/storyboarding/control"/>
-  </ds:schemaRefs>
-</ds:datastoreItem>
-</file>
-
-<file path=customXml/itemProps170.xml><?xml version="1.0" encoding="utf-8"?>
-<ds:datastoreItem xmlns:ds="http://schemas.openxmlformats.org/officeDocument/2006/customXml" ds:itemID="{66CE3589-9272-4AE0-8C3A-28DDBEB99661}">
-  <ds:schemaRefs>
-    <ds:schemaRef ds:uri="http://schemas.microsoft.com/VisualStudio/2011/storyboarding/control"/>
-  </ds:schemaRefs>
-</ds:datastoreItem>
-</file>
-
-<file path=customXml/itemProps171.xml><?xml version="1.0" encoding="utf-8"?>
-<ds:datastoreItem xmlns:ds="http://schemas.openxmlformats.org/officeDocument/2006/customXml" ds:itemID="{1C599508-A03C-4B1A-B8C8-A7C2180B0778}">
-  <ds:schemaRefs>
-    <ds:schemaRef ds:uri="http://schemas.microsoft.com/VisualStudio/2011/storyboarding/control"/>
-  </ds:schemaRefs>
-</ds:datastoreItem>
-</file>
-
-<file path=customXml/itemProps172.xml><?xml version="1.0" encoding="utf-8"?>
-<ds:datastoreItem xmlns:ds="http://schemas.openxmlformats.org/officeDocument/2006/customXml" ds:itemID="{A7A6C70D-D189-4476-B241-4D9D773312B5}">
-  <ds:schemaRefs>
-    <ds:schemaRef ds:uri="http://schemas.microsoft.com/VisualStudio/2011/storyboarding/control"/>
-  </ds:schemaRefs>
-</ds:datastoreItem>
-</file>
-
-<file path=customXml/itemProps173.xml><?xml version="1.0" encoding="utf-8"?>
-<ds:datastoreItem xmlns:ds="http://schemas.openxmlformats.org/officeDocument/2006/customXml" ds:itemID="{D6C2C177-E803-473B-AA97-397C4BFBA44E}">
-  <ds:schemaRefs>
-    <ds:schemaRef ds:uri="http://schemas.microsoft.com/VisualStudio/2011/storyboarding/control"/>
-  </ds:schemaRefs>
-</ds:datastoreItem>
-</file>
-
-<file path=customXml/itemProps174.xml><?xml version="1.0" encoding="utf-8"?>
-<ds:datastoreItem xmlns:ds="http://schemas.openxmlformats.org/officeDocument/2006/customXml" ds:itemID="{029BC453-F4CB-445F-868F-1286B15E09F1}">
   <ds:schemaRefs>
     <ds:schemaRef ds:uri="http://schemas.microsoft.com/VisualStudio/2011/storyboarding/control"/>
   </ds:schemaRefs>
@@ -49282,6 +49282,374 @@
 </file>
 
 <file path=customXml/itemProps176.xml><?xml version="1.0" encoding="utf-8"?>
+<ds:datastoreItem xmlns:ds="http://schemas.openxmlformats.org/officeDocument/2006/customXml" ds:itemID="{4981D1EA-1043-4867-B3E0-3FC4D59A4E12}">
+  <ds:schemaRefs>
+    <ds:schemaRef ds:uri="http://schemas.microsoft.com/VisualStudio/2011/storyboarding/control"/>
+  </ds:schemaRefs>
+</ds:datastoreItem>
+</file>
+
+<file path=customXml/itemProps177.xml><?xml version="1.0" encoding="utf-8"?>
+<ds:datastoreItem xmlns:ds="http://schemas.openxmlformats.org/officeDocument/2006/customXml" ds:itemID="{9DC853ED-F61C-4CA0-8F6B-B5C279052064}">
+  <ds:schemaRefs>
+    <ds:schemaRef ds:uri="http://schemas.microsoft.com/VisualStudio/2011/storyboarding/control"/>
+  </ds:schemaRefs>
+</ds:datastoreItem>
+</file>
+
+<file path=customXml/itemProps178.xml><?xml version="1.0" encoding="utf-8"?>
+<ds:datastoreItem xmlns:ds="http://schemas.openxmlformats.org/officeDocument/2006/customXml" ds:itemID="{6D649A85-D341-4DA9-A34B-3076365ECA7B}">
+  <ds:schemaRefs>
+    <ds:schemaRef ds:uri="http://schemas.microsoft.com/VisualStudio/2011/storyboarding/control"/>
+  </ds:schemaRefs>
+</ds:datastoreItem>
+</file>
+
+<file path=customXml/itemProps179.xml><?xml version="1.0" encoding="utf-8"?>
+<ds:datastoreItem xmlns:ds="http://schemas.openxmlformats.org/officeDocument/2006/customXml" ds:itemID="{13B7523A-2397-4BA3-B1CE-2674D789F433}">
+  <ds:schemaRefs>
+    <ds:schemaRef ds:uri="http://schemas.microsoft.com/VisualStudio/2011/storyboarding/control"/>
+  </ds:schemaRefs>
+</ds:datastoreItem>
+</file>
+
+<file path=customXml/itemProps18.xml><?xml version="1.0" encoding="utf-8"?>
+<ds:datastoreItem xmlns:ds="http://schemas.openxmlformats.org/officeDocument/2006/customXml" ds:itemID="{2EE49787-E092-47EE-B505-CA959AFA1301}">
+  <ds:schemaRefs>
+    <ds:schemaRef ds:uri="http://schemas.microsoft.com/VisualStudio/2011/storyboarding/control"/>
+  </ds:schemaRefs>
+</ds:datastoreItem>
+</file>
+
+<file path=customXml/itemProps180.xml><?xml version="1.0" encoding="utf-8"?>
+<ds:datastoreItem xmlns:ds="http://schemas.openxmlformats.org/officeDocument/2006/customXml" ds:itemID="{E8F3563D-621C-4F4A-B033-FE569883ED2D}">
+  <ds:schemaRefs>
+    <ds:schemaRef ds:uri="http://schemas.microsoft.com/VisualStudio/2011/storyboarding/control"/>
+  </ds:schemaRefs>
+</ds:datastoreItem>
+</file>
+
+<file path=customXml/itemProps181.xml><?xml version="1.0" encoding="utf-8"?>
+<ds:datastoreItem xmlns:ds="http://schemas.openxmlformats.org/officeDocument/2006/customXml" ds:itemID="{F963D1C7-66CE-48CA-B050-13EE39E5DF65}">
+  <ds:schemaRefs>
+    <ds:schemaRef ds:uri="http://schemas.microsoft.com/VisualStudio/2011/storyboarding/control"/>
+  </ds:schemaRefs>
+</ds:datastoreItem>
+</file>
+
+<file path=customXml/itemProps182.xml><?xml version="1.0" encoding="utf-8"?>
+<ds:datastoreItem xmlns:ds="http://schemas.openxmlformats.org/officeDocument/2006/customXml" ds:itemID="{FC6EB015-C954-4EBA-9A56-8D0DF921554C}">
+  <ds:schemaRefs>
+    <ds:schemaRef ds:uri="http://schemas.microsoft.com/VisualStudio/2011/storyboarding/control"/>
+  </ds:schemaRefs>
+</ds:datastoreItem>
+</file>
+
+<file path=customXml/itemProps183.xml><?xml version="1.0" encoding="utf-8"?>
+<ds:datastoreItem xmlns:ds="http://schemas.openxmlformats.org/officeDocument/2006/customXml" ds:itemID="{252A8F3C-3FBF-4C4D-B6CF-352EA0AD8F73}">
+  <ds:schemaRefs>
+    <ds:schemaRef ds:uri="http://schemas.microsoft.com/VisualStudio/2011/storyboarding/control"/>
+  </ds:schemaRefs>
+</ds:datastoreItem>
+</file>
+
+<file path=customXml/itemProps184.xml><?xml version="1.0" encoding="utf-8"?>
+<ds:datastoreItem xmlns:ds="http://schemas.openxmlformats.org/officeDocument/2006/customXml" ds:itemID="{B3E15AF3-BD5B-4834-AFE0-484631B0517E}">
+  <ds:schemaRefs>
+    <ds:schemaRef ds:uri="http://schemas.microsoft.com/VisualStudio/2011/storyboarding/control"/>
+  </ds:schemaRefs>
+</ds:datastoreItem>
+</file>
+
+<file path=customXml/itemProps185.xml><?xml version="1.0" encoding="utf-8"?>
+<ds:datastoreItem xmlns:ds="http://schemas.openxmlformats.org/officeDocument/2006/customXml" ds:itemID="{450227EE-B7B0-4669-A476-03FF82765DDA}">
+  <ds:schemaRefs>
+    <ds:schemaRef ds:uri="http://schemas.microsoft.com/VisualStudio/2011/storyboarding/control"/>
+  </ds:schemaRefs>
+</ds:datastoreItem>
+</file>
+
+<file path=customXml/itemProps186.xml><?xml version="1.0" encoding="utf-8"?>
+<ds:datastoreItem xmlns:ds="http://schemas.openxmlformats.org/officeDocument/2006/customXml" ds:itemID="{D533EBDA-44B2-4384-A8E6-015731B15DF0}">
+  <ds:schemaRefs>
+    <ds:schemaRef ds:uri="http://schemas.microsoft.com/VisualStudio/2011/storyboarding/control"/>
+  </ds:schemaRefs>
+</ds:datastoreItem>
+</file>
+
+<file path=customXml/itemProps187.xml><?xml version="1.0" encoding="utf-8"?>
+<ds:datastoreItem xmlns:ds="http://schemas.openxmlformats.org/officeDocument/2006/customXml" ds:itemID="{641D69BB-6B1B-4A49-AE51-823AB408EEB7}">
+  <ds:schemaRefs>
+    <ds:schemaRef ds:uri="http://schemas.microsoft.com/VisualStudio/2011/storyboarding/control"/>
+  </ds:schemaRefs>
+</ds:datastoreItem>
+</file>
+
+<file path=customXml/itemProps188.xml><?xml version="1.0" encoding="utf-8"?>
+<ds:datastoreItem xmlns:ds="http://schemas.openxmlformats.org/officeDocument/2006/customXml" ds:itemID="{404F1237-A844-47F5-809F-BCE4F213C1A3}">
+  <ds:schemaRefs>
+    <ds:schemaRef ds:uri="http://schemas.microsoft.com/VisualStudio/2011/storyboarding/control"/>
+  </ds:schemaRefs>
+</ds:datastoreItem>
+</file>
+
+<file path=customXml/itemProps189.xml><?xml version="1.0" encoding="utf-8"?>
+<ds:datastoreItem xmlns:ds="http://schemas.openxmlformats.org/officeDocument/2006/customXml" ds:itemID="{75616A95-5930-4322-AEFC-C3C4B06178E7}">
+  <ds:schemaRefs>
+    <ds:schemaRef ds:uri="http://schemas.microsoft.com/VisualStudio/2011/storyboarding/control"/>
+  </ds:schemaRefs>
+</ds:datastoreItem>
+</file>
+
+<file path=customXml/itemProps19.xml><?xml version="1.0" encoding="utf-8"?>
+<ds:datastoreItem xmlns:ds="http://schemas.openxmlformats.org/officeDocument/2006/customXml" ds:itemID="{9CBAF6D4-9473-4E07-8702-3C8DBF1A5C1B}">
+  <ds:schemaRefs>
+    <ds:schemaRef ds:uri="http://schemas.microsoft.com/VisualStudio/2011/storyboarding/control"/>
+  </ds:schemaRefs>
+</ds:datastoreItem>
+</file>
+
+<file path=customXml/itemProps190.xml><?xml version="1.0" encoding="utf-8"?>
+<ds:datastoreItem xmlns:ds="http://schemas.openxmlformats.org/officeDocument/2006/customXml" ds:itemID="{C82015F8-1739-4531-B001-E211FC2CA644}">
+  <ds:schemaRefs>
+    <ds:schemaRef ds:uri="http://schemas.microsoft.com/VisualStudio/2011/storyboarding/control"/>
+  </ds:schemaRefs>
+</ds:datastoreItem>
+</file>
+
+<file path=customXml/itemProps191.xml><?xml version="1.0" encoding="utf-8"?>
+<ds:datastoreItem xmlns:ds="http://schemas.openxmlformats.org/officeDocument/2006/customXml" ds:itemID="{DC5D0EC2-E0F8-4C82-95D2-DDCC24047F6E}">
+  <ds:schemaRefs>
+    <ds:schemaRef ds:uri="http://schemas.microsoft.com/VisualStudio/2011/storyboarding/control"/>
+  </ds:schemaRefs>
+</ds:datastoreItem>
+</file>
+
+<file path=customXml/itemProps192.xml><?xml version="1.0" encoding="utf-8"?>
+<ds:datastoreItem xmlns:ds="http://schemas.openxmlformats.org/officeDocument/2006/customXml" ds:itemID="{9C8A5251-EB53-47DD-BD83-C5CE9455045B}">
+  <ds:schemaRefs>
+    <ds:schemaRef ds:uri="http://schemas.microsoft.com/VisualStudio/2011/storyboarding/control"/>
+  </ds:schemaRefs>
+</ds:datastoreItem>
+</file>
+
+<file path=customXml/itemProps193.xml><?xml version="1.0" encoding="utf-8"?>
+<ds:datastoreItem xmlns:ds="http://schemas.openxmlformats.org/officeDocument/2006/customXml" ds:itemID="{A1D56861-4DD7-4502-9172-422E57051037}">
+  <ds:schemaRefs>
+    <ds:schemaRef ds:uri="http://schemas.microsoft.com/VisualStudio/2011/storyboarding/control"/>
+  </ds:schemaRefs>
+</ds:datastoreItem>
+</file>
+
+<file path=customXml/itemProps194.xml><?xml version="1.0" encoding="utf-8"?>
+<ds:datastoreItem xmlns:ds="http://schemas.openxmlformats.org/officeDocument/2006/customXml" ds:itemID="{CD624302-0277-4211-B7FB-2C930B5B5B7B}">
+  <ds:schemaRefs>
+    <ds:schemaRef ds:uri="http://schemas.microsoft.com/VisualStudio/2011/storyboarding/control"/>
+  </ds:schemaRefs>
+</ds:datastoreItem>
+</file>
+
+<file path=customXml/itemProps195.xml><?xml version="1.0" encoding="utf-8"?>
+<ds:datastoreItem xmlns:ds="http://schemas.openxmlformats.org/officeDocument/2006/customXml" ds:itemID="{C7B9EB14-5EB2-4204-9A8C-0AFB8420E7F1}">
+  <ds:schemaRefs>
+    <ds:schemaRef ds:uri="http://schemas.microsoft.com/VisualStudio/2011/storyboarding/control"/>
+  </ds:schemaRefs>
+</ds:datastoreItem>
+</file>
+
+<file path=customXml/itemProps196.xml><?xml version="1.0" encoding="utf-8"?>
+<ds:datastoreItem xmlns:ds="http://schemas.openxmlformats.org/officeDocument/2006/customXml" ds:itemID="{EDD50F34-8362-4F2C-A2FF-70494335449A}">
+  <ds:schemaRefs>
+    <ds:schemaRef ds:uri="http://schemas.microsoft.com/VisualStudio/2011/storyboarding/control"/>
+  </ds:schemaRefs>
+</ds:datastoreItem>
+</file>
+
+<file path=customXml/itemProps197.xml><?xml version="1.0" encoding="utf-8"?>
+<ds:datastoreItem xmlns:ds="http://schemas.openxmlformats.org/officeDocument/2006/customXml" ds:itemID="{5194B574-2FD3-4201-93FF-3B46F439BAD8}">
+  <ds:schemaRefs>
+    <ds:schemaRef ds:uri="http://schemas.microsoft.com/VisualStudio/2011/storyboarding/control"/>
+  </ds:schemaRefs>
+</ds:datastoreItem>
+</file>
+
+<file path=customXml/itemProps198.xml><?xml version="1.0" encoding="utf-8"?>
+<ds:datastoreItem xmlns:ds="http://schemas.openxmlformats.org/officeDocument/2006/customXml" ds:itemID="{CE033905-5E13-41FF-B874-D7D63CE38B5F}">
+  <ds:schemaRefs>
+    <ds:schemaRef ds:uri="http://schemas.microsoft.com/VisualStudio/2011/storyboarding/control"/>
+  </ds:schemaRefs>
+</ds:datastoreItem>
+</file>
+
+<file path=customXml/itemProps199.xml><?xml version="1.0" encoding="utf-8"?>
+<ds:datastoreItem xmlns:ds="http://schemas.openxmlformats.org/officeDocument/2006/customXml" ds:itemID="{6D2A5129-651C-4B83-850C-757AE54D76AB}">
+  <ds:schemaRefs>
+    <ds:schemaRef ds:uri="http://schemas.microsoft.com/VisualStudio/2011/storyboarding/control"/>
+  </ds:schemaRefs>
+</ds:datastoreItem>
+</file>
+
+<file path=customXml/itemProps2.xml><?xml version="1.0" encoding="utf-8"?>
+<ds:datastoreItem xmlns:ds="http://schemas.openxmlformats.org/officeDocument/2006/customXml" ds:itemID="{CA55DE57-9AAF-4C8E-A5B2-310CAF7FDB1C}">
+  <ds:schemaRefs>
+    <ds:schemaRef ds:uri="http://schemas.microsoft.com/VisualStudio/2011/storyboarding/control"/>
+  </ds:schemaRefs>
+</ds:datastoreItem>
+</file>
+
+<file path=customXml/itemProps20.xml><?xml version="1.0" encoding="utf-8"?>
+<ds:datastoreItem xmlns:ds="http://schemas.openxmlformats.org/officeDocument/2006/customXml" ds:itemID="{FB22BDC8-D196-4FC7-B450-0A06EF9EA874}">
+  <ds:schemaRefs>
+    <ds:schemaRef ds:uri="http://schemas.microsoft.com/VisualStudio/2011/storyboarding/control"/>
+  </ds:schemaRefs>
+</ds:datastoreItem>
+</file>
+
+<file path=customXml/itemProps200.xml><?xml version="1.0" encoding="utf-8"?>
+<ds:datastoreItem xmlns:ds="http://schemas.openxmlformats.org/officeDocument/2006/customXml" ds:itemID="{E99B2935-8A8A-42F5-9909-6419593303C4}">
+  <ds:schemaRefs>
+    <ds:schemaRef ds:uri="http://schemas.microsoft.com/VisualStudio/2011/storyboarding/control"/>
+  </ds:schemaRefs>
+</ds:datastoreItem>
+</file>
+
+<file path=customXml/itemProps201.xml><?xml version="1.0" encoding="utf-8"?>
+<ds:datastoreItem xmlns:ds="http://schemas.openxmlformats.org/officeDocument/2006/customXml" ds:itemID="{3FB93346-2AAC-4E71-AE70-D0C77E7FF496}">
+  <ds:schemaRefs>
+    <ds:schemaRef ds:uri="http://schemas.microsoft.com/VisualStudio/2011/storyboarding/control"/>
+  </ds:schemaRefs>
+</ds:datastoreItem>
+</file>
+
+<file path=customXml/itemProps202.xml><?xml version="1.0" encoding="utf-8"?>
+<ds:datastoreItem xmlns:ds="http://schemas.openxmlformats.org/officeDocument/2006/customXml" ds:itemID="{9A5BB518-4CBC-44E4-8C6A-0495E6217AE2}">
+  <ds:schemaRefs>
+    <ds:schemaRef ds:uri="http://schemas.microsoft.com/VisualStudio/2011/storyboarding/control"/>
+  </ds:schemaRefs>
+</ds:datastoreItem>
+</file>
+
+<file path=customXml/itemProps203.xml><?xml version="1.0" encoding="utf-8"?>
+<ds:datastoreItem xmlns:ds="http://schemas.openxmlformats.org/officeDocument/2006/customXml" ds:itemID="{7C25F8B6-E2C9-4303-90AD-776D743986ED}">
+  <ds:schemaRefs>
+    <ds:schemaRef ds:uri="http://schemas.microsoft.com/VisualStudio/2011/storyboarding/control"/>
+  </ds:schemaRefs>
+</ds:datastoreItem>
+</file>
+
+<file path=customXml/itemProps204.xml><?xml version="1.0" encoding="utf-8"?>
+<ds:datastoreItem xmlns:ds="http://schemas.openxmlformats.org/officeDocument/2006/customXml" ds:itemID="{E62B1A11-6EA8-4532-8D04-A228523ACAA7}">
+  <ds:schemaRefs>
+    <ds:schemaRef ds:uri="http://schemas.microsoft.com/VisualStudio/2011/storyboarding/control"/>
+  </ds:schemaRefs>
+</ds:datastoreItem>
+</file>
+
+<file path=customXml/itemProps205.xml><?xml version="1.0" encoding="utf-8"?>
+<ds:datastoreItem xmlns:ds="http://schemas.openxmlformats.org/officeDocument/2006/customXml" ds:itemID="{790968DC-062F-4909-80C6-A6389803A865}">
+  <ds:schemaRefs>
+    <ds:schemaRef ds:uri="http://schemas.microsoft.com/VisualStudio/2011/storyboarding/control"/>
+  </ds:schemaRefs>
+</ds:datastoreItem>
+</file>
+
+<file path=customXml/itemProps206.xml><?xml version="1.0" encoding="utf-8"?>
+<ds:datastoreItem xmlns:ds="http://schemas.openxmlformats.org/officeDocument/2006/customXml" ds:itemID="{DA5ACF6D-2AD4-4D7C-9C00-525086AC67C2}">
+  <ds:schemaRefs>
+    <ds:schemaRef ds:uri="http://schemas.microsoft.com/VisualStudio/2011/storyboarding/control"/>
+  </ds:schemaRefs>
+</ds:datastoreItem>
+</file>
+
+<file path=customXml/itemProps207.xml><?xml version="1.0" encoding="utf-8"?>
+<ds:datastoreItem xmlns:ds="http://schemas.openxmlformats.org/officeDocument/2006/customXml" ds:itemID="{68655224-4263-4434-8A54-32404FA825AB}">
+  <ds:schemaRefs>
+    <ds:schemaRef ds:uri="http://schemas.microsoft.com/VisualStudio/2011/storyboarding/control"/>
+  </ds:schemaRefs>
+</ds:datastoreItem>
+</file>
+
+<file path=customXml/itemProps208.xml><?xml version="1.0" encoding="utf-8"?>
+<ds:datastoreItem xmlns:ds="http://schemas.openxmlformats.org/officeDocument/2006/customXml" ds:itemID="{22A4E592-2CD7-4867-88C3-835A5B2F1011}">
+  <ds:schemaRefs>
+    <ds:schemaRef ds:uri="http://schemas.microsoft.com/VisualStudio/2011/storyboarding/control"/>
+  </ds:schemaRefs>
+</ds:datastoreItem>
+</file>
+
+<file path=customXml/itemProps209.xml><?xml version="1.0" encoding="utf-8"?>
+<ds:datastoreItem xmlns:ds="http://schemas.openxmlformats.org/officeDocument/2006/customXml" ds:itemID="{D1D377D1-233E-4A31-B2B6-7DB71B4F1C57}">
+  <ds:schemaRefs>
+    <ds:schemaRef ds:uri="http://schemas.microsoft.com/VisualStudio/2011/storyboarding/control"/>
+  </ds:schemaRefs>
+</ds:datastoreItem>
+</file>
+
+<file path=customXml/itemProps21.xml><?xml version="1.0" encoding="utf-8"?>
+<ds:datastoreItem xmlns:ds="http://schemas.openxmlformats.org/officeDocument/2006/customXml" ds:itemID="{E8FDF0AF-C02F-493F-88E8-C3C1C9F57E9D}">
+  <ds:schemaRefs>
+    <ds:schemaRef ds:uri="http://schemas.microsoft.com/VisualStudio/2011/storyboarding/control"/>
+  </ds:schemaRefs>
+</ds:datastoreItem>
+</file>
+
+<file path=customXml/itemProps210.xml><?xml version="1.0" encoding="utf-8"?>
+<ds:datastoreItem xmlns:ds="http://schemas.openxmlformats.org/officeDocument/2006/customXml" ds:itemID="{7E7DB216-20C5-4184-865E-26088A20039D}">
+  <ds:schemaRefs>
+    <ds:schemaRef ds:uri="http://schemas.microsoft.com/VisualStudio/2011/storyboarding/control"/>
+  </ds:schemaRefs>
+</ds:datastoreItem>
+</file>
+
+<file path=customXml/itemProps211.xml><?xml version="1.0" encoding="utf-8"?>
+<ds:datastoreItem xmlns:ds="http://schemas.openxmlformats.org/officeDocument/2006/customXml" ds:itemID="{3EC6CF79-6DE1-41AE-8297-38AC6A8F17AF}">
+  <ds:schemaRefs>
+    <ds:schemaRef ds:uri="http://schemas.microsoft.com/VisualStudio/2011/storyboarding/control"/>
+  </ds:schemaRefs>
+</ds:datastoreItem>
+</file>
+
+<file path=customXml/itemProps212.xml><?xml version="1.0" encoding="utf-8"?>
+<ds:datastoreItem xmlns:ds="http://schemas.openxmlformats.org/officeDocument/2006/customXml" ds:itemID="{7D00CABB-1869-4EF0-85BB-32A2CAC80D78}">
+  <ds:schemaRefs>
+    <ds:schemaRef ds:uri="http://schemas.microsoft.com/VisualStudio/2011/storyboarding/control"/>
+  </ds:schemaRefs>
+</ds:datastoreItem>
+</file>
+
+<file path=customXml/itemProps213.xml><?xml version="1.0" encoding="utf-8"?>
+<ds:datastoreItem xmlns:ds="http://schemas.openxmlformats.org/officeDocument/2006/customXml" ds:itemID="{AE97AF5C-752F-44CF-8B6B-12D2E01EF4F3}">
+  <ds:schemaRefs>
+    <ds:schemaRef ds:uri="http://schemas.microsoft.com/VisualStudio/2011/storyboarding/control"/>
+  </ds:schemaRefs>
+</ds:datastoreItem>
+</file>
+
+<file path=customXml/itemProps214.xml><?xml version="1.0" encoding="utf-8"?>
+<ds:datastoreItem xmlns:ds="http://schemas.openxmlformats.org/officeDocument/2006/customXml" ds:itemID="{1F6D0833-7A34-4CA9-9328-6A3E2E2106F1}">
+  <ds:schemaRefs>
+    <ds:schemaRef ds:uri="http://schemas.microsoft.com/VisualStudio/2011/storyboarding/control"/>
+  </ds:schemaRefs>
+</ds:datastoreItem>
+</file>
+
+<file path=customXml/itemProps215.xml><?xml version="1.0" encoding="utf-8"?>
+<ds:datastoreItem xmlns:ds="http://schemas.openxmlformats.org/officeDocument/2006/customXml" ds:itemID="{11E1D8EC-48C3-4BE5-A56D-BB6F20252E26}">
+  <ds:schemaRefs>
+    <ds:schemaRef ds:uri="http://schemas.microsoft.com/VisualStudio/2011/storyboarding/control"/>
+  </ds:schemaRefs>
+</ds:datastoreItem>
+</file>
+
+<file path=customXml/itemProps216.xml><?xml version="1.0" encoding="utf-8"?>
+<ds:datastoreItem xmlns:ds="http://schemas.openxmlformats.org/officeDocument/2006/customXml" ds:itemID="{B421A78F-4997-4C1D-9E74-E8D10CEC2731}">
+  <ds:schemaRefs>
+    <ds:schemaRef ds:uri="http://schemas.microsoft.com/VisualStudio/2011/storyboarding/control"/>
+  </ds:schemaRefs>
+</ds:datastoreItem>
+</file>
+
+<file path=customXml/itemProps217.xml><?xml version="1.0" encoding="utf-8"?>
 <ds:datastoreItem xmlns:ds="http://schemas.openxmlformats.org/officeDocument/2006/customXml" ds:itemID="{02D882F3-F0E5-4078-B16E-3F4D5E379194}">
   <ds:schemaRefs>
     <ds:schemaRef ds:uri="http://schemas.microsoft.com/VisualStudio/2011/storyboarding/control"/>
@@ -49289,7 +49657,367 @@
 </ds:datastoreItem>
 </file>
 
-<file path=customXml/itemProps177.xml><?xml version="1.0" encoding="utf-8"?>
+<file path=customXml/itemProps218.xml><?xml version="1.0" encoding="utf-8"?>
+<ds:datastoreItem xmlns:ds="http://schemas.openxmlformats.org/officeDocument/2006/customXml" ds:itemID="{0603D296-B23E-4C9C-AFDE-AFE535D0A7E8}">
+  <ds:schemaRefs>
+    <ds:schemaRef ds:uri="http://schemas.microsoft.com/VisualStudio/2011/storyboarding/control"/>
+  </ds:schemaRefs>
+</ds:datastoreItem>
+</file>
+
+<file path=customXml/itemProps219.xml><?xml version="1.0" encoding="utf-8"?>
+<ds:datastoreItem xmlns:ds="http://schemas.openxmlformats.org/officeDocument/2006/customXml" ds:itemID="{D04F49CB-4DB7-4F36-9865-336A6E16B2F0}">
+  <ds:schemaRefs>
+    <ds:schemaRef ds:uri="http://schemas.microsoft.com/VisualStudio/2011/storyboarding/control"/>
+  </ds:schemaRefs>
+</ds:datastoreItem>
+</file>
+
+<file path=customXml/itemProps22.xml><?xml version="1.0" encoding="utf-8"?>
+<ds:datastoreItem xmlns:ds="http://schemas.openxmlformats.org/officeDocument/2006/customXml" ds:itemID="{568714F3-D8D9-431E-8864-DAAE2A42BB10}">
+  <ds:schemaRefs>
+    <ds:schemaRef ds:uri="http://schemas.microsoft.com/VisualStudio/2011/storyboarding/control"/>
+  </ds:schemaRefs>
+</ds:datastoreItem>
+</file>
+
+<file path=customXml/itemProps220.xml><?xml version="1.0" encoding="utf-8"?>
+<ds:datastoreItem xmlns:ds="http://schemas.openxmlformats.org/officeDocument/2006/customXml" ds:itemID="{D40B71B2-CD21-4672-99FB-D48A4B02B15A}">
+  <ds:schemaRefs>
+    <ds:schemaRef ds:uri="http://schemas.microsoft.com/VisualStudio/2011/storyboarding/control"/>
+  </ds:schemaRefs>
+</ds:datastoreItem>
+</file>
+
+<file path=customXml/itemProps221.xml><?xml version="1.0" encoding="utf-8"?>
+<ds:datastoreItem xmlns:ds="http://schemas.openxmlformats.org/officeDocument/2006/customXml" ds:itemID="{CD92CC34-C171-449E-81D1-D86DBD1D6027}">
+  <ds:schemaRefs>
+    <ds:schemaRef ds:uri="http://schemas.microsoft.com/VisualStudio/2011/storyboarding/control"/>
+  </ds:schemaRefs>
+</ds:datastoreItem>
+</file>
+
+<file path=customXml/itemProps222.xml><?xml version="1.0" encoding="utf-8"?>
+<ds:datastoreItem xmlns:ds="http://schemas.openxmlformats.org/officeDocument/2006/customXml" ds:itemID="{3823A78B-86DB-4663-B8B9-DA5B92D684BD}">
+  <ds:schemaRefs>
+    <ds:schemaRef ds:uri="http://schemas.microsoft.com/VisualStudio/2011/storyboarding/control"/>
+  </ds:schemaRefs>
+</ds:datastoreItem>
+</file>
+
+<file path=customXml/itemProps223.xml><?xml version="1.0" encoding="utf-8"?>
+<ds:datastoreItem xmlns:ds="http://schemas.openxmlformats.org/officeDocument/2006/customXml" ds:itemID="{003FCEE3-32A7-41B2-BBEA-E7FC080802D3}">
+  <ds:schemaRefs>
+    <ds:schemaRef ds:uri="http://schemas.microsoft.com/VisualStudio/2011/storyboarding/control"/>
+  </ds:schemaRefs>
+</ds:datastoreItem>
+</file>
+
+<file path=customXml/itemProps224.xml><?xml version="1.0" encoding="utf-8"?>
+<ds:datastoreItem xmlns:ds="http://schemas.openxmlformats.org/officeDocument/2006/customXml" ds:itemID="{A1D26E17-CB32-45F0-80F2-EF1AAA317E8E}">
+  <ds:schemaRefs>
+    <ds:schemaRef ds:uri="http://schemas.microsoft.com/VisualStudio/2011/storyboarding/control"/>
+  </ds:schemaRefs>
+</ds:datastoreItem>
+</file>
+
+<file path=customXml/itemProps225.xml><?xml version="1.0" encoding="utf-8"?>
+<ds:datastoreItem xmlns:ds="http://schemas.openxmlformats.org/officeDocument/2006/customXml" ds:itemID="{4475BC4D-1BB3-42EE-94C9-1B162D8BAFED}">
+  <ds:schemaRefs>
+    <ds:schemaRef ds:uri="http://schemas.microsoft.com/VisualStudio/2011/storyboarding/control/v1.0"/>
+  </ds:schemaRefs>
+</ds:datastoreItem>
+</file>
+
+<file path=customXml/itemProps226.xml><?xml version="1.0" encoding="utf-8"?>
+<ds:datastoreItem xmlns:ds="http://schemas.openxmlformats.org/officeDocument/2006/customXml" ds:itemID="{57758142-8808-4BCA-A9C5-2B9F08B5F92B}">
+  <ds:schemaRefs>
+    <ds:schemaRef ds:uri="http://schemas.microsoft.com/VisualStudio/2011/storyboarding/control"/>
+  </ds:schemaRefs>
+</ds:datastoreItem>
+</file>
+
+<file path=customXml/itemProps227.xml><?xml version="1.0" encoding="utf-8"?>
+<ds:datastoreItem xmlns:ds="http://schemas.openxmlformats.org/officeDocument/2006/customXml" ds:itemID="{08B3710C-6590-4F94-976E-4FB4FB6B9AEF}">
+  <ds:schemaRefs>
+    <ds:schemaRef ds:uri="http://schemas.microsoft.com/VisualStudio/2011/storyboarding/control"/>
+  </ds:schemaRefs>
+</ds:datastoreItem>
+</file>
+
+<file path=customXml/itemProps228.xml><?xml version="1.0" encoding="utf-8"?>
+<ds:datastoreItem xmlns:ds="http://schemas.openxmlformats.org/officeDocument/2006/customXml" ds:itemID="{C24D1031-91E7-4068-82E9-153EAB75D693}">
+  <ds:schemaRefs>
+    <ds:schemaRef ds:uri="http://schemas.microsoft.com/VisualStudio/2011/storyboarding/control"/>
+  </ds:schemaRefs>
+</ds:datastoreItem>
+</file>
+
+<file path=customXml/itemProps229.xml><?xml version="1.0" encoding="utf-8"?>
+<ds:datastoreItem xmlns:ds="http://schemas.openxmlformats.org/officeDocument/2006/customXml" ds:itemID="{2A4C4A62-1FBC-4CCC-BAED-A2902DB98487}">
+  <ds:schemaRefs>
+    <ds:schemaRef ds:uri="http://schemas.microsoft.com/VisualStudio/2011/storyboarding/control"/>
+  </ds:schemaRefs>
+</ds:datastoreItem>
+</file>
+
+<file path=customXml/itemProps23.xml><?xml version="1.0" encoding="utf-8"?>
+<ds:datastoreItem xmlns:ds="http://schemas.openxmlformats.org/officeDocument/2006/customXml" ds:itemID="{D4968674-B3DD-4A06-81C5-4427589A5870}">
+  <ds:schemaRefs>
+    <ds:schemaRef ds:uri="http://schemas.microsoft.com/VisualStudio/2011/storyboarding/control"/>
+  </ds:schemaRefs>
+</ds:datastoreItem>
+</file>
+
+<file path=customXml/itemProps230.xml><?xml version="1.0" encoding="utf-8"?>
+<ds:datastoreItem xmlns:ds="http://schemas.openxmlformats.org/officeDocument/2006/customXml" ds:itemID="{A0DF516F-C721-43EC-AAF9-D596445406A4}">
+  <ds:schemaRefs>
+    <ds:schemaRef ds:uri="http://schemas.microsoft.com/VisualStudio/2011/storyboarding/control"/>
+  </ds:schemaRefs>
+</ds:datastoreItem>
+</file>
+
+<file path=customXml/itemProps231.xml><?xml version="1.0" encoding="utf-8"?>
+<ds:datastoreItem xmlns:ds="http://schemas.openxmlformats.org/officeDocument/2006/customXml" ds:itemID="{DC4C35DF-2656-4E75-8D8A-0C3F662513B2}">
+  <ds:schemaRefs>
+    <ds:schemaRef ds:uri="http://schemas.microsoft.com/VisualStudio/2011/storyboarding/control"/>
+  </ds:schemaRefs>
+</ds:datastoreItem>
+</file>
+
+<file path=customXml/itemProps232.xml><?xml version="1.0" encoding="utf-8"?>
+<ds:datastoreItem xmlns:ds="http://schemas.openxmlformats.org/officeDocument/2006/customXml" ds:itemID="{58CE69CD-F971-408B-97A6-8A1599F0765E}">
+  <ds:schemaRefs>
+    <ds:schemaRef ds:uri="http://schemas.microsoft.com/VisualStudio/2011/storyboarding/control"/>
+  </ds:schemaRefs>
+</ds:datastoreItem>
+</file>
+
+<file path=customXml/itemProps233.xml><?xml version="1.0" encoding="utf-8"?>
+<ds:datastoreItem xmlns:ds="http://schemas.openxmlformats.org/officeDocument/2006/customXml" ds:itemID="{70287490-BFCB-4E19-9205-50576B5E9C92}">
+  <ds:schemaRefs>
+    <ds:schemaRef ds:uri="http://schemas.microsoft.com/VisualStudio/2011/storyboarding/control"/>
+  </ds:schemaRefs>
+</ds:datastoreItem>
+</file>
+
+<file path=customXml/itemProps234.xml><?xml version="1.0" encoding="utf-8"?>
+<ds:datastoreItem xmlns:ds="http://schemas.openxmlformats.org/officeDocument/2006/customXml" ds:itemID="{19D80D1B-8782-4B44-86B4-615CBC8FE376}">
+  <ds:schemaRefs>
+    <ds:schemaRef ds:uri="http://schemas.microsoft.com/VisualStudio/2011/storyboarding/control"/>
+  </ds:schemaRefs>
+</ds:datastoreItem>
+</file>
+
+<file path=customXml/itemProps235.xml><?xml version="1.0" encoding="utf-8"?>
+<ds:datastoreItem xmlns:ds="http://schemas.openxmlformats.org/officeDocument/2006/customXml" ds:itemID="{AC1634BA-886B-4FD7-8D7F-1003FB2B6994}">
+  <ds:schemaRefs>
+    <ds:schemaRef ds:uri="http://schemas.microsoft.com/VisualStudio/2011/storyboarding/control"/>
+  </ds:schemaRefs>
+</ds:datastoreItem>
+</file>
+
+<file path=customXml/itemProps236.xml><?xml version="1.0" encoding="utf-8"?>
+<ds:datastoreItem xmlns:ds="http://schemas.openxmlformats.org/officeDocument/2006/customXml" ds:itemID="{5B4D8E86-8C69-404F-8F70-5132528EF3E8}">
+  <ds:schemaRefs>
+    <ds:schemaRef ds:uri="http://schemas.microsoft.com/VisualStudio/2011/storyboarding/control"/>
+  </ds:schemaRefs>
+</ds:datastoreItem>
+</file>
+
+<file path=customXml/itemProps237.xml><?xml version="1.0" encoding="utf-8"?>
+<ds:datastoreItem xmlns:ds="http://schemas.openxmlformats.org/officeDocument/2006/customXml" ds:itemID="{14A3B3E1-E5A4-4176-846E-890E8F916D9E}">
+  <ds:schemaRefs>
+    <ds:schemaRef ds:uri="http://schemas.microsoft.com/VisualStudio/2011/storyboarding/control"/>
+  </ds:schemaRefs>
+</ds:datastoreItem>
+</file>
+
+<file path=customXml/itemProps238.xml><?xml version="1.0" encoding="utf-8"?>
+<ds:datastoreItem xmlns:ds="http://schemas.openxmlformats.org/officeDocument/2006/customXml" ds:itemID="{2ED57B16-65F0-4D88-8FC8-86653DF414F3}">
+  <ds:schemaRefs>
+    <ds:schemaRef ds:uri="http://schemas.microsoft.com/VisualStudio/2011/storyboarding/control/v1.0"/>
+  </ds:schemaRefs>
+</ds:datastoreItem>
+</file>
+
+<file path=customXml/itemProps239.xml><?xml version="1.0" encoding="utf-8"?>
+<ds:datastoreItem xmlns:ds="http://schemas.openxmlformats.org/officeDocument/2006/customXml" ds:itemID="{29AAA062-DD26-4304-9C4C-A43EE581A71C}">
+  <ds:schemaRefs>
+    <ds:schemaRef ds:uri="http://schemas.microsoft.com/VisualStudio/2011/storyboarding/control"/>
+  </ds:schemaRefs>
+</ds:datastoreItem>
+</file>
+
+<file path=customXml/itemProps24.xml><?xml version="1.0" encoding="utf-8"?>
+<ds:datastoreItem xmlns:ds="http://schemas.openxmlformats.org/officeDocument/2006/customXml" ds:itemID="{0AD6ED1D-23F6-4CEB-B927-328CCE1634FD}">
+  <ds:schemaRefs>
+    <ds:schemaRef ds:uri="http://schemas.microsoft.com/VisualStudio/2011/storyboarding/control"/>
+  </ds:schemaRefs>
+</ds:datastoreItem>
+</file>
+
+<file path=customXml/itemProps240.xml><?xml version="1.0" encoding="utf-8"?>
+<ds:datastoreItem xmlns:ds="http://schemas.openxmlformats.org/officeDocument/2006/customXml" ds:itemID="{956B4365-E045-42E9-A789-1D28723D04C7}">
+  <ds:schemaRefs>
+    <ds:schemaRef ds:uri="http://schemas.microsoft.com/VisualStudio/2011/storyboarding/control"/>
+  </ds:schemaRefs>
+</ds:datastoreItem>
+</file>
+
+<file path=customXml/itemProps241.xml><?xml version="1.0" encoding="utf-8"?>
+<ds:datastoreItem xmlns:ds="http://schemas.openxmlformats.org/officeDocument/2006/customXml" ds:itemID="{08560CA1-1D29-4C13-8611-B6C16D43FCE7}">
+  <ds:schemaRefs>
+    <ds:schemaRef ds:uri="http://schemas.microsoft.com/VisualStudio/2011/storyboarding/control"/>
+  </ds:schemaRefs>
+</ds:datastoreItem>
+</file>
+
+<file path=customXml/itemProps242.xml><?xml version="1.0" encoding="utf-8"?>
+<ds:datastoreItem xmlns:ds="http://schemas.openxmlformats.org/officeDocument/2006/customXml" ds:itemID="{BA167551-9408-45BC-9830-AA1308EE1AD0}">
+  <ds:schemaRefs>
+    <ds:schemaRef ds:uri="http://schemas.microsoft.com/VisualStudio/2011/storyboarding/control"/>
+  </ds:schemaRefs>
+</ds:datastoreItem>
+</file>
+
+<file path=customXml/itemProps243.xml><?xml version="1.0" encoding="utf-8"?>
+<ds:datastoreItem xmlns:ds="http://schemas.openxmlformats.org/officeDocument/2006/customXml" ds:itemID="{BDA62F27-3C1D-4A21-A78E-CC65806D63AA}">
+  <ds:schemaRefs>
+    <ds:schemaRef ds:uri="http://schemas.microsoft.com/VisualStudio/2011/storyboarding/control"/>
+  </ds:schemaRefs>
+</ds:datastoreItem>
+</file>
+
+<file path=customXml/itemProps244.xml><?xml version="1.0" encoding="utf-8"?>
+<ds:datastoreItem xmlns:ds="http://schemas.openxmlformats.org/officeDocument/2006/customXml" ds:itemID="{A8BD155E-F189-494B-9F42-6AC60580C27C}">
+  <ds:schemaRefs>
+    <ds:schemaRef ds:uri="http://schemas.microsoft.com/VisualStudio/2011/storyboarding/control"/>
+  </ds:schemaRefs>
+</ds:datastoreItem>
+</file>
+
+<file path=customXml/itemProps245.xml><?xml version="1.0" encoding="utf-8"?>
+<ds:datastoreItem xmlns:ds="http://schemas.openxmlformats.org/officeDocument/2006/customXml" ds:itemID="{7FF7B971-D9C8-40D6-9DFB-DFABC8096E99}">
+  <ds:schemaRefs>
+    <ds:schemaRef ds:uri="http://schemas.microsoft.com/VisualStudio/2011/storyboarding/control"/>
+  </ds:schemaRefs>
+</ds:datastoreItem>
+</file>
+
+<file path=customXml/itemProps246.xml><?xml version="1.0" encoding="utf-8"?>
+<ds:datastoreItem xmlns:ds="http://schemas.openxmlformats.org/officeDocument/2006/customXml" ds:itemID="{FBDE43AC-A8E2-4A96-8065-43E291D57DAF}">
+  <ds:schemaRefs>
+    <ds:schemaRef ds:uri="http://schemas.microsoft.com/VisualStudio/2011/storyboarding/control"/>
+  </ds:schemaRefs>
+</ds:datastoreItem>
+</file>
+
+<file path=customXml/itemProps247.xml><?xml version="1.0" encoding="utf-8"?>
+<ds:datastoreItem xmlns:ds="http://schemas.openxmlformats.org/officeDocument/2006/customXml" ds:itemID="{57C297C5-EFEA-4CB7-AED8-B3F05663ECA9}">
+  <ds:schemaRefs>
+    <ds:schemaRef ds:uri="http://schemas.microsoft.com/VisualStudio/2011/storyboarding/control"/>
+  </ds:schemaRefs>
+</ds:datastoreItem>
+</file>
+
+<file path=customXml/itemProps248.xml><?xml version="1.0" encoding="utf-8"?>
+<ds:datastoreItem xmlns:ds="http://schemas.openxmlformats.org/officeDocument/2006/customXml" ds:itemID="{CFC43893-6713-423F-ABEA-CEDE71EFFE86}">
+  <ds:schemaRefs>
+    <ds:schemaRef ds:uri="http://schemas.microsoft.com/VisualStudio/2011/storyboarding/control"/>
+  </ds:schemaRefs>
+</ds:datastoreItem>
+</file>
+
+<file path=customXml/itemProps249.xml><?xml version="1.0" encoding="utf-8"?>
+<ds:datastoreItem xmlns:ds="http://schemas.openxmlformats.org/officeDocument/2006/customXml" ds:itemID="{E11E220B-C105-4B08-A3F0-61F5310A3798}">
+  <ds:schemaRefs>
+    <ds:schemaRef ds:uri="http://schemas.microsoft.com/VisualStudio/2011/storyboarding/control"/>
+  </ds:schemaRefs>
+</ds:datastoreItem>
+</file>
+
+<file path=customXml/itemProps25.xml><?xml version="1.0" encoding="utf-8"?>
+<ds:datastoreItem xmlns:ds="http://schemas.openxmlformats.org/officeDocument/2006/customXml" ds:itemID="{56CE029F-FA0C-4B04-9920-600FB6A5D8FD}">
+  <ds:schemaRefs>
+    <ds:schemaRef ds:uri="http://schemas.microsoft.com/VisualStudio/2011/storyboarding/control"/>
+  </ds:schemaRefs>
+</ds:datastoreItem>
+</file>
+
+<file path=customXml/itemProps250.xml><?xml version="1.0" encoding="utf-8"?>
+<ds:datastoreItem xmlns:ds="http://schemas.openxmlformats.org/officeDocument/2006/customXml" ds:itemID="{71F2B48B-405E-4756-B31C-A0E5D7C47A0C}">
+  <ds:schemaRefs>
+    <ds:schemaRef ds:uri="http://schemas.microsoft.com/VisualStudio/2011/storyboarding/control"/>
+  </ds:schemaRefs>
+</ds:datastoreItem>
+</file>
+
+<file path=customXml/itemProps251.xml><?xml version="1.0" encoding="utf-8"?>
+<ds:datastoreItem xmlns:ds="http://schemas.openxmlformats.org/officeDocument/2006/customXml" ds:itemID="{FCE830F2-AEC8-45CA-B11B-642711AB7761}">
+  <ds:schemaRefs>
+    <ds:schemaRef ds:uri="http://schemas.microsoft.com/VisualStudio/2011/storyboarding/control"/>
+  </ds:schemaRefs>
+</ds:datastoreItem>
+</file>
+
+<file path=customXml/itemProps252.xml><?xml version="1.0" encoding="utf-8"?>
+<ds:datastoreItem xmlns:ds="http://schemas.openxmlformats.org/officeDocument/2006/customXml" ds:itemID="{FEF69B90-0A68-4E73-9EDC-F85DC516599C}">
+  <ds:schemaRefs>
+    <ds:schemaRef ds:uri="http://schemas.microsoft.com/VisualStudio/2011/storyboarding/control"/>
+  </ds:schemaRefs>
+</ds:datastoreItem>
+</file>
+
+<file path=customXml/itemProps253.xml><?xml version="1.0" encoding="utf-8"?>
+<ds:datastoreItem xmlns:ds="http://schemas.openxmlformats.org/officeDocument/2006/customXml" ds:itemID="{3E896AF5-016B-4671-8ECF-800954B4002A}">
+  <ds:schemaRefs>
+    <ds:schemaRef ds:uri="http://schemas.microsoft.com/VisualStudio/2011/storyboarding/control"/>
+  </ds:schemaRefs>
+</ds:datastoreItem>
+</file>
+
+<file path=customXml/itemProps254.xml><?xml version="1.0" encoding="utf-8"?>
+<ds:datastoreItem xmlns:ds="http://schemas.openxmlformats.org/officeDocument/2006/customXml" ds:itemID="{DCA125A3-37BE-4FC4-B60A-02C4AEE4DC91}">
+  <ds:schemaRefs>
+    <ds:schemaRef ds:uri="http://schemas.microsoft.com/VisualStudio/2011/storyboarding/control"/>
+  </ds:schemaRefs>
+</ds:datastoreItem>
+</file>
+
+<file path=customXml/itemProps255.xml><?xml version="1.0" encoding="utf-8"?>
+<ds:datastoreItem xmlns:ds="http://schemas.openxmlformats.org/officeDocument/2006/customXml" ds:itemID="{613587D0-2816-47A7-BCC3-932BF5FF33A6}">
+  <ds:schemaRefs>
+    <ds:schemaRef ds:uri="http://schemas.microsoft.com/VisualStudio/2011/storyboarding/control"/>
+  </ds:schemaRefs>
+</ds:datastoreItem>
+</file>
+
+<file path=customXml/itemProps256.xml><?xml version="1.0" encoding="utf-8"?>
+<ds:datastoreItem xmlns:ds="http://schemas.openxmlformats.org/officeDocument/2006/customXml" ds:itemID="{1D5B9308-65DA-4DBF-97ED-9FC82FE9EC44}">
+  <ds:schemaRefs>
+    <ds:schemaRef ds:uri="http://schemas.microsoft.com/VisualStudio/2011/storyboarding/control"/>
+  </ds:schemaRefs>
+</ds:datastoreItem>
+</file>
+
+<file path=customXml/itemProps257.xml><?xml version="1.0" encoding="utf-8"?>
+<ds:datastoreItem xmlns:ds="http://schemas.openxmlformats.org/officeDocument/2006/customXml" ds:itemID="{CEF86DB2-3911-4AA1-8775-C8791F39CEEC}">
+  <ds:schemaRefs>
+    <ds:schemaRef ds:uri="http://schemas.microsoft.com/VisualStudio/2011/storyboarding/control"/>
+  </ds:schemaRefs>
+</ds:datastoreItem>
+</file>
+
+<file path=customXml/itemProps258.xml><?xml version="1.0" encoding="utf-8"?>
+<ds:datastoreItem xmlns:ds="http://schemas.openxmlformats.org/officeDocument/2006/customXml" ds:itemID="{2966C0FF-C408-4ADE-A2B5-732C4E8E05A8}">
+  <ds:schemaRefs>
+    <ds:schemaRef ds:uri="http://schemas.microsoft.com/VisualStudio/2011/storyboarding/control"/>
+  </ds:schemaRefs>
+</ds:datastoreItem>
+</file>
+
+<file path=customXml/itemProps259.xml><?xml version="1.0" encoding="utf-8"?>
 <ds:datastoreItem xmlns:ds="http://schemas.openxmlformats.org/officeDocument/2006/customXml" ds:itemID="{473EA689-D128-44A7-AC3E-E2FFCB16C724}">
   <ds:schemaRefs>
     <ds:schemaRef ds:uri="http://schemas.microsoft.com/VisualStudio/2011/storyboarding/control"/>
@@ -49297,23 +50025,103 @@
 </ds:datastoreItem>
 </file>
 
-<file path=customXml/itemProps178.xml><?xml version="1.0" encoding="utf-8"?>
-<ds:datastoreItem xmlns:ds="http://schemas.openxmlformats.org/officeDocument/2006/customXml" ds:itemID="{ECF4BD76-0EC8-4697-955C-2EFD6A0785DD}">
+<file path=customXml/itemProps26.xml><?xml version="1.0" encoding="utf-8"?>
+<ds:datastoreItem xmlns:ds="http://schemas.openxmlformats.org/officeDocument/2006/customXml" ds:itemID="{0A30D8E5-6495-4A3E-B048-7FE9767645B4}">
   <ds:schemaRefs>
     <ds:schemaRef ds:uri="http://schemas.microsoft.com/VisualStudio/2011/storyboarding/control"/>
   </ds:schemaRefs>
 </ds:datastoreItem>
 </file>
 
-<file path=customXml/itemProps179.xml><?xml version="1.0" encoding="utf-8"?>
-<ds:datastoreItem xmlns:ds="http://schemas.openxmlformats.org/officeDocument/2006/customXml" ds:itemID="{5EEEE394-67D8-4357-AF3F-92E6BEE1CC2D}">
+<file path=customXml/itemProps260.xml><?xml version="1.0" encoding="utf-8"?>
+<ds:datastoreItem xmlns:ds="http://schemas.openxmlformats.org/officeDocument/2006/customXml" ds:itemID="{067F83B4-1384-44FC-83E9-6893B77E28FF}">
   <ds:schemaRefs>
     <ds:schemaRef ds:uri="http://schemas.microsoft.com/VisualStudio/2011/storyboarding/control"/>
   </ds:schemaRefs>
 </ds:datastoreItem>
 </file>
 
-<file path=customXml/itemProps18.xml><?xml version="1.0" encoding="utf-8"?>
+<file path=customXml/itemProps261.xml><?xml version="1.0" encoding="utf-8"?>
+<ds:datastoreItem xmlns:ds="http://schemas.openxmlformats.org/officeDocument/2006/customXml" ds:itemID="{804DBD74-4225-44F5-A93D-632C18F8FA33}">
+  <ds:schemaRefs>
+    <ds:schemaRef ds:uri="http://schemas.microsoft.com/VisualStudio/2011/storyboarding/control"/>
+  </ds:schemaRefs>
+</ds:datastoreItem>
+</file>
+
+<file path=customXml/itemProps262.xml><?xml version="1.0" encoding="utf-8"?>
+<ds:datastoreItem xmlns:ds="http://schemas.openxmlformats.org/officeDocument/2006/customXml" ds:itemID="{CBF183C6-E3B5-4A00-B479-284B23880A2C}">
+  <ds:schemaRefs>
+    <ds:schemaRef ds:uri="http://schemas.microsoft.com/VisualStudio/2011/storyboarding/control"/>
+  </ds:schemaRefs>
+</ds:datastoreItem>
+</file>
+
+<file path=customXml/itemProps263.xml><?xml version="1.0" encoding="utf-8"?>
+<ds:datastoreItem xmlns:ds="http://schemas.openxmlformats.org/officeDocument/2006/customXml" ds:itemID="{EB029A81-580A-4741-B489-483D42259724}">
+  <ds:schemaRefs>
+    <ds:schemaRef ds:uri="http://schemas.microsoft.com/VisualStudio/2011/storyboarding/control"/>
+  </ds:schemaRefs>
+</ds:datastoreItem>
+</file>
+
+<file path=customXml/itemProps264.xml><?xml version="1.0" encoding="utf-8"?>
+<ds:datastoreItem xmlns:ds="http://schemas.openxmlformats.org/officeDocument/2006/customXml" ds:itemID="{78C2F7A5-3367-4998-96C9-A1FAB5D63934}">
+  <ds:schemaRefs>
+    <ds:schemaRef ds:uri="http://schemas.microsoft.com/VisualStudio/2011/storyboarding/control"/>
+  </ds:schemaRefs>
+</ds:datastoreItem>
+</file>
+
+<file path=customXml/itemProps265.xml><?xml version="1.0" encoding="utf-8"?>
+<ds:datastoreItem xmlns:ds="http://schemas.openxmlformats.org/officeDocument/2006/customXml" ds:itemID="{5083A429-174C-42DD-ADA0-94DB733BE7E1}">
+  <ds:schemaRefs>
+    <ds:schemaRef ds:uri="http://schemas.microsoft.com/VisualStudio/2011/storyboarding/control"/>
+  </ds:schemaRefs>
+</ds:datastoreItem>
+</file>
+
+<file path=customXml/itemProps266.xml><?xml version="1.0" encoding="utf-8"?>
+<ds:datastoreItem xmlns:ds="http://schemas.openxmlformats.org/officeDocument/2006/customXml" ds:itemID="{3A335AA4-BD45-4FAC-A12C-03AD71D5A2EB}">
+  <ds:schemaRefs>
+    <ds:schemaRef ds:uri="http://schemas.microsoft.com/VisualStudio/2011/storyboarding/control"/>
+  </ds:schemaRefs>
+</ds:datastoreItem>
+</file>
+
+<file path=customXml/itemProps267.xml><?xml version="1.0" encoding="utf-8"?>
+<ds:datastoreItem xmlns:ds="http://schemas.openxmlformats.org/officeDocument/2006/customXml" ds:itemID="{513FCFA4-67E1-4761-B2EA-0C5845FE19DE}">
+  <ds:schemaRefs>
+    <ds:schemaRef ds:uri="http://schemas.microsoft.com/VisualStudio/2011/storyboarding/control"/>
+  </ds:schemaRefs>
+</ds:datastoreItem>
+</file>
+
+<file path=customXml/itemProps268.xml><?xml version="1.0" encoding="utf-8"?>
+<ds:datastoreItem xmlns:ds="http://schemas.openxmlformats.org/officeDocument/2006/customXml" ds:itemID="{D82A573E-3F86-406F-9689-B00DF68F7FE6}">
+  <ds:schemaRefs>
+    <ds:schemaRef ds:uri="http://schemas.microsoft.com/VisualStudio/2011/storyboarding/control"/>
+  </ds:schemaRefs>
+</ds:datastoreItem>
+</file>
+
+<file path=customXml/itemProps269.xml><?xml version="1.0" encoding="utf-8"?>
+<ds:datastoreItem xmlns:ds="http://schemas.openxmlformats.org/officeDocument/2006/customXml" ds:itemID="{B9D79AD4-2C3D-46F9-91C0-24FBD26D107C}">
+  <ds:schemaRefs>
+    <ds:schemaRef ds:uri="http://schemas.microsoft.com/VisualStudio/2011/storyboarding/control"/>
+  </ds:schemaRefs>
+</ds:datastoreItem>
+</file>
+
+<file path=customXml/itemProps27.xml><?xml version="1.0" encoding="utf-8"?>
+<ds:datastoreItem xmlns:ds="http://schemas.openxmlformats.org/officeDocument/2006/customXml" ds:itemID="{F0CCAE57-E6F0-4C1C-8C20-3BF674F9A86A}">
+  <ds:schemaRefs>
+    <ds:schemaRef ds:uri="http://schemas.microsoft.com/VisualStudio/2011/storyboarding/control"/>
+  </ds:schemaRefs>
+</ds:datastoreItem>
+</file>
+
+<file path=customXml/itemProps270.xml><?xml version="1.0" encoding="utf-8"?>
 <ds:datastoreItem xmlns:ds="http://schemas.openxmlformats.org/officeDocument/2006/customXml" ds:itemID="{97F34A9F-4D28-4297-B91A-BDE37E693DB2}">
   <ds:schemaRefs>
     <ds:schemaRef ds:uri="http://schemas.microsoft.com/VisualStudio/2011/storyboarding/control"/>
@@ -49321,71 +50129,71 @@
 </ds:datastoreItem>
 </file>
 
-<file path=customXml/itemProps180.xml><?xml version="1.0" encoding="utf-8"?>
-<ds:datastoreItem xmlns:ds="http://schemas.openxmlformats.org/officeDocument/2006/customXml" ds:itemID="{3C4F128F-5751-483E-A1FC-1EF4ECB1AB13}">
+<file path=customXml/itemProps271.xml><?xml version="1.0" encoding="utf-8"?>
+<ds:datastoreItem xmlns:ds="http://schemas.openxmlformats.org/officeDocument/2006/customXml" ds:itemID="{7EF697F5-7859-4E60-A6CB-CCD4CF9BBDE3}">
   <ds:schemaRefs>
     <ds:schemaRef ds:uri="http://schemas.microsoft.com/VisualStudio/2011/storyboarding/control"/>
   </ds:schemaRefs>
 </ds:datastoreItem>
 </file>
 
-<file path=customXml/itemProps181.xml><?xml version="1.0" encoding="utf-8"?>
-<ds:datastoreItem xmlns:ds="http://schemas.openxmlformats.org/officeDocument/2006/customXml" ds:itemID="{232626DA-CB6F-4D9D-AF0F-8AF24D624B31}">
+<file path=customXml/itemProps272.xml><?xml version="1.0" encoding="utf-8"?>
+<ds:datastoreItem xmlns:ds="http://schemas.openxmlformats.org/officeDocument/2006/customXml" ds:itemID="{CA81DD26-4AC3-417B-B492-D4109429F8F8}">
   <ds:schemaRefs>
     <ds:schemaRef ds:uri="http://schemas.microsoft.com/VisualStudio/2011/storyboarding/control"/>
   </ds:schemaRefs>
 </ds:datastoreItem>
 </file>
 
-<file path=customXml/itemProps182.xml><?xml version="1.0" encoding="utf-8"?>
-<ds:datastoreItem xmlns:ds="http://schemas.openxmlformats.org/officeDocument/2006/customXml" ds:itemID="{9B1A2238-A9FB-43F3-AA30-7346B4F2082A}">
+<file path=customXml/itemProps273.xml><?xml version="1.0" encoding="utf-8"?>
+<ds:datastoreItem xmlns:ds="http://schemas.openxmlformats.org/officeDocument/2006/customXml" ds:itemID="{74C0AF41-ECBB-4631-9A3A-357270F52D2E}">
   <ds:schemaRefs>
     <ds:schemaRef ds:uri="http://schemas.microsoft.com/VisualStudio/2011/storyboarding/control"/>
   </ds:schemaRefs>
 </ds:datastoreItem>
 </file>
 
-<file path=customXml/itemProps183.xml><?xml version="1.0" encoding="utf-8"?>
-<ds:datastoreItem xmlns:ds="http://schemas.openxmlformats.org/officeDocument/2006/customXml" ds:itemID="{ACA48BA6-1F6D-447E-B612-17DD4F819F35}">
+<file path=customXml/itemProps274.xml><?xml version="1.0" encoding="utf-8"?>
+<ds:datastoreItem xmlns:ds="http://schemas.openxmlformats.org/officeDocument/2006/customXml" ds:itemID="{5A6F5145-09F5-421E-ABA8-035D9DF59D73}">
+  <ds:schemaRefs>
+    <ds:schemaRef ds:uri="http://schemas.microsoft.com/VisualStudio/2011/storyboarding/control/v1.0"/>
+  </ds:schemaRefs>
+</ds:datastoreItem>
+</file>
+
+<file path=customXml/itemProps275.xml><?xml version="1.0" encoding="utf-8"?>
+<ds:datastoreItem xmlns:ds="http://schemas.openxmlformats.org/officeDocument/2006/customXml" ds:itemID="{4053B059-6D3E-4C23-8C7B-1616C814AC61}">
   <ds:schemaRefs>
     <ds:schemaRef ds:uri="http://schemas.microsoft.com/VisualStudio/2011/storyboarding/control"/>
   </ds:schemaRefs>
 </ds:datastoreItem>
 </file>
 
-<file path=customXml/itemProps184.xml><?xml version="1.0" encoding="utf-8"?>
-<ds:datastoreItem xmlns:ds="http://schemas.openxmlformats.org/officeDocument/2006/customXml" ds:itemID="{0EABF081-AA8B-4306-B79F-5683E2A0666C}">
+<file path=customXml/itemProps276.xml><?xml version="1.0" encoding="utf-8"?>
+<ds:datastoreItem xmlns:ds="http://schemas.openxmlformats.org/officeDocument/2006/customXml" ds:itemID="{706FAB6E-BE39-4E0F-8B3A-D4226741A0E3}">
   <ds:schemaRefs>
     <ds:schemaRef ds:uri="http://schemas.microsoft.com/VisualStudio/2011/storyboarding/control"/>
   </ds:schemaRefs>
 </ds:datastoreItem>
 </file>
 
-<file path=customXml/itemProps185.xml><?xml version="1.0" encoding="utf-8"?>
-<ds:datastoreItem xmlns:ds="http://schemas.openxmlformats.org/officeDocument/2006/customXml" ds:itemID="{61C66E92-C86E-4F9C-96B2-2C3EF17163DA}">
+<file path=customXml/itemProps277.xml><?xml version="1.0" encoding="utf-8"?>
+<ds:datastoreItem xmlns:ds="http://schemas.openxmlformats.org/officeDocument/2006/customXml" ds:itemID="{380496B2-CD29-439E-BFC1-17B6F6D74631}">
   <ds:schemaRefs>
     <ds:schemaRef ds:uri="http://schemas.microsoft.com/VisualStudio/2011/storyboarding/control"/>
   </ds:schemaRefs>
 </ds:datastoreItem>
 </file>
 
-<file path=customXml/itemProps186.xml><?xml version="1.0" encoding="utf-8"?>
-<ds:datastoreItem xmlns:ds="http://schemas.openxmlformats.org/officeDocument/2006/customXml" ds:itemID="{5194B574-2FD3-4201-93FF-3B46F439BAD8}">
+<file path=customXml/itemProps278.xml><?xml version="1.0" encoding="utf-8"?>
+<ds:datastoreItem xmlns:ds="http://schemas.openxmlformats.org/officeDocument/2006/customXml" ds:itemID="{222E879B-2AA6-403B-A643-3830173DAD02}">
   <ds:schemaRefs>
     <ds:schemaRef ds:uri="http://schemas.microsoft.com/VisualStudio/2011/storyboarding/control"/>
   </ds:schemaRefs>
 </ds:datastoreItem>
 </file>
 
-<file path=customXml/itemProps187.xml><?xml version="1.0" encoding="utf-8"?>
-<ds:datastoreItem xmlns:ds="http://schemas.openxmlformats.org/officeDocument/2006/customXml" ds:itemID="{2ED57B16-65F0-4D88-8FC8-86653DF414F3}">
-  <ds:schemaRefs>
-    <ds:schemaRef ds:uri="http://schemas.microsoft.com/VisualStudio/2011/storyboarding/control/v1.0"/>
-  </ds:schemaRefs>
-</ds:datastoreItem>
-</file>
-
-<file path=customXml/itemProps188.xml><?xml version="1.0" encoding="utf-8"?>
+<file path=customXml/itemProps279.xml><?xml version="1.0" encoding="utf-8"?>
 <ds:datastoreItem xmlns:ds="http://schemas.openxmlformats.org/officeDocument/2006/customXml" ds:itemID="{8D38E85C-6EBB-49F2-9055-AA8951524D9D}">
   <ds:schemaRefs>
     <ds:schemaRef ds:uri="http://schemas.microsoft.com/VisualStudio/2011/storyboarding/control"/>
@@ -49393,103 +50201,111 @@
 </ds:datastoreItem>
 </file>
 
-<file path=customXml/itemProps189.xml><?xml version="1.0" encoding="utf-8"?>
-<ds:datastoreItem xmlns:ds="http://schemas.openxmlformats.org/officeDocument/2006/customXml" ds:itemID="{CDFD70ED-6700-4141-AB43-2C498F7F4D98}">
+<file path=customXml/itemProps28.xml><?xml version="1.0" encoding="utf-8"?>
+<ds:datastoreItem xmlns:ds="http://schemas.openxmlformats.org/officeDocument/2006/customXml" ds:itemID="{FF2A226E-DC1A-415A-8850-79734C5CEF0F}">
   <ds:schemaRefs>
     <ds:schemaRef ds:uri="http://schemas.microsoft.com/VisualStudio/2011/storyboarding/control"/>
   </ds:schemaRefs>
 </ds:datastoreItem>
 </file>
 
-<file path=customXml/itemProps19.xml><?xml version="1.0" encoding="utf-8"?>
-<ds:datastoreItem xmlns:ds="http://schemas.openxmlformats.org/officeDocument/2006/customXml" ds:itemID="{321B408C-67A4-41DE-9314-526A16DA6F0E}">
+<file path=customXml/itemProps280.xml><?xml version="1.0" encoding="utf-8"?>
+<ds:datastoreItem xmlns:ds="http://schemas.openxmlformats.org/officeDocument/2006/customXml" ds:itemID="{9833ECE2-253F-4657-B41E-80D72E4F794F}">
   <ds:schemaRefs>
     <ds:schemaRef ds:uri="http://schemas.microsoft.com/VisualStudio/2011/storyboarding/control"/>
   </ds:schemaRefs>
 </ds:datastoreItem>
 </file>
 
-<file path=customXml/itemProps190.xml><?xml version="1.0" encoding="utf-8"?>
-<ds:datastoreItem xmlns:ds="http://schemas.openxmlformats.org/officeDocument/2006/customXml" ds:itemID="{5D1BBA1A-BE89-4CED-B269-89AE13A3321D}">
+<file path=customXml/itemProps281.xml><?xml version="1.0" encoding="utf-8"?>
+<ds:datastoreItem xmlns:ds="http://schemas.openxmlformats.org/officeDocument/2006/customXml" ds:itemID="{BF1BD184-58D4-488C-83F1-E216501AA9C7}">
   <ds:schemaRefs>
     <ds:schemaRef ds:uri="http://schemas.microsoft.com/VisualStudio/2011/storyboarding/control"/>
   </ds:schemaRefs>
 </ds:datastoreItem>
 </file>
 
-<file path=customXml/itemProps191.xml><?xml version="1.0" encoding="utf-8"?>
-<ds:datastoreItem xmlns:ds="http://schemas.openxmlformats.org/officeDocument/2006/customXml" ds:itemID="{95588433-61E9-4293-B579-575578C3E5D0}">
+<file path=customXml/itemProps282.xml><?xml version="1.0" encoding="utf-8"?>
+<ds:datastoreItem xmlns:ds="http://schemas.openxmlformats.org/officeDocument/2006/customXml" ds:itemID="{54A54AB8-3FCC-4DEF-A9D1-83FFFC4CC6F7}">
   <ds:schemaRefs>
     <ds:schemaRef ds:uri="http://schemas.microsoft.com/VisualStudio/2011/storyboarding/control"/>
   </ds:schemaRefs>
 </ds:datastoreItem>
 </file>
 
-<file path=customXml/itemProps192.xml><?xml version="1.0" encoding="utf-8"?>
-<ds:datastoreItem xmlns:ds="http://schemas.openxmlformats.org/officeDocument/2006/customXml" ds:itemID="{56CE029F-FA0C-4B04-9920-600FB6A5D8FD}">
+<file path=customXml/itemProps283.xml><?xml version="1.0" encoding="utf-8"?>
+<ds:datastoreItem xmlns:ds="http://schemas.openxmlformats.org/officeDocument/2006/customXml" ds:itemID="{08657731-BCDF-496B-8AD2-9E16044CE370}">
   <ds:schemaRefs>
     <ds:schemaRef ds:uri="http://schemas.microsoft.com/VisualStudio/2011/storyboarding/control"/>
   </ds:schemaRefs>
 </ds:datastoreItem>
 </file>
 
-<file path=customXml/itemProps193.xml><?xml version="1.0" encoding="utf-8"?>
-<ds:datastoreItem xmlns:ds="http://schemas.openxmlformats.org/officeDocument/2006/customXml" ds:itemID="{F5490249-BEA8-4E5E-9204-A789B131DF3A}">
+<file path=customXml/itemProps284.xml><?xml version="1.0" encoding="utf-8"?>
+<ds:datastoreItem xmlns:ds="http://schemas.openxmlformats.org/officeDocument/2006/customXml" ds:itemID="{124714B6-911C-46CC-B31C-9DC0991ADA76}">
   <ds:schemaRefs>
     <ds:schemaRef ds:uri="http://schemas.microsoft.com/VisualStudio/2011/storyboarding/control"/>
   </ds:schemaRefs>
 </ds:datastoreItem>
 </file>
 
-<file path=customXml/itemProps194.xml><?xml version="1.0" encoding="utf-8"?>
-<ds:datastoreItem xmlns:ds="http://schemas.openxmlformats.org/officeDocument/2006/customXml" ds:itemID="{789E9DF9-9217-429E-91A2-27D8310EDD6D}">
+<file path=customXml/itemProps285.xml><?xml version="1.0" encoding="utf-8"?>
+<ds:datastoreItem xmlns:ds="http://schemas.openxmlformats.org/officeDocument/2006/customXml" ds:itemID="{3214419E-236F-4C99-81CE-42DF4CB8F0FD}">
   <ds:schemaRefs>
     <ds:schemaRef ds:uri="http://schemas.microsoft.com/VisualStudio/2011/storyboarding/control"/>
   </ds:schemaRefs>
 </ds:datastoreItem>
 </file>
 
-<file path=customXml/itemProps195.xml><?xml version="1.0" encoding="utf-8"?>
-<ds:datastoreItem xmlns:ds="http://schemas.openxmlformats.org/officeDocument/2006/customXml" ds:itemID="{6EB7CA94-CC81-47A2-A94B-CB77DAC15E80}">
+<file path=customXml/itemProps286.xml><?xml version="1.0" encoding="utf-8"?>
+<ds:datastoreItem xmlns:ds="http://schemas.openxmlformats.org/officeDocument/2006/customXml" ds:itemID="{F08CA351-012E-4B88-A759-D78BC8B70F0A}">
   <ds:schemaRefs>
     <ds:schemaRef ds:uri="http://schemas.microsoft.com/VisualStudio/2011/storyboarding/control"/>
   </ds:schemaRefs>
 </ds:datastoreItem>
 </file>
 
-<file path=customXml/itemProps196.xml><?xml version="1.0" encoding="utf-8"?>
-<ds:datastoreItem xmlns:ds="http://schemas.openxmlformats.org/officeDocument/2006/customXml" ds:itemID="{6D649A85-D341-4DA9-A34B-3076365ECA7B}">
+<file path=customXml/itemProps287.xml><?xml version="1.0" encoding="utf-8"?>
+<ds:datastoreItem xmlns:ds="http://schemas.openxmlformats.org/officeDocument/2006/customXml" ds:itemID="{40965D7A-4A32-4947-9203-8F4A32D4AC1F}">
   <ds:schemaRefs>
     <ds:schemaRef ds:uri="http://schemas.microsoft.com/VisualStudio/2011/storyboarding/control"/>
   </ds:schemaRefs>
 </ds:datastoreItem>
 </file>
 
-<file path=customXml/itemProps197.xml><?xml version="1.0" encoding="utf-8"?>
-<ds:datastoreItem xmlns:ds="http://schemas.openxmlformats.org/officeDocument/2006/customXml" ds:itemID="{0603D296-B23E-4C9C-AFDE-AFE535D0A7E8}">
+<file path=customXml/itemProps288.xml><?xml version="1.0" encoding="utf-8"?>
+<ds:datastoreItem xmlns:ds="http://schemas.openxmlformats.org/officeDocument/2006/customXml" ds:itemID="{75555EB8-DB8D-4906-B09E-BCB9A765E798}">
   <ds:schemaRefs>
     <ds:schemaRef ds:uri="http://schemas.microsoft.com/VisualStudio/2011/storyboarding/control"/>
   </ds:schemaRefs>
 </ds:datastoreItem>
 </file>
 
-<file path=customXml/itemProps198.xml><?xml version="1.0" encoding="utf-8"?>
-<ds:datastoreItem xmlns:ds="http://schemas.openxmlformats.org/officeDocument/2006/customXml" ds:itemID="{067F83B4-1384-44FC-83E9-6893B77E28FF}">
+<file path=customXml/itemProps289.xml><?xml version="1.0" encoding="utf-8"?>
+<ds:datastoreItem xmlns:ds="http://schemas.openxmlformats.org/officeDocument/2006/customXml" ds:itemID="{AC3E2816-CBDC-45E0-9AE9-42B6DD9D3D59}">
   <ds:schemaRefs>
     <ds:schemaRef ds:uri="http://schemas.microsoft.com/VisualStudio/2011/storyboarding/control"/>
   </ds:schemaRefs>
 </ds:datastoreItem>
 </file>
 
-<file path=customXml/itemProps199.xml><?xml version="1.0" encoding="utf-8"?>
-<ds:datastoreItem xmlns:ds="http://schemas.openxmlformats.org/officeDocument/2006/customXml" ds:itemID="{28132186-4143-4514-BA08-A56617599351}">
+<file path=customXml/itemProps29.xml><?xml version="1.0" encoding="utf-8"?>
+<ds:datastoreItem xmlns:ds="http://schemas.openxmlformats.org/officeDocument/2006/customXml" ds:itemID="{EFD61237-453B-4EEA-BEC2-9F216D84E35F}">
   <ds:schemaRefs>
     <ds:schemaRef ds:uri="http://schemas.microsoft.com/VisualStudio/2011/storyboarding/control"/>
   </ds:schemaRefs>
 </ds:datastoreItem>
 </file>
 
-<file path=customXml/itemProps2.xml><?xml version="1.0" encoding="utf-8"?>
+<file path=customXml/itemProps290.xml><?xml version="1.0" encoding="utf-8"?>
+<ds:datastoreItem xmlns:ds="http://schemas.openxmlformats.org/officeDocument/2006/customXml" ds:itemID="{2F3CE4CA-2B9C-44A1-918F-1F656911D9E6}">
+  <ds:schemaRefs>
+    <ds:schemaRef ds:uri="http://schemas.microsoft.com/VisualStudio/2011/storyboarding/control"/>
+  </ds:schemaRefs>
+</ds:datastoreItem>
+</file>
+
+<file path=customXml/itemProps291.xml><?xml version="1.0" encoding="utf-8"?>
 <ds:datastoreItem xmlns:ds="http://schemas.openxmlformats.org/officeDocument/2006/customXml" ds:itemID="{1B13755A-7EF0-461D-B2E8-2C888D488F7B}">
   <ds:schemaRefs>
     <ds:schemaRef ds:uri="http://schemas.microsoft.com/VisualStudio/2011/storyboarding/control"/>
@@ -49497,495 +50313,15 @@
 </ds:datastoreItem>
 </file>
 
-<file path=customXml/itemProps20.xml><?xml version="1.0" encoding="utf-8"?>
-<ds:datastoreItem xmlns:ds="http://schemas.openxmlformats.org/officeDocument/2006/customXml" ds:itemID="{9BB85361-85ED-473B-9B65-E0648B338CBC}">
+<file path=customXml/itemProps292.xml><?xml version="1.0" encoding="utf-8"?>
+<ds:datastoreItem xmlns:ds="http://schemas.openxmlformats.org/officeDocument/2006/customXml" ds:itemID="{E4752B5F-78E4-4F71-B3E4-1BA2A0FF01EA}">
   <ds:schemaRefs>
     <ds:schemaRef ds:uri="http://schemas.microsoft.com/VisualStudio/2011/storyboarding/control"/>
   </ds:schemaRefs>
 </ds:datastoreItem>
 </file>
 
-<file path=customXml/itemProps200.xml><?xml version="1.0" encoding="utf-8"?>
-<ds:datastoreItem xmlns:ds="http://schemas.openxmlformats.org/officeDocument/2006/customXml" ds:itemID="{13B7523A-2397-4BA3-B1CE-2674D789F433}">
-  <ds:schemaRefs>
-    <ds:schemaRef ds:uri="http://schemas.microsoft.com/VisualStudio/2011/storyboarding/control"/>
-  </ds:schemaRefs>
-</ds:datastoreItem>
-</file>
-
-<file path=customXml/itemProps201.xml><?xml version="1.0" encoding="utf-8"?>
-<ds:datastoreItem xmlns:ds="http://schemas.openxmlformats.org/officeDocument/2006/customXml" ds:itemID="{003FCEE3-32A7-41B2-BBEA-E7FC080802D3}">
-  <ds:schemaRefs>
-    <ds:schemaRef ds:uri="http://schemas.microsoft.com/VisualStudio/2011/storyboarding/control"/>
-  </ds:schemaRefs>
-</ds:datastoreItem>
-</file>
-
-<file path=customXml/itemProps202.xml><?xml version="1.0" encoding="utf-8"?>
-<ds:datastoreItem xmlns:ds="http://schemas.openxmlformats.org/officeDocument/2006/customXml" ds:itemID="{3A335AA4-BD45-4FAC-A12C-03AD71D5A2EB}">
-  <ds:schemaRefs>
-    <ds:schemaRef ds:uri="http://schemas.microsoft.com/VisualStudio/2011/storyboarding/control"/>
-  </ds:schemaRefs>
-</ds:datastoreItem>
-</file>
-
-<file path=customXml/itemProps203.xml><?xml version="1.0" encoding="utf-8"?>
-<ds:datastoreItem xmlns:ds="http://schemas.openxmlformats.org/officeDocument/2006/customXml" ds:itemID="{2646AD4E-8195-468B-9E4C-50BB33C32A53}">
-  <ds:schemaRefs>
-    <ds:schemaRef ds:uri="http://schemas.microsoft.com/VisualStudio/2011/storyboarding/control"/>
-  </ds:schemaRefs>
-</ds:datastoreItem>
-</file>
-
-<file path=customXml/itemProps204.xml><?xml version="1.0" encoding="utf-8"?>
-<ds:datastoreItem xmlns:ds="http://schemas.openxmlformats.org/officeDocument/2006/customXml" ds:itemID="{08939743-9A84-4EBE-9E0F-F7D5A66465FA}">
-  <ds:schemaRefs>
-    <ds:schemaRef ds:uri="http://schemas.microsoft.com/VisualStudio/2011/storyboarding/control"/>
-  </ds:schemaRefs>
-</ds:datastoreItem>
-</file>
-
-<file path=customXml/itemProps205.xml><?xml version="1.0" encoding="utf-8"?>
-<ds:datastoreItem xmlns:ds="http://schemas.openxmlformats.org/officeDocument/2006/customXml" ds:itemID="{332E9F1B-DF51-4426-B1AC-0770F2120B21}">
-  <ds:schemaRefs>
-    <ds:schemaRef ds:uri="http://schemas.microsoft.com/VisualStudio/2011/storyboarding/control"/>
-  </ds:schemaRefs>
-</ds:datastoreItem>
-</file>
-
-<file path=customXml/itemProps206.xml><?xml version="1.0" encoding="utf-8"?>
-<ds:datastoreItem xmlns:ds="http://schemas.openxmlformats.org/officeDocument/2006/customXml" ds:itemID="{0A30D8E5-6495-4A3E-B048-7FE9767645B4}">
-  <ds:schemaRefs>
-    <ds:schemaRef ds:uri="http://schemas.microsoft.com/VisualStudio/2011/storyboarding/control"/>
-  </ds:schemaRefs>
-</ds:datastoreItem>
-</file>
-
-<file path=customXml/itemProps207.xml><?xml version="1.0" encoding="utf-8"?>
-<ds:datastoreItem xmlns:ds="http://schemas.openxmlformats.org/officeDocument/2006/customXml" ds:itemID="{DD5A439A-877E-490B-8CB9-95E7FCFCF44D}">
-  <ds:schemaRefs>
-    <ds:schemaRef ds:uri="http://schemas.microsoft.com/VisualStudio/2011/storyboarding/control"/>
-  </ds:schemaRefs>
-</ds:datastoreItem>
-</file>
-
-<file path=customXml/itemProps208.xml><?xml version="1.0" encoding="utf-8"?>
-<ds:datastoreItem xmlns:ds="http://schemas.openxmlformats.org/officeDocument/2006/customXml" ds:itemID="{A73418F6-1ECA-4484-A1A1-03AF5DEDB5D2}">
-  <ds:schemaRefs>
-    <ds:schemaRef ds:uri="http://schemas.microsoft.com/VisualStudio/2011/storyboarding/control"/>
-  </ds:schemaRefs>
-</ds:datastoreItem>
-</file>
-
-<file path=customXml/itemProps209.xml><?xml version="1.0" encoding="utf-8"?>
-<ds:datastoreItem xmlns:ds="http://schemas.openxmlformats.org/officeDocument/2006/customXml" ds:itemID="{18794C29-4947-4C84-8999-B61535A88DD9}">
-  <ds:schemaRefs>
-    <ds:schemaRef ds:uri="http://schemas.microsoft.com/VisualStudio/2011/storyboarding/control"/>
-  </ds:schemaRefs>
-</ds:datastoreItem>
-</file>
-
-<file path=customXml/itemProps21.xml><?xml version="1.0" encoding="utf-8"?>
-<ds:datastoreItem xmlns:ds="http://schemas.openxmlformats.org/officeDocument/2006/customXml" ds:itemID="{063914C3-9883-4B3D-AAE0-8819E257BD53}">
-  <ds:schemaRefs>
-    <ds:schemaRef ds:uri="http://schemas.microsoft.com/VisualStudio/2011/storyboarding/control"/>
-  </ds:schemaRefs>
-</ds:datastoreItem>
-</file>
-
-<file path=customXml/itemProps210.xml><?xml version="1.0" encoding="utf-8"?>
-<ds:datastoreItem xmlns:ds="http://schemas.openxmlformats.org/officeDocument/2006/customXml" ds:itemID="{736A967F-104D-4DB1-9FD9-ACC47ADEB4F9}">
-  <ds:schemaRefs>
-    <ds:schemaRef ds:uri="http://schemas.microsoft.com/VisualStudio/2011/storyboarding/control"/>
-  </ds:schemaRefs>
-</ds:datastoreItem>
-</file>
-
-<file path=customXml/itemProps211.xml><?xml version="1.0" encoding="utf-8"?>
-<ds:datastoreItem xmlns:ds="http://schemas.openxmlformats.org/officeDocument/2006/customXml" ds:itemID="{7C25F8B6-E2C9-4303-90AD-776D743986ED}">
-  <ds:schemaRefs>
-    <ds:schemaRef ds:uri="http://schemas.microsoft.com/VisualStudio/2011/storyboarding/control"/>
-  </ds:schemaRefs>
-</ds:datastoreItem>
-</file>
-
-<file path=customXml/itemProps212.xml><?xml version="1.0" encoding="utf-8"?>
-<ds:datastoreItem xmlns:ds="http://schemas.openxmlformats.org/officeDocument/2006/customXml" ds:itemID="{FBDE43AC-A8E2-4A96-8065-43E291D57DAF}">
-  <ds:schemaRefs>
-    <ds:schemaRef ds:uri="http://schemas.microsoft.com/VisualStudio/2011/storyboarding/control"/>
-  </ds:schemaRefs>
-</ds:datastoreItem>
-</file>
-
-<file path=customXml/itemProps213.xml><?xml version="1.0" encoding="utf-8"?>
-<ds:datastoreItem xmlns:ds="http://schemas.openxmlformats.org/officeDocument/2006/customXml" ds:itemID="{75555EB8-DB8D-4906-B09E-BCB9A765E798}">
-  <ds:schemaRefs>
-    <ds:schemaRef ds:uri="http://schemas.microsoft.com/VisualStudio/2011/storyboarding/control"/>
-  </ds:schemaRefs>
-</ds:datastoreItem>
-</file>
-
-<file path=customXml/itemProps214.xml><?xml version="1.0" encoding="utf-8"?>
-<ds:datastoreItem xmlns:ds="http://schemas.openxmlformats.org/officeDocument/2006/customXml" ds:itemID="{9F192F6B-8514-49C5-8D55-263A6DDB7AB1}">
-  <ds:schemaRefs>
-    <ds:schemaRef ds:uri="http://schemas.microsoft.com/VisualStudio/2011/storyboarding/control"/>
-  </ds:schemaRefs>
-</ds:datastoreItem>
-</file>
-
-<file path=customXml/itemProps215.xml><?xml version="1.0" encoding="utf-8"?>
-<ds:datastoreItem xmlns:ds="http://schemas.openxmlformats.org/officeDocument/2006/customXml" ds:itemID="{AB8AF5A6-FA45-4246-A67D-74215671FBEF}">
-  <ds:schemaRefs>
-    <ds:schemaRef ds:uri="http://schemas.microsoft.com/VisualStudio/2011/storyboarding/control/v1.0"/>
-  </ds:schemaRefs>
-</ds:datastoreItem>
-</file>
-
-<file path=customXml/itemProps216.xml><?xml version="1.0" encoding="utf-8"?>
-<ds:datastoreItem xmlns:ds="http://schemas.openxmlformats.org/officeDocument/2006/customXml" ds:itemID="{B87054BE-262E-43CD-9291-338574919624}">
-  <ds:schemaRefs>
-    <ds:schemaRef ds:uri="http://schemas.microsoft.com/VisualStudio/2011/storyboarding/control"/>
-  </ds:schemaRefs>
-</ds:datastoreItem>
-</file>
-
-<file path=customXml/itemProps217.xml><?xml version="1.0" encoding="utf-8"?>
-<ds:datastoreItem xmlns:ds="http://schemas.openxmlformats.org/officeDocument/2006/customXml" ds:itemID="{5B15E0D7-1A2C-4C20-A00A-A38BE37FB8EE}">
-  <ds:schemaRefs>
-    <ds:schemaRef ds:uri="http://schemas.microsoft.com/VisualStudio/2011/storyboarding/control"/>
-  </ds:schemaRefs>
-</ds:datastoreItem>
-</file>
-
-<file path=customXml/itemProps218.xml><?xml version="1.0" encoding="utf-8"?>
-<ds:datastoreItem xmlns:ds="http://schemas.openxmlformats.org/officeDocument/2006/customXml" ds:itemID="{4A5B3D47-69EE-4A70-ADE9-5E671087A0E6}">
-  <ds:schemaRefs>
-    <ds:schemaRef ds:uri="http://schemas.microsoft.com/VisualStudio/2011/storyboarding/control"/>
-  </ds:schemaRefs>
-</ds:datastoreItem>
-</file>
-
-<file path=customXml/itemProps219.xml><?xml version="1.0" encoding="utf-8"?>
-<ds:datastoreItem xmlns:ds="http://schemas.openxmlformats.org/officeDocument/2006/customXml" ds:itemID="{583D34C7-3C51-4788-8865-11C9189A22CB}">
-  <ds:schemaRefs>
-    <ds:schemaRef ds:uri="http://schemas.microsoft.com/VisualStudio/2011/storyboarding/control"/>
-  </ds:schemaRefs>
-</ds:datastoreItem>
-</file>
-
-<file path=customXml/itemProps22.xml><?xml version="1.0" encoding="utf-8"?>
-<ds:datastoreItem xmlns:ds="http://schemas.openxmlformats.org/officeDocument/2006/customXml" ds:itemID="{5139BEC5-AA52-4310-B922-FC2FF768261B}">
-  <ds:schemaRefs>
-    <ds:schemaRef ds:uri="http://schemas.microsoft.com/VisualStudio/2011/storyboarding/control"/>
-  </ds:schemaRefs>
-</ds:datastoreItem>
-</file>
-
-<file path=customXml/itemProps220.xml><?xml version="1.0" encoding="utf-8"?>
-<ds:datastoreItem xmlns:ds="http://schemas.openxmlformats.org/officeDocument/2006/customXml" ds:itemID="{5CCA529B-9DEF-4705-9ADE-4AFEB6613C97}">
-  <ds:schemaRefs>
-    <ds:schemaRef ds:uri="http://schemas.microsoft.com/VisualStudio/2011/storyboarding/control"/>
-  </ds:schemaRefs>
-</ds:datastoreItem>
-</file>
-
-<file path=customXml/itemProps221.xml><?xml version="1.0" encoding="utf-8"?>
-<ds:datastoreItem xmlns:ds="http://schemas.openxmlformats.org/officeDocument/2006/customXml" ds:itemID="{252A8F3C-3FBF-4C4D-B6CF-352EA0AD8F73}">
-  <ds:schemaRefs>
-    <ds:schemaRef ds:uri="http://schemas.microsoft.com/VisualStudio/2011/storyboarding/control"/>
-  </ds:schemaRefs>
-</ds:datastoreItem>
-</file>
-
-<file path=customXml/itemProps222.xml><?xml version="1.0" encoding="utf-8"?>
-<ds:datastoreItem xmlns:ds="http://schemas.openxmlformats.org/officeDocument/2006/customXml" ds:itemID="{A1D26E17-CB32-45F0-80F2-EF1AAA317E8E}">
-  <ds:schemaRefs>
-    <ds:schemaRef ds:uri="http://schemas.microsoft.com/VisualStudio/2011/storyboarding/control"/>
-  </ds:schemaRefs>
-</ds:datastoreItem>
-</file>
-
-<file path=customXml/itemProps223.xml><?xml version="1.0" encoding="utf-8"?>
-<ds:datastoreItem xmlns:ds="http://schemas.openxmlformats.org/officeDocument/2006/customXml" ds:itemID="{513FCFA4-67E1-4761-B2EA-0C5845FE19DE}">
-  <ds:schemaRefs>
-    <ds:schemaRef ds:uri="http://schemas.microsoft.com/VisualStudio/2011/storyboarding/control"/>
-  </ds:schemaRefs>
-</ds:datastoreItem>
-</file>
-
-<file path=customXml/itemProps224.xml><?xml version="1.0" encoding="utf-8"?>
-<ds:datastoreItem xmlns:ds="http://schemas.openxmlformats.org/officeDocument/2006/customXml" ds:itemID="{21F68220-8A13-448A-84C5-C720C2A12D22}">
-  <ds:schemaRefs>
-    <ds:schemaRef ds:uri="http://schemas.microsoft.com/VisualStudio/2011/storyboarding/control"/>
-  </ds:schemaRefs>
-</ds:datastoreItem>
-</file>
-
-<file path=customXml/itemProps225.xml><?xml version="1.0" encoding="utf-8"?>
-<ds:datastoreItem xmlns:ds="http://schemas.openxmlformats.org/officeDocument/2006/customXml" ds:itemID="{B9F500D9-4362-4A17-84E2-A1EFE218CD18}">
-  <ds:schemaRefs>
-    <ds:schemaRef ds:uri="http://schemas.microsoft.com/VisualStudio/2011/storyboarding/control"/>
-  </ds:schemaRefs>
-</ds:datastoreItem>
-</file>
-
-<file path=customXml/itemProps226.xml><?xml version="1.0" encoding="utf-8"?>
-<ds:datastoreItem xmlns:ds="http://schemas.openxmlformats.org/officeDocument/2006/customXml" ds:itemID="{BADA96E6-71A2-4014-AFF3-D0F5807D1DCF}">
-  <ds:schemaRefs>
-    <ds:schemaRef ds:uri="http://schemas.microsoft.com/VisualStudio/2011/storyboarding/control"/>
-  </ds:schemaRefs>
-</ds:datastoreItem>
-</file>
-
-<file path=customXml/itemProps227.xml><?xml version="1.0" encoding="utf-8"?>
-<ds:datastoreItem xmlns:ds="http://schemas.openxmlformats.org/officeDocument/2006/customXml" ds:itemID="{50B6A72E-C8E9-4C07-A6D0-328558C26D47}">
-  <ds:schemaRefs>
-    <ds:schemaRef ds:uri="http://schemas.microsoft.com/VisualStudio/2011/storyboarding/control"/>
-  </ds:schemaRefs>
-</ds:datastoreItem>
-</file>
-
-<file path=customXml/itemProps228.xml><?xml version="1.0" encoding="utf-8"?>
-<ds:datastoreItem xmlns:ds="http://schemas.openxmlformats.org/officeDocument/2006/customXml" ds:itemID="{866A6640-C97D-482F-8EF6-18B15419AEC1}">
-  <ds:schemaRefs>
-    <ds:schemaRef ds:uri="http://schemas.microsoft.com/VisualStudio/2011/storyboarding/control"/>
-  </ds:schemaRefs>
-</ds:datastoreItem>
-</file>
-
-<file path=customXml/itemProps229.xml><?xml version="1.0" encoding="utf-8"?>
-<ds:datastoreItem xmlns:ds="http://schemas.openxmlformats.org/officeDocument/2006/customXml" ds:itemID="{216CFB02-20FB-4139-A370-91AE11389CB9}">
-  <ds:schemaRefs>
-    <ds:schemaRef ds:uri="http://schemas.microsoft.com/VisualStudio/2011/storyboarding/control"/>
-  </ds:schemaRefs>
-</ds:datastoreItem>
-</file>
-
-<file path=customXml/itemProps23.xml><?xml version="1.0" encoding="utf-8"?>
-<ds:datastoreItem xmlns:ds="http://schemas.openxmlformats.org/officeDocument/2006/customXml" ds:itemID="{23985387-5299-49F8-BCDD-4753405EC5A0}">
-  <ds:schemaRefs>
-    <ds:schemaRef ds:uri="http://schemas.microsoft.com/VisualStudio/2011/storyboarding/control"/>
-  </ds:schemaRefs>
-</ds:datastoreItem>
-</file>
-
-<file path=customXml/itemProps230.xml><?xml version="1.0" encoding="utf-8"?>
-<ds:datastoreItem xmlns:ds="http://schemas.openxmlformats.org/officeDocument/2006/customXml" ds:itemID="{0712081C-44E6-4B90-8C8B-21FA4CFD13CD}">
-  <ds:schemaRefs>
-    <ds:schemaRef ds:uri="http://schemas.microsoft.com/VisualStudio/2011/storyboarding/control"/>
-  </ds:schemaRefs>
-</ds:datastoreItem>
-</file>
-
-<file path=customXml/itemProps231.xml><?xml version="1.0" encoding="utf-8"?>
-<ds:datastoreItem xmlns:ds="http://schemas.openxmlformats.org/officeDocument/2006/customXml" ds:itemID="{DB3152CF-338A-46EA-AAB7-691A69C0B0E9}">
-  <ds:schemaRefs>
-    <ds:schemaRef ds:uri="http://schemas.microsoft.com/VisualStudio/2011/storyboarding/control"/>
-  </ds:schemaRefs>
-</ds:datastoreItem>
-</file>
-
-<file path=customXml/itemProps232.xml><?xml version="1.0" encoding="utf-8"?>
-<ds:datastoreItem xmlns:ds="http://schemas.openxmlformats.org/officeDocument/2006/customXml" ds:itemID="{E62B1A11-6EA8-4532-8D04-A228523ACAA7}">
-  <ds:schemaRefs>
-    <ds:schemaRef ds:uri="http://schemas.microsoft.com/VisualStudio/2011/storyboarding/control"/>
-  </ds:schemaRefs>
-</ds:datastoreItem>
-</file>
-
-<file path=customXml/itemProps233.xml><?xml version="1.0" encoding="utf-8"?>
-<ds:datastoreItem xmlns:ds="http://schemas.openxmlformats.org/officeDocument/2006/customXml" ds:itemID="{57C297C5-EFEA-4CB7-AED8-B3F05663ECA9}">
-  <ds:schemaRefs>
-    <ds:schemaRef ds:uri="http://schemas.microsoft.com/VisualStudio/2011/storyboarding/control"/>
-  </ds:schemaRefs>
-</ds:datastoreItem>
-</file>
-
-<file path=customXml/itemProps234.xml><?xml version="1.0" encoding="utf-8"?>
-<ds:datastoreItem xmlns:ds="http://schemas.openxmlformats.org/officeDocument/2006/customXml" ds:itemID="{AC3E2816-CBDC-45E0-9AE9-42B6DD9D3D59}">
-  <ds:schemaRefs>
-    <ds:schemaRef ds:uri="http://schemas.microsoft.com/VisualStudio/2011/storyboarding/control"/>
-  </ds:schemaRefs>
-</ds:datastoreItem>
-</file>
-
-<file path=customXml/itemProps235.xml><?xml version="1.0" encoding="utf-8"?>
-<ds:datastoreItem xmlns:ds="http://schemas.openxmlformats.org/officeDocument/2006/customXml" ds:itemID="{20DAD8A8-F1AD-4C3A-98F6-758C6EBF2EB3}">
-  <ds:schemaRefs>
-    <ds:schemaRef ds:uri="http://schemas.microsoft.com/VisualStudio/2011/storyboarding/control"/>
-  </ds:schemaRefs>
-</ds:datastoreItem>
-</file>
-
-<file path=customXml/itemProps236.xml><?xml version="1.0" encoding="utf-8"?>
-<ds:datastoreItem xmlns:ds="http://schemas.openxmlformats.org/officeDocument/2006/customXml" ds:itemID="{BF132AED-2531-49D1-86CB-A11FFDED9296}">
-  <ds:schemaRefs>
-    <ds:schemaRef ds:uri="http://schemas.microsoft.com/VisualStudio/2011/storyboarding/control"/>
-  </ds:schemaRefs>
-</ds:datastoreItem>
-</file>
-
-<file path=customXml/itemProps237.xml><?xml version="1.0" encoding="utf-8"?>
-<ds:datastoreItem xmlns:ds="http://schemas.openxmlformats.org/officeDocument/2006/customXml" ds:itemID="{02334B55-2D4F-417F-ABE8-4E654DA5ECA6}">
-  <ds:schemaRefs>
-    <ds:schemaRef ds:uri="http://schemas.microsoft.com/VisualStudio/2011/storyboarding/control"/>
-  </ds:schemaRefs>
-</ds:datastoreItem>
-</file>
-
-<file path=customXml/itemProps238.xml><?xml version="1.0" encoding="utf-8"?>
-<ds:datastoreItem xmlns:ds="http://schemas.openxmlformats.org/officeDocument/2006/customXml" ds:itemID="{E7CEECF9-673C-47F4-B5C3-943F991DAB28}">
-  <ds:schemaRefs>
-    <ds:schemaRef ds:uri="http://schemas.microsoft.com/VisualStudio/2011/storyboarding/control"/>
-  </ds:schemaRefs>
-</ds:datastoreItem>
-</file>
-
-<file path=customXml/itemProps239.xml><?xml version="1.0" encoding="utf-8"?>
-<ds:datastoreItem xmlns:ds="http://schemas.openxmlformats.org/officeDocument/2006/customXml" ds:itemID="{27EAE3D4-4DFB-4285-99D5-B87FEADFA328}">
-  <ds:schemaRefs>
-    <ds:schemaRef ds:uri="http://schemas.microsoft.com/VisualStudio/2011/storyboarding/control"/>
-  </ds:schemaRefs>
-</ds:datastoreItem>
-</file>
-
-<file path=customXml/itemProps24.xml><?xml version="1.0" encoding="utf-8"?>
-<ds:datastoreItem xmlns:ds="http://schemas.openxmlformats.org/officeDocument/2006/customXml" ds:itemID="{26BA6E74-6440-4D77-9C14-0AFFF25F551B}">
-  <ds:schemaRefs>
-    <ds:schemaRef ds:uri="http://schemas.microsoft.com/VisualStudio/2011/storyboarding/control"/>
-  </ds:schemaRefs>
-</ds:datastoreItem>
-</file>
-
-<file path=customXml/itemProps240.xml><?xml version="1.0" encoding="utf-8"?>
-<ds:datastoreItem xmlns:ds="http://schemas.openxmlformats.org/officeDocument/2006/customXml" ds:itemID="{DAB14F77-4755-4677-8ED9-6968F47A26C4}">
-  <ds:schemaRefs>
-    <ds:schemaRef ds:uri="http://schemas.microsoft.com/VisualStudio/2011/storyboarding/control"/>
-  </ds:schemaRefs>
-</ds:datastoreItem>
-</file>
-
-<file path=customXml/itemProps241.xml><?xml version="1.0" encoding="utf-8"?>
-<ds:datastoreItem xmlns:ds="http://schemas.openxmlformats.org/officeDocument/2006/customXml" ds:itemID="{22DCE103-0459-42AB-97CC-7C8E6823F075}">
-  <ds:schemaRefs>
-    <ds:schemaRef ds:uri="http://schemas.microsoft.com/VisualStudio/2011/storyboarding/control"/>
-  </ds:schemaRefs>
-</ds:datastoreItem>
-</file>
-
-<file path=customXml/itemProps242.xml><?xml version="1.0" encoding="utf-8"?>
-<ds:datastoreItem xmlns:ds="http://schemas.openxmlformats.org/officeDocument/2006/customXml" ds:itemID="{B3E15AF3-BD5B-4834-AFE0-484631B0517E}">
-  <ds:schemaRefs>
-    <ds:schemaRef ds:uri="http://schemas.microsoft.com/VisualStudio/2011/storyboarding/control"/>
-  </ds:schemaRefs>
-</ds:datastoreItem>
-</file>
-
-<file path=customXml/itemProps243.xml><?xml version="1.0" encoding="utf-8"?>
-<ds:datastoreItem xmlns:ds="http://schemas.openxmlformats.org/officeDocument/2006/customXml" ds:itemID="{4475BC4D-1BB3-42EE-94C9-1B162D8BAFED}">
-  <ds:schemaRefs>
-    <ds:schemaRef ds:uri="http://schemas.microsoft.com/VisualStudio/2011/storyboarding/control/v1.0"/>
-  </ds:schemaRefs>
-</ds:datastoreItem>
-</file>
-
-<file path=customXml/itemProps244.xml><?xml version="1.0" encoding="utf-8"?>
-<ds:datastoreItem xmlns:ds="http://schemas.openxmlformats.org/officeDocument/2006/customXml" ds:itemID="{D82A573E-3F86-406F-9689-B00DF68F7FE6}">
-  <ds:schemaRefs>
-    <ds:schemaRef ds:uri="http://schemas.microsoft.com/VisualStudio/2011/storyboarding/control"/>
-  </ds:schemaRefs>
-</ds:datastoreItem>
-</file>
-
-<file path=customXml/itemProps245.xml><?xml version="1.0" encoding="utf-8"?>
-<ds:datastoreItem xmlns:ds="http://schemas.openxmlformats.org/officeDocument/2006/customXml" ds:itemID="{FF3B4171-9676-41DC-B6CD-422B9402F297}">
-  <ds:schemaRefs>
-    <ds:schemaRef ds:uri="http://schemas.microsoft.com/VisualStudio/2011/storyboarding/control"/>
-  </ds:schemaRefs>
-</ds:datastoreItem>
-</file>
-
-<file path=customXml/itemProps246.xml><?xml version="1.0" encoding="utf-8"?>
-<ds:datastoreItem xmlns:ds="http://schemas.openxmlformats.org/officeDocument/2006/customXml" ds:itemID="{A1DCD3A6-7B8F-4EF8-B628-06185B8CBC69}">
-  <ds:schemaRefs>
-    <ds:schemaRef ds:uri="http://schemas.microsoft.com/VisualStudio/2011/storyboarding/control"/>
-  </ds:schemaRefs>
-</ds:datastoreItem>
-</file>
-
-<file path=customXml/itemProps247.xml><?xml version="1.0" encoding="utf-8"?>
-<ds:datastoreItem xmlns:ds="http://schemas.openxmlformats.org/officeDocument/2006/customXml" ds:itemID="{449A1225-4F5D-4254-9ACE-BB09E439D272}">
-  <ds:schemaRefs>
-    <ds:schemaRef ds:uri="http://schemas.microsoft.com/VisualStudio/2011/storyboarding/control"/>
-  </ds:schemaRefs>
-</ds:datastoreItem>
-</file>
-
-<file path=customXml/itemProps248.xml><?xml version="1.0" encoding="utf-8"?>
-<ds:datastoreItem xmlns:ds="http://schemas.openxmlformats.org/officeDocument/2006/customXml" ds:itemID="{FF2A226E-DC1A-415A-8850-79734C5CEF0F}">
-  <ds:schemaRefs>
-    <ds:schemaRef ds:uri="http://schemas.microsoft.com/VisualStudio/2011/storyboarding/control"/>
-  </ds:schemaRefs>
-</ds:datastoreItem>
-</file>
-
-<file path=customXml/itemProps249.xml><?xml version="1.0" encoding="utf-8"?>
-<ds:datastoreItem xmlns:ds="http://schemas.openxmlformats.org/officeDocument/2006/customXml" ds:itemID="{55C5D3AD-0246-4377-A002-D1DD16BE16B6}">
-  <ds:schemaRefs>
-    <ds:schemaRef ds:uri="http://schemas.microsoft.com/VisualStudio/2011/storyboarding/control"/>
-  </ds:schemaRefs>
-</ds:datastoreItem>
-</file>
-
-<file path=customXml/itemProps25.xml><?xml version="1.0" encoding="utf-8"?>
-<ds:datastoreItem xmlns:ds="http://schemas.openxmlformats.org/officeDocument/2006/customXml" ds:itemID="{CEC7B8F1-9D0D-488B-A5EE-29CDE97D1D43}">
-  <ds:schemaRefs>
-    <ds:schemaRef ds:uri="http://schemas.microsoft.com/VisualStudio/2011/storyboarding/control"/>
-  </ds:schemaRefs>
-</ds:datastoreItem>
-</file>
-
-<file path=customXml/itemProps250.xml><?xml version="1.0" encoding="utf-8"?>
-<ds:datastoreItem xmlns:ds="http://schemas.openxmlformats.org/officeDocument/2006/customXml" ds:itemID="{FA657E69-A04F-4CED-8C69-3F4F4FB802CC}">
-  <ds:schemaRefs>
-    <ds:schemaRef ds:uri="http://schemas.microsoft.com/VisualStudio/2011/storyboarding/control"/>
-  </ds:schemaRefs>
-</ds:datastoreItem>
-</file>
-
-<file path=customXml/itemProps251.xml><?xml version="1.0" encoding="utf-8"?>
-<ds:datastoreItem xmlns:ds="http://schemas.openxmlformats.org/officeDocument/2006/customXml" ds:itemID="{F0C473A6-3E17-4279-AD74-541B6D3E7D6B}">
-  <ds:schemaRefs>
-    <ds:schemaRef ds:uri="http://schemas.microsoft.com/VisualStudio/2011/storyboarding/control"/>
-  </ds:schemaRefs>
-</ds:datastoreItem>
-</file>
-
-<file path=customXml/itemProps252.xml><?xml version="1.0" encoding="utf-8"?>
-<ds:datastoreItem xmlns:ds="http://schemas.openxmlformats.org/officeDocument/2006/customXml" ds:itemID="{D4C5C259-7D43-42F4-AF72-972F8F49260F}">
-  <ds:schemaRefs>
-    <ds:schemaRef ds:uri="http://schemas.microsoft.com/VisualStudio/2011/storyboarding/control"/>
-  </ds:schemaRefs>
-</ds:datastoreItem>
-</file>
-
-<file path=customXml/itemProps253.xml><?xml version="1.0" encoding="utf-8"?>
-<ds:datastoreItem xmlns:ds="http://schemas.openxmlformats.org/officeDocument/2006/customXml" ds:itemID="{790968DC-062F-4909-80C6-A6389803A865}">
-  <ds:schemaRefs>
-    <ds:schemaRef ds:uri="http://schemas.microsoft.com/VisualStudio/2011/storyboarding/control"/>
-  </ds:schemaRefs>
-</ds:datastoreItem>
-</file>
-
-<file path=customXml/itemProps254.xml><?xml version="1.0" encoding="utf-8"?>
-<ds:datastoreItem xmlns:ds="http://schemas.openxmlformats.org/officeDocument/2006/customXml" ds:itemID="{CFC43893-6713-423F-ABEA-CEDE71EFFE86}">
-  <ds:schemaRefs>
-    <ds:schemaRef ds:uri="http://schemas.microsoft.com/VisualStudio/2011/storyboarding/control"/>
-  </ds:schemaRefs>
-</ds:datastoreItem>
-</file>
-
-<file path=customXml/itemProps255.xml><?xml version="1.0" encoding="utf-8"?>
+<file path=customXml/itemProps293.xml><?xml version="1.0" encoding="utf-8"?>
 <ds:datastoreItem xmlns:ds="http://schemas.openxmlformats.org/officeDocument/2006/customXml" ds:itemID="{CB8E043B-45F5-4D5B-AA27-B56B500D4A1E}">
   <ds:schemaRefs>
     <ds:schemaRef ds:uri="http://schemas.microsoft.com/VisualStudio/2011/storyboarding/control"/>
@@ -49993,183 +50329,7 @@
 </ds:datastoreItem>
 </file>
 
-<file path=customXml/itemProps256.xml><?xml version="1.0" encoding="utf-8"?>
-<ds:datastoreItem xmlns:ds="http://schemas.openxmlformats.org/officeDocument/2006/customXml" ds:itemID="{69E73852-A5A3-4DDF-892C-E566092F7145}">
-  <ds:schemaRefs>
-    <ds:schemaRef ds:uri="http://schemas.microsoft.com/VisualStudio/2011/storyboarding/control"/>
-  </ds:schemaRefs>
-</ds:datastoreItem>
-</file>
-
-<file path=customXml/itemProps257.xml><?xml version="1.0" encoding="utf-8"?>
-<ds:datastoreItem xmlns:ds="http://schemas.openxmlformats.org/officeDocument/2006/customXml" ds:itemID="{E2BF015A-676D-43DD-859B-3EF14551EC76}">
-  <ds:schemaRefs>
-    <ds:schemaRef ds:uri="http://schemas.microsoft.com/VisualStudio/2011/storyboarding/control"/>
-  </ds:schemaRefs>
-</ds:datastoreItem>
-</file>
-
-<file path=customXml/itemProps258.xml><?xml version="1.0" encoding="utf-8"?>
-<ds:datastoreItem xmlns:ds="http://schemas.openxmlformats.org/officeDocument/2006/customXml" ds:itemID="{DC10D8AA-72C9-4D17-85F8-F0724DE545C8}">
-  <ds:schemaRefs>
-    <ds:schemaRef ds:uri="http://schemas.microsoft.com/VisualStudio/2011/storyboarding/control"/>
-  </ds:schemaRefs>
-</ds:datastoreItem>
-</file>
-
-<file path=customXml/itemProps259.xml><?xml version="1.0" encoding="utf-8"?>
-<ds:datastoreItem xmlns:ds="http://schemas.openxmlformats.org/officeDocument/2006/customXml" ds:itemID="{9B185CC5-95C3-4BBA-A74E-E2A99CEA4473}">
-  <ds:schemaRefs>
-    <ds:schemaRef ds:uri="http://schemas.microsoft.com/VisualStudio/2011/storyboarding/control"/>
-  </ds:schemaRefs>
-</ds:datastoreItem>
-</file>
-
-<file path=customXml/itemProps26.xml><?xml version="1.0" encoding="utf-8"?>
-<ds:datastoreItem xmlns:ds="http://schemas.openxmlformats.org/officeDocument/2006/customXml" ds:itemID="{3055C328-CA29-4701-84B0-9F3C5F35E67F}">
-  <ds:schemaRefs>
-    <ds:schemaRef ds:uri="http://schemas.microsoft.com/VisualStudio/2011/storyboarding/control"/>
-  </ds:schemaRefs>
-</ds:datastoreItem>
-</file>
-
-<file path=customXml/itemProps260.xml><?xml version="1.0" encoding="utf-8"?>
-<ds:datastoreItem xmlns:ds="http://schemas.openxmlformats.org/officeDocument/2006/customXml" ds:itemID="{49FA0AFA-8994-4438-9FE0-C1EBD19DB4D1}">
-  <ds:schemaRefs>
-    <ds:schemaRef ds:uri="http://schemas.microsoft.com/VisualStudio/2011/storyboarding/control"/>
-  </ds:schemaRefs>
-</ds:datastoreItem>
-</file>
-
-<file path=customXml/itemProps261.xml><?xml version="1.0" encoding="utf-8"?>
-<ds:datastoreItem xmlns:ds="http://schemas.openxmlformats.org/officeDocument/2006/customXml" ds:itemID="{E8006CB5-66B4-426C-B09F-46903F774D08}">
-  <ds:schemaRefs>
-    <ds:schemaRef ds:uri="http://schemas.microsoft.com/VisualStudio/2011/storyboarding/control"/>
-  </ds:schemaRefs>
-</ds:datastoreItem>
-</file>
-
-<file path=customXml/itemProps262.xml><?xml version="1.0" encoding="utf-8"?>
-<ds:datastoreItem xmlns:ds="http://schemas.openxmlformats.org/officeDocument/2006/customXml" ds:itemID="{9C536043-4824-4ADA-8C8B-AE4C0470CAD4}">
-  <ds:schemaRefs>
-    <ds:schemaRef ds:uri="http://schemas.microsoft.com/VisualStudio/2011/storyboarding/control"/>
-  </ds:schemaRefs>
-</ds:datastoreItem>
-</file>
-
-<file path=customXml/itemProps263.xml><?xml version="1.0" encoding="utf-8"?>
-<ds:datastoreItem xmlns:ds="http://schemas.openxmlformats.org/officeDocument/2006/customXml" ds:itemID="{450227EE-B7B0-4669-A476-03FF82765DDA}">
-  <ds:schemaRefs>
-    <ds:schemaRef ds:uri="http://schemas.microsoft.com/VisualStudio/2011/storyboarding/control"/>
-  </ds:schemaRefs>
-</ds:datastoreItem>
-</file>
-
-<file path=customXml/itemProps264.xml><?xml version="1.0" encoding="utf-8"?>
-<ds:datastoreItem xmlns:ds="http://schemas.openxmlformats.org/officeDocument/2006/customXml" ds:itemID="{57758142-8808-4BCA-A9C5-2B9F08B5F92B}">
-  <ds:schemaRefs>
-    <ds:schemaRef ds:uri="http://schemas.microsoft.com/VisualStudio/2011/storyboarding/control"/>
-  </ds:schemaRefs>
-</ds:datastoreItem>
-</file>
-
-<file path=customXml/itemProps265.xml><?xml version="1.0" encoding="utf-8"?>
-<ds:datastoreItem xmlns:ds="http://schemas.openxmlformats.org/officeDocument/2006/customXml" ds:itemID="{CA81DD26-4AC3-417B-B492-D4109429F8F8}">
-  <ds:schemaRefs>
-    <ds:schemaRef ds:uri="http://schemas.microsoft.com/VisualStudio/2011/storyboarding/control"/>
-  </ds:schemaRefs>
-</ds:datastoreItem>
-</file>
-
-<file path=customXml/itemProps266.xml><?xml version="1.0" encoding="utf-8"?>
-<ds:datastoreItem xmlns:ds="http://schemas.openxmlformats.org/officeDocument/2006/customXml" ds:itemID="{4315F146-AD1F-46D4-969C-764729D303CD}">
-  <ds:schemaRefs>
-    <ds:schemaRef ds:uri="http://schemas.microsoft.com/VisualStudio/2011/storyboarding/control"/>
-  </ds:schemaRefs>
-</ds:datastoreItem>
-</file>
-
-<file path=customXml/itemProps267.xml><?xml version="1.0" encoding="utf-8"?>
-<ds:datastoreItem xmlns:ds="http://schemas.openxmlformats.org/officeDocument/2006/customXml" ds:itemID="{D59436EC-991B-433C-ACD7-764E26965536}">
-  <ds:schemaRefs>
-    <ds:schemaRef ds:uri="http://schemas.microsoft.com/VisualStudio/2011/storyboarding/control"/>
-  </ds:schemaRefs>
-</ds:datastoreItem>
-</file>
-
-<file path=customXml/itemProps268.xml><?xml version="1.0" encoding="utf-8"?>
-<ds:datastoreItem xmlns:ds="http://schemas.openxmlformats.org/officeDocument/2006/customXml" ds:itemID="{F2536055-0A51-45C4-BB74-84D47AB0101B}">
-  <ds:schemaRefs>
-    <ds:schemaRef ds:uri="http://schemas.microsoft.com/VisualStudio/2011/storyboarding/control"/>
-  </ds:schemaRefs>
-</ds:datastoreItem>
-</file>
-
-<file path=customXml/itemProps269.xml><?xml version="1.0" encoding="utf-8"?>
-<ds:datastoreItem xmlns:ds="http://schemas.openxmlformats.org/officeDocument/2006/customXml" ds:itemID="{82CA3AE0-1A6B-400B-BEEC-CB72AC7292BF}">
-  <ds:schemaRefs>
-    <ds:schemaRef ds:uri="http://schemas.microsoft.com/VisualStudio/2011/storyboarding/control"/>
-  </ds:schemaRefs>
-</ds:datastoreItem>
-</file>
-
-<file path=customXml/itemProps27.xml><?xml version="1.0" encoding="utf-8"?>
-<ds:datastoreItem xmlns:ds="http://schemas.openxmlformats.org/officeDocument/2006/customXml" ds:itemID="{D1D377D1-233E-4A31-B2B6-7DB71B4F1C57}">
-  <ds:schemaRefs>
-    <ds:schemaRef ds:uri="http://schemas.microsoft.com/VisualStudio/2011/storyboarding/control"/>
-  </ds:schemaRefs>
-</ds:datastoreItem>
-</file>
-
-<file path=customXml/itemProps270.xml><?xml version="1.0" encoding="utf-8"?>
-<ds:datastoreItem xmlns:ds="http://schemas.openxmlformats.org/officeDocument/2006/customXml" ds:itemID="{7A56F8D1-12D8-4523-801C-91CB3BBA06C5}">
-  <ds:schemaRefs>
-    <ds:schemaRef ds:uri="http://schemas.microsoft.com/VisualStudio/2011/storyboarding/control"/>
-  </ds:schemaRefs>
-</ds:datastoreItem>
-</file>
-
-<file path=customXml/itemProps271.xml><?xml version="1.0" encoding="utf-8"?>
-<ds:datastoreItem xmlns:ds="http://schemas.openxmlformats.org/officeDocument/2006/customXml" ds:itemID="{807766A7-FC1E-46AE-90A3-DD7690AE3ABA}">
-  <ds:schemaRefs>
-    <ds:schemaRef ds:uri="http://schemas.microsoft.com/VisualStudio/2011/storyboarding/control"/>
-  </ds:schemaRefs>
-</ds:datastoreItem>
-</file>
-
-<file path=customXml/itemProps272.xml><?xml version="1.0" encoding="utf-8"?>
-<ds:datastoreItem xmlns:ds="http://schemas.openxmlformats.org/officeDocument/2006/customXml" ds:itemID="{09951142-19E5-4AEA-9007-A3B691709732}">
-  <ds:schemaRefs>
-    <ds:schemaRef ds:uri="http://schemas.microsoft.com/VisualStudio/2011/storyboarding/control"/>
-  </ds:schemaRefs>
-</ds:datastoreItem>
-</file>
-
-<file path=customXml/itemProps273.xml><?xml version="1.0" encoding="utf-8"?>
-<ds:datastoreItem xmlns:ds="http://schemas.openxmlformats.org/officeDocument/2006/customXml" ds:itemID="{C5AD7F61-BDDC-4AE5-B432-4B8C3E600F1A}">
-  <ds:schemaRefs>
-    <ds:schemaRef ds:uri="http://schemas.microsoft.com/VisualStudio/2011/storyboarding/control"/>
-  </ds:schemaRefs>
-</ds:datastoreItem>
-</file>
-
-<file path=customXml/itemProps274.xml><?xml version="1.0" encoding="utf-8"?>
-<ds:datastoreItem xmlns:ds="http://schemas.openxmlformats.org/officeDocument/2006/customXml" ds:itemID="{DA5ACF6D-2AD4-4D7C-9C00-525086AC67C2}">
-  <ds:schemaRefs>
-    <ds:schemaRef ds:uri="http://schemas.microsoft.com/VisualStudio/2011/storyboarding/control"/>
-  </ds:schemaRefs>
-</ds:datastoreItem>
-</file>
-
-<file path=customXml/itemProps275.xml><?xml version="1.0" encoding="utf-8"?>
-<ds:datastoreItem xmlns:ds="http://schemas.openxmlformats.org/officeDocument/2006/customXml" ds:itemID="{FEF69B90-0A68-4E73-9EDC-F85DC516599C}">
-  <ds:schemaRefs>
-    <ds:schemaRef ds:uri="http://schemas.microsoft.com/VisualStudio/2011/storyboarding/control"/>
-  </ds:schemaRefs>
-</ds:datastoreItem>
-</file>
-
-<file path=customXml/itemProps276.xml><?xml version="1.0" encoding="utf-8"?>
+<file path=customXml/itemProps294.xml><?xml version="1.0" encoding="utf-8"?>
 <ds:datastoreItem xmlns:ds="http://schemas.openxmlformats.org/officeDocument/2006/customXml" ds:itemID="{AE204A93-0991-4350-92BC-8B95A67FC242}">
   <ds:schemaRefs>
     <ds:schemaRef ds:uri="http://schemas.microsoft.com/VisualStudio/2011/storyboarding/control"/>
@@ -50177,183 +50337,7 @@
 </ds:datastoreItem>
 </file>
 
-<file path=customXml/itemProps277.xml><?xml version="1.0" encoding="utf-8"?>
-<ds:datastoreItem xmlns:ds="http://schemas.openxmlformats.org/officeDocument/2006/customXml" ds:itemID="{03DCBCB6-6896-485C-8B5E-6A0ABFF844F7}">
-  <ds:schemaRefs>
-    <ds:schemaRef ds:uri="http://schemas.microsoft.com/VisualStudio/2011/storyboarding/control"/>
-  </ds:schemaRefs>
-</ds:datastoreItem>
-</file>
-
-<file path=customXml/itemProps278.xml><?xml version="1.0" encoding="utf-8"?>
-<ds:datastoreItem xmlns:ds="http://schemas.openxmlformats.org/officeDocument/2006/customXml" ds:itemID="{4CF3CBB8-4C99-4550-8990-82FB93A8798C}">
-  <ds:schemaRefs>
-    <ds:schemaRef ds:uri="http://schemas.microsoft.com/VisualStudio/2011/storyboarding/control"/>
-  </ds:schemaRefs>
-</ds:datastoreItem>
-</file>
-
-<file path=customXml/itemProps279.xml><?xml version="1.0" encoding="utf-8"?>
-<ds:datastoreItem xmlns:ds="http://schemas.openxmlformats.org/officeDocument/2006/customXml" ds:itemID="{7CA68FB6-F890-438B-B497-8E051E64CA29}">
-  <ds:schemaRefs>
-    <ds:schemaRef ds:uri="http://schemas.microsoft.com/VisualStudio/2011/storyboarding/control"/>
-  </ds:schemaRefs>
-</ds:datastoreItem>
-</file>
-
-<file path=customXml/itemProps28.xml><?xml version="1.0" encoding="utf-8"?>
-<ds:datastoreItem xmlns:ds="http://schemas.openxmlformats.org/officeDocument/2006/customXml" ds:itemID="{E11E220B-C105-4B08-A3F0-61F5310A3798}">
-  <ds:schemaRefs>
-    <ds:schemaRef ds:uri="http://schemas.microsoft.com/VisualStudio/2011/storyboarding/control"/>
-  </ds:schemaRefs>
-</ds:datastoreItem>
-</file>
-
-<file path=customXml/itemProps280.xml><?xml version="1.0" encoding="utf-8"?>
-<ds:datastoreItem xmlns:ds="http://schemas.openxmlformats.org/officeDocument/2006/customXml" ds:itemID="{1DC2092F-C361-4AB2-B4C8-17B0BEF5A845}">
-  <ds:schemaRefs>
-    <ds:schemaRef ds:uri="http://schemas.microsoft.com/VisualStudio/2011/storyboarding/control"/>
-  </ds:schemaRefs>
-</ds:datastoreItem>
-</file>
-
-<file path=customXml/itemProps281.xml><?xml version="1.0" encoding="utf-8"?>
-<ds:datastoreItem xmlns:ds="http://schemas.openxmlformats.org/officeDocument/2006/customXml" ds:itemID="{3C148C53-07E1-48F0-9BAF-BEDBF904BCAF}">
-  <ds:schemaRefs>
-    <ds:schemaRef ds:uri="http://schemas.microsoft.com/VisualStudio/2011/storyboarding/control"/>
-  </ds:schemaRefs>
-</ds:datastoreItem>
-</file>
-
-<file path=customXml/itemProps282.xml><?xml version="1.0" encoding="utf-8"?>
-<ds:datastoreItem xmlns:ds="http://schemas.openxmlformats.org/officeDocument/2006/customXml" ds:itemID="{61207A15-0E1C-41C0-9C90-1C74074B6686}">
-  <ds:schemaRefs>
-    <ds:schemaRef ds:uri="http://schemas.microsoft.com/VisualStudio/2011/storyboarding/control"/>
-  </ds:schemaRefs>
-</ds:datastoreItem>
-</file>
-
-<file path=customXml/itemProps283.xml><?xml version="1.0" encoding="utf-8"?>
-<ds:datastoreItem xmlns:ds="http://schemas.openxmlformats.org/officeDocument/2006/customXml" ds:itemID="{00D3C3C2-2740-4C03-97B1-A7D61B1CC91D}">
-  <ds:schemaRefs>
-    <ds:schemaRef ds:uri="http://schemas.microsoft.com/VisualStudio/2011/storyboarding/control"/>
-  </ds:schemaRefs>
-</ds:datastoreItem>
-</file>
-
-<file path=customXml/itemProps284.xml><?xml version="1.0" encoding="utf-8"?>
-<ds:datastoreItem xmlns:ds="http://schemas.openxmlformats.org/officeDocument/2006/customXml" ds:itemID="{D533EBDA-44B2-4384-A8E6-015731B15DF0}">
-  <ds:schemaRefs>
-    <ds:schemaRef ds:uri="http://schemas.microsoft.com/VisualStudio/2011/storyboarding/control"/>
-  </ds:schemaRefs>
-</ds:datastoreItem>
-</file>
-
-<file path=customXml/itemProps285.xml><?xml version="1.0" encoding="utf-8"?>
-<ds:datastoreItem xmlns:ds="http://schemas.openxmlformats.org/officeDocument/2006/customXml" ds:itemID="{08B3710C-6590-4F94-976E-4FB4FB6B9AEF}">
-  <ds:schemaRefs>
-    <ds:schemaRef ds:uri="http://schemas.microsoft.com/VisualStudio/2011/storyboarding/control"/>
-  </ds:schemaRefs>
-</ds:datastoreItem>
-</file>
-
-<file path=customXml/itemProps286.xml><?xml version="1.0" encoding="utf-8"?>
-<ds:datastoreItem xmlns:ds="http://schemas.openxmlformats.org/officeDocument/2006/customXml" ds:itemID="{74C0AF41-ECBB-4631-9A3A-357270F52D2E}">
-  <ds:schemaRefs>
-    <ds:schemaRef ds:uri="http://schemas.microsoft.com/VisualStudio/2011/storyboarding/control"/>
-  </ds:schemaRefs>
-</ds:datastoreItem>
-</file>
-
-<file path=customXml/itemProps287.xml><?xml version="1.0" encoding="utf-8"?>
-<ds:datastoreItem xmlns:ds="http://schemas.openxmlformats.org/officeDocument/2006/customXml" ds:itemID="{58DF19D7-36B1-4963-9970-16928144D882}">
-  <ds:schemaRefs>
-    <ds:schemaRef ds:uri="http://schemas.microsoft.com/VisualStudio/2011/storyboarding/control"/>
-  </ds:schemaRefs>
-</ds:datastoreItem>
-</file>
-
-<file path=customXml/itemProps288.xml><?xml version="1.0" encoding="utf-8"?>
-<ds:datastoreItem xmlns:ds="http://schemas.openxmlformats.org/officeDocument/2006/customXml" ds:itemID="{6891556F-2B61-4FCC-8F9C-31318044D0C8}">
-  <ds:schemaRefs>
-    <ds:schemaRef ds:uri="http://schemas.microsoft.com/VisualStudio/2011/storyboarding/control"/>
-  </ds:schemaRefs>
-</ds:datastoreItem>
-</file>
-
-<file path=customXml/itemProps289.xml><?xml version="1.0" encoding="utf-8"?>
-<ds:datastoreItem xmlns:ds="http://schemas.openxmlformats.org/officeDocument/2006/customXml" ds:itemID="{9954BA6F-22C2-4FB9-AB8A-6BCE43E6A3EB}">
-  <ds:schemaRefs>
-    <ds:schemaRef ds:uri="http://schemas.microsoft.com/VisualStudio/2011/storyboarding/control"/>
-  </ds:schemaRefs>
-</ds:datastoreItem>
-</file>
-
-<file path=customXml/itemProps29.xml><?xml version="1.0" encoding="utf-8"?>
-<ds:datastoreItem xmlns:ds="http://schemas.openxmlformats.org/officeDocument/2006/customXml" ds:itemID="{E4752B5F-78E4-4F71-B3E4-1BA2A0FF01EA}">
-  <ds:schemaRefs>
-    <ds:schemaRef ds:uri="http://schemas.microsoft.com/VisualStudio/2011/storyboarding/control"/>
-  </ds:schemaRefs>
-</ds:datastoreItem>
-</file>
-
-<file path=customXml/itemProps290.xml><?xml version="1.0" encoding="utf-8"?>
-<ds:datastoreItem xmlns:ds="http://schemas.openxmlformats.org/officeDocument/2006/customXml" ds:itemID="{9CBAF6D4-9473-4E07-8702-3C8DBF1A5C1B}">
-  <ds:schemaRefs>
-    <ds:schemaRef ds:uri="http://schemas.microsoft.com/VisualStudio/2011/storyboarding/control"/>
-  </ds:schemaRefs>
-</ds:datastoreItem>
-</file>
-
-<file path=customXml/itemProps291.xml><?xml version="1.0" encoding="utf-8"?>
-<ds:datastoreItem xmlns:ds="http://schemas.openxmlformats.org/officeDocument/2006/customXml" ds:itemID="{17B2E7D0-7E29-4049-BB1D-7EFDCDDA0EBB}">
-  <ds:schemaRefs>
-    <ds:schemaRef ds:uri="http://schemas.microsoft.com/VisualStudio/2011/storyboarding/control"/>
-  </ds:schemaRefs>
-</ds:datastoreItem>
-</file>
-
-<file path=customXml/itemProps292.xml><?xml version="1.0" encoding="utf-8"?>
-<ds:datastoreItem xmlns:ds="http://schemas.openxmlformats.org/officeDocument/2006/customXml" ds:itemID="{00A259EA-1E05-4E35-B5EC-8EA87DB2E518}">
-  <ds:schemaRefs>
-    <ds:schemaRef ds:uri="http://schemas.microsoft.com/VisualStudio/2011/storyboarding/control"/>
-  </ds:schemaRefs>
-</ds:datastoreItem>
-</file>
-
-<file path=customXml/itemProps293.xml><?xml version="1.0" encoding="utf-8"?>
-<ds:datastoreItem xmlns:ds="http://schemas.openxmlformats.org/officeDocument/2006/customXml" ds:itemID="{8540B99E-33C0-4F1E-8AB6-6057DD1484BC}">
-  <ds:schemaRefs>
-    <ds:schemaRef ds:uri="http://schemas.microsoft.com/VisualStudio/2011/storyboarding/control"/>
-  </ds:schemaRefs>
-</ds:datastoreItem>
-</file>
-
-<file path=customXml/itemProps294.xml><?xml version="1.0" encoding="utf-8"?>
-<ds:datastoreItem xmlns:ds="http://schemas.openxmlformats.org/officeDocument/2006/customXml" ds:itemID="{3306F836-D9BF-45AD-9E63-D6B8C3B58DAD}">
-  <ds:schemaRefs>
-    <ds:schemaRef ds:uri="http://schemas.microsoft.com/VisualStudio/2011/storyboarding/control"/>
-  </ds:schemaRefs>
-</ds:datastoreItem>
-</file>
-
 <file path=customXml/itemProps295.xml><?xml version="1.0" encoding="utf-8"?>
-<ds:datastoreItem xmlns:ds="http://schemas.openxmlformats.org/officeDocument/2006/customXml" ds:itemID="{68655224-4263-4434-8A54-32404FA825AB}">
-  <ds:schemaRefs>
-    <ds:schemaRef ds:uri="http://schemas.microsoft.com/VisualStudio/2011/storyboarding/control"/>
-  </ds:schemaRefs>
-</ds:datastoreItem>
-</file>
-
-<file path=customXml/itemProps296.xml><?xml version="1.0" encoding="utf-8"?>
-<ds:datastoreItem xmlns:ds="http://schemas.openxmlformats.org/officeDocument/2006/customXml" ds:itemID="{3E896AF5-016B-4671-8ECF-800954B4002A}">
-  <ds:schemaRefs>
-    <ds:schemaRef ds:uri="http://schemas.microsoft.com/VisualStudio/2011/storyboarding/control"/>
-  </ds:schemaRefs>
-</ds:datastoreItem>
-</file>
-
-<file path=customXml/itemProps297.xml><?xml version="1.0" encoding="utf-8"?>
 <ds:datastoreItem xmlns:ds="http://schemas.openxmlformats.org/officeDocument/2006/customXml" ds:itemID="{E5F544DA-59C5-4125-855E-3E237DB2198B}">
   <ds:schemaRefs>
     <ds:schemaRef ds:uri="http://schemas.microsoft.com/VisualStudio/2011/storyboarding/control"/>
@@ -50361,40 +50345,56 @@
 </ds:datastoreItem>
 </file>
 
-<file path=customXml/itemProps298.xml><?xml version="1.0" encoding="utf-8"?>
-<ds:datastoreItem xmlns:ds="http://schemas.openxmlformats.org/officeDocument/2006/customXml" ds:itemID="{CDD986CA-33DF-4901-B6B5-75E1FC634C4E}">
+<file path=customXml/itemProps296.xml><?xml version="1.0" encoding="utf-8"?>
+<ds:datastoreItem xmlns:ds="http://schemas.openxmlformats.org/officeDocument/2006/customXml" ds:itemID="{DAFED7D9-2A8A-42ED-8251-3205EBF21F08}">
   <ds:schemaRefs>
     <ds:schemaRef ds:uri="http://schemas.microsoft.com/VisualStudio/2011/storyboarding/control"/>
   </ds:schemaRefs>
 </ds:datastoreItem>
 </file>
 
-<file path=customXml/itemProps299.xml><?xml version="1.0" encoding="utf-8"?>
-<ds:datastoreItem xmlns:ds="http://schemas.openxmlformats.org/officeDocument/2006/customXml" ds:itemID="{48989EAE-5213-47D6-9975-1982E0630330}">
+<file path=customXml/itemProps297.xml><?xml version="1.0" encoding="utf-8"?>
+<ds:datastoreItem xmlns:ds="http://schemas.openxmlformats.org/officeDocument/2006/customXml" ds:itemID="{0446D0D0-2CFF-4680-9958-3DE5402AE64B}">
   <ds:schemaRefs>
     <ds:schemaRef ds:uri="http://schemas.microsoft.com/VisualStudio/2011/storyboarding/control"/>
   </ds:schemaRefs>
 </ds:datastoreItem>
 </file>
 
-<file path=customXml/itemProps3.xml><?xml version="1.0" encoding="utf-8"?>
-<ds:datastoreItem xmlns:ds="http://schemas.openxmlformats.org/officeDocument/2006/customXml" ds:itemID="{F95885DD-07A8-472B-ADA7-89D28BC20A0E}">
+<file path=customXml/itemProps298.xml><?xml version="1.0" encoding="utf-8"?>
+<ds:datastoreItem xmlns:ds="http://schemas.openxmlformats.org/officeDocument/2006/customXml" ds:itemID="{9C95B9FF-EF8D-4C10-BFB9-D42385F58FA8}">
   <ds:schemaRefs>
     <ds:schemaRef ds:uri="http://schemas.microsoft.com/VisualStudio/2011/storyboarding/control"/>
   </ds:schemaRefs>
 </ds:datastoreItem>
 </file>
 
-<file path=customXml/itemProps30.xml><?xml version="1.0" encoding="utf-8"?>
-<ds:datastoreItem xmlns:ds="http://schemas.openxmlformats.org/officeDocument/2006/customXml" ds:itemID="{C9D4A64F-62E9-4C31-B16F-083934D51BC2}">
+<file path=customXml/itemProps299.xml><?xml version="1.0" encoding="utf-8"?>
+<ds:datastoreItem xmlns:ds="http://schemas.openxmlformats.org/officeDocument/2006/customXml" ds:itemID="{CD90278B-1B18-4F6E-B790-D4600CEFD472}">
   <ds:schemaRefs>
     <ds:schemaRef ds:uri="http://schemas.microsoft.com/VisualStudio/2011/storyboarding/control"/>
   </ds:schemaRefs>
 </ds:datastoreItem>
 </file>
 
+<file path=customXml/itemProps3.xml><?xml version="1.0" encoding="utf-8"?>
+<ds:datastoreItem xmlns:ds="http://schemas.openxmlformats.org/officeDocument/2006/customXml" ds:itemID="{66CE3589-9272-4AE0-8C3A-28DDBEB99661}">
+  <ds:schemaRefs>
+    <ds:schemaRef ds:uri="http://schemas.microsoft.com/VisualStudio/2011/storyboarding/control"/>
+  </ds:schemaRefs>
+</ds:datastoreItem>
+</file>
+
+<file path=customXml/itemProps30.xml><?xml version="1.0" encoding="utf-8"?>
+<ds:datastoreItem xmlns:ds="http://schemas.openxmlformats.org/officeDocument/2006/customXml" ds:itemID="{6F25A223-D2EF-42A5-B86A-9C93BB7A6BB5}">
+  <ds:schemaRefs>
+    <ds:schemaRef ds:uri="http://schemas.microsoft.com/VisualStudio/2011/storyboarding/control"/>
+  </ds:schemaRefs>
+</ds:datastoreItem>
+</file>
+
 <file path=customXml/itemProps300.xml><?xml version="1.0" encoding="utf-8"?>
-<ds:datastoreItem xmlns:ds="http://schemas.openxmlformats.org/officeDocument/2006/customXml" ds:itemID="{DCA125A3-37BE-4FC4-B60A-02C4AEE4DC91}">
+<ds:datastoreItem xmlns:ds="http://schemas.openxmlformats.org/officeDocument/2006/customXml" ds:itemID="{ECF4BD76-0EC8-4697-955C-2EFD6A0785DD}">
   <ds:schemaRefs>
     <ds:schemaRef ds:uri="http://schemas.microsoft.com/VisualStudio/2011/storyboarding/control"/>
   </ds:schemaRefs>
@@ -50410,6 +50410,358 @@
 </file>
 
 <file path=customXml/itemProps302.xml><?xml version="1.0" encoding="utf-8"?>
+<ds:datastoreItem xmlns:ds="http://schemas.openxmlformats.org/officeDocument/2006/customXml" ds:itemID="{785DF496-5B25-44CA-9509-5B5E475525EF}">
+  <ds:schemaRefs>
+    <ds:schemaRef ds:uri="http://schemas.microsoft.com/VisualStudio/2011/storyboarding/control"/>
+  </ds:schemaRefs>
+</ds:datastoreItem>
+</file>
+
+<file path=customXml/itemProps303.xml><?xml version="1.0" encoding="utf-8"?>
+<ds:datastoreItem xmlns:ds="http://schemas.openxmlformats.org/officeDocument/2006/customXml" ds:itemID="{FE81FCEC-EB34-4EE5-9331-3B1776F537C8}">
+  <ds:schemaRefs>
+    <ds:schemaRef ds:uri="http://schemas.microsoft.com/VisualStudio/2011/storyboarding/control"/>
+  </ds:schemaRefs>
+</ds:datastoreItem>
+</file>
+
+<file path=customXml/itemProps304.xml><?xml version="1.0" encoding="utf-8"?>
+<ds:datastoreItem xmlns:ds="http://schemas.openxmlformats.org/officeDocument/2006/customXml" ds:itemID="{A61AFE22-1C85-4674-95D2-24D1E3A495C4}">
+  <ds:schemaRefs>
+    <ds:schemaRef ds:uri="http://schemas.microsoft.com/VisualStudio/2011/storyboarding/control"/>
+  </ds:schemaRefs>
+</ds:datastoreItem>
+</file>
+
+<file path=customXml/itemProps305.xml><?xml version="1.0" encoding="utf-8"?>
+<ds:datastoreItem xmlns:ds="http://schemas.openxmlformats.org/officeDocument/2006/customXml" ds:itemID="{EB9A75C5-1C39-421A-BB4B-B9B73953A968}">
+  <ds:schemaRefs>
+    <ds:schemaRef ds:uri="http://schemas.microsoft.com/VisualStudio/2011/storyboarding/control"/>
+  </ds:schemaRefs>
+</ds:datastoreItem>
+</file>
+
+<file path=customXml/itemProps306.xml><?xml version="1.0" encoding="utf-8"?>
+<ds:datastoreItem xmlns:ds="http://schemas.openxmlformats.org/officeDocument/2006/customXml" ds:itemID="{0EB279C6-B571-453A-BD40-5F8D944FB710}">
+  <ds:schemaRefs>
+    <ds:schemaRef ds:uri="http://schemas.microsoft.com/VisualStudio/2011/storyboarding/control"/>
+  </ds:schemaRefs>
+</ds:datastoreItem>
+</file>
+
+<file path=customXml/itemProps307.xml><?xml version="1.0" encoding="utf-8"?>
+<ds:datastoreItem xmlns:ds="http://schemas.openxmlformats.org/officeDocument/2006/customXml" ds:itemID="{28132186-4143-4514-BA08-A56617599351}">
+  <ds:schemaRefs>
+    <ds:schemaRef ds:uri="http://schemas.microsoft.com/VisualStudio/2011/storyboarding/control"/>
+  </ds:schemaRefs>
+</ds:datastoreItem>
+</file>
+
+<file path=customXml/itemProps308.xml><?xml version="1.0" encoding="utf-8"?>
+<ds:datastoreItem xmlns:ds="http://schemas.openxmlformats.org/officeDocument/2006/customXml" ds:itemID="{2646AD4E-8195-468B-9E4C-50BB33C32A53}">
+  <ds:schemaRefs>
+    <ds:schemaRef ds:uri="http://schemas.microsoft.com/VisualStudio/2011/storyboarding/control"/>
+  </ds:schemaRefs>
+</ds:datastoreItem>
+</file>
+
+<file path=customXml/itemProps309.xml><?xml version="1.0" encoding="utf-8"?>
+<ds:datastoreItem xmlns:ds="http://schemas.openxmlformats.org/officeDocument/2006/customXml" ds:itemID="{6393506A-1CD8-4731-9A4C-A90C3F081F78}">
+  <ds:schemaRefs>
+    <ds:schemaRef ds:uri="http://schemas.microsoft.com/VisualStudio/2011/storyboarding/control"/>
+  </ds:schemaRefs>
+</ds:datastoreItem>
+</file>
+
+<file path=customXml/itemProps31.xml><?xml version="1.0" encoding="utf-8"?>
+<ds:datastoreItem xmlns:ds="http://schemas.openxmlformats.org/officeDocument/2006/customXml" ds:itemID="{F211C376-1064-4AE0-A689-0EE939837FD9}">
+  <ds:schemaRefs>
+    <ds:schemaRef ds:uri="http://schemas.microsoft.com/VisualStudio/2011/storyboarding/control"/>
+  </ds:schemaRefs>
+</ds:datastoreItem>
+</file>
+
+<file path=customXml/itemProps310.xml><?xml version="1.0" encoding="utf-8"?>
+<ds:datastoreItem xmlns:ds="http://schemas.openxmlformats.org/officeDocument/2006/customXml" ds:itemID="{321B408C-67A4-41DE-9314-526A16DA6F0E}">
+  <ds:schemaRefs>
+    <ds:schemaRef ds:uri="http://schemas.microsoft.com/VisualStudio/2011/storyboarding/control"/>
+  </ds:schemaRefs>
+</ds:datastoreItem>
+</file>
+
+<file path=customXml/itemProps311.xml><?xml version="1.0" encoding="utf-8"?>
+<ds:datastoreItem xmlns:ds="http://schemas.openxmlformats.org/officeDocument/2006/customXml" ds:itemID="{21F68220-8A13-448A-84C5-C720C2A12D22}">
+  <ds:schemaRefs>
+    <ds:schemaRef ds:uri="http://schemas.microsoft.com/VisualStudio/2011/storyboarding/control"/>
+  </ds:schemaRefs>
+</ds:datastoreItem>
+</file>
+
+<file path=customXml/itemProps312.xml><?xml version="1.0" encoding="utf-8"?>
+<ds:datastoreItem xmlns:ds="http://schemas.openxmlformats.org/officeDocument/2006/customXml" ds:itemID="{FF3B4171-9676-41DC-B6CD-422B9402F297}">
+  <ds:schemaRefs>
+    <ds:schemaRef ds:uri="http://schemas.microsoft.com/VisualStudio/2011/storyboarding/control"/>
+  </ds:schemaRefs>
+</ds:datastoreItem>
+</file>
+
+<file path=customXml/itemProps313.xml><?xml version="1.0" encoding="utf-8"?>
+<ds:datastoreItem xmlns:ds="http://schemas.openxmlformats.org/officeDocument/2006/customXml" ds:itemID="{4315F146-AD1F-46D4-969C-764729D303CD}">
+  <ds:schemaRefs>
+    <ds:schemaRef ds:uri="http://schemas.microsoft.com/VisualStudio/2011/storyboarding/control"/>
+  </ds:schemaRefs>
+</ds:datastoreItem>
+</file>
+
+<file path=customXml/itemProps314.xml><?xml version="1.0" encoding="utf-8"?>
+<ds:datastoreItem xmlns:ds="http://schemas.openxmlformats.org/officeDocument/2006/customXml" ds:itemID="{58DF19D7-36B1-4963-9970-16928144D882}">
+  <ds:schemaRefs>
+    <ds:schemaRef ds:uri="http://schemas.microsoft.com/VisualStudio/2011/storyboarding/control"/>
+  </ds:schemaRefs>
+</ds:datastoreItem>
+</file>
+
+<file path=customXml/itemProps315.xml><?xml version="1.0" encoding="utf-8"?>
+<ds:datastoreItem xmlns:ds="http://schemas.openxmlformats.org/officeDocument/2006/customXml" ds:itemID="{0769F57E-C5D3-467B-9892-FBB026F2DA7F}">
+  <ds:schemaRefs>
+    <ds:schemaRef ds:uri="http://schemas.microsoft.com/VisualStudio/2011/storyboarding/control"/>
+  </ds:schemaRefs>
+</ds:datastoreItem>
+</file>
+
+<file path=customXml/itemProps316.xml><?xml version="1.0" encoding="utf-8"?>
+<ds:datastoreItem xmlns:ds="http://schemas.openxmlformats.org/officeDocument/2006/customXml" ds:itemID="{2C4C78B3-427D-403C-A43D-41D7DEF84548}">
+  <ds:schemaRefs>
+    <ds:schemaRef ds:uri="http://schemas.microsoft.com/VisualStudio/2011/storyboarding/control"/>
+  </ds:schemaRefs>
+</ds:datastoreItem>
+</file>
+
+<file path=customXml/itemProps317.xml><?xml version="1.0" encoding="utf-8"?>
+<ds:datastoreItem xmlns:ds="http://schemas.openxmlformats.org/officeDocument/2006/customXml" ds:itemID="{C9D4A64F-62E9-4C31-B16F-083934D51BC2}">
+  <ds:schemaRefs>
+    <ds:schemaRef ds:uri="http://schemas.microsoft.com/VisualStudio/2011/storyboarding/control"/>
+  </ds:schemaRefs>
+</ds:datastoreItem>
+</file>
+
+<file path=customXml/itemProps318.xml><?xml version="1.0" encoding="utf-8"?>
+<ds:datastoreItem xmlns:ds="http://schemas.openxmlformats.org/officeDocument/2006/customXml" ds:itemID="{99F0CC47-58FA-46D7-9D90-1F68C476AA54}">
+  <ds:schemaRefs>
+    <ds:schemaRef ds:uri="http://schemas.microsoft.com/VisualStudio/2011/storyboarding/control"/>
+  </ds:schemaRefs>
+</ds:datastoreItem>
+</file>
+
+<file path=customXml/itemProps319.xml><?xml version="1.0" encoding="utf-8"?>
+<ds:datastoreItem xmlns:ds="http://schemas.openxmlformats.org/officeDocument/2006/customXml" ds:itemID="{0BAA9085-5803-4448-8256-2B9361BB43A7}">
+  <ds:schemaRefs>
+    <ds:schemaRef ds:uri="http://schemas.microsoft.com/VisualStudio/2011/storyboarding/control"/>
+  </ds:schemaRefs>
+</ds:datastoreItem>
+</file>
+
+<file path=customXml/itemProps32.xml><?xml version="1.0" encoding="utf-8"?>
+<ds:datastoreItem xmlns:ds="http://schemas.openxmlformats.org/officeDocument/2006/customXml" ds:itemID="{71E8935D-3F57-40EA-93CE-E6B2DA607D57}">
+  <ds:schemaRefs>
+    <ds:schemaRef ds:uri="http://schemas.microsoft.com/VisualStudio/2011/storyboarding/control"/>
+  </ds:schemaRefs>
+</ds:datastoreItem>
+</file>
+
+<file path=customXml/itemProps320.xml><?xml version="1.0" encoding="utf-8"?>
+<ds:datastoreItem xmlns:ds="http://schemas.openxmlformats.org/officeDocument/2006/customXml" ds:itemID="{083E5DBF-99A6-4800-820B-DF4AFA30FB33}">
+  <ds:schemaRefs>
+    <ds:schemaRef ds:uri="http://schemas.microsoft.com/VisualStudio/2011/storyboarding/control"/>
+  </ds:schemaRefs>
+</ds:datastoreItem>
+</file>
+
+<file path=customXml/itemProps321.xml><?xml version="1.0" encoding="utf-8"?>
+<ds:datastoreItem xmlns:ds="http://schemas.openxmlformats.org/officeDocument/2006/customXml" ds:itemID="{D83A3943-74DF-4309-B997-3DD55BF04BD7}">
+  <ds:schemaRefs>
+    <ds:schemaRef ds:uri="http://schemas.microsoft.com/VisualStudio/2011/storyboarding/control"/>
+  </ds:schemaRefs>
+</ds:datastoreItem>
+</file>
+
+<file path=customXml/itemProps322.xml><?xml version="1.0" encoding="utf-8"?>
+<ds:datastoreItem xmlns:ds="http://schemas.openxmlformats.org/officeDocument/2006/customXml" ds:itemID="{E94D24EF-A31D-4E71-AAE3-AF4C987C24BC}">
+  <ds:schemaRefs>
+    <ds:schemaRef ds:uri="http://schemas.microsoft.com/VisualStudio/2011/storyboarding/control"/>
+  </ds:schemaRefs>
+</ds:datastoreItem>
+</file>
+
+<file path=customXml/itemProps323.xml><?xml version="1.0" encoding="utf-8"?>
+<ds:datastoreItem xmlns:ds="http://schemas.openxmlformats.org/officeDocument/2006/customXml" ds:itemID="{F26A8424-6472-460B-B962-6C36E7AAB7A0}">
+  <ds:schemaRefs>
+    <ds:schemaRef ds:uri="http://schemas.microsoft.com/VisualStudio/2011/storyboarding/control"/>
+  </ds:schemaRefs>
+</ds:datastoreItem>
+</file>
+
+<file path=customXml/itemProps324.xml><?xml version="1.0" encoding="utf-8"?>
+<ds:datastoreItem xmlns:ds="http://schemas.openxmlformats.org/officeDocument/2006/customXml" ds:itemID="{49A62EF0-934A-4EDC-9742-AD4A54EC3D13}">
+  <ds:schemaRefs>
+    <ds:schemaRef ds:uri="http://schemas.microsoft.com/VisualStudio/2011/storyboarding/control"/>
+  </ds:schemaRefs>
+</ds:datastoreItem>
+</file>
+
+<file path=customXml/itemProps325.xml><?xml version="1.0" encoding="utf-8"?>
+<ds:datastoreItem xmlns:ds="http://schemas.openxmlformats.org/officeDocument/2006/customXml" ds:itemID="{72C29E87-98EF-42E5-BC2E-DDC53C278632}">
+  <ds:schemaRefs>
+    <ds:schemaRef ds:uri="http://schemas.microsoft.com/VisualStudio/2011/storyboarding/control"/>
+  </ds:schemaRefs>
+</ds:datastoreItem>
+</file>
+
+<file path=customXml/itemProps326.xml><?xml version="1.0" encoding="utf-8"?>
+<ds:datastoreItem xmlns:ds="http://schemas.openxmlformats.org/officeDocument/2006/customXml" ds:itemID="{E94073FF-C822-4928-A48C-695D37F75B58}">
+  <ds:schemaRefs>
+    <ds:schemaRef ds:uri="http://schemas.microsoft.com/VisualStudio/2011/storyboarding/control"/>
+  </ds:schemaRefs>
+</ds:datastoreItem>
+</file>
+
+<file path=customXml/itemProps327.xml><?xml version="1.0" encoding="utf-8"?>
+<ds:datastoreItem xmlns:ds="http://schemas.openxmlformats.org/officeDocument/2006/customXml" ds:itemID="{DE4B178E-C927-4073-9184-F55E742380AC}">
+  <ds:schemaRefs>
+    <ds:schemaRef ds:uri="http://schemas.microsoft.com/VisualStudio/2011/storyboarding/control"/>
+  </ds:schemaRefs>
+</ds:datastoreItem>
+</file>
+
+<file path=customXml/itemProps328.xml><?xml version="1.0" encoding="utf-8"?>
+<ds:datastoreItem xmlns:ds="http://schemas.openxmlformats.org/officeDocument/2006/customXml" ds:itemID="{CDFD70ED-6700-4141-AB43-2C498F7F4D98}">
+  <ds:schemaRefs>
+    <ds:schemaRef ds:uri="http://schemas.microsoft.com/VisualStudio/2011/storyboarding/control"/>
+  </ds:schemaRefs>
+</ds:datastoreItem>
+</file>
+
+<file path=customXml/itemProps329.xml><?xml version="1.0" encoding="utf-8"?>
+<ds:datastoreItem xmlns:ds="http://schemas.openxmlformats.org/officeDocument/2006/customXml" ds:itemID="{73B547A5-142B-4BCA-BCCB-D9F3A6F3C259}">
+  <ds:schemaRefs>
+    <ds:schemaRef ds:uri="http://schemas.microsoft.com/VisualStudio/2011/storyboarding/control"/>
+  </ds:schemaRefs>
+</ds:datastoreItem>
+</file>
+
+<file path=customXml/itemProps33.xml><?xml version="1.0" encoding="utf-8"?>
+<ds:datastoreItem xmlns:ds="http://schemas.openxmlformats.org/officeDocument/2006/customXml" ds:itemID="{3F656DE6-F858-4E58-81EA-03905D1F64BD}">
+  <ds:schemaRefs>
+    <ds:schemaRef ds:uri="http://schemas.microsoft.com/VisualStudio/2011/storyboarding/control"/>
+  </ds:schemaRefs>
+</ds:datastoreItem>
+</file>
+
+<file path=customXml/itemProps330.xml><?xml version="1.0" encoding="utf-8"?>
+<ds:datastoreItem xmlns:ds="http://schemas.openxmlformats.org/officeDocument/2006/customXml" ds:itemID="{2A4D64F9-90FF-4E26-A8C2-74E6285F51AD}">
+  <ds:schemaRefs>
+    <ds:schemaRef ds:uri="http://schemas.microsoft.com/VisualStudio/2011/storyboarding/control"/>
+  </ds:schemaRefs>
+</ds:datastoreItem>
+</file>
+
+<file path=customXml/itemProps331.xml><?xml version="1.0" encoding="utf-8"?>
+<ds:datastoreItem xmlns:ds="http://schemas.openxmlformats.org/officeDocument/2006/customXml" ds:itemID="{F95885DD-07A8-472B-ADA7-89D28BC20A0E}">
+  <ds:schemaRefs>
+    <ds:schemaRef ds:uri="http://schemas.microsoft.com/VisualStudio/2011/storyboarding/control"/>
+  </ds:schemaRefs>
+</ds:datastoreItem>
+</file>
+
+<file path=customXml/itemProps332.xml><?xml version="1.0" encoding="utf-8"?>
+<ds:datastoreItem xmlns:ds="http://schemas.openxmlformats.org/officeDocument/2006/customXml" ds:itemID="{9F192F6B-8514-49C5-8D55-263A6DDB7AB1}">
+  <ds:schemaRefs>
+    <ds:schemaRef ds:uri="http://schemas.microsoft.com/VisualStudio/2011/storyboarding/control"/>
+  </ds:schemaRefs>
+</ds:datastoreItem>
+</file>
+
+<file path=customXml/itemProps333.xml><?xml version="1.0" encoding="utf-8"?>
+<ds:datastoreItem xmlns:ds="http://schemas.openxmlformats.org/officeDocument/2006/customXml" ds:itemID="{20DAD8A8-F1AD-4C3A-98F6-758C6EBF2EB3}">
+  <ds:schemaRefs>
+    <ds:schemaRef ds:uri="http://schemas.microsoft.com/VisualStudio/2011/storyboarding/control"/>
+  </ds:schemaRefs>
+</ds:datastoreItem>
+</file>
+
+<file path=customXml/itemProps334.xml><?xml version="1.0" encoding="utf-8"?>
+<ds:datastoreItem xmlns:ds="http://schemas.openxmlformats.org/officeDocument/2006/customXml" ds:itemID="{69E73852-A5A3-4DDF-892C-E566092F7145}">
+  <ds:schemaRefs>
+    <ds:schemaRef ds:uri="http://schemas.microsoft.com/VisualStudio/2011/storyboarding/control"/>
+  </ds:schemaRefs>
+</ds:datastoreItem>
+</file>
+
+<file path=customXml/itemProps335.xml><?xml version="1.0" encoding="utf-8"?>
+<ds:datastoreItem xmlns:ds="http://schemas.openxmlformats.org/officeDocument/2006/customXml" ds:itemID="{03DCBCB6-6896-485C-8B5E-6A0ABFF844F7}">
+  <ds:schemaRefs>
+    <ds:schemaRef ds:uri="http://schemas.microsoft.com/VisualStudio/2011/storyboarding/control"/>
+  </ds:schemaRefs>
+</ds:datastoreItem>
+</file>
+
+<file path=customXml/itemProps336.xml><?xml version="1.0" encoding="utf-8"?>
+<ds:datastoreItem xmlns:ds="http://schemas.openxmlformats.org/officeDocument/2006/customXml" ds:itemID="{CDD986CA-33DF-4901-B6B5-75E1FC634C4E}">
+  <ds:schemaRefs>
+    <ds:schemaRef ds:uri="http://schemas.microsoft.com/VisualStudio/2011/storyboarding/control"/>
+  </ds:schemaRefs>
+</ds:datastoreItem>
+</file>
+
+<file path=customXml/itemProps337.xml><?xml version="1.0" encoding="utf-8"?>
+<ds:datastoreItem xmlns:ds="http://schemas.openxmlformats.org/officeDocument/2006/customXml" ds:itemID="{86CB9212-4366-45BE-9DB0-E9891146E689}">
+  <ds:schemaRefs>
+    <ds:schemaRef ds:uri="http://schemas.microsoft.com/VisualStudio/2011/storyboarding/control"/>
+  </ds:schemaRefs>
+</ds:datastoreItem>
+</file>
+
+<file path=customXml/itemProps338.xml><?xml version="1.0" encoding="utf-8"?>
+<ds:datastoreItem xmlns:ds="http://schemas.openxmlformats.org/officeDocument/2006/customXml" ds:itemID="{49B132E8-0CD7-4C7D-A423-74D52DBEC2CA}">
+  <ds:schemaRefs>
+    <ds:schemaRef ds:uri="http://schemas.microsoft.com/VisualStudio/2011/storyboarding/control"/>
+  </ds:schemaRefs>
+</ds:datastoreItem>
+</file>
+
+<file path=customXml/itemProps339.xml><?xml version="1.0" encoding="utf-8"?>
+<ds:datastoreItem xmlns:ds="http://schemas.openxmlformats.org/officeDocument/2006/customXml" ds:itemID="{F8BB2829-F45A-45A4-9F01-17DFF4059B51}">
+  <ds:schemaRefs>
+    <ds:schemaRef ds:uri="http://schemas.microsoft.com/VisualStudio/2011/storyboarding/control"/>
+  </ds:schemaRefs>
+</ds:datastoreItem>
+</file>
+
+<file path=customXml/itemProps34.xml><?xml version="1.0" encoding="utf-8"?>
+<ds:datastoreItem xmlns:ds="http://schemas.openxmlformats.org/officeDocument/2006/customXml" ds:itemID="{8CC97FF8-6B88-4E4B-9490-557BC9B3B6E4}">
+  <ds:schemaRefs>
+    <ds:schemaRef ds:uri="http://schemas.microsoft.com/VisualStudio/2011/storyboarding/control"/>
+  </ds:schemaRefs>
+</ds:datastoreItem>
+</file>
+
+<file path=customXml/itemProps340.xml><?xml version="1.0" encoding="utf-8"?>
+<ds:datastoreItem xmlns:ds="http://schemas.openxmlformats.org/officeDocument/2006/customXml" ds:itemID="{C6C0676A-A317-4303-84CF-6D08AD39770E}">
+  <ds:schemaRefs>
+    <ds:schemaRef ds:uri="http://schemas.microsoft.com/VisualStudio/2011/storyboarding/control"/>
+  </ds:schemaRefs>
+</ds:datastoreItem>
+</file>
+
+<file path=customXml/itemProps341.xml><?xml version="1.0" encoding="utf-8"?>
+<ds:datastoreItem xmlns:ds="http://schemas.openxmlformats.org/officeDocument/2006/customXml" ds:itemID="{52E341A9-0195-49A5-93C7-11D576A5B82E}">
+  <ds:schemaRefs>
+    <ds:schemaRef ds:uri="http://schemas.microsoft.com/VisualStudio/2011/storyboarding/control"/>
+  </ds:schemaRefs>
+</ds:datastoreItem>
+</file>
+
+<file path=customXml/itemProps342.xml><?xml version="1.0" encoding="utf-8"?>
 <ds:datastoreItem xmlns:ds="http://schemas.openxmlformats.org/officeDocument/2006/customXml" ds:itemID="{5B2F1C8E-F291-4768-A595-C66F40CA5F28}">
   <ds:schemaRefs>
     <ds:schemaRef ds:uri="http://schemas.microsoft.com/VisualStudio/2011/storyboarding/control"/>
@@ -50417,360 +50769,8 @@
 </ds:datastoreItem>
 </file>
 
-<file path=customXml/itemProps303.xml><?xml version="1.0" encoding="utf-8"?>
-<ds:datastoreItem xmlns:ds="http://schemas.openxmlformats.org/officeDocument/2006/customXml" ds:itemID="{BBA65514-4202-47C7-9CA4-A8290A1C283C}">
-  <ds:schemaRefs>
-    <ds:schemaRef ds:uri="http://schemas.microsoft.com/VisualStudio/2011/storyboarding/control"/>
-  </ds:schemaRefs>
-</ds:datastoreItem>
-</file>
-
-<file path=customXml/itemProps304.xml><?xml version="1.0" encoding="utf-8"?>
-<ds:datastoreItem xmlns:ds="http://schemas.openxmlformats.org/officeDocument/2006/customXml" ds:itemID="{FB22BDC8-D196-4FC7-B450-0A06EF9EA874}">
-  <ds:schemaRefs>
-    <ds:schemaRef ds:uri="http://schemas.microsoft.com/VisualStudio/2011/storyboarding/control"/>
-  </ds:schemaRefs>
-</ds:datastoreItem>
-</file>
-
-<file path=customXml/itemProps305.xml><?xml version="1.0" encoding="utf-8"?>
-<ds:datastoreItem xmlns:ds="http://schemas.openxmlformats.org/officeDocument/2006/customXml" ds:itemID="{09528D4D-3F54-4BA8-9BF3-D5C08FBD0E1F}">
-  <ds:schemaRefs>
-    <ds:schemaRef ds:uri="http://schemas.microsoft.com/VisualStudio/2011/storyboarding/control"/>
-  </ds:schemaRefs>
-</ds:datastoreItem>
-</file>
-
-<file path=customXml/itemProps306.xml><?xml version="1.0" encoding="utf-8"?>
-<ds:datastoreItem xmlns:ds="http://schemas.openxmlformats.org/officeDocument/2006/customXml" ds:itemID="{061598B1-ACD1-4C83-B027-5A6ABFCE2229}">
-  <ds:schemaRefs>
-    <ds:schemaRef ds:uri="http://schemas.microsoft.com/VisualStudio/2011/storyboarding/control"/>
-  </ds:schemaRefs>
-</ds:datastoreItem>
-</file>
-
-<file path=customXml/itemProps307.xml><?xml version="1.0" encoding="utf-8"?>
-<ds:datastoreItem xmlns:ds="http://schemas.openxmlformats.org/officeDocument/2006/customXml" ds:itemID="{6CB941F7-3AAB-47D0-9A92-14E2F9EE3786}">
-  <ds:schemaRefs>
-    <ds:schemaRef ds:uri="http://schemas.microsoft.com/VisualStudio/2011/storyboarding/control"/>
-  </ds:schemaRefs>
-</ds:datastoreItem>
-</file>
-
-<file path=customXml/itemProps308.xml><?xml version="1.0" encoding="utf-8"?>
-<ds:datastoreItem xmlns:ds="http://schemas.openxmlformats.org/officeDocument/2006/customXml" ds:itemID="{A81B66F1-253E-4227-AEB2-47D6FFE115F8}">
-  <ds:schemaRefs>
-    <ds:schemaRef ds:uri="http://schemas.microsoft.com/VisualStudio/2011/storyboarding/control"/>
-  </ds:schemaRefs>
-</ds:datastoreItem>
-</file>
-
-<file path=customXml/itemProps309.xml><?xml version="1.0" encoding="utf-8"?>
-<ds:datastoreItem xmlns:ds="http://schemas.openxmlformats.org/officeDocument/2006/customXml" ds:itemID="{22A4E592-2CD7-4867-88C3-835A5B2F1011}">
-  <ds:schemaRefs>
-    <ds:schemaRef ds:uri="http://schemas.microsoft.com/VisualStudio/2011/storyboarding/control"/>
-  </ds:schemaRefs>
-</ds:datastoreItem>
-</file>
-
-<file path=customXml/itemProps31.xml><?xml version="1.0" encoding="utf-8"?>
-<ds:datastoreItem xmlns:ds="http://schemas.openxmlformats.org/officeDocument/2006/customXml" ds:itemID="{1D6F499E-D4B1-4FDF-BF45-E996CEFC49B8}">
-  <ds:schemaRefs>
-    <ds:schemaRef ds:uri="http://schemas.microsoft.com/VisualStudio/2011/storyboarding/control"/>
-  </ds:schemaRefs>
-</ds:datastoreItem>
-</file>
-
-<file path=customXml/itemProps310.xml><?xml version="1.0" encoding="utf-8"?>
-<ds:datastoreItem xmlns:ds="http://schemas.openxmlformats.org/officeDocument/2006/customXml" ds:itemID="{70287490-BFCB-4E19-9205-50576B5E9C92}">
-  <ds:schemaRefs>
-    <ds:schemaRef ds:uri="http://schemas.microsoft.com/VisualStudio/2011/storyboarding/control"/>
-  </ds:schemaRefs>
-</ds:datastoreItem>
-</file>
-
-<file path=customXml/itemProps311.xml><?xml version="1.0" encoding="utf-8"?>
-<ds:datastoreItem xmlns:ds="http://schemas.openxmlformats.org/officeDocument/2006/customXml" ds:itemID="{9833ECE2-253F-4657-B41E-80D72E4F794F}">
-  <ds:schemaRefs>
-    <ds:schemaRef ds:uri="http://schemas.microsoft.com/VisualStudio/2011/storyboarding/control"/>
-  </ds:schemaRefs>
-</ds:datastoreItem>
-</file>
-
-<file path=customXml/itemProps312.xml><?xml version="1.0" encoding="utf-8"?>
-<ds:datastoreItem xmlns:ds="http://schemas.openxmlformats.org/officeDocument/2006/customXml" ds:itemID="{E94D24EF-A31D-4E71-AAE3-AF4C987C24BC}">
-  <ds:schemaRefs>
-    <ds:schemaRef ds:uri="http://schemas.microsoft.com/VisualStudio/2011/storyboarding/control"/>
-  </ds:schemaRefs>
-</ds:datastoreItem>
-</file>
-
-<file path=customXml/itemProps313.xml><?xml version="1.0" encoding="utf-8"?>
-<ds:datastoreItem xmlns:ds="http://schemas.openxmlformats.org/officeDocument/2006/customXml" ds:itemID="{14D65B3E-6746-4B60-AE64-CE66A8EE01E5}">
-  <ds:schemaRefs>
-    <ds:schemaRef ds:uri="http://schemas.microsoft.com/VisualStudio/2011/storyboarding/control"/>
-  </ds:schemaRefs>
-</ds:datastoreItem>
-</file>
-
-<file path=customXml/itemProps314.xml><?xml version="1.0" encoding="utf-8"?>
-<ds:datastoreItem xmlns:ds="http://schemas.openxmlformats.org/officeDocument/2006/customXml" ds:itemID="{9D290980-99CB-464E-91F6-B994B5B37222}">
-  <ds:schemaRefs>
-    <ds:schemaRef ds:uri="http://schemas.microsoft.com/VisualStudio/2011/storyboarding/control"/>
-  </ds:schemaRefs>
-</ds:datastoreItem>
-</file>
-
-<file path=customXml/itemProps315.xml><?xml version="1.0" encoding="utf-8"?>
-<ds:datastoreItem xmlns:ds="http://schemas.openxmlformats.org/officeDocument/2006/customXml" ds:itemID="{F211C376-1064-4AE0-A689-0EE939837FD9}">
-  <ds:schemaRefs>
-    <ds:schemaRef ds:uri="http://schemas.microsoft.com/VisualStudio/2011/storyboarding/control"/>
-  </ds:schemaRefs>
-</ds:datastoreItem>
-</file>
-
-<file path=customXml/itemProps316.xml><?xml version="1.0" encoding="utf-8"?>
-<ds:datastoreItem xmlns:ds="http://schemas.openxmlformats.org/officeDocument/2006/customXml" ds:itemID="{7FD2B804-224E-4127-9FA5-E0941B8F2DC6}">
-  <ds:schemaRefs>
-    <ds:schemaRef ds:uri="http://schemas.microsoft.com/VisualStudio/2011/storyboarding/control"/>
-  </ds:schemaRefs>
-</ds:datastoreItem>
-</file>
-
-<file path=customXml/itemProps317.xml><?xml version="1.0" encoding="utf-8"?>
-<ds:datastoreItem xmlns:ds="http://schemas.openxmlformats.org/officeDocument/2006/customXml" ds:itemID="{D594D659-F61A-46EE-819E-B862E160BCC4}">
-  <ds:schemaRefs>
-    <ds:schemaRef ds:uri="http://schemas.microsoft.com/VisualStudio/2011/storyboarding/control"/>
-  </ds:schemaRefs>
-</ds:datastoreItem>
-</file>
-
-<file path=customXml/itemProps318.xml><?xml version="1.0" encoding="utf-8"?>
-<ds:datastoreItem xmlns:ds="http://schemas.openxmlformats.org/officeDocument/2006/customXml" ds:itemID="{736A0723-04F9-412A-9F0D-C81FAAC3B0C5}">
-  <ds:schemaRefs>
-    <ds:schemaRef ds:uri="http://schemas.microsoft.com/VisualStudio/2011/storyboarding/control"/>
-  </ds:schemaRefs>
-</ds:datastoreItem>
-</file>
-
-<file path=customXml/itemProps319.xml><?xml version="1.0" encoding="utf-8"?>
-<ds:datastoreItem xmlns:ds="http://schemas.openxmlformats.org/officeDocument/2006/customXml" ds:itemID="{641D69BB-6B1B-4A49-AE51-823AB408EEB7}">
-  <ds:schemaRefs>
-    <ds:schemaRef ds:uri="http://schemas.microsoft.com/VisualStudio/2011/storyboarding/control"/>
-  </ds:schemaRefs>
-</ds:datastoreItem>
-</file>
-
-<file path=customXml/itemProps32.xml><?xml version="1.0" encoding="utf-8"?>
-<ds:datastoreItem xmlns:ds="http://schemas.openxmlformats.org/officeDocument/2006/customXml" ds:itemID="{253AFC98-12AA-4AA8-914D-B4E38DBCC832}">
-  <ds:schemaRefs>
-    <ds:schemaRef ds:uri="http://schemas.microsoft.com/VisualStudio/2011/storyboarding/control"/>
-  </ds:schemaRefs>
-</ds:datastoreItem>
-</file>
-
-<file path=customXml/itemProps320.xml><?xml version="1.0" encoding="utf-8"?>
-<ds:datastoreItem xmlns:ds="http://schemas.openxmlformats.org/officeDocument/2006/customXml" ds:itemID="{1F6D0833-7A34-4CA9-9328-6A3E2E2106F1}">
-  <ds:schemaRefs>
-    <ds:schemaRef ds:uri="http://schemas.microsoft.com/VisualStudio/2011/storyboarding/control"/>
-  </ds:schemaRefs>
-</ds:datastoreItem>
-</file>
-
-<file path=customXml/itemProps321.xml><?xml version="1.0" encoding="utf-8"?>
-<ds:datastoreItem xmlns:ds="http://schemas.openxmlformats.org/officeDocument/2006/customXml" ds:itemID="{804DBD74-4225-44F5-A93D-632C18F8FA33}">
-  <ds:schemaRefs>
-    <ds:schemaRef ds:uri="http://schemas.microsoft.com/VisualStudio/2011/storyboarding/control"/>
-  </ds:schemaRefs>
-</ds:datastoreItem>
-</file>
-
-<file path=customXml/itemProps322.xml><?xml version="1.0" encoding="utf-8"?>
-<ds:datastoreItem xmlns:ds="http://schemas.openxmlformats.org/officeDocument/2006/customXml" ds:itemID="{785DF496-5B25-44CA-9509-5B5E475525EF}">
-  <ds:schemaRefs>
-    <ds:schemaRef ds:uri="http://schemas.microsoft.com/VisualStudio/2011/storyboarding/control"/>
-  </ds:schemaRefs>
-</ds:datastoreItem>
-</file>
-
-<file path=customXml/itemProps323.xml><?xml version="1.0" encoding="utf-8"?>
+<file path=customXml/itemProps343.xml><?xml version="1.0" encoding="utf-8"?>
 <ds:datastoreItem xmlns:ds="http://schemas.openxmlformats.org/officeDocument/2006/customXml" ds:itemID="{C9AC0557-B54E-49F9-931D-798A7ED2E762}">
-  <ds:schemaRefs>
-    <ds:schemaRef ds:uri="http://schemas.microsoft.com/VisualStudio/2011/storyboarding/control"/>
-  </ds:schemaRefs>
-</ds:datastoreItem>
-</file>
-
-<file path=customXml/itemProps324.xml><?xml version="1.0" encoding="utf-8"?>
-<ds:datastoreItem xmlns:ds="http://schemas.openxmlformats.org/officeDocument/2006/customXml" ds:itemID="{5D825EB6-3DC2-488A-8980-8B421CF9F5ED}">
-  <ds:schemaRefs>
-    <ds:schemaRef ds:uri="http://schemas.microsoft.com/VisualStudio/2011/storyboarding/control"/>
-  </ds:schemaRefs>
-</ds:datastoreItem>
-</file>
-
-<file path=customXml/itemProps325.xml><?xml version="1.0" encoding="utf-8"?>
-<ds:datastoreItem xmlns:ds="http://schemas.openxmlformats.org/officeDocument/2006/customXml" ds:itemID="{4110E2CE-1668-4619-8883-882CDE0A75AE}">
-  <ds:schemaRefs>
-    <ds:schemaRef ds:uri="http://schemas.microsoft.com/VisualStudio/2011/storyboarding/control"/>
-  </ds:schemaRefs>
-</ds:datastoreItem>
-</file>
-
-<file path=customXml/itemProps326.xml><?xml version="1.0" encoding="utf-8"?>
-<ds:datastoreItem xmlns:ds="http://schemas.openxmlformats.org/officeDocument/2006/customXml" ds:itemID="{61A730FD-9761-4EB7-92A9-2E42E1FD5DF3}">
-  <ds:schemaRefs>
-    <ds:schemaRef ds:uri="http://schemas.microsoft.com/VisualStudio/2011/storyboarding/control"/>
-  </ds:schemaRefs>
-</ds:datastoreItem>
-</file>
-
-<file path=customXml/itemProps327.xml><?xml version="1.0" encoding="utf-8"?>
-<ds:datastoreItem xmlns:ds="http://schemas.openxmlformats.org/officeDocument/2006/customXml" ds:itemID="{01CA7DA1-0FF2-4F12-8882-4E0CBFDC3C75}">
-  <ds:schemaRefs>
-    <ds:schemaRef ds:uri="http://schemas.microsoft.com/VisualStudio/2011/storyboarding/control"/>
-  </ds:schemaRefs>
-</ds:datastoreItem>
-</file>
-
-<file path=customXml/itemProps328.xml><?xml version="1.0" encoding="utf-8"?>
-<ds:datastoreItem xmlns:ds="http://schemas.openxmlformats.org/officeDocument/2006/customXml" ds:itemID="{13862F25-DDE8-4B38-96FE-1F74B1EA2F3B}">
-  <ds:schemaRefs>
-    <ds:schemaRef ds:uri="http://schemas.microsoft.com/VisualStudio/2011/storyboarding/control"/>
-  </ds:schemaRefs>
-</ds:datastoreItem>
-</file>
-
-<file path=customXml/itemProps329.xml><?xml version="1.0" encoding="utf-8"?>
-<ds:datastoreItem xmlns:ds="http://schemas.openxmlformats.org/officeDocument/2006/customXml" ds:itemID="{6628319E-03CF-47A1-9C1C-1800FEF2379C}">
-  <ds:schemaRefs>
-    <ds:schemaRef ds:uri="http://schemas.microsoft.com/VisualStudio/2011/storyboarding/control"/>
-  </ds:schemaRefs>
-</ds:datastoreItem>
-</file>
-
-<file path=customXml/itemProps33.xml><?xml version="1.0" encoding="utf-8"?>
-<ds:datastoreItem xmlns:ds="http://schemas.openxmlformats.org/officeDocument/2006/customXml" ds:itemID="{D0C27CBD-5D30-459F-A883-4595F5193B88}">
-  <ds:schemaRefs>
-    <ds:schemaRef ds:uri="http://schemas.microsoft.com/VisualStudio/2011/storyboarding/control"/>
-  </ds:schemaRefs>
-</ds:datastoreItem>
-</file>
-
-<file path=customXml/itemProps330.xml><?xml version="1.0" encoding="utf-8"?>
-<ds:datastoreItem xmlns:ds="http://schemas.openxmlformats.org/officeDocument/2006/customXml" ds:itemID="{CD624302-0277-4211-B7FB-2C930B5B5B7B}">
-  <ds:schemaRefs>
-    <ds:schemaRef ds:uri="http://schemas.microsoft.com/VisualStudio/2011/storyboarding/control"/>
-  </ds:schemaRefs>
-</ds:datastoreItem>
-</file>
-
-<file path=customXml/itemProps331.xml><?xml version="1.0" encoding="utf-8"?>
-<ds:datastoreItem xmlns:ds="http://schemas.openxmlformats.org/officeDocument/2006/customXml" ds:itemID="{29AAA062-DD26-4304-9C4C-A43EE581A71C}">
-  <ds:schemaRefs>
-    <ds:schemaRef ds:uri="http://schemas.microsoft.com/VisualStudio/2011/storyboarding/control"/>
-  </ds:schemaRefs>
-</ds:datastoreItem>
-</file>
-
-<file path=customXml/itemProps332.xml><?xml version="1.0" encoding="utf-8"?>
-<ds:datastoreItem xmlns:ds="http://schemas.openxmlformats.org/officeDocument/2006/customXml" ds:itemID="{BF1BD184-58D4-488C-83F1-E216501AA9C7}">
-  <ds:schemaRefs>
-    <ds:schemaRef ds:uri="http://schemas.microsoft.com/VisualStudio/2011/storyboarding/control"/>
-  </ds:schemaRefs>
-</ds:datastoreItem>
-</file>
-
-<file path=customXml/itemProps333.xml><?xml version="1.0" encoding="utf-8"?>
-<ds:datastoreItem xmlns:ds="http://schemas.openxmlformats.org/officeDocument/2006/customXml" ds:itemID="{F26A8424-6472-460B-B962-6C36E7AAB7A0}">
-  <ds:schemaRefs>
-    <ds:schemaRef ds:uri="http://schemas.microsoft.com/VisualStudio/2011/storyboarding/control"/>
-  </ds:schemaRefs>
-</ds:datastoreItem>
-</file>
-
-<file path=customXml/itemProps334.xml><?xml version="1.0" encoding="utf-8"?>
-<ds:datastoreItem xmlns:ds="http://schemas.openxmlformats.org/officeDocument/2006/customXml" ds:itemID="{A274936B-1A8F-4FB7-B240-8DB48A542710}">
-  <ds:schemaRefs>
-    <ds:schemaRef ds:uri="http://schemas.microsoft.com/VisualStudio/2011/storyboarding/control"/>
-  </ds:schemaRefs>
-</ds:datastoreItem>
-</file>
-
-<file path=customXml/itemProps335.xml><?xml version="1.0" encoding="utf-8"?>
-<ds:datastoreItem xmlns:ds="http://schemas.openxmlformats.org/officeDocument/2006/customXml" ds:itemID="{18428A4F-E924-4A8A-B70D-3EB988B69749}">
-  <ds:schemaRefs>
-    <ds:schemaRef ds:uri="http://schemas.microsoft.com/VisualStudio/2011/storyboarding/control"/>
-  </ds:schemaRefs>
-</ds:datastoreItem>
-</file>
-
-<file path=customXml/itemProps336.xml><?xml version="1.0" encoding="utf-8"?>
-<ds:datastoreItem xmlns:ds="http://schemas.openxmlformats.org/officeDocument/2006/customXml" ds:itemID="{A2FC8A1A-87F2-4645-8B57-275B8D280AE0}">
-  <ds:schemaRefs>
-    <ds:schemaRef ds:uri="http://schemas.microsoft.com/VisualStudio/2011/storyboarding/control"/>
-  </ds:schemaRefs>
-</ds:datastoreItem>
-</file>
-
-<file path=customXml/itemProps337.xml><?xml version="1.0" encoding="utf-8"?>
-<ds:datastoreItem xmlns:ds="http://schemas.openxmlformats.org/officeDocument/2006/customXml" ds:itemID="{4AD9D1B8-9AD2-4E78-ABD0-30608FC3AD19}">
-  <ds:schemaRefs>
-    <ds:schemaRef ds:uri="http://schemas.microsoft.com/VisualStudio/2011/storyboarding/control"/>
-  </ds:schemaRefs>
-</ds:datastoreItem>
-</file>
-
-<file path=customXml/itemProps338.xml><?xml version="1.0" encoding="utf-8"?>
-<ds:datastoreItem xmlns:ds="http://schemas.openxmlformats.org/officeDocument/2006/customXml" ds:itemID="{3414111C-E509-493B-B6FC-20334365615E}">
-  <ds:schemaRefs>
-    <ds:schemaRef ds:uri="http://schemas.microsoft.com/VisualStudio/2011/storyboarding/control"/>
-  </ds:schemaRefs>
-</ds:datastoreItem>
-</file>
-
-<file path=customXml/itemProps339.xml><?xml version="1.0" encoding="utf-8"?>
-<ds:datastoreItem xmlns:ds="http://schemas.openxmlformats.org/officeDocument/2006/customXml" ds:itemID="{9EB0501C-1528-4621-BF54-B8654EC76FED}">
-  <ds:schemaRefs>
-    <ds:schemaRef ds:uri="http://schemas.microsoft.com/VisualStudio/2011/storyboarding/control"/>
-  </ds:schemaRefs>
-</ds:datastoreItem>
-</file>
-
-<file path=customXml/itemProps34.xml><?xml version="1.0" encoding="utf-8"?>
-<ds:datastoreItem xmlns:ds="http://schemas.openxmlformats.org/officeDocument/2006/customXml" ds:itemID="{266CC34A-0703-4795-9A2C-AF27FCDE8A7F}">
-  <ds:schemaRefs>
-    <ds:schemaRef ds:uri="http://schemas.microsoft.com/VisualStudio/2011/storyboarding/control"/>
-  </ds:schemaRefs>
-</ds:datastoreItem>
-</file>
-
-<file path=customXml/itemProps340.xml><?xml version="1.0" encoding="utf-8"?>
-<ds:datastoreItem xmlns:ds="http://schemas.openxmlformats.org/officeDocument/2006/customXml" ds:itemID="{4981D1EA-1043-4867-B3E0-3FC4D59A4E12}">
-  <ds:schemaRefs>
-    <ds:schemaRef ds:uri="http://schemas.microsoft.com/VisualStudio/2011/storyboarding/control"/>
-  </ds:schemaRefs>
-</ds:datastoreItem>
-</file>
-
-<file path=customXml/itemProps341.xml><?xml version="1.0" encoding="utf-8"?>
-<ds:datastoreItem xmlns:ds="http://schemas.openxmlformats.org/officeDocument/2006/customXml" ds:itemID="{D04F49CB-4DB7-4F36-9865-336A6E16B2F0}">
-  <ds:schemaRefs>
-    <ds:schemaRef ds:uri="http://schemas.microsoft.com/VisualStudio/2011/storyboarding/control"/>
-  </ds:schemaRefs>
-</ds:datastoreItem>
-</file>
-
-<file path=customXml/itemProps342.xml><?xml version="1.0" encoding="utf-8"?>
-<ds:datastoreItem xmlns:ds="http://schemas.openxmlformats.org/officeDocument/2006/customXml" ds:itemID="{CBF183C6-E3B5-4A00-B479-284B23880A2C}">
-  <ds:schemaRefs>
-    <ds:schemaRef ds:uri="http://schemas.microsoft.com/VisualStudio/2011/storyboarding/control"/>
-  </ds:schemaRefs>
-</ds:datastoreItem>
-</file>
-
-<file path=customXml/itemProps343.xml><?xml version="1.0" encoding="utf-8"?>
-<ds:datastoreItem xmlns:ds="http://schemas.openxmlformats.org/officeDocument/2006/customXml" ds:itemID="{FE81FCEC-EB34-4EE5-9331-3B1776F537C8}">
   <ds:schemaRefs>
     <ds:schemaRef ds:uri="http://schemas.microsoft.com/VisualStudio/2011/storyboarding/control"/>
   </ds:schemaRefs>
@@ -50786,7 +50786,7 @@
 </file>
 
 <file path=customXml/itemProps345.xml><?xml version="1.0" encoding="utf-8"?>
-<ds:datastoreItem xmlns:ds="http://schemas.openxmlformats.org/officeDocument/2006/customXml" ds:itemID="{2C2FBC63-A864-4FC2-AD7B-CABDB6510611}">
+<ds:datastoreItem xmlns:ds="http://schemas.openxmlformats.org/officeDocument/2006/customXml" ds:itemID="{9BB85361-85ED-473B-9B65-E0648B338CBC}">
   <ds:schemaRefs>
     <ds:schemaRef ds:uri="http://schemas.microsoft.com/VisualStudio/2011/storyboarding/control"/>
   </ds:schemaRefs>
@@ -50794,7 +50794,7 @@
 </file>
 
 <file path=customXml/itemProps346.xml><?xml version="1.0" encoding="utf-8"?>
-<ds:datastoreItem xmlns:ds="http://schemas.openxmlformats.org/officeDocument/2006/customXml" ds:itemID="{E8FDF0AF-C02F-493F-88E8-C3C1C9F57E9D}">
+<ds:datastoreItem xmlns:ds="http://schemas.openxmlformats.org/officeDocument/2006/customXml" ds:itemID="{3F075A12-3C0F-4C2C-9E20-80F36152BB98}">
   <ds:schemaRefs>
     <ds:schemaRef ds:uri="http://schemas.microsoft.com/VisualStudio/2011/storyboarding/control"/>
   </ds:schemaRefs>
@@ -50802,7 +50802,7 @@
 </file>
 
 <file path=customXml/itemProps347.xml><?xml version="1.0" encoding="utf-8"?>
-<ds:datastoreItem xmlns:ds="http://schemas.openxmlformats.org/officeDocument/2006/customXml" ds:itemID="{7538EC36-047A-49CB-B557-46980455D5E7}">
+<ds:datastoreItem xmlns:ds="http://schemas.openxmlformats.org/officeDocument/2006/customXml" ds:itemID="{8ECB5A9E-0FFA-428E-93B5-B4F4BADC6315}">
   <ds:schemaRefs>
     <ds:schemaRef ds:uri="http://schemas.microsoft.com/VisualStudio/2011/storyboarding/control"/>
   </ds:schemaRefs>
@@ -50810,7 +50810,7 @@
 </file>
 
 <file path=customXml/itemProps348.xml><?xml version="1.0" encoding="utf-8"?>
-<ds:datastoreItem xmlns:ds="http://schemas.openxmlformats.org/officeDocument/2006/customXml" ds:itemID="{503DDD28-2C2E-4841-A5F2-AB06178E0051}">
+<ds:datastoreItem xmlns:ds="http://schemas.openxmlformats.org/officeDocument/2006/customXml" ds:itemID="{DF8FA34F-9D43-4E6A-AF66-4A6FCB05608C}">
   <ds:schemaRefs>
     <ds:schemaRef ds:uri="http://schemas.microsoft.com/VisualStudio/2011/storyboarding/control"/>
   </ds:schemaRefs>
@@ -50818,7 +50818,7 @@
 </file>
 
 <file path=customXml/itemProps349.xml><?xml version="1.0" encoding="utf-8"?>
-<ds:datastoreItem xmlns:ds="http://schemas.openxmlformats.org/officeDocument/2006/customXml" ds:itemID="{6304A6C1-8350-4ED1-A225-28A68C115140}">
+<ds:datastoreItem xmlns:ds="http://schemas.openxmlformats.org/officeDocument/2006/customXml" ds:itemID="{5EEEE394-67D8-4357-AF3F-92E6BEE1CC2D}">
   <ds:schemaRefs>
     <ds:schemaRef ds:uri="http://schemas.microsoft.com/VisualStudio/2011/storyboarding/control"/>
   </ds:schemaRefs>
@@ -50826,7 +50826,7 @@
 </file>
 
 <file path=customXml/itemProps35.xml><?xml version="1.0" encoding="utf-8"?>
-<ds:datastoreItem xmlns:ds="http://schemas.openxmlformats.org/officeDocument/2006/customXml" ds:itemID="{906CCE4F-9857-49D9-8FF2-795D3EB4AAD7}">
+<ds:datastoreItem xmlns:ds="http://schemas.openxmlformats.org/officeDocument/2006/customXml" ds:itemID="{C3E88E09-E4AB-434D-9976-030290DD2A1E}">
   <ds:schemaRefs>
     <ds:schemaRef ds:uri="http://schemas.microsoft.com/VisualStudio/2011/storyboarding/control"/>
   </ds:schemaRefs>
@@ -50834,7 +50834,7 @@
 </file>
 
 <file path=customXml/itemProps350.xml><?xml version="1.0" encoding="utf-8"?>
-<ds:datastoreItem xmlns:ds="http://schemas.openxmlformats.org/officeDocument/2006/customXml" ds:itemID="{3C08A34A-F8FC-4B9A-966C-4026C362B734}">
+<ds:datastoreItem xmlns:ds="http://schemas.openxmlformats.org/officeDocument/2006/customXml" ds:itemID="{70884441-3020-4F7C-9E16-78489750DC1D}">
   <ds:schemaRefs>
     <ds:schemaRef ds:uri="http://schemas.microsoft.com/VisualStudio/2011/storyboarding/control"/>
   </ds:schemaRefs>
@@ -50842,7 +50842,7 @@
 </file>
 
 <file path=customXml/itemProps351.xml><?xml version="1.0" encoding="utf-8"?>
-<ds:datastoreItem xmlns:ds="http://schemas.openxmlformats.org/officeDocument/2006/customXml" ds:itemID="{CE033905-5E13-41FF-B874-D7D63CE38B5F}">
+<ds:datastoreItem xmlns:ds="http://schemas.openxmlformats.org/officeDocument/2006/customXml" ds:itemID="{1F29AE6B-03B4-4A12-B8F1-03D4B4EAB325}">
   <ds:schemaRefs>
     <ds:schemaRef ds:uri="http://schemas.microsoft.com/VisualStudio/2011/storyboarding/control"/>
   </ds:schemaRefs>
@@ -50850,7 +50850,7 @@
 </file>
 
 <file path=customXml/itemProps352.xml><?xml version="1.0" encoding="utf-8"?>
-<ds:datastoreItem xmlns:ds="http://schemas.openxmlformats.org/officeDocument/2006/customXml" ds:itemID="{956B4365-E045-42E9-A789-1D28723D04C7}">
+<ds:datastoreItem xmlns:ds="http://schemas.openxmlformats.org/officeDocument/2006/customXml" ds:itemID="{5D1BBA1A-BE89-4CED-B269-89AE13A3321D}">
   <ds:schemaRefs>
     <ds:schemaRef ds:uri="http://schemas.microsoft.com/VisualStudio/2011/storyboarding/control"/>
   </ds:schemaRefs>
@@ -50858,7 +50858,7 @@
 </file>
 
 <file path=customXml/itemProps353.xml><?xml version="1.0" encoding="utf-8"?>
-<ds:datastoreItem xmlns:ds="http://schemas.openxmlformats.org/officeDocument/2006/customXml" ds:itemID="{54A54AB8-3FCC-4DEF-A9D1-83FFFC4CC6F7}">
+<ds:datastoreItem xmlns:ds="http://schemas.openxmlformats.org/officeDocument/2006/customXml" ds:itemID="{08939743-9A84-4EBE-9E0F-F7D5A66465FA}">
   <ds:schemaRefs>
     <ds:schemaRef ds:uri="http://schemas.microsoft.com/VisualStudio/2011/storyboarding/control"/>
   </ds:schemaRefs>
@@ -50866,7 +50866,7 @@
 </file>
 
 <file path=customXml/itemProps354.xml><?xml version="1.0" encoding="utf-8"?>
-<ds:datastoreItem xmlns:ds="http://schemas.openxmlformats.org/officeDocument/2006/customXml" ds:itemID="{49A62EF0-934A-4EDC-9742-AD4A54EC3D13}">
+<ds:datastoreItem xmlns:ds="http://schemas.openxmlformats.org/officeDocument/2006/customXml" ds:itemID="{B9F500D9-4362-4A17-84E2-A1EFE218CD18}">
   <ds:schemaRefs>
     <ds:schemaRef ds:uri="http://schemas.microsoft.com/VisualStudio/2011/storyboarding/control"/>
   </ds:schemaRefs>
@@ -50874,6 +50874,150 @@
 </file>
 
 <file path=customXml/itemProps355.xml><?xml version="1.0" encoding="utf-8"?>
+<ds:datastoreItem xmlns:ds="http://schemas.openxmlformats.org/officeDocument/2006/customXml" ds:itemID="{A1DCD3A6-7B8F-4EF8-B628-06185B8CBC69}">
+  <ds:schemaRefs>
+    <ds:schemaRef ds:uri="http://schemas.microsoft.com/VisualStudio/2011/storyboarding/control"/>
+  </ds:schemaRefs>
+</ds:datastoreItem>
+</file>
+
+<file path=customXml/itemProps356.xml><?xml version="1.0" encoding="utf-8"?>
+<ds:datastoreItem xmlns:ds="http://schemas.openxmlformats.org/officeDocument/2006/customXml" ds:itemID="{D59436EC-991B-433C-ACD7-764E26965536}">
+  <ds:schemaRefs>
+    <ds:schemaRef ds:uri="http://schemas.microsoft.com/VisualStudio/2011/storyboarding/control"/>
+  </ds:schemaRefs>
+</ds:datastoreItem>
+</file>
+
+<file path=customXml/itemProps357.xml><?xml version="1.0" encoding="utf-8"?>
+<ds:datastoreItem xmlns:ds="http://schemas.openxmlformats.org/officeDocument/2006/customXml" ds:itemID="{6891556F-2B61-4FCC-8F9C-31318044D0C8}">
+  <ds:schemaRefs>
+    <ds:schemaRef ds:uri="http://schemas.microsoft.com/VisualStudio/2011/storyboarding/control"/>
+  </ds:schemaRefs>
+</ds:datastoreItem>
+</file>
+
+<file path=customXml/itemProps358.xml><?xml version="1.0" encoding="utf-8"?>
+<ds:datastoreItem xmlns:ds="http://schemas.openxmlformats.org/officeDocument/2006/customXml" ds:itemID="{427C3515-4D48-48EA-B9D9-0C9D4B671208}">
+  <ds:schemaRefs>
+    <ds:schemaRef ds:uri="http://schemas.microsoft.com/VisualStudio/2011/storyboarding/control"/>
+  </ds:schemaRefs>
+</ds:datastoreItem>
+</file>
+
+<file path=customXml/itemProps359.xml><?xml version="1.0" encoding="utf-8"?>
+<ds:datastoreItem xmlns:ds="http://schemas.openxmlformats.org/officeDocument/2006/customXml" ds:itemID="{329689DB-AAB6-46B6-BEC7-C67D48761EEB}">
+  <ds:schemaRefs>
+    <ds:schemaRef ds:uri="http://schemas.microsoft.com/VisualStudio/2011/storyboarding/control"/>
+  </ds:schemaRefs>
+</ds:datastoreItem>
+</file>
+
+<file path=customXml/itemProps36.xml><?xml version="1.0" encoding="utf-8"?>
+<ds:datastoreItem xmlns:ds="http://schemas.openxmlformats.org/officeDocument/2006/customXml" ds:itemID="{5B15E0D7-1A2C-4C20-A00A-A38BE37FB8EE}">
+  <ds:schemaRefs>
+    <ds:schemaRef ds:uri="http://schemas.microsoft.com/VisualStudio/2011/storyboarding/control"/>
+  </ds:schemaRefs>
+</ds:datastoreItem>
+</file>
+
+<file path=customXml/itemProps360.xml><?xml version="1.0" encoding="utf-8"?>
+<ds:datastoreItem xmlns:ds="http://schemas.openxmlformats.org/officeDocument/2006/customXml" ds:itemID="{573265B5-A79C-4926-96A0-BFF93C581B0C}">
+  <ds:schemaRefs>
+    <ds:schemaRef ds:uri="http://schemas.microsoft.com/VisualStudio/2011/storyboarding/control"/>
+  </ds:schemaRefs>
+</ds:datastoreItem>
+</file>
+
+<file path=customXml/itemProps361.xml><?xml version="1.0" encoding="utf-8"?>
+<ds:datastoreItem xmlns:ds="http://schemas.openxmlformats.org/officeDocument/2006/customXml" ds:itemID="{9421B463-D4D7-4516-A75B-86A55D143026}">
+  <ds:schemaRefs>
+    <ds:schemaRef ds:uri="http://schemas.microsoft.com/VisualStudio/2011/storyboarding/control"/>
+  </ds:schemaRefs>
+</ds:datastoreItem>
+</file>
+
+<file path=customXml/itemProps362.xml><?xml version="1.0" encoding="utf-8"?>
+<ds:datastoreItem xmlns:ds="http://schemas.openxmlformats.org/officeDocument/2006/customXml" ds:itemID="{14D65B3E-6746-4B60-AE64-CE66A8EE01E5}">
+  <ds:schemaRefs>
+    <ds:schemaRef ds:uri="http://schemas.microsoft.com/VisualStudio/2011/storyboarding/control"/>
+  </ds:schemaRefs>
+</ds:datastoreItem>
+</file>
+
+<file path=customXml/itemProps363.xml><?xml version="1.0" encoding="utf-8"?>
+<ds:datastoreItem xmlns:ds="http://schemas.openxmlformats.org/officeDocument/2006/customXml" ds:itemID="{F4921144-EC02-4B45-BB5E-1F068BD3CB5B}">
+  <ds:schemaRefs>
+    <ds:schemaRef ds:uri="http://schemas.microsoft.com/VisualStudio/2011/storyboarding/control"/>
+  </ds:schemaRefs>
+</ds:datastoreItem>
+</file>
+
+<file path=customXml/itemProps364.xml><?xml version="1.0" encoding="utf-8"?>
+<ds:datastoreItem xmlns:ds="http://schemas.openxmlformats.org/officeDocument/2006/customXml" ds:itemID="{1D6F499E-D4B1-4FDF-BF45-E996CEFC49B8}">
+  <ds:schemaRefs>
+    <ds:schemaRef ds:uri="http://schemas.microsoft.com/VisualStudio/2011/storyboarding/control"/>
+  </ds:schemaRefs>
+</ds:datastoreItem>
+</file>
+
+<file path=customXml/itemProps365.xml><?xml version="1.0" encoding="utf-8"?>
+<ds:datastoreItem xmlns:ds="http://schemas.openxmlformats.org/officeDocument/2006/customXml" ds:itemID="{056DC8D3-5DB3-4974-9BD6-08F9DA2A8728}">
+  <ds:schemaRefs>
+    <ds:schemaRef ds:uri="http://schemas.microsoft.com/VisualStudio/2011/storyboarding/control"/>
+  </ds:schemaRefs>
+</ds:datastoreItem>
+</file>
+
+<file path=customXml/itemProps366.xml><?xml version="1.0" encoding="utf-8"?>
+<ds:datastoreItem xmlns:ds="http://schemas.openxmlformats.org/officeDocument/2006/customXml" ds:itemID="{BE0AFB40-677F-4B63-9EEE-3556D082C4E9}">
+  <ds:schemaRefs>
+    <ds:schemaRef ds:uri="http://schemas.microsoft.com/VisualStudio/2011/storyboarding/control"/>
+  </ds:schemaRefs>
+</ds:datastoreItem>
+</file>
+
+<file path=customXml/itemProps367.xml><?xml version="1.0" encoding="utf-8"?>
+<ds:datastoreItem xmlns:ds="http://schemas.openxmlformats.org/officeDocument/2006/customXml" ds:itemID="{5D000F4A-88A4-40CD-A680-AB0199374CD2}">
+  <ds:schemaRefs>
+    <ds:schemaRef ds:uri="http://schemas.microsoft.com/VisualStudio/2011/storyboarding/control"/>
+  </ds:schemaRefs>
+</ds:datastoreItem>
+</file>
+
+<file path=customXml/itemProps368.xml><?xml version="1.0" encoding="utf-8"?>
+<ds:datastoreItem xmlns:ds="http://schemas.openxmlformats.org/officeDocument/2006/customXml" ds:itemID="{BC110AD7-E256-4677-A5AB-4F50FCBCFA79}">
+  <ds:schemaRefs>
+    <ds:schemaRef ds:uri="http://schemas.microsoft.com/VisualStudio/2011/storyboarding/control"/>
+  </ds:schemaRefs>
+</ds:datastoreItem>
+</file>
+
+<file path=customXml/itemProps369.xml><?xml version="1.0" encoding="utf-8"?>
+<ds:datastoreItem xmlns:ds="http://schemas.openxmlformats.org/officeDocument/2006/customXml" ds:itemID="{5712DC65-8902-4269-A303-53958B262EDB}">
+  <ds:schemaRefs>
+    <ds:schemaRef ds:uri="http://schemas.microsoft.com/VisualStudio/2011/storyboarding/control"/>
+  </ds:schemaRefs>
+</ds:datastoreItem>
+</file>
+
+<file path=customXml/itemProps37.xml><?xml version="1.0" encoding="utf-8"?>
+<ds:datastoreItem xmlns:ds="http://schemas.openxmlformats.org/officeDocument/2006/customXml" ds:itemID="{5D882AEC-72C4-48B0-8AAF-7E5EB8D3BC50}">
+  <ds:schemaRefs>
+    <ds:schemaRef ds:uri="http://schemas.microsoft.com/VisualStudio/2011/storyboarding/control"/>
+  </ds:schemaRefs>
+</ds:datastoreItem>
+</file>
+
+<file path=customXml/itemProps370.xml><?xml version="1.0" encoding="utf-8"?>
+<ds:datastoreItem xmlns:ds="http://schemas.openxmlformats.org/officeDocument/2006/customXml" ds:itemID="{A274936B-1A8F-4FB7-B240-8DB48A542710}">
+  <ds:schemaRefs>
+    <ds:schemaRef ds:uri="http://schemas.microsoft.com/VisualStudio/2011/storyboarding/control"/>
+  </ds:schemaRefs>
+</ds:datastoreItem>
+</file>
+
+<file path=customXml/itemProps371.xml><?xml version="1.0" encoding="utf-8"?>
 <ds:datastoreItem xmlns:ds="http://schemas.openxmlformats.org/officeDocument/2006/customXml" ds:itemID="{A74B4B8A-B584-4814-90FD-F3EA5FDA7E12}">
   <ds:schemaRefs>
     <ds:schemaRef ds:uri="http://schemas.microsoft.com/VisualStudio/2011/storyboarding/control"/>
@@ -50881,183 +51025,7 @@
 </ds:datastoreItem>
 </file>
 
-<file path=customXml/itemProps356.xml><?xml version="1.0" encoding="utf-8"?>
-<ds:datastoreItem xmlns:ds="http://schemas.openxmlformats.org/officeDocument/2006/customXml" ds:itemID="{087DB395-2C0C-4B08-9304-779A0FBEBFF2}">
-  <ds:schemaRefs>
-    <ds:schemaRef ds:uri="http://schemas.microsoft.com/VisualStudio/2011/storyboarding/control"/>
-  </ds:schemaRefs>
-</ds:datastoreItem>
-</file>
-
-<file path=customXml/itemProps357.xml><?xml version="1.0" encoding="utf-8"?>
-<ds:datastoreItem xmlns:ds="http://schemas.openxmlformats.org/officeDocument/2006/customXml" ds:itemID="{71E8935D-3F57-40EA-93CE-E6B2DA607D57}">
-  <ds:schemaRefs>
-    <ds:schemaRef ds:uri="http://schemas.microsoft.com/VisualStudio/2011/storyboarding/control"/>
-  </ds:schemaRefs>
-</ds:datastoreItem>
-</file>
-
-<file path=customXml/itemProps358.xml><?xml version="1.0" encoding="utf-8"?>
-<ds:datastoreItem xmlns:ds="http://schemas.openxmlformats.org/officeDocument/2006/customXml" ds:itemID="{119FF47C-E72A-41C2-B924-C2ACA80E3DC3}">
-  <ds:schemaRefs>
-    <ds:schemaRef ds:uri="http://schemas.microsoft.com/VisualStudio/2011/storyboarding/control"/>
-  </ds:schemaRefs>
-</ds:datastoreItem>
-</file>
-
-<file path=customXml/itemProps359.xml><?xml version="1.0" encoding="utf-8"?>
-<ds:datastoreItem xmlns:ds="http://schemas.openxmlformats.org/officeDocument/2006/customXml" ds:itemID="{A398F485-9D9F-46FC-ACE5-67F0E9A16E90}">
-  <ds:schemaRefs>
-    <ds:schemaRef ds:uri="http://schemas.microsoft.com/VisualStudio/2011/storyboarding/control"/>
-  </ds:schemaRefs>
-</ds:datastoreItem>
-</file>
-
-<file path=customXml/itemProps36.xml><?xml version="1.0" encoding="utf-8"?>
-<ds:datastoreItem xmlns:ds="http://schemas.openxmlformats.org/officeDocument/2006/customXml" ds:itemID="{804E1972-D499-4C51-A9D1-9DFDC1275E5F}">
-  <ds:schemaRefs>
-    <ds:schemaRef ds:uri="http://schemas.microsoft.com/VisualStudio/2011/storyboarding/control"/>
-  </ds:schemaRefs>
-</ds:datastoreItem>
-</file>
-
-<file path=customXml/itemProps360.xml><?xml version="1.0" encoding="utf-8"?>
-<ds:datastoreItem xmlns:ds="http://schemas.openxmlformats.org/officeDocument/2006/customXml" ds:itemID="{168C76B7-6608-442F-A74F-5EEE8F8CB7CE}">
-  <ds:schemaRefs>
-    <ds:schemaRef ds:uri="http://schemas.microsoft.com/VisualStudio/2011/storyboarding/control"/>
-  </ds:schemaRefs>
-</ds:datastoreItem>
-</file>
-
-<file path=customXml/itemProps361.xml><?xml version="1.0" encoding="utf-8"?>
-<ds:datastoreItem xmlns:ds="http://schemas.openxmlformats.org/officeDocument/2006/customXml" ds:itemID="{9DC853ED-F61C-4CA0-8F6B-B5C279052064}">
-  <ds:schemaRefs>
-    <ds:schemaRef ds:uri="http://schemas.microsoft.com/VisualStudio/2011/storyboarding/control"/>
-  </ds:schemaRefs>
-</ds:datastoreItem>
-</file>
-
-<file path=customXml/itemProps362.xml><?xml version="1.0" encoding="utf-8"?>
-<ds:datastoreItem xmlns:ds="http://schemas.openxmlformats.org/officeDocument/2006/customXml" ds:itemID="{D40B71B2-CD21-4672-99FB-D48A4B02B15A}">
-  <ds:schemaRefs>
-    <ds:schemaRef ds:uri="http://schemas.microsoft.com/VisualStudio/2011/storyboarding/control"/>
-  </ds:schemaRefs>
-</ds:datastoreItem>
-</file>
-
-<file path=customXml/itemProps363.xml><?xml version="1.0" encoding="utf-8"?>
-<ds:datastoreItem xmlns:ds="http://schemas.openxmlformats.org/officeDocument/2006/customXml" ds:itemID="{EB029A81-580A-4741-B489-483D42259724}">
-  <ds:schemaRefs>
-    <ds:schemaRef ds:uri="http://schemas.microsoft.com/VisualStudio/2011/storyboarding/control"/>
-  </ds:schemaRefs>
-</ds:datastoreItem>
-</file>
-
-<file path=customXml/itemProps364.xml><?xml version="1.0" encoding="utf-8"?>
-<ds:datastoreItem xmlns:ds="http://schemas.openxmlformats.org/officeDocument/2006/customXml" ds:itemID="{A61AFE22-1C85-4674-95D2-24D1E3A495C4}">
-  <ds:schemaRefs>
-    <ds:schemaRef ds:uri="http://schemas.microsoft.com/VisualStudio/2011/storyboarding/control"/>
-  </ds:schemaRefs>
-</ds:datastoreItem>
-</file>
-
-<file path=customXml/itemProps365.xml><?xml version="1.0" encoding="utf-8"?>
-<ds:datastoreItem xmlns:ds="http://schemas.openxmlformats.org/officeDocument/2006/customXml" ds:itemID="{70884441-3020-4F7C-9E16-78489750DC1D}">
-  <ds:schemaRefs>
-    <ds:schemaRef ds:uri="http://schemas.microsoft.com/VisualStudio/2011/storyboarding/control"/>
-  </ds:schemaRefs>
-</ds:datastoreItem>
-</file>
-
-<file path=customXml/itemProps366.xml><?xml version="1.0" encoding="utf-8"?>
-<ds:datastoreItem xmlns:ds="http://schemas.openxmlformats.org/officeDocument/2006/customXml" ds:itemID="{CA55DE57-9AAF-4C8E-A5B2-310CAF7FDB1C}">
-  <ds:schemaRefs>
-    <ds:schemaRef ds:uri="http://schemas.microsoft.com/VisualStudio/2011/storyboarding/control"/>
-  </ds:schemaRefs>
-</ds:datastoreItem>
-</file>
-
-<file path=customXml/itemProps367.xml><?xml version="1.0" encoding="utf-8"?>
-<ds:datastoreItem xmlns:ds="http://schemas.openxmlformats.org/officeDocument/2006/customXml" ds:itemID="{2974F0ED-B6B0-4B6E-84EE-506EE4384448}">
-  <ds:schemaRefs>
-    <ds:schemaRef ds:uri="http://schemas.microsoft.com/VisualStudio/2011/storyboarding/control"/>
-  </ds:schemaRefs>
-</ds:datastoreItem>
-</file>
-
-<file path=customXml/itemProps368.xml><?xml version="1.0" encoding="utf-8"?>
-<ds:datastoreItem xmlns:ds="http://schemas.openxmlformats.org/officeDocument/2006/customXml" ds:itemID="{21CE0866-0BC2-468C-8C99-31DAA720102C}">
-  <ds:schemaRefs>
-    <ds:schemaRef ds:uri="http://schemas.microsoft.com/VisualStudio/2011/storyboarding/control"/>
-  </ds:schemaRefs>
-</ds:datastoreItem>
-</file>
-
-<file path=customXml/itemProps369.xml><?xml version="1.0" encoding="utf-8"?>
-<ds:datastoreItem xmlns:ds="http://schemas.openxmlformats.org/officeDocument/2006/customXml" ds:itemID="{9E821406-EADF-4E8D-B04A-6D1655E85B02}">
-  <ds:schemaRefs>
-    <ds:schemaRef ds:uri="http://schemas.microsoft.com/VisualStudio/2011/storyboarding/control"/>
-  </ds:schemaRefs>
-</ds:datastoreItem>
-</file>
-
-<file path=customXml/itemProps37.xml><?xml version="1.0" encoding="utf-8"?>
-<ds:datastoreItem xmlns:ds="http://schemas.openxmlformats.org/officeDocument/2006/customXml" ds:itemID="{404F1237-A844-47F5-809F-BCE4F213C1A3}">
-  <ds:schemaRefs>
-    <ds:schemaRef ds:uri="http://schemas.microsoft.com/VisualStudio/2011/storyboarding/control"/>
-  </ds:schemaRefs>
-</ds:datastoreItem>
-</file>
-
-<file path=customXml/itemProps370.xml><?xml version="1.0" encoding="utf-8"?>
-<ds:datastoreItem xmlns:ds="http://schemas.openxmlformats.org/officeDocument/2006/customXml" ds:itemID="{FD9C96D4-710C-44EF-AD15-1151968D1DE3}">
-  <ds:schemaRefs>
-    <ds:schemaRef ds:uri="http://schemas.microsoft.com/VisualStudio/2011/storyboarding/control"/>
-  </ds:schemaRefs>
-</ds:datastoreItem>
-</file>
-
-<file path=customXml/itemProps371.xml><?xml version="1.0" encoding="utf-8"?>
-<ds:datastoreItem xmlns:ds="http://schemas.openxmlformats.org/officeDocument/2006/customXml" ds:itemID="{3429CB68-4F13-4BE2-8E8F-A5FD82005DBB}">
-  <ds:schemaRefs>
-    <ds:schemaRef ds:uri="http://schemas.microsoft.com/VisualStudio/2011/storyboarding/control"/>
-  </ds:schemaRefs>
-</ds:datastoreItem>
-</file>
-
 <file path=customXml/itemProps372.xml><?xml version="1.0" encoding="utf-8"?>
-<ds:datastoreItem xmlns:ds="http://schemas.openxmlformats.org/officeDocument/2006/customXml" ds:itemID="{6D2A5129-651C-4B83-850C-757AE54D76AB}">
-  <ds:schemaRefs>
-    <ds:schemaRef ds:uri="http://schemas.microsoft.com/VisualStudio/2011/storyboarding/control"/>
-  </ds:schemaRefs>
-</ds:datastoreItem>
-</file>
-
-<file path=customXml/itemProps373.xml><?xml version="1.0" encoding="utf-8"?>
-<ds:datastoreItem xmlns:ds="http://schemas.openxmlformats.org/officeDocument/2006/customXml" ds:itemID="{08560CA1-1D29-4C13-8611-B6C16D43FCE7}">
-  <ds:schemaRefs>
-    <ds:schemaRef ds:uri="http://schemas.microsoft.com/VisualStudio/2011/storyboarding/control"/>
-  </ds:schemaRefs>
-</ds:datastoreItem>
-</file>
-
-<file path=customXml/itemProps374.xml><?xml version="1.0" encoding="utf-8"?>
-<ds:datastoreItem xmlns:ds="http://schemas.openxmlformats.org/officeDocument/2006/customXml" ds:itemID="{08657731-BCDF-496B-8AD2-9E16044CE370}">
-  <ds:schemaRefs>
-    <ds:schemaRef ds:uri="http://schemas.microsoft.com/VisualStudio/2011/storyboarding/control"/>
-  </ds:schemaRefs>
-</ds:datastoreItem>
-</file>
-
-<file path=customXml/itemProps375.xml><?xml version="1.0" encoding="utf-8"?>
-<ds:datastoreItem xmlns:ds="http://schemas.openxmlformats.org/officeDocument/2006/customXml" ds:itemID="{73B547A5-142B-4BCA-BCCB-D9F3A6F3C259}">
-  <ds:schemaRefs>
-    <ds:schemaRef ds:uri="http://schemas.microsoft.com/VisualStudio/2011/storyboarding/control"/>
-  </ds:schemaRefs>
-</ds:datastoreItem>
-</file>
-
-<file path=customXml/itemProps376.xml><?xml version="1.0" encoding="utf-8"?>
 <ds:datastoreItem xmlns:ds="http://schemas.openxmlformats.org/officeDocument/2006/customXml" ds:itemID="{F26BE665-4673-4F1E-9659-E9AB69288CC6}">
   <ds:schemaRefs>
     <ds:schemaRef ds:uri="http://schemas.microsoft.com/VisualStudio/2011/storyboarding/control"/>
@@ -51065,88 +51033,120 @@
 </ds:datastoreItem>
 </file>
 
-<file path=customXml/itemProps377.xml><?xml version="1.0" encoding="utf-8"?>
-<ds:datastoreItem xmlns:ds="http://schemas.openxmlformats.org/officeDocument/2006/customXml" ds:itemID="{C10707C1-E3FE-498A-9037-6CB48FF96B47}">
+<file path=customXml/itemProps373.xml><?xml version="1.0" encoding="utf-8"?>
+<ds:datastoreItem xmlns:ds="http://schemas.openxmlformats.org/officeDocument/2006/customXml" ds:itemID="{5B15063E-ECB8-4E93-9094-D5CF5309D65E}">
   <ds:schemaRefs>
     <ds:schemaRef ds:uri="http://schemas.microsoft.com/VisualStudio/2011/storyboarding/control"/>
   </ds:schemaRefs>
 </ds:datastoreItem>
 </file>
 
-<file path=customXml/itemProps378.xml><?xml version="1.0" encoding="utf-8"?>
-<ds:datastoreItem xmlns:ds="http://schemas.openxmlformats.org/officeDocument/2006/customXml" ds:itemID="{44B0F0AF-80D9-44F3-B6BE-559357745CD0}">
+<file path=customXml/itemProps374.xml><?xml version="1.0" encoding="utf-8"?>
+<ds:datastoreItem xmlns:ds="http://schemas.openxmlformats.org/officeDocument/2006/customXml" ds:itemID="{73DFEB13-5C5F-409E-86A8-0CBE3EC9624A}">
   <ds:schemaRefs>
     <ds:schemaRef ds:uri="http://schemas.microsoft.com/VisualStudio/2011/storyboarding/control"/>
   </ds:schemaRefs>
 </ds:datastoreItem>
 </file>
 
-<file path=customXml/itemProps379.xml><?xml version="1.0" encoding="utf-8"?>
-<ds:datastoreItem xmlns:ds="http://schemas.openxmlformats.org/officeDocument/2006/customXml" ds:itemID="{365CCE68-F657-457F-BB10-4B8A1BFA9C0A}">
+<file path=customXml/itemProps375.xml><?xml version="1.0" encoding="utf-8"?>
+<ds:datastoreItem xmlns:ds="http://schemas.openxmlformats.org/officeDocument/2006/customXml" ds:itemID="{3C4F128F-5751-483E-A1FC-1EF4ECB1AB13}">
   <ds:schemaRefs>
     <ds:schemaRef ds:uri="http://schemas.microsoft.com/VisualStudio/2011/storyboarding/control"/>
   </ds:schemaRefs>
 </ds:datastoreItem>
 </file>
 
-<file path=customXml/itemProps38.xml><?xml version="1.0" encoding="utf-8"?>
-<ds:datastoreItem xmlns:ds="http://schemas.openxmlformats.org/officeDocument/2006/customXml" ds:itemID="{2A4C4A62-1FBC-4CCC-BAED-A2902DB98487}">
+<file path=customXml/itemProps376.xml><?xml version="1.0" encoding="utf-8"?>
+<ds:datastoreItem xmlns:ds="http://schemas.openxmlformats.org/officeDocument/2006/customXml" ds:itemID="{AB8AF5A6-FA45-4246-A67D-74215671FBEF}">
+  <ds:schemaRefs>
+    <ds:schemaRef ds:uri="http://schemas.microsoft.com/VisualStudio/2011/storyboarding/control/v1.0"/>
+  </ds:schemaRefs>
+</ds:datastoreItem>
+</file>
+
+<file path=customXml/itemProps377.xml><?xml version="1.0" encoding="utf-8"?>
+<ds:datastoreItem xmlns:ds="http://schemas.openxmlformats.org/officeDocument/2006/customXml" ds:itemID="{BF132AED-2531-49D1-86CB-A11FFDED9296}">
   <ds:schemaRefs>
     <ds:schemaRef ds:uri="http://schemas.microsoft.com/VisualStudio/2011/storyboarding/control"/>
   </ds:schemaRefs>
 </ds:datastoreItem>
 </file>
 
-<file path=customXml/itemProps380.xml><?xml version="1.0" encoding="utf-8"?>
-<ds:datastoreItem xmlns:ds="http://schemas.openxmlformats.org/officeDocument/2006/customXml" ds:itemID="{795A89A1-7AA1-4C33-9F6B-088173C81498}">
+<file path=customXml/itemProps378.xml><?xml version="1.0" encoding="utf-8"?>
+<ds:datastoreItem xmlns:ds="http://schemas.openxmlformats.org/officeDocument/2006/customXml" ds:itemID="{E2BF015A-676D-43DD-859B-3EF14551EC76}">
   <ds:schemaRefs>
     <ds:schemaRef ds:uri="http://schemas.microsoft.com/VisualStudio/2011/storyboarding/control"/>
   </ds:schemaRefs>
 </ds:datastoreItem>
 </file>
 
-<file path=customXml/itemProps381.xml><?xml version="1.0" encoding="utf-8"?>
-<ds:datastoreItem xmlns:ds="http://schemas.openxmlformats.org/officeDocument/2006/customXml" ds:itemID="{06C3F0F6-DFBE-4958-9153-3070329A8D1C}">
+<file path=customXml/itemProps379.xml><?xml version="1.0" encoding="utf-8"?>
+<ds:datastoreItem xmlns:ds="http://schemas.openxmlformats.org/officeDocument/2006/customXml" ds:itemID="{4CF3CBB8-4C99-4550-8990-82FB93A8798C}">
   <ds:schemaRefs>
     <ds:schemaRef ds:uri="http://schemas.microsoft.com/VisualStudio/2011/storyboarding/control"/>
   </ds:schemaRefs>
 </ds:datastoreItem>
 </file>
 
-<file path=customXml/itemProps382.xml><?xml version="1.0" encoding="utf-8"?>
-<ds:datastoreItem xmlns:ds="http://schemas.openxmlformats.org/officeDocument/2006/customXml" ds:itemID="{E8F3563D-621C-4F4A-B033-FE569883ED2D}">
+<file path=customXml/itemProps38.xml><?xml version="1.0" encoding="utf-8"?>
+<ds:datastoreItem xmlns:ds="http://schemas.openxmlformats.org/officeDocument/2006/customXml" ds:itemID="{9B185CC5-95C3-4BBA-A74E-E2A99CEA4473}">
   <ds:schemaRefs>
     <ds:schemaRef ds:uri="http://schemas.microsoft.com/VisualStudio/2011/storyboarding/control"/>
   </ds:schemaRefs>
 </ds:datastoreItem>
 </file>
 
-<file path=customXml/itemProps383.xml><?xml version="1.0" encoding="utf-8"?>
-<ds:datastoreItem xmlns:ds="http://schemas.openxmlformats.org/officeDocument/2006/customXml" ds:itemID="{CD92CC34-C171-449E-81D1-D86DBD1D6027}">
+<file path=customXml/itemProps380.xml><?xml version="1.0" encoding="utf-8"?>
+<ds:datastoreItem xmlns:ds="http://schemas.openxmlformats.org/officeDocument/2006/customXml" ds:itemID="{C3F90260-A842-49EF-A683-5CBE21CDE496}">
   <ds:schemaRefs>
     <ds:schemaRef ds:uri="http://schemas.microsoft.com/VisualStudio/2011/storyboarding/control"/>
   </ds:schemaRefs>
 </ds:datastoreItem>
 </file>
 
-<file path=customXml/itemProps384.xml><?xml version="1.0" encoding="utf-8"?>
-<ds:datastoreItem xmlns:ds="http://schemas.openxmlformats.org/officeDocument/2006/customXml" ds:itemID="{78C2F7A5-3367-4998-96C9-A1FAB5D63934}">
+<file path=customXml/itemProps381.xml><?xml version="1.0" encoding="utf-8"?>
+<ds:datastoreItem xmlns:ds="http://schemas.openxmlformats.org/officeDocument/2006/customXml" ds:itemID="{0484453A-FCEE-4235-9994-778465DA77F4}">
   <ds:schemaRefs>
     <ds:schemaRef ds:uri="http://schemas.microsoft.com/VisualStudio/2011/storyboarding/control"/>
   </ds:schemaRefs>
 </ds:datastoreItem>
 </file>
 
-<file path=customXml/itemProps385.xml><?xml version="1.0" encoding="utf-8"?>
-<ds:datastoreItem xmlns:ds="http://schemas.openxmlformats.org/officeDocument/2006/customXml" ds:itemID="{6393506A-1CD8-4731-9A4C-A90C3F081F78}">
+<file path=customXml/itemProps382.xml><?xml version="1.0" encoding="utf-8"?>
+<ds:datastoreItem xmlns:ds="http://schemas.openxmlformats.org/officeDocument/2006/customXml" ds:itemID="{BBA65514-4202-47C7-9CA4-A8290A1C283C}">
   <ds:schemaRefs>
     <ds:schemaRef ds:uri="http://schemas.microsoft.com/VisualStudio/2011/storyboarding/control"/>
   </ds:schemaRefs>
 </ds:datastoreItem>
 </file>
 
+<file path=customXml/itemProps383.xml><?xml version="1.0" encoding="utf-8"?>
+<ds:datastoreItem xmlns:ds="http://schemas.openxmlformats.org/officeDocument/2006/customXml" ds:itemID="{6B82B57B-1E2B-46C9-B7CE-D19FBA2D1967}">
+  <ds:schemaRefs>
+    <ds:schemaRef ds:uri="http://schemas.microsoft.com/VisualStudio/2011/storyboarding/control"/>
+  </ds:schemaRefs>
+</ds:datastoreItem>
+</file>
+
+<file path=customXml/itemProps384.xml><?xml version="1.0" encoding="utf-8"?>
+<ds:datastoreItem xmlns:ds="http://schemas.openxmlformats.org/officeDocument/2006/customXml" ds:itemID="{46AB615D-345E-4689-A6EC-267343DBECD6}">
+  <ds:schemaRefs>
+    <ds:schemaRef ds:uri="http://schemas.microsoft.com/VisualStudio/2011/storyboarding/control"/>
+  </ds:schemaRefs>
+</ds:datastoreItem>
+</file>
+
+<file path=customXml/itemProps385.xml><?xml version="1.0" encoding="utf-8"?>
+<ds:datastoreItem xmlns:ds="http://schemas.openxmlformats.org/officeDocument/2006/customXml" ds:itemID="{7969621E-9D5C-44BF-A99D-2B42DF6EAE67}">
+  <ds:schemaRefs>
+    <ds:schemaRef ds:uri="http://schemas.microsoft.com/VisualStudio/2011/storyboarding/control"/>
+  </ds:schemaRefs>
+</ds:datastoreItem>
+</file>
+
 <file path=customXml/itemProps386.xml><?xml version="1.0" encoding="utf-8"?>
-<ds:datastoreItem xmlns:ds="http://schemas.openxmlformats.org/officeDocument/2006/customXml" ds:itemID="{1F29AE6B-03B4-4A12-B8F1-03D4B4EAB325}">
+<ds:datastoreItem xmlns:ds="http://schemas.openxmlformats.org/officeDocument/2006/customXml" ds:itemID="{2C2FBC63-A864-4FC2-AD7B-CABDB6510611}">
   <ds:schemaRefs>
     <ds:schemaRef ds:uri="http://schemas.microsoft.com/VisualStudio/2011/storyboarding/control"/>
   </ds:schemaRefs>
@@ -51162,7 +51162,7 @@
 </file>
 
 <file path=customXml/itemProps388.xml><?xml version="1.0" encoding="utf-8"?>
-<ds:datastoreItem xmlns:ds="http://schemas.openxmlformats.org/officeDocument/2006/customXml" ds:itemID="{568714F3-D8D9-431E-8864-DAAE2A42BB10}">
+<ds:datastoreItem xmlns:ds="http://schemas.openxmlformats.org/officeDocument/2006/customXml" ds:itemID="{95588433-61E9-4293-B579-575578C3E5D0}">
   <ds:schemaRefs>
     <ds:schemaRef ds:uri="http://schemas.microsoft.com/VisualStudio/2011/storyboarding/control"/>
   </ds:schemaRefs>
@@ -51170,6 +51170,390 @@
 </file>
 
 <file path=customXml/itemProps389.xml><?xml version="1.0" encoding="utf-8"?>
+<ds:datastoreItem xmlns:ds="http://schemas.openxmlformats.org/officeDocument/2006/customXml" ds:itemID="{332E9F1B-DF51-4426-B1AC-0770F2120B21}">
+  <ds:schemaRefs>
+    <ds:schemaRef ds:uri="http://schemas.microsoft.com/VisualStudio/2011/storyboarding/control"/>
+  </ds:schemaRefs>
+</ds:datastoreItem>
+</file>
+
+<file path=customXml/itemProps39.xml><?xml version="1.0" encoding="utf-8"?>
+<ds:datastoreItem xmlns:ds="http://schemas.openxmlformats.org/officeDocument/2006/customXml" ds:itemID="{7FA397B6-29ED-4878-ABE6-66F9B85585CA}">
+  <ds:schemaRefs>
+    <ds:schemaRef ds:uri="http://schemas.microsoft.com/VisualStudio/2011/storyboarding/control"/>
+  </ds:schemaRefs>
+</ds:datastoreItem>
+</file>
+
+<file path=customXml/itemProps390.xml><?xml version="1.0" encoding="utf-8"?>
+<ds:datastoreItem xmlns:ds="http://schemas.openxmlformats.org/officeDocument/2006/customXml" ds:itemID="{449A1225-4F5D-4254-9ACE-BB09E439D272}">
+  <ds:schemaRefs>
+    <ds:schemaRef ds:uri="http://schemas.microsoft.com/VisualStudio/2011/storyboarding/control"/>
+  </ds:schemaRefs>
+</ds:datastoreItem>
+</file>
+
+<file path=customXml/itemProps391.xml><?xml version="1.0" encoding="utf-8"?>
+<ds:datastoreItem xmlns:ds="http://schemas.openxmlformats.org/officeDocument/2006/customXml" ds:itemID="{D6E6A7A7-B2E5-43F6-91E4-B861A1D5C0F8}">
+  <ds:schemaRefs>
+    <ds:schemaRef ds:uri="http://schemas.microsoft.com/VisualStudio/2011/storyboarding/control"/>
+  </ds:schemaRefs>
+</ds:datastoreItem>
+</file>
+
+<file path=customXml/itemProps392.xml><?xml version="1.0" encoding="utf-8"?>
+<ds:datastoreItem xmlns:ds="http://schemas.openxmlformats.org/officeDocument/2006/customXml" ds:itemID="{18479CBD-00A4-4343-8A6F-D192772CDD2F}">
+  <ds:schemaRefs>
+    <ds:schemaRef ds:uri="http://schemas.microsoft.com/VisualStudio/2011/storyboarding/control"/>
+  </ds:schemaRefs>
+</ds:datastoreItem>
+</file>
+
+<file path=customXml/itemProps393.xml><?xml version="1.0" encoding="utf-8"?>
+<ds:datastoreItem xmlns:ds="http://schemas.openxmlformats.org/officeDocument/2006/customXml" ds:itemID="{9954BA6F-22C2-4FB9-AB8A-6BCE43E6A3EB}">
+  <ds:schemaRefs>
+    <ds:schemaRef ds:uri="http://schemas.microsoft.com/VisualStudio/2011/storyboarding/control"/>
+  </ds:schemaRefs>
+</ds:datastoreItem>
+</file>
+
+<file path=customXml/itemProps394.xml><?xml version="1.0" encoding="utf-8"?>
+<ds:datastoreItem xmlns:ds="http://schemas.openxmlformats.org/officeDocument/2006/customXml" ds:itemID="{07463043-8C73-4A96-A0C3-812E55AED541}">
+  <ds:schemaRefs>
+    <ds:schemaRef ds:uri="http://schemas.microsoft.com/VisualStudio/2011/storyboarding/control"/>
+  </ds:schemaRefs>
+</ds:datastoreItem>
+</file>
+
+<file path=customXml/itemProps395.xml><?xml version="1.0" encoding="utf-8"?>
+<ds:datastoreItem xmlns:ds="http://schemas.openxmlformats.org/officeDocument/2006/customXml" ds:itemID="{A0949D9F-F6CB-4EB9-AFD5-E03CF23C856B}">
+  <ds:schemaRefs>
+    <ds:schemaRef ds:uri="http://schemas.microsoft.com/VisualStudio/2011/storyboarding/control"/>
+  </ds:schemaRefs>
+</ds:datastoreItem>
+</file>
+
+<file path=customXml/itemProps396.xml><?xml version="1.0" encoding="utf-8"?>
+<ds:datastoreItem xmlns:ds="http://schemas.openxmlformats.org/officeDocument/2006/customXml" ds:itemID="{17ED3A74-6D84-4651-96C9-D3EDE797AE29}">
+  <ds:schemaRefs>
+    <ds:schemaRef ds:uri="http://schemas.microsoft.com/VisualStudio/2011/storyboarding/control"/>
+  </ds:schemaRefs>
+</ds:datastoreItem>
+</file>
+
+<file path=customXml/itemProps397.xml><?xml version="1.0" encoding="utf-8"?>
+<ds:datastoreItem xmlns:ds="http://schemas.openxmlformats.org/officeDocument/2006/customXml" ds:itemID="{9D290980-99CB-464E-91F6-B994B5B37222}">
+  <ds:schemaRefs>
+    <ds:schemaRef ds:uri="http://schemas.microsoft.com/VisualStudio/2011/storyboarding/control"/>
+  </ds:schemaRefs>
+</ds:datastoreItem>
+</file>
+
+<file path=customXml/itemProps398.xml><?xml version="1.0" encoding="utf-8"?>
+<ds:datastoreItem xmlns:ds="http://schemas.openxmlformats.org/officeDocument/2006/customXml" ds:itemID="{087DB395-2C0C-4B08-9304-779A0FBEBFF2}">
+  <ds:schemaRefs>
+    <ds:schemaRef ds:uri="http://schemas.microsoft.com/VisualStudio/2011/storyboarding/control"/>
+  </ds:schemaRefs>
+</ds:datastoreItem>
+</file>
+
+<file path=customXml/itemProps399.xml><?xml version="1.0" encoding="utf-8"?>
+<ds:datastoreItem xmlns:ds="http://schemas.openxmlformats.org/officeDocument/2006/customXml" ds:itemID="{E08B47AB-1394-4600-930C-47A193994733}">
+  <ds:schemaRefs>
+    <ds:schemaRef ds:uri="http://schemas.microsoft.com/VisualStudio/2011/storyboarding/control"/>
+  </ds:schemaRefs>
+</ds:datastoreItem>
+</file>
+
+<file path=customXml/itemProps4.xml><?xml version="1.0" encoding="utf-8"?>
+<ds:datastoreItem xmlns:ds="http://schemas.openxmlformats.org/officeDocument/2006/customXml" ds:itemID="{BADA96E6-71A2-4014-AFF3-D0F5807D1DCF}">
+  <ds:schemaRefs>
+    <ds:schemaRef ds:uri="http://schemas.microsoft.com/VisualStudio/2011/storyboarding/control"/>
+  </ds:schemaRefs>
+</ds:datastoreItem>
+</file>
+
+<file path=customXml/itemProps40.xml><?xml version="1.0" encoding="utf-8"?>
+<ds:datastoreItem xmlns:ds="http://schemas.openxmlformats.org/officeDocument/2006/customXml" ds:itemID="{23985387-5299-49F8-BCDD-4753405EC5A0}">
+  <ds:schemaRefs>
+    <ds:schemaRef ds:uri="http://schemas.microsoft.com/VisualStudio/2011/storyboarding/control"/>
+  </ds:schemaRefs>
+</ds:datastoreItem>
+</file>
+
+<file path=customXml/itemProps400.xml><?xml version="1.0" encoding="utf-8"?>
+<ds:datastoreItem xmlns:ds="http://schemas.openxmlformats.org/officeDocument/2006/customXml" ds:itemID="{D8A94EED-CD88-420F-AF54-52AE0137EF29}">
+  <ds:schemaRefs>
+    <ds:schemaRef ds:uri="http://schemas.microsoft.com/VisualStudio/2011/storyboarding/control"/>
+  </ds:schemaRefs>
+</ds:datastoreItem>
+</file>
+
+<file path=customXml/itemProps401.xml><?xml version="1.0" encoding="utf-8"?>
+<ds:datastoreItem xmlns:ds="http://schemas.openxmlformats.org/officeDocument/2006/customXml" ds:itemID="{57484A40-2804-4672-8F43-06BEE1F15443}">
+  <ds:schemaRefs>
+    <ds:schemaRef ds:uri="http://schemas.microsoft.com/VisualStudio/2011/storyboarding/control"/>
+  </ds:schemaRefs>
+</ds:datastoreItem>
+</file>
+
+<file path=customXml/itemProps402.xml><?xml version="1.0" encoding="utf-8"?>
+<ds:datastoreItem xmlns:ds="http://schemas.openxmlformats.org/officeDocument/2006/customXml" ds:itemID="{B87054BE-262E-43CD-9291-338574919624}">
+  <ds:schemaRefs>
+    <ds:schemaRef ds:uri="http://schemas.microsoft.com/VisualStudio/2011/storyboarding/control"/>
+  </ds:schemaRefs>
+</ds:datastoreItem>
+</file>
+
+<file path=customXml/itemProps403.xml><?xml version="1.0" encoding="utf-8"?>
+<ds:datastoreItem xmlns:ds="http://schemas.openxmlformats.org/officeDocument/2006/customXml" ds:itemID="{BE96D3F9-94FF-4D66-9DF9-3D8A9777DD29}">
+  <ds:schemaRefs>
+    <ds:schemaRef ds:uri="http://schemas.microsoft.com/VisualStudio/2011/storyboarding/control"/>
+  </ds:schemaRefs>
+</ds:datastoreItem>
+</file>
+
+<file path=customXml/itemProps404.xml><?xml version="1.0" encoding="utf-8"?>
+<ds:datastoreItem xmlns:ds="http://schemas.openxmlformats.org/officeDocument/2006/customXml" ds:itemID="{DC10D8AA-72C9-4D17-85F8-F0724DE545C8}">
+  <ds:schemaRefs>
+    <ds:schemaRef ds:uri="http://schemas.microsoft.com/VisualStudio/2011/storyboarding/control"/>
+  </ds:schemaRefs>
+</ds:datastoreItem>
+</file>
+
+<file path=customXml/itemProps405.xml><?xml version="1.0" encoding="utf-8"?>
+<ds:datastoreItem xmlns:ds="http://schemas.openxmlformats.org/officeDocument/2006/customXml" ds:itemID="{5139BEC5-AA52-4310-B922-FC2FF768261B}">
+  <ds:schemaRefs>
+    <ds:schemaRef ds:uri="http://schemas.microsoft.com/VisualStudio/2011/storyboarding/control"/>
+  </ds:schemaRefs>
+</ds:datastoreItem>
+</file>
+
+<file path=customXml/itemProps406.xml><?xml version="1.0" encoding="utf-8"?>
+<ds:datastoreItem xmlns:ds="http://schemas.openxmlformats.org/officeDocument/2006/customXml" ds:itemID="{7E15396C-6D97-4D12-9962-8332B131FFDE}">
+  <ds:schemaRefs>
+    <ds:schemaRef ds:uri="http://schemas.microsoft.com/VisualStudio/2011/storyboarding/control"/>
+  </ds:schemaRefs>
+</ds:datastoreItem>
+</file>
+
+<file path=customXml/itemProps407.xml><?xml version="1.0" encoding="utf-8"?>
+<ds:datastoreItem xmlns:ds="http://schemas.openxmlformats.org/officeDocument/2006/customXml" ds:itemID="{61521408-1A6C-4395-A9F6-CA91C8F403E2}">
+  <ds:schemaRefs>
+    <ds:schemaRef ds:uri="http://schemas.microsoft.com/VisualStudio/2011/storyboarding/control"/>
+  </ds:schemaRefs>
+</ds:datastoreItem>
+</file>
+
+<file path=customXml/itemProps408.xml><?xml version="1.0" encoding="utf-8"?>
+<ds:datastoreItem xmlns:ds="http://schemas.openxmlformats.org/officeDocument/2006/customXml" ds:itemID="{4110E2CE-1668-4619-8883-882CDE0A75AE}">
+  <ds:schemaRefs>
+    <ds:schemaRef ds:uri="http://schemas.microsoft.com/VisualStudio/2011/storyboarding/control"/>
+  </ds:schemaRefs>
+</ds:datastoreItem>
+</file>
+
+<file path=customXml/itemProps409.xml><?xml version="1.0" encoding="utf-8"?>
+<ds:datastoreItem xmlns:ds="http://schemas.openxmlformats.org/officeDocument/2006/customXml" ds:itemID="{2974F0ED-B6B0-4B6E-84EE-506EE4384448}">
+  <ds:schemaRefs>
+    <ds:schemaRef ds:uri="http://schemas.microsoft.com/VisualStudio/2011/storyboarding/control"/>
+  </ds:schemaRefs>
+</ds:datastoreItem>
+</file>
+
+<file path=customXml/itemProps41.xml><?xml version="1.0" encoding="utf-8"?>
+<ds:datastoreItem xmlns:ds="http://schemas.openxmlformats.org/officeDocument/2006/customXml" ds:itemID="{B99BBEE2-8622-4465-BC31-E25ADC83ECB7}">
+  <ds:schemaRefs>
+    <ds:schemaRef ds:uri="http://schemas.microsoft.com/VisualStudio/2011/storyboarding/control"/>
+  </ds:schemaRefs>
+</ds:datastoreItem>
+</file>
+
+<file path=customXml/itemProps410.xml><?xml version="1.0" encoding="utf-8"?>
+<ds:datastoreItem xmlns:ds="http://schemas.openxmlformats.org/officeDocument/2006/customXml" ds:itemID="{1C599508-A03C-4B1A-B8C8-A7C2180B0778}">
+  <ds:schemaRefs>
+    <ds:schemaRef ds:uri="http://schemas.microsoft.com/VisualStudio/2011/storyboarding/control"/>
+  </ds:schemaRefs>
+</ds:datastoreItem>
+</file>
+
+<file path=customXml/itemProps411.xml><?xml version="1.0" encoding="utf-8"?>
+<ds:datastoreItem xmlns:ds="http://schemas.openxmlformats.org/officeDocument/2006/customXml" ds:itemID="{50B6A72E-C8E9-4C07-A6D0-328558C26D47}">
+  <ds:schemaRefs>
+    <ds:schemaRef ds:uri="http://schemas.microsoft.com/VisualStudio/2011/storyboarding/control"/>
+  </ds:schemaRefs>
+</ds:datastoreItem>
+</file>
+
+<file path=customXml/itemProps412.xml><?xml version="1.0" encoding="utf-8"?>
+<ds:datastoreItem xmlns:ds="http://schemas.openxmlformats.org/officeDocument/2006/customXml" ds:itemID="{82CA3AE0-1A6B-400B-BEEC-CB72AC7292BF}">
+  <ds:schemaRefs>
+    <ds:schemaRef ds:uri="http://schemas.microsoft.com/VisualStudio/2011/storyboarding/control"/>
+  </ds:schemaRefs>
+</ds:datastoreItem>
+</file>
+
+<file path=customXml/itemProps413.xml><?xml version="1.0" encoding="utf-8"?>
+<ds:datastoreItem xmlns:ds="http://schemas.openxmlformats.org/officeDocument/2006/customXml" ds:itemID="{F1567C39-CDE9-4083-BB9B-DE1FE5CEB6A2}">
+  <ds:schemaRefs>
+    <ds:schemaRef ds:uri="http://schemas.microsoft.com/VisualStudio/2011/storyboarding/control"/>
+  </ds:schemaRefs>
+</ds:datastoreItem>
+</file>
+
+<file path=customXml/itemProps414.xml><?xml version="1.0" encoding="utf-8"?>
+<ds:datastoreItem xmlns:ds="http://schemas.openxmlformats.org/officeDocument/2006/customXml" ds:itemID="{D0C27CBD-5D30-459F-A883-4595F5193B88}">
+  <ds:schemaRefs>
+    <ds:schemaRef ds:uri="http://schemas.microsoft.com/VisualStudio/2011/storyboarding/control"/>
+  </ds:schemaRefs>
+</ds:datastoreItem>
+</file>
+
+<file path=customXml/itemProps415.xml><?xml version="1.0" encoding="utf-8"?>
+<ds:datastoreItem xmlns:ds="http://schemas.openxmlformats.org/officeDocument/2006/customXml" ds:itemID="{5C59363F-9BDD-4051-9E0B-5EE8CD62FD4F}">
+  <ds:schemaRefs>
+    <ds:schemaRef ds:uri="http://schemas.microsoft.com/VisualStudio/2011/storyboarding/control"/>
+  </ds:schemaRefs>
+</ds:datastoreItem>
+</file>
+
+<file path=customXml/itemProps416.xml><?xml version="1.0" encoding="utf-8"?>
+<ds:datastoreItem xmlns:ds="http://schemas.openxmlformats.org/officeDocument/2006/customXml" ds:itemID="{1DC2092F-C361-4AB2-B4C8-17B0BEF5A845}">
+  <ds:schemaRefs>
+    <ds:schemaRef ds:uri="http://schemas.microsoft.com/VisualStudio/2011/storyboarding/control"/>
+  </ds:schemaRefs>
+</ds:datastoreItem>
+</file>
+
+<file path=customXml/itemProps417.xml><?xml version="1.0" encoding="utf-8"?>
+<ds:datastoreItem xmlns:ds="http://schemas.openxmlformats.org/officeDocument/2006/customXml" ds:itemID="{A2FC8A1A-87F2-4645-8B57-275B8D280AE0}">
+  <ds:schemaRefs>
+    <ds:schemaRef ds:uri="http://schemas.microsoft.com/VisualStudio/2011/storyboarding/control"/>
+  </ds:schemaRefs>
+</ds:datastoreItem>
+</file>
+
+<file path=customXml/itemProps418.xml><?xml version="1.0" encoding="utf-8"?>
+<ds:datastoreItem xmlns:ds="http://schemas.openxmlformats.org/officeDocument/2006/customXml" ds:itemID="{A717C928-272B-48EE-89F0-036373076858}">
+  <ds:schemaRefs>
+    <ds:schemaRef ds:uri="http://schemas.microsoft.com/VisualStudio/2011/storyboarding/control"/>
+  </ds:schemaRefs>
+</ds:datastoreItem>
+</file>
+
+<file path=customXml/itemProps419.xml><?xml version="1.0" encoding="utf-8"?>
+<ds:datastoreItem xmlns:ds="http://schemas.openxmlformats.org/officeDocument/2006/customXml" ds:itemID="{86536C94-2BFE-4B4D-9309-D227F76E896E}">
+  <ds:schemaRefs>
+    <ds:schemaRef ds:uri="http://schemas.microsoft.com/VisualStudio/2011/storyboarding/control"/>
+  </ds:schemaRefs>
+</ds:datastoreItem>
+</file>
+
+<file path=customXml/itemProps42.xml><?xml version="1.0" encoding="utf-8"?>
+<ds:datastoreItem xmlns:ds="http://schemas.openxmlformats.org/officeDocument/2006/customXml" ds:itemID="{7A56F8D1-12D8-4523-801C-91CB3BBA06C5}">
+  <ds:schemaRefs>
+    <ds:schemaRef ds:uri="http://schemas.microsoft.com/VisualStudio/2011/storyboarding/control"/>
+  </ds:schemaRefs>
+</ds:datastoreItem>
+</file>
+
+<file path=customXml/itemProps420.xml><?xml version="1.0" encoding="utf-8"?>
+<ds:datastoreItem xmlns:ds="http://schemas.openxmlformats.org/officeDocument/2006/customXml" ds:itemID="{9B1A2238-A9FB-43F3-AA30-7346B4F2082A}">
+  <ds:schemaRefs>
+    <ds:schemaRef ds:uri="http://schemas.microsoft.com/VisualStudio/2011/storyboarding/control"/>
+  </ds:schemaRefs>
+</ds:datastoreItem>
+</file>
+
+<file path=customXml/itemProps421.xml><?xml version="1.0" encoding="utf-8"?>
+<ds:datastoreItem xmlns:ds="http://schemas.openxmlformats.org/officeDocument/2006/customXml" ds:itemID="{44B0F0AF-80D9-44F3-B6BE-559357745CD0}">
+  <ds:schemaRefs>
+    <ds:schemaRef ds:uri="http://schemas.microsoft.com/VisualStudio/2011/storyboarding/control"/>
+  </ds:schemaRefs>
+</ds:datastoreItem>
+</file>
+
+<file path=customXml/itemProps422.xml><?xml version="1.0" encoding="utf-8"?>
+<ds:datastoreItem xmlns:ds="http://schemas.openxmlformats.org/officeDocument/2006/customXml" ds:itemID="{849AE861-D030-4C06-A263-F7A84D4EE9B4}">
+  <ds:schemaRefs>
+    <ds:schemaRef ds:uri="http://schemas.microsoft.com/VisualStudio/2011/storyboarding/control"/>
+  </ds:schemaRefs>
+</ds:datastoreItem>
+</file>
+
+<file path=customXml/itemProps423.xml><?xml version="1.0" encoding="utf-8"?>
+<ds:datastoreItem xmlns:ds="http://schemas.openxmlformats.org/officeDocument/2006/customXml" ds:itemID="{F0BF6A6C-93F8-4168-A950-2D71DAD07F57}">
+  <ds:schemaRefs>
+    <ds:schemaRef ds:uri="http://schemas.microsoft.com/VisualStudio/2011/storyboarding/control"/>
+  </ds:schemaRefs>
+</ds:datastoreItem>
+</file>
+
+<file path=customXml/itemProps424.xml><?xml version="1.0" encoding="utf-8"?>
+<ds:datastoreItem xmlns:ds="http://schemas.openxmlformats.org/officeDocument/2006/customXml" ds:itemID="{E7CEECF9-673C-47F4-B5C3-943F991DAB28}">
+  <ds:schemaRefs>
+    <ds:schemaRef ds:uri="http://schemas.microsoft.com/VisualStudio/2011/storyboarding/control"/>
+  </ds:schemaRefs>
+</ds:datastoreItem>
+</file>
+
+<file path=customXml/itemProps425.xml><?xml version="1.0" encoding="utf-8"?>
+<ds:datastoreItem xmlns:ds="http://schemas.openxmlformats.org/officeDocument/2006/customXml" ds:itemID="{17B2E7D0-7E29-4049-BB1D-7EFDCDDA0EBB}">
+  <ds:schemaRefs>
+    <ds:schemaRef ds:uri="http://schemas.microsoft.com/VisualStudio/2011/storyboarding/control"/>
+  </ds:schemaRefs>
+</ds:datastoreItem>
+</file>
+
+<file path=customXml/itemProps426.xml><?xml version="1.0" encoding="utf-8"?>
+<ds:datastoreItem xmlns:ds="http://schemas.openxmlformats.org/officeDocument/2006/customXml" ds:itemID="{09528D4D-3F54-4BA8-9BF3-D5C08FBD0E1F}">
+  <ds:schemaRefs>
+    <ds:schemaRef ds:uri="http://schemas.microsoft.com/VisualStudio/2011/storyboarding/control"/>
+  </ds:schemaRefs>
+</ds:datastoreItem>
+</file>
+
+<file path=customXml/itemProps427.xml><?xml version="1.0" encoding="utf-8"?>
+<ds:datastoreItem xmlns:ds="http://schemas.openxmlformats.org/officeDocument/2006/customXml" ds:itemID="{7538EC36-047A-49CB-B557-46980455D5E7}">
+  <ds:schemaRefs>
+    <ds:schemaRef ds:uri="http://schemas.microsoft.com/VisualStudio/2011/storyboarding/control"/>
+  </ds:schemaRefs>
+</ds:datastoreItem>
+</file>
+
+<file path=customXml/itemProps428.xml><?xml version="1.0" encoding="utf-8"?>
+<ds:datastoreItem xmlns:ds="http://schemas.openxmlformats.org/officeDocument/2006/customXml" ds:itemID="{ADB30EDF-F881-43E1-A9EA-8F1D27F30DEA}">
+  <ds:schemaRefs>
+    <ds:schemaRef ds:uri="http://schemas.microsoft.com/VisualStudio/2011/storyboarding/control"/>
+  </ds:schemaRefs>
+</ds:datastoreItem>
+</file>
+
+<file path=customXml/itemProps429.xml><?xml version="1.0" encoding="utf-8"?>
+<ds:datastoreItem xmlns:ds="http://schemas.openxmlformats.org/officeDocument/2006/customXml" ds:itemID="{8A3C9BB4-DCD9-4828-B0F9-CF71EA95D9A1}">
+  <ds:schemaRefs>
+    <ds:schemaRef ds:uri="http://schemas.microsoft.com/VisualStudio/2011/storyboarding/control"/>
+  </ds:schemaRefs>
+</ds:datastoreItem>
+</file>
+
+<file path=customXml/itemProps43.xml><?xml version="1.0" encoding="utf-8"?>
+<ds:datastoreItem xmlns:ds="http://schemas.openxmlformats.org/officeDocument/2006/customXml" ds:itemID="{61A730FD-9761-4EB7-92A9-2E42E1FD5DF3}">
+  <ds:schemaRefs>
+    <ds:schemaRef ds:uri="http://schemas.microsoft.com/VisualStudio/2011/storyboarding/control"/>
+  </ds:schemaRefs>
+</ds:datastoreItem>
+</file>
+
+<file path=customXml/itemProps430.xml><?xml version="1.0" encoding="utf-8"?>
+<ds:datastoreItem xmlns:ds="http://schemas.openxmlformats.org/officeDocument/2006/customXml" ds:itemID="{CFEC3E2B-E600-472B-9097-E07844FD6B64}">
+  <ds:schemaRefs>
+    <ds:schemaRef ds:uri="http://schemas.microsoft.com/VisualStudio/2011/storyboarding/control"/>
+  </ds:schemaRefs>
+</ds:datastoreItem>
+</file>
+
+<file path=customXml/itemProps431.xml><?xml version="1.0" encoding="utf-8"?>
 <ds:datastoreItem xmlns:ds="http://schemas.openxmlformats.org/officeDocument/2006/customXml" ds:itemID="{2B04A1DA-E9B7-4101-BE3D-F5812C3090BC}">
   <ds:schemaRefs>
     <ds:schemaRef ds:uri="http://schemas.microsoft.com/VisualStudio/2011/storyboarding/control"/>
@@ -51177,15 +51561,303 @@
 </ds:datastoreItem>
 </file>
 
-<file path=customXml/itemProps39.xml><?xml version="1.0" encoding="utf-8"?>
-<ds:datastoreItem xmlns:ds="http://schemas.openxmlformats.org/officeDocument/2006/customXml" ds:itemID="{7EF697F5-7859-4E60-A6CB-CCD4CF9BBDE3}">
+<file path=customXml/itemProps432.xml><?xml version="1.0" encoding="utf-8"?>
+<ds:datastoreItem xmlns:ds="http://schemas.openxmlformats.org/officeDocument/2006/customXml" ds:itemID="{C4516B8B-2849-4DB5-B2B3-91823A6170D5}">
   <ds:schemaRefs>
     <ds:schemaRef ds:uri="http://schemas.microsoft.com/VisualStudio/2011/storyboarding/control"/>
   </ds:schemaRefs>
 </ds:datastoreItem>
 </file>
 
-<file path=customXml/itemProps390.xml><?xml version="1.0" encoding="utf-8"?>
+<file path=customXml/itemProps433.xml><?xml version="1.0" encoding="utf-8"?>
+<ds:datastoreItem xmlns:ds="http://schemas.openxmlformats.org/officeDocument/2006/customXml" ds:itemID="{48989EAE-5213-47D6-9975-1982E0630330}">
+  <ds:schemaRefs>
+    <ds:schemaRef ds:uri="http://schemas.microsoft.com/VisualStudio/2011/storyboarding/control"/>
+  </ds:schemaRefs>
+</ds:datastoreItem>
+</file>
+
+<file path=customXml/itemProps434.xml><?xml version="1.0" encoding="utf-8"?>
+<ds:datastoreItem xmlns:ds="http://schemas.openxmlformats.org/officeDocument/2006/customXml" ds:itemID="{063914C3-9883-4B3D-AAE0-8819E257BD53}">
+  <ds:schemaRefs>
+    <ds:schemaRef ds:uri="http://schemas.microsoft.com/VisualStudio/2011/storyboarding/control"/>
+  </ds:schemaRefs>
+</ds:datastoreItem>
+</file>
+
+<file path=customXml/itemProps435.xml><?xml version="1.0" encoding="utf-8"?>
+<ds:datastoreItem xmlns:ds="http://schemas.openxmlformats.org/officeDocument/2006/customXml" ds:itemID="{EA885A8A-8C98-465B-AF2E-A134F35414CB}">
+  <ds:schemaRefs>
+    <ds:schemaRef ds:uri="http://schemas.microsoft.com/VisualStudio/2011/storyboarding/control"/>
+  </ds:schemaRefs>
+</ds:datastoreItem>
+</file>
+
+<file path=customXml/itemProps436.xml><?xml version="1.0" encoding="utf-8"?>
+<ds:datastoreItem xmlns:ds="http://schemas.openxmlformats.org/officeDocument/2006/customXml" ds:itemID="{3D6E0966-9A4E-42A8-89C2-1FF5C943087D}">
+  <ds:schemaRefs>
+    <ds:schemaRef ds:uri="http://schemas.microsoft.com/VisualStudio/2011/storyboarding/control"/>
+  </ds:schemaRefs>
+</ds:datastoreItem>
+</file>
+
+<file path=customXml/itemProps44.xml><?xml version="1.0" encoding="utf-8"?>
+<ds:datastoreItem xmlns:ds="http://schemas.openxmlformats.org/officeDocument/2006/customXml" ds:itemID="{50FF826C-EAD7-4910-8339-D9E21711811A}">
+  <ds:schemaRefs>
+    <ds:schemaRef ds:uri="http://schemas.microsoft.com/VisualStudio/2011/storyboarding/control"/>
+  </ds:schemaRefs>
+</ds:datastoreItem>
+</file>
+
+<file path=customXml/itemProps45.xml><?xml version="1.0" encoding="utf-8"?>
+<ds:datastoreItem xmlns:ds="http://schemas.openxmlformats.org/officeDocument/2006/customXml" ds:itemID="{1B146DBB-C522-4C8D-905F-9208E084F7E7}">
+  <ds:schemaRefs>
+    <ds:schemaRef ds:uri="http://schemas.microsoft.com/VisualStudio/2011/storyboarding/control"/>
+  </ds:schemaRefs>
+</ds:datastoreItem>
+</file>
+
+<file path=customXml/itemProps46.xml><?xml version="1.0" encoding="utf-8"?>
+<ds:datastoreItem xmlns:ds="http://schemas.openxmlformats.org/officeDocument/2006/customXml" ds:itemID="{21CE0866-0BC2-468C-8C99-31DAA720102C}">
+  <ds:schemaRefs>
+    <ds:schemaRef ds:uri="http://schemas.microsoft.com/VisualStudio/2011/storyboarding/control"/>
+  </ds:schemaRefs>
+</ds:datastoreItem>
+</file>
+
+<file path=customXml/itemProps47.xml><?xml version="1.0" encoding="utf-8"?>
+<ds:datastoreItem xmlns:ds="http://schemas.openxmlformats.org/officeDocument/2006/customXml" ds:itemID="{A7A6C70D-D189-4476-B241-4D9D773312B5}">
+  <ds:schemaRefs>
+    <ds:schemaRef ds:uri="http://schemas.microsoft.com/VisualStudio/2011/storyboarding/control"/>
+  </ds:schemaRefs>
+</ds:datastoreItem>
+</file>
+
+<file path=customXml/itemProps48.xml><?xml version="1.0" encoding="utf-8"?>
+<ds:datastoreItem xmlns:ds="http://schemas.openxmlformats.org/officeDocument/2006/customXml" ds:itemID="{F5490249-BEA8-4E5E-9204-A789B131DF3A}">
+  <ds:schemaRefs>
+    <ds:schemaRef ds:uri="http://schemas.microsoft.com/VisualStudio/2011/storyboarding/control"/>
+  </ds:schemaRefs>
+</ds:datastoreItem>
+</file>
+
+<file path=customXml/itemProps49.xml><?xml version="1.0" encoding="utf-8"?>
+<ds:datastoreItem xmlns:ds="http://schemas.openxmlformats.org/officeDocument/2006/customXml" ds:itemID="{DD5A439A-877E-490B-8CB9-95E7FCFCF44D}">
+  <ds:schemaRefs>
+    <ds:schemaRef ds:uri="http://schemas.microsoft.com/VisualStudio/2011/storyboarding/control"/>
+  </ds:schemaRefs>
+</ds:datastoreItem>
+</file>
+
+<file path=customXml/itemProps5.xml><?xml version="1.0" encoding="utf-8"?>
+<ds:datastoreItem xmlns:ds="http://schemas.openxmlformats.org/officeDocument/2006/customXml" ds:itemID="{E964C5A4-F7DF-4C5B-9795-1FF833979E36}">
+  <ds:schemaRefs>
+    <ds:schemaRef ds:uri="http://schemas.microsoft.com/VisualStudio/2011/storyboarding/control"/>
+  </ds:schemaRefs>
+</ds:datastoreItem>
+</file>
+
+<file path=customXml/itemProps50.xml><?xml version="1.0" encoding="utf-8"?>
+<ds:datastoreItem xmlns:ds="http://schemas.openxmlformats.org/officeDocument/2006/customXml" ds:itemID="{866A6640-C97D-482F-8EF6-18B15419AEC1}">
+  <ds:schemaRefs>
+    <ds:schemaRef ds:uri="http://schemas.microsoft.com/VisualStudio/2011/storyboarding/control"/>
+  </ds:schemaRefs>
+</ds:datastoreItem>
+</file>
+
+<file path=customXml/itemProps51.xml><?xml version="1.0" encoding="utf-8"?>
+<ds:datastoreItem xmlns:ds="http://schemas.openxmlformats.org/officeDocument/2006/customXml" ds:itemID="{55C5D3AD-0246-4377-A002-D1DD16BE16B6}">
+  <ds:schemaRefs>
+    <ds:schemaRef ds:uri="http://schemas.microsoft.com/VisualStudio/2011/storyboarding/control"/>
+  </ds:schemaRefs>
+</ds:datastoreItem>
+</file>
+
+<file path=customXml/itemProps52.xml><?xml version="1.0" encoding="utf-8"?>
+<ds:datastoreItem xmlns:ds="http://schemas.openxmlformats.org/officeDocument/2006/customXml" ds:itemID="{5270B10E-46D9-4039-924E-E8AC9EB72BE4}">
+  <ds:schemaRefs>
+    <ds:schemaRef ds:uri="http://schemas.microsoft.com/VisualStudio/2011/storyboarding/control"/>
+  </ds:schemaRefs>
+</ds:datastoreItem>
+</file>
+
+<file path=customXml/itemProps53.xml><?xml version="1.0" encoding="utf-8"?>
+<ds:datastoreItem xmlns:ds="http://schemas.openxmlformats.org/officeDocument/2006/customXml" ds:itemID="{3D4272AF-908A-4214-95E0-891EF5C32ED3}">
+  <ds:schemaRefs>
+    <ds:schemaRef ds:uri="http://schemas.microsoft.com/VisualStudio/2011/storyboarding/control"/>
+  </ds:schemaRefs>
+</ds:datastoreItem>
+</file>
+
+<file path=customXml/itemProps54.xml><?xml version="1.0" encoding="utf-8"?>
+<ds:datastoreItem xmlns:ds="http://schemas.openxmlformats.org/officeDocument/2006/customXml" ds:itemID="{9A6A7808-2196-4291-859A-AC2267FED0F3}">
+  <ds:schemaRefs>
+    <ds:schemaRef ds:uri="http://schemas.microsoft.com/VisualStudio/2011/storyboarding/control"/>
+  </ds:schemaRefs>
+</ds:datastoreItem>
+</file>
+
+<file path=customXml/itemProps55.xml><?xml version="1.0" encoding="utf-8"?>
+<ds:datastoreItem xmlns:ds="http://schemas.openxmlformats.org/officeDocument/2006/customXml" ds:itemID="{2238959C-0CA2-4DF6-AF6A-D5199B277DDA}">
+  <ds:schemaRefs>
+    <ds:schemaRef ds:uri="http://schemas.microsoft.com/VisualStudio/2011/storyboarding/control"/>
+  </ds:schemaRefs>
+</ds:datastoreItem>
+</file>
+
+<file path=customXml/itemProps56.xml><?xml version="1.0" encoding="utf-8"?>
+<ds:datastoreItem xmlns:ds="http://schemas.openxmlformats.org/officeDocument/2006/customXml" ds:itemID="{49FA0AFA-8994-4438-9FE0-C1EBD19DB4D1}">
+  <ds:schemaRefs>
+    <ds:schemaRef ds:uri="http://schemas.microsoft.com/VisualStudio/2011/storyboarding/control"/>
+  </ds:schemaRefs>
+</ds:datastoreItem>
+</file>
+
+<file path=customXml/itemProps57.xml><?xml version="1.0" encoding="utf-8"?>
+<ds:datastoreItem xmlns:ds="http://schemas.openxmlformats.org/officeDocument/2006/customXml" ds:itemID="{3C148C53-07E1-48F0-9BAF-BEDBF904BCAF}">
+  <ds:schemaRefs>
+    <ds:schemaRef ds:uri="http://schemas.microsoft.com/VisualStudio/2011/storyboarding/control"/>
+  </ds:schemaRefs>
+</ds:datastoreItem>
+</file>
+
+<file path=customXml/itemProps58.xml><?xml version="1.0" encoding="utf-8"?>
+<ds:datastoreItem xmlns:ds="http://schemas.openxmlformats.org/officeDocument/2006/customXml" ds:itemID="{7FD2B804-224E-4127-9FA5-E0941B8F2DC6}">
+  <ds:schemaRefs>
+    <ds:schemaRef ds:uri="http://schemas.microsoft.com/VisualStudio/2011/storyboarding/control"/>
+  </ds:schemaRefs>
+</ds:datastoreItem>
+</file>
+
+<file path=customXml/itemProps59.xml><?xml version="1.0" encoding="utf-8"?>
+<ds:datastoreItem xmlns:ds="http://schemas.openxmlformats.org/officeDocument/2006/customXml" ds:itemID="{4AD9D1B8-9AD2-4E78-ABD0-30608FC3AD19}">
+  <ds:schemaRefs>
+    <ds:schemaRef ds:uri="http://schemas.microsoft.com/VisualStudio/2011/storyboarding/control"/>
+  </ds:schemaRefs>
+</ds:datastoreItem>
+</file>
+
+<file path=customXml/itemProps6.xml><?xml version="1.0" encoding="utf-8"?>
+<ds:datastoreItem xmlns:ds="http://schemas.openxmlformats.org/officeDocument/2006/customXml" ds:itemID="{F2536055-0A51-45C4-BB74-84D47AB0101B}">
+  <ds:schemaRefs>
+    <ds:schemaRef ds:uri="http://schemas.microsoft.com/VisualStudio/2011/storyboarding/control"/>
+  </ds:schemaRefs>
+</ds:datastoreItem>
+</file>
+
+<file path=customXml/itemProps60.xml><?xml version="1.0" encoding="utf-8"?>
+<ds:datastoreItem xmlns:ds="http://schemas.openxmlformats.org/officeDocument/2006/customXml" ds:itemID="{266CC34A-0703-4795-9A2C-AF27FCDE8A7F}">
+  <ds:schemaRefs>
+    <ds:schemaRef ds:uri="http://schemas.microsoft.com/VisualStudio/2011/storyboarding/control"/>
+  </ds:schemaRefs>
+</ds:datastoreItem>
+</file>
+
+<file path=customXml/itemProps61.xml><?xml version="1.0" encoding="utf-8"?>
+<ds:datastoreItem xmlns:ds="http://schemas.openxmlformats.org/officeDocument/2006/customXml" ds:itemID="{132ABD4A-35EB-45E0-AACD-92A103B2C388}">
+  <ds:schemaRefs>
+    <ds:schemaRef ds:uri="http://schemas.microsoft.com/VisualStudio/2011/storyboarding/control"/>
+  </ds:schemaRefs>
+</ds:datastoreItem>
+</file>
+
+<file path=customXml/itemProps62.xml><?xml version="1.0" encoding="utf-8"?>
+<ds:datastoreItem xmlns:ds="http://schemas.openxmlformats.org/officeDocument/2006/customXml" ds:itemID="{67A5E7BE-8375-4425-9594-C01E15EF2651}">
+  <ds:schemaRefs>
+    <ds:schemaRef ds:uri="http://schemas.microsoft.com/VisualStudio/2011/storyboarding/control"/>
+  </ds:schemaRefs>
+</ds:datastoreItem>
+</file>
+
+<file path=customXml/itemProps63.xml><?xml version="1.0" encoding="utf-8"?>
+<ds:datastoreItem xmlns:ds="http://schemas.openxmlformats.org/officeDocument/2006/customXml" ds:itemID="{27288D3D-5A9F-4657-BBF4-738B0C457A89}">
+  <ds:schemaRefs>
+    <ds:schemaRef ds:uri="http://schemas.microsoft.com/VisualStudio/2011/storyboarding/control"/>
+  </ds:schemaRefs>
+</ds:datastoreItem>
+</file>
+
+<file path=customXml/itemProps64.xml><?xml version="1.0" encoding="utf-8"?>
+<ds:datastoreItem xmlns:ds="http://schemas.openxmlformats.org/officeDocument/2006/customXml" ds:itemID="{70EB66AB-98CC-4150-B485-07F59B4ACF88}">
+  <ds:schemaRefs>
+    <ds:schemaRef ds:uri="http://schemas.microsoft.com/VisualStudio/2011/storyboarding/control"/>
+  </ds:schemaRefs>
+</ds:datastoreItem>
+</file>
+
+<file path=customXml/itemProps65.xml><?xml version="1.0" encoding="utf-8"?>
+<ds:datastoreItem xmlns:ds="http://schemas.openxmlformats.org/officeDocument/2006/customXml" ds:itemID="{490EF0FA-4D0A-44BC-AAFB-5385F9A445D9}">
+  <ds:schemaRefs>
+    <ds:schemaRef ds:uri="http://schemas.microsoft.com/VisualStudio/2011/storyboarding/control"/>
+  </ds:schemaRefs>
+</ds:datastoreItem>
+</file>
+
+<file path=customXml/itemProps66.xml><?xml version="1.0" encoding="utf-8"?>
+<ds:datastoreItem xmlns:ds="http://schemas.openxmlformats.org/officeDocument/2006/customXml" ds:itemID="{119FF47C-E72A-41C2-B924-C2ACA80E3DC3}">
+  <ds:schemaRefs>
+    <ds:schemaRef ds:uri="http://schemas.microsoft.com/VisualStudio/2011/storyboarding/control"/>
+  </ds:schemaRefs>
+</ds:datastoreItem>
+</file>
+
+<file path=customXml/itemProps67.xml><?xml version="1.0" encoding="utf-8"?>
+<ds:datastoreItem xmlns:ds="http://schemas.openxmlformats.org/officeDocument/2006/customXml" ds:itemID="{365CCE68-F657-457F-BB10-4B8A1BFA9C0A}">
+  <ds:schemaRefs>
+    <ds:schemaRef ds:uri="http://schemas.microsoft.com/VisualStudio/2011/storyboarding/control"/>
+  </ds:schemaRefs>
+</ds:datastoreItem>
+</file>
+
+<file path=customXml/itemProps68.xml><?xml version="1.0" encoding="utf-8"?>
+<ds:datastoreItem xmlns:ds="http://schemas.openxmlformats.org/officeDocument/2006/customXml" ds:itemID="{1421D463-AFC6-45D3-A597-E2FD7836AE5E}">
+  <ds:schemaRefs>
+    <ds:schemaRef ds:uri="http://schemas.microsoft.com/VisualStudio/2011/storyboarding/control"/>
+  </ds:schemaRefs>
+</ds:datastoreItem>
+</file>
+
+<file path=customXml/itemProps69.xml><?xml version="1.0" encoding="utf-8"?>
+<ds:datastoreItem xmlns:ds="http://schemas.openxmlformats.org/officeDocument/2006/customXml" ds:itemID="{B3A1A28C-1881-4070-B0CE-2BBBEBB5B012}">
+  <ds:schemaRefs>
+    <ds:schemaRef ds:uri="http://schemas.microsoft.com/VisualStudio/2011/storyboarding/control"/>
+  </ds:schemaRefs>
+</ds:datastoreItem>
+</file>
+
+<file path=customXml/itemProps7.xml><?xml version="1.0" encoding="utf-8"?>
+<ds:datastoreItem xmlns:ds="http://schemas.openxmlformats.org/officeDocument/2006/customXml" ds:itemID="{253AFC98-12AA-4AA8-914D-B4E38DBCC832}">
+  <ds:schemaRefs>
+    <ds:schemaRef ds:uri="http://schemas.microsoft.com/VisualStudio/2011/storyboarding/control"/>
+  </ds:schemaRefs>
+</ds:datastoreItem>
+</file>
+
+<file path=customXml/itemProps70.xml><?xml version="1.0" encoding="utf-8"?>
+<ds:datastoreItem xmlns:ds="http://schemas.openxmlformats.org/officeDocument/2006/customXml" ds:itemID="{ACA48BA6-1F6D-447E-B612-17DD4F819F35}">
+  <ds:schemaRefs>
+    <ds:schemaRef ds:uri="http://schemas.microsoft.com/VisualStudio/2011/storyboarding/control"/>
+  </ds:schemaRefs>
+</ds:datastoreItem>
+</file>
+
+<file path=customXml/itemProps71.xml><?xml version="1.0" encoding="utf-8"?>
+<ds:datastoreItem xmlns:ds="http://schemas.openxmlformats.org/officeDocument/2006/customXml" ds:itemID="{4A5B3D47-69EE-4A70-ADE9-5E671087A0E6}">
+  <ds:schemaRefs>
+    <ds:schemaRef ds:uri="http://schemas.microsoft.com/VisualStudio/2011/storyboarding/control"/>
+  </ds:schemaRefs>
+</ds:datastoreItem>
+</file>
+
+<file path=customXml/itemProps72.xml><?xml version="1.0" encoding="utf-8"?>
+<ds:datastoreItem xmlns:ds="http://schemas.openxmlformats.org/officeDocument/2006/customXml" ds:itemID="{27EAE3D4-4DFB-4285-99D5-B87FEADFA328}">
+  <ds:schemaRefs>
+    <ds:schemaRef ds:uri="http://schemas.microsoft.com/VisualStudio/2011/storyboarding/control"/>
+  </ds:schemaRefs>
+</ds:datastoreItem>
+</file>
+
+<file path=customXml/itemProps73.xml><?xml version="1.0" encoding="utf-8"?>
 <ds:datastoreItem xmlns:ds="http://schemas.openxmlformats.org/officeDocument/2006/customXml" ds:itemID="{366DA436-CE30-453F-9CC1-28AD3B50F144}">
   <ds:schemaRefs>
     <ds:schemaRef ds:uri="http://schemas.microsoft.com/VisualStudio/2011/storyboarding/control/v1.0"/>
@@ -51193,127 +51865,7 @@
 </ds:datastoreItem>
 </file>
 
-<file path=customXml/itemProps391.xml><?xml version="1.0" encoding="utf-8"?>
-<ds:datastoreItem xmlns:ds="http://schemas.openxmlformats.org/officeDocument/2006/customXml" ds:itemID="{383A1961-1008-4826-A033-DC5BE9F4B375}">
-  <ds:schemaRefs>
-    <ds:schemaRef ds:uri="http://schemas.microsoft.com/VisualStudio/2011/storyboarding/control"/>
-  </ds:schemaRefs>
-</ds:datastoreItem>
-</file>
-
-<file path=customXml/itemProps392.xml><?xml version="1.0" encoding="utf-8"?>
-<ds:datastoreItem xmlns:ds="http://schemas.openxmlformats.org/officeDocument/2006/customXml" ds:itemID="{57E526B8-0F26-49E6-8217-552139C3327D}">
-  <ds:schemaRefs>
-    <ds:schemaRef ds:uri="http://schemas.microsoft.com/VisualStudio/2011/storyboarding/control"/>
-  </ds:schemaRefs>
-</ds:datastoreItem>
-</file>
-
-<file path=customXml/itemProps393.xml><?xml version="1.0" encoding="utf-8"?>
-<ds:datastoreItem xmlns:ds="http://schemas.openxmlformats.org/officeDocument/2006/customXml" ds:itemID="{E99B2935-8A8A-42F5-9909-6419593303C4}">
-  <ds:schemaRefs>
-    <ds:schemaRef ds:uri="http://schemas.microsoft.com/VisualStudio/2011/storyboarding/control"/>
-  </ds:schemaRefs>
-</ds:datastoreItem>
-</file>
-
-<file path=customXml/itemProps394.xml><?xml version="1.0" encoding="utf-8"?>
-<ds:datastoreItem xmlns:ds="http://schemas.openxmlformats.org/officeDocument/2006/customXml" ds:itemID="{BA167551-9408-45BC-9830-AA1308EE1AD0}">
-  <ds:schemaRefs>
-    <ds:schemaRef ds:uri="http://schemas.microsoft.com/VisualStudio/2011/storyboarding/control"/>
-  </ds:schemaRefs>
-</ds:datastoreItem>
-</file>
-
-<file path=customXml/itemProps395.xml><?xml version="1.0" encoding="utf-8"?>
-<ds:datastoreItem xmlns:ds="http://schemas.openxmlformats.org/officeDocument/2006/customXml" ds:itemID="{124714B6-911C-46CC-B31C-9DC0991ADA76}">
-  <ds:schemaRefs>
-    <ds:schemaRef ds:uri="http://schemas.microsoft.com/VisualStudio/2011/storyboarding/control"/>
-  </ds:schemaRefs>
-</ds:datastoreItem>
-</file>
-
-<file path=customXml/itemProps396.xml><?xml version="1.0" encoding="utf-8"?>
-<ds:datastoreItem xmlns:ds="http://schemas.openxmlformats.org/officeDocument/2006/customXml" ds:itemID="{2A4D64F9-90FF-4E26-A8C2-74E6285F51AD}">
-  <ds:schemaRefs>
-    <ds:schemaRef ds:uri="http://schemas.microsoft.com/VisualStudio/2011/storyboarding/control"/>
-  </ds:schemaRefs>
-</ds:datastoreItem>
-</file>
-
-<file path=customXml/itemProps397.xml><?xml version="1.0" encoding="utf-8"?>
-<ds:datastoreItem xmlns:ds="http://schemas.openxmlformats.org/officeDocument/2006/customXml" ds:itemID="{5B15063E-ECB8-4E93-9094-D5CF5309D65E}">
-  <ds:schemaRefs>
-    <ds:schemaRef ds:uri="http://schemas.microsoft.com/VisualStudio/2011/storyboarding/control"/>
-  </ds:schemaRefs>
-</ds:datastoreItem>
-</file>
-
-<file path=customXml/itemProps398.xml><?xml version="1.0" encoding="utf-8"?>
-<ds:datastoreItem xmlns:ds="http://schemas.openxmlformats.org/officeDocument/2006/customXml" ds:itemID="{E08B47AB-1394-4600-930C-47A193994733}">
-  <ds:schemaRefs>
-    <ds:schemaRef ds:uri="http://schemas.microsoft.com/VisualStudio/2011/storyboarding/control"/>
-  </ds:schemaRefs>
-</ds:datastoreItem>
-</file>
-
-<file path=customXml/itemProps399.xml><?xml version="1.0" encoding="utf-8"?>
-<ds:datastoreItem xmlns:ds="http://schemas.openxmlformats.org/officeDocument/2006/customXml" ds:itemID="{5D882AEC-72C4-48B0-8AAF-7E5EB8D3BC50}">
-  <ds:schemaRefs>
-    <ds:schemaRef ds:uri="http://schemas.microsoft.com/VisualStudio/2011/storyboarding/control"/>
-  </ds:schemaRefs>
-</ds:datastoreItem>
-</file>
-
-<file path=customXml/itemProps4.xml><?xml version="1.0" encoding="utf-8"?>
-<ds:datastoreItem xmlns:ds="http://schemas.openxmlformats.org/officeDocument/2006/customXml" ds:itemID="{73DFEB13-5C5F-409E-86A8-0CBE3EC9624A}">
-  <ds:schemaRefs>
-    <ds:schemaRef ds:uri="http://schemas.microsoft.com/VisualStudio/2011/storyboarding/control"/>
-  </ds:schemaRefs>
-</ds:datastoreItem>
-</file>
-
-<file path=customXml/itemProps40.xml><?xml version="1.0" encoding="utf-8"?>
-<ds:datastoreItem xmlns:ds="http://schemas.openxmlformats.org/officeDocument/2006/customXml" ds:itemID="{DAFED7D9-2A8A-42ED-8251-3205EBF21F08}">
-  <ds:schemaRefs>
-    <ds:schemaRef ds:uri="http://schemas.microsoft.com/VisualStudio/2011/storyboarding/control"/>
-  </ds:schemaRefs>
-</ds:datastoreItem>
-</file>
-
-<file path=customXml/itemProps400.xml><?xml version="1.0" encoding="utf-8"?>
-<ds:datastoreItem xmlns:ds="http://schemas.openxmlformats.org/officeDocument/2006/customXml" ds:itemID="{86CB9212-4366-45BE-9DB0-E9891146E689}">
-  <ds:schemaRefs>
-    <ds:schemaRef ds:uri="http://schemas.microsoft.com/VisualStudio/2011/storyboarding/control"/>
-  </ds:schemaRefs>
-</ds:datastoreItem>
-</file>
-
-<file path=customXml/itemProps401.xml><?xml version="1.0" encoding="utf-8"?>
-<ds:datastoreItem xmlns:ds="http://schemas.openxmlformats.org/officeDocument/2006/customXml" ds:itemID="{C3F90260-A842-49EF-A683-5CBE21CDE496}">
-  <ds:schemaRefs>
-    <ds:schemaRef ds:uri="http://schemas.microsoft.com/VisualStudio/2011/storyboarding/control"/>
-  </ds:schemaRefs>
-</ds:datastoreItem>
-</file>
-
-<file path=customXml/itemProps402.xml><?xml version="1.0" encoding="utf-8"?>
-<ds:datastoreItem xmlns:ds="http://schemas.openxmlformats.org/officeDocument/2006/customXml" ds:itemID="{5CF360A7-3055-4BC8-B690-806B326CFE59}">
-  <ds:schemaRefs>
-    <ds:schemaRef ds:uri="http://schemas.microsoft.com/VisualStudio/2011/storyboarding/control"/>
-  </ds:schemaRefs>
-</ds:datastoreItem>
-</file>
-
-<file path=customXml/itemProps403.xml><?xml version="1.0" encoding="utf-8"?>
-<ds:datastoreItem xmlns:ds="http://schemas.openxmlformats.org/officeDocument/2006/customXml" ds:itemID="{849AE861-D030-4C06-A263-F7A84D4EE9B4}">
-  <ds:schemaRefs>
-    <ds:schemaRef ds:uri="http://schemas.microsoft.com/VisualStudio/2011/storyboarding/control"/>
-  </ds:schemaRefs>
-</ds:datastoreItem>
-</file>
-
-<file path=customXml/itemProps404.xml><?xml version="1.0" encoding="utf-8"?>
+<file path=customXml/itemProps74.xml><?xml version="1.0" encoding="utf-8"?>
 <ds:datastoreItem xmlns:ds="http://schemas.openxmlformats.org/officeDocument/2006/customXml" ds:itemID="{3D57734F-7661-4EEF-BEE7-FE8F493AA25D}">
   <ds:schemaRefs>
     <ds:schemaRef ds:uri="http://schemas.microsoft.com/VisualStudio/2011/storyboarding/control"/>
@@ -51321,95 +51873,183 @@
 </ds:datastoreItem>
 </file>
 
-<file path=customXml/itemProps405.xml><?xml version="1.0" encoding="utf-8"?>
-<ds:datastoreItem xmlns:ds="http://schemas.openxmlformats.org/officeDocument/2006/customXml" ds:itemID="{F8837172-1C80-4E68-8393-A78EE906129D}">
+<file path=customXml/itemProps75.xml><?xml version="1.0" encoding="utf-8"?>
+<ds:datastoreItem xmlns:ds="http://schemas.openxmlformats.org/officeDocument/2006/customXml" ds:itemID="{1782D158-C083-4EBC-96DE-8FBD9B49DB4D}">
   <ds:schemaRefs>
     <ds:schemaRef ds:uri="http://schemas.microsoft.com/VisualStudio/2011/storyboarding/control"/>
   </ds:schemaRefs>
 </ds:datastoreItem>
 </file>
 
-<file path=customXml/itemProps406.xml><?xml version="1.0" encoding="utf-8"?>
-<ds:datastoreItem xmlns:ds="http://schemas.openxmlformats.org/officeDocument/2006/customXml" ds:itemID="{E3D55CBD-A6D5-4731-B5E3-0F5F074ECD1C}">
+<file path=customXml/itemProps76.xml><?xml version="1.0" encoding="utf-8"?>
+<ds:datastoreItem xmlns:ds="http://schemas.openxmlformats.org/officeDocument/2006/customXml" ds:itemID="{FA657E69-A04F-4CED-8C69-3F4F4FB802CC}">
   <ds:schemaRefs>
     <ds:schemaRef ds:uri="http://schemas.microsoft.com/VisualStudio/2011/storyboarding/control"/>
   </ds:schemaRefs>
 </ds:datastoreItem>
 </file>
 
-<file path=customXml/itemProps407.xml><?xml version="1.0" encoding="utf-8"?>
-<ds:datastoreItem xmlns:ds="http://schemas.openxmlformats.org/officeDocument/2006/customXml" ds:itemID="{3FB93346-2AAC-4E71-AE70-D0C77E7FF496}">
+<file path=customXml/itemProps77.xml><?xml version="1.0" encoding="utf-8"?>
+<ds:datastoreItem xmlns:ds="http://schemas.openxmlformats.org/officeDocument/2006/customXml" ds:itemID="{807766A7-FC1E-46AE-90A3-DD7690AE3ABA}">
   <ds:schemaRefs>
     <ds:schemaRef ds:uri="http://schemas.microsoft.com/VisualStudio/2011/storyboarding/control"/>
   </ds:schemaRefs>
 </ds:datastoreItem>
 </file>
 
-<file path=customXml/itemProps408.xml><?xml version="1.0" encoding="utf-8"?>
-<ds:datastoreItem xmlns:ds="http://schemas.openxmlformats.org/officeDocument/2006/customXml" ds:itemID="{BDA62F27-3C1D-4A21-A78E-CC65806D63AA}">
+<file path=customXml/itemProps78.xml><?xml version="1.0" encoding="utf-8"?>
+<ds:datastoreItem xmlns:ds="http://schemas.openxmlformats.org/officeDocument/2006/customXml" ds:itemID="{00A259EA-1E05-4E35-B5EC-8EA87DB2E518}">
   <ds:schemaRefs>
     <ds:schemaRef ds:uri="http://schemas.microsoft.com/VisualStudio/2011/storyboarding/control"/>
   </ds:schemaRefs>
 </ds:datastoreItem>
 </file>
 
-<file path=customXml/itemProps409.xml><?xml version="1.0" encoding="utf-8"?>
-<ds:datastoreItem xmlns:ds="http://schemas.openxmlformats.org/officeDocument/2006/customXml" ds:itemID="{3214419E-236F-4C99-81CE-42DF4CB8F0FD}">
+<file path=customXml/itemProps79.xml><?xml version="1.0" encoding="utf-8"?>
+<ds:datastoreItem xmlns:ds="http://schemas.openxmlformats.org/officeDocument/2006/customXml" ds:itemID="{061598B1-ACD1-4C83-B027-5A6ABFCE2229}">
   <ds:schemaRefs>
     <ds:schemaRef ds:uri="http://schemas.microsoft.com/VisualStudio/2011/storyboarding/control"/>
   </ds:schemaRefs>
 </ds:datastoreItem>
 </file>
 
-<file path=customXml/itemProps41.xml><?xml version="1.0" encoding="utf-8"?>
-<ds:datastoreItem xmlns:ds="http://schemas.openxmlformats.org/officeDocument/2006/customXml" ds:itemID="{3F075A12-3C0F-4C2C-9E20-80F36152BB98}">
+<file path=customXml/itemProps8.xml><?xml version="1.0" encoding="utf-8"?>
+<ds:datastoreItem xmlns:ds="http://schemas.openxmlformats.org/officeDocument/2006/customXml" ds:itemID="{73DAD6AB-1727-4F21-B496-441E5FFFB3C5}">
   <ds:schemaRefs>
     <ds:schemaRef ds:uri="http://schemas.microsoft.com/VisualStudio/2011/storyboarding/control"/>
   </ds:schemaRefs>
 </ds:datastoreItem>
 </file>
 
-<file path=customXml/itemProps410.xml><?xml version="1.0" encoding="utf-8"?>
-<ds:datastoreItem xmlns:ds="http://schemas.openxmlformats.org/officeDocument/2006/customXml" ds:itemID="{0769F57E-C5D3-467B-9892-FBB026F2DA7F}">
+<file path=customXml/itemProps80.xml><?xml version="1.0" encoding="utf-8"?>
+<ds:datastoreItem xmlns:ds="http://schemas.openxmlformats.org/officeDocument/2006/customXml" ds:itemID="{26BA6E74-6440-4D77-9C14-0AFFF25F551B}">
   <ds:schemaRefs>
     <ds:schemaRef ds:uri="http://schemas.microsoft.com/VisualStudio/2011/storyboarding/control"/>
   </ds:schemaRefs>
 </ds:datastoreItem>
 </file>
 
-<file path=customXml/itemProps411.xml><?xml version="1.0" encoding="utf-8"?>
-<ds:datastoreItem xmlns:ds="http://schemas.openxmlformats.org/officeDocument/2006/customXml" ds:itemID="{427C3515-4D48-48EA-B9D9-0C9D4B671208}">
+<file path=customXml/itemProps81.xml><?xml version="1.0" encoding="utf-8"?>
+<ds:datastoreItem xmlns:ds="http://schemas.openxmlformats.org/officeDocument/2006/customXml" ds:itemID="{123D7C50-2143-4434-89DE-53979BA0B518}">
   <ds:schemaRefs>
     <ds:schemaRef ds:uri="http://schemas.microsoft.com/VisualStudio/2011/storyboarding/control"/>
   </ds:schemaRefs>
 </ds:datastoreItem>
 </file>
 
-<file path=customXml/itemProps412.xml><?xml version="1.0" encoding="utf-8"?>
-<ds:datastoreItem xmlns:ds="http://schemas.openxmlformats.org/officeDocument/2006/customXml" ds:itemID="{D6E6A7A7-B2E5-43F6-91E4-B861A1D5C0F8}">
+<file path=customXml/itemProps82.xml><?xml version="1.0" encoding="utf-8"?>
+<ds:datastoreItem xmlns:ds="http://schemas.openxmlformats.org/officeDocument/2006/customXml" ds:itemID="{EEBBD3B6-1B9E-49B8-87F7-BDC7C570E011}">
   <ds:schemaRefs>
     <ds:schemaRef ds:uri="http://schemas.microsoft.com/VisualStudio/2011/storyboarding/control"/>
   </ds:schemaRefs>
 </ds:datastoreItem>
 </file>
 
-<file path=customXml/itemProps413.xml><?xml version="1.0" encoding="utf-8"?>
-<ds:datastoreItem xmlns:ds="http://schemas.openxmlformats.org/officeDocument/2006/customXml" ds:itemID="{F0CCAE57-E6F0-4C1C-8C20-3BF674F9A86A}">
+<file path=customXml/itemProps83.xml><?xml version="1.0" encoding="utf-8"?>
+<ds:datastoreItem xmlns:ds="http://schemas.openxmlformats.org/officeDocument/2006/customXml" ds:itemID="{1F1B93E1-578C-4F88-8648-5147DF6C4399}">
   <ds:schemaRefs>
     <ds:schemaRef ds:uri="http://schemas.microsoft.com/VisualStudio/2011/storyboarding/control"/>
   </ds:schemaRefs>
 </ds:datastoreItem>
 </file>
 
-<file path=customXml/itemProps414.xml><?xml version="1.0" encoding="utf-8"?>
-<ds:datastoreItem xmlns:ds="http://schemas.openxmlformats.org/officeDocument/2006/customXml" ds:itemID="{5270B10E-46D9-4039-924E-E8AC9EB72BE4}">
+<file path=customXml/itemProps84.xml><?xml version="1.0" encoding="utf-8"?>
+<ds:datastoreItem xmlns:ds="http://schemas.openxmlformats.org/officeDocument/2006/customXml" ds:itemID="{EEAB6399-D929-4C95-B958-72D00AA501DE}">
   <ds:schemaRefs>
     <ds:schemaRef ds:uri="http://schemas.microsoft.com/VisualStudio/2011/storyboarding/control"/>
   </ds:schemaRefs>
 </ds:datastoreItem>
 </file>
 
-<file path=customXml/itemProps415.xml><?xml version="1.0" encoding="utf-8"?>
+<file path=customXml/itemProps85.xml><?xml version="1.0" encoding="utf-8"?>
+<ds:datastoreItem xmlns:ds="http://schemas.openxmlformats.org/officeDocument/2006/customXml" ds:itemID="{67BE8394-1579-4487-9434-E108C9C9A034}">
+  <ds:schemaRefs>
+    <ds:schemaRef ds:uri="http://schemas.microsoft.com/VisualStudio/2011/storyboarding/control"/>
+  </ds:schemaRefs>
+</ds:datastoreItem>
+</file>
+
+<file path=customXml/itemProps86.xml><?xml version="1.0" encoding="utf-8"?>
+<ds:datastoreItem xmlns:ds="http://schemas.openxmlformats.org/officeDocument/2006/customXml" ds:itemID="{01CA7DA1-0FF2-4F12-8882-4E0CBFDC3C75}">
+  <ds:schemaRefs>
+    <ds:schemaRef ds:uri="http://schemas.microsoft.com/VisualStudio/2011/storyboarding/control"/>
+  </ds:schemaRefs>
+</ds:datastoreItem>
+</file>
+
+<file path=customXml/itemProps87.xml><?xml version="1.0" encoding="utf-8"?>
+<ds:datastoreItem xmlns:ds="http://schemas.openxmlformats.org/officeDocument/2006/customXml" ds:itemID="{503DDD28-2C2E-4841-A5F2-AB06178E0051}">
+  <ds:schemaRefs>
+    <ds:schemaRef ds:uri="http://schemas.microsoft.com/VisualStudio/2011/storyboarding/control"/>
+  </ds:schemaRefs>
+</ds:datastoreItem>
+</file>
+
+<file path=customXml/itemProps88.xml><?xml version="1.0" encoding="utf-8"?>
+<ds:datastoreItem xmlns:ds="http://schemas.openxmlformats.org/officeDocument/2006/customXml" ds:itemID="{9E821406-EADF-4E8D-B04A-6D1655E85B02}">
+  <ds:schemaRefs>
+    <ds:schemaRef ds:uri="http://schemas.microsoft.com/VisualStudio/2011/storyboarding/control"/>
+  </ds:schemaRefs>
+</ds:datastoreItem>
+</file>
+
+<file path=customXml/itemProps89.xml><?xml version="1.0" encoding="utf-8"?>
+<ds:datastoreItem xmlns:ds="http://schemas.openxmlformats.org/officeDocument/2006/customXml" ds:itemID="{C9056568-EAFF-4891-9A31-4B332D885DAE}">
+  <ds:schemaRefs>
+    <ds:schemaRef ds:uri="http://schemas.microsoft.com/VisualStudio/2011/storyboarding/control"/>
+  </ds:schemaRefs>
+</ds:datastoreItem>
+</file>
+
+<file path=customXml/itemProps9.xml><?xml version="1.0" encoding="utf-8"?>
+<ds:datastoreItem xmlns:ds="http://schemas.openxmlformats.org/officeDocument/2006/customXml" ds:itemID="{D4CD806F-6376-432D-BA7D-ABF9FF12FF7E}">
+  <ds:schemaRefs>
+    <ds:schemaRef ds:uri="http://schemas.microsoft.com/VisualStudio/2011/storyboarding/control"/>
+  </ds:schemaRefs>
+</ds:datastoreItem>
+</file>
+
+<file path=customXml/itemProps90.xml><?xml version="1.0" encoding="utf-8"?>
+<ds:datastoreItem xmlns:ds="http://schemas.openxmlformats.org/officeDocument/2006/customXml" ds:itemID="{D6C2C177-E803-473B-AA97-397C4BFBA44E}">
+  <ds:schemaRefs>
+    <ds:schemaRef ds:uri="http://schemas.microsoft.com/VisualStudio/2011/storyboarding/control"/>
+  </ds:schemaRefs>
+</ds:datastoreItem>
+</file>
+
+<file path=customXml/itemProps91.xml><?xml version="1.0" encoding="utf-8"?>
+<ds:datastoreItem xmlns:ds="http://schemas.openxmlformats.org/officeDocument/2006/customXml" ds:itemID="{789E9DF9-9217-429E-91A2-27D8310EDD6D}">
+  <ds:schemaRefs>
+    <ds:schemaRef ds:uri="http://schemas.microsoft.com/VisualStudio/2011/storyboarding/control"/>
+  </ds:schemaRefs>
+</ds:datastoreItem>
+</file>
+
+<file path=customXml/itemProps92.xml><?xml version="1.0" encoding="utf-8"?>
+<ds:datastoreItem xmlns:ds="http://schemas.openxmlformats.org/officeDocument/2006/customXml" ds:itemID="{A73418F6-1ECA-4484-A1A1-03AF5DEDB5D2}">
+  <ds:schemaRefs>
+    <ds:schemaRef ds:uri="http://schemas.microsoft.com/VisualStudio/2011/storyboarding/control"/>
+  </ds:schemaRefs>
+</ds:datastoreItem>
+</file>
+
+<file path=customXml/itemProps93.xml><?xml version="1.0" encoding="utf-8"?>
+<ds:datastoreItem xmlns:ds="http://schemas.openxmlformats.org/officeDocument/2006/customXml" ds:itemID="{216CFB02-20FB-4139-A370-91AE11389CB9}">
+  <ds:schemaRefs>
+    <ds:schemaRef ds:uri="http://schemas.microsoft.com/VisualStudio/2011/storyboarding/control"/>
+  </ds:schemaRefs>
+</ds:datastoreItem>
+</file>
+
+<file path=customXml/itemProps94.xml><?xml version="1.0" encoding="utf-8"?>
+<ds:datastoreItem xmlns:ds="http://schemas.openxmlformats.org/officeDocument/2006/customXml" ds:itemID="{795A89A1-7AA1-4C33-9F6B-088173C81498}">
+  <ds:schemaRefs>
+    <ds:schemaRef ds:uri="http://schemas.microsoft.com/VisualStudio/2011/storyboarding/control"/>
+  </ds:schemaRefs>
+</ds:datastoreItem>
+</file>
+
+<file path=customXml/itemProps95.xml><?xml version="1.0" encoding="utf-8"?>
 <ds:datastoreItem xmlns:ds="http://schemas.openxmlformats.org/officeDocument/2006/customXml" ds:itemID="{C53D46FC-1F5A-47A7-B966-D00A2759982C}">
   <ds:schemaRefs>
     <ds:schemaRef ds:uri="http://schemas.microsoft.com/VisualStudio/2011/storyboarding/control"/>
@@ -51417,183 +52057,7 @@
 </ds:datastoreItem>
 </file>
 
-<file path=customXml/itemProps416.xml><?xml version="1.0" encoding="utf-8"?>
-<ds:datastoreItem xmlns:ds="http://schemas.openxmlformats.org/officeDocument/2006/customXml" ds:itemID="{09590611-13C5-4BBB-B620-410B176DC479}">
-  <ds:schemaRefs>
-    <ds:schemaRef ds:uri="http://schemas.microsoft.com/VisualStudio/2011/storyboarding/control"/>
-  </ds:schemaRefs>
-</ds:datastoreItem>
-</file>
-
-<file path=customXml/itemProps417.xml><?xml version="1.0" encoding="utf-8"?>
-<ds:datastoreItem xmlns:ds="http://schemas.openxmlformats.org/officeDocument/2006/customXml" ds:itemID="{F963D1C7-66CE-48CA-B050-13EE39E5DF65}">
-  <ds:schemaRefs>
-    <ds:schemaRef ds:uri="http://schemas.microsoft.com/VisualStudio/2011/storyboarding/control"/>
-  </ds:schemaRefs>
-</ds:datastoreItem>
-</file>
-
-<file path=customXml/itemProps418.xml><?xml version="1.0" encoding="utf-8"?>
-<ds:datastoreItem xmlns:ds="http://schemas.openxmlformats.org/officeDocument/2006/customXml" ds:itemID="{3823A78B-86DB-4663-B8B9-DA5B92D684BD}">
-  <ds:schemaRefs>
-    <ds:schemaRef ds:uri="http://schemas.microsoft.com/VisualStudio/2011/storyboarding/control"/>
-  </ds:schemaRefs>
-</ds:datastoreItem>
-</file>
-
-<file path=customXml/itemProps419.xml><?xml version="1.0" encoding="utf-8"?>
-<ds:datastoreItem xmlns:ds="http://schemas.openxmlformats.org/officeDocument/2006/customXml" ds:itemID="{5083A429-174C-42DD-ADA0-94DB733BE7E1}">
-  <ds:schemaRefs>
-    <ds:schemaRef ds:uri="http://schemas.microsoft.com/VisualStudio/2011/storyboarding/control"/>
-  </ds:schemaRefs>
-</ds:datastoreItem>
-</file>
-
-<file path=customXml/itemProps42.xml><?xml version="1.0" encoding="utf-8"?>
-<ds:datastoreItem xmlns:ds="http://schemas.openxmlformats.org/officeDocument/2006/customXml" ds:itemID="{6B82B57B-1E2B-46C9-B7CE-D19FBA2D1967}">
-  <ds:schemaRefs>
-    <ds:schemaRef ds:uri="http://schemas.microsoft.com/VisualStudio/2011/storyboarding/control"/>
-  </ds:schemaRefs>
-</ds:datastoreItem>
-</file>
-
-<file path=customXml/itemProps420.xml><?xml version="1.0" encoding="utf-8"?>
-<ds:datastoreItem xmlns:ds="http://schemas.openxmlformats.org/officeDocument/2006/customXml" ds:itemID="{2F3CE4CA-2B9C-44A1-918F-1F656911D9E6}">
-  <ds:schemaRefs>
-    <ds:schemaRef ds:uri="http://schemas.microsoft.com/VisualStudio/2011/storyboarding/control"/>
-  </ds:schemaRefs>
-</ds:datastoreItem>
-</file>
-
-<file path=customXml/itemProps421.xml><?xml version="1.0" encoding="utf-8"?>
-<ds:datastoreItem xmlns:ds="http://schemas.openxmlformats.org/officeDocument/2006/customXml" ds:itemID="{49B132E8-0CD7-4C7D-A423-74D52DBEC2CA}">
-  <ds:schemaRefs>
-    <ds:schemaRef ds:uri="http://schemas.microsoft.com/VisualStudio/2011/storyboarding/control"/>
-  </ds:schemaRefs>
-</ds:datastoreItem>
-</file>
-
-<file path=customXml/itemProps422.xml><?xml version="1.0" encoding="utf-8"?>
-<ds:datastoreItem xmlns:ds="http://schemas.openxmlformats.org/officeDocument/2006/customXml" ds:itemID="{0484453A-FCEE-4235-9994-778465DA77F4}">
-  <ds:schemaRefs>
-    <ds:schemaRef ds:uri="http://schemas.microsoft.com/VisualStudio/2011/storyboarding/control"/>
-  </ds:schemaRefs>
-</ds:datastoreItem>
-</file>
-
-<file path=customXml/itemProps423.xml><?xml version="1.0" encoding="utf-8"?>
-<ds:datastoreItem xmlns:ds="http://schemas.openxmlformats.org/officeDocument/2006/customXml" ds:itemID="{BE96D3F9-94FF-4D66-9DF9-3D8A9777DD29}">
-  <ds:schemaRefs>
-    <ds:schemaRef ds:uri="http://schemas.microsoft.com/VisualStudio/2011/storyboarding/control"/>
-  </ds:schemaRefs>
-</ds:datastoreItem>
-</file>
-
-<file path=customXml/itemProps424.xml><?xml version="1.0" encoding="utf-8"?>
-<ds:datastoreItem xmlns:ds="http://schemas.openxmlformats.org/officeDocument/2006/customXml" ds:itemID="{7FA397B6-29ED-4878-ABE6-66F9B85585CA}">
-  <ds:schemaRefs>
-    <ds:schemaRef ds:uri="http://schemas.microsoft.com/VisualStudio/2011/storyboarding/control"/>
-  </ds:schemaRefs>
-</ds:datastoreItem>
-</file>
-
-<file path=customXml/itemProps425.xml><?xml version="1.0" encoding="utf-8"?>
-<ds:datastoreItem xmlns:ds="http://schemas.openxmlformats.org/officeDocument/2006/customXml" ds:itemID="{1782D158-C083-4EBC-96DE-8FBD9B49DB4D}">
-  <ds:schemaRefs>
-    <ds:schemaRef ds:uri="http://schemas.microsoft.com/VisualStudio/2011/storyboarding/control"/>
-  </ds:schemaRefs>
-</ds:datastoreItem>
-</file>
-
-<file path=customXml/itemProps426.xml><?xml version="1.0" encoding="utf-8"?>
-<ds:datastoreItem xmlns:ds="http://schemas.openxmlformats.org/officeDocument/2006/customXml" ds:itemID="{6A0C2FFC-E113-4CA0-B1F3-68E017177AE3}">
-  <ds:schemaRefs>
-    <ds:schemaRef ds:uri="http://schemas.microsoft.com/VisualStudio/2011/storyboarding/control"/>
-  </ds:schemaRefs>
-</ds:datastoreItem>
-</file>
-
-<file path=customXml/itemProps427.xml><?xml version="1.0" encoding="utf-8"?>
-<ds:datastoreItem xmlns:ds="http://schemas.openxmlformats.org/officeDocument/2006/customXml" ds:itemID="{DEBAB9CE-F64D-4C02-9A04-3F614D7A9AD2}">
-  <ds:schemaRefs>
-    <ds:schemaRef ds:uri="http://schemas.microsoft.com/VisualStudio/2011/storyboarding/control"/>
-  </ds:schemaRefs>
-</ds:datastoreItem>
-</file>
-
-<file path=customXml/itemProps428.xml><?xml version="1.0" encoding="utf-8"?>
-<ds:datastoreItem xmlns:ds="http://schemas.openxmlformats.org/officeDocument/2006/customXml" ds:itemID="{9A5BB518-4CBC-44E4-8C6A-0495E6217AE2}">
-  <ds:schemaRefs>
-    <ds:schemaRef ds:uri="http://schemas.microsoft.com/VisualStudio/2011/storyboarding/control"/>
-  </ds:schemaRefs>
-</ds:datastoreItem>
-</file>
-
-<file path=customXml/itemProps429.xml><?xml version="1.0" encoding="utf-8"?>
-<ds:datastoreItem xmlns:ds="http://schemas.openxmlformats.org/officeDocument/2006/customXml" ds:itemID="{A8BD155E-F189-494B-9F42-6AC60580C27C}">
-  <ds:schemaRefs>
-    <ds:schemaRef ds:uri="http://schemas.microsoft.com/VisualStudio/2011/storyboarding/control"/>
-  </ds:schemaRefs>
-</ds:datastoreItem>
-</file>
-
-<file path=customXml/itemProps43.xml><?xml version="1.0" encoding="utf-8"?>
-<ds:datastoreItem xmlns:ds="http://schemas.openxmlformats.org/officeDocument/2006/customXml" ds:itemID="{1757988F-6D16-40D8-A530-81F3C8368DAD}">
-  <ds:schemaRefs>
-    <ds:schemaRef ds:uri="http://schemas.microsoft.com/VisualStudio/2011/storyboarding/control"/>
-  </ds:schemaRefs>
-</ds:datastoreItem>
-</file>
-
-<file path=customXml/itemProps430.xml><?xml version="1.0" encoding="utf-8"?>
-<ds:datastoreItem xmlns:ds="http://schemas.openxmlformats.org/officeDocument/2006/customXml" ds:itemID="{B9D79AD4-2C3D-46F9-91C0-24FBD26D107C}">
-  <ds:schemaRefs>
-    <ds:schemaRef ds:uri="http://schemas.microsoft.com/VisualStudio/2011/storyboarding/control"/>
-  </ds:schemaRefs>
-</ds:datastoreItem>
-</file>
-
-<file path=customXml/itemProps431.xml><?xml version="1.0" encoding="utf-8"?>
-<ds:datastoreItem xmlns:ds="http://schemas.openxmlformats.org/officeDocument/2006/customXml" ds:itemID="{2C4C78B3-427D-403C-A43D-41D7DEF84548}">
-  <ds:schemaRefs>
-    <ds:schemaRef ds:uri="http://schemas.microsoft.com/VisualStudio/2011/storyboarding/control"/>
-  </ds:schemaRefs>
-</ds:datastoreItem>
-</file>
-
-<file path=customXml/itemProps432.xml><?xml version="1.0" encoding="utf-8"?>
-<ds:datastoreItem xmlns:ds="http://schemas.openxmlformats.org/officeDocument/2006/customXml" ds:itemID="{329689DB-AAB6-46B6-BEC7-C67D48761EEB}">
-  <ds:schemaRefs>
-    <ds:schemaRef ds:uri="http://schemas.microsoft.com/VisualStudio/2011/storyboarding/control"/>
-  </ds:schemaRefs>
-</ds:datastoreItem>
-</file>
-
-<file path=customXml/itemProps433.xml><?xml version="1.0" encoding="utf-8"?>
-<ds:datastoreItem xmlns:ds="http://schemas.openxmlformats.org/officeDocument/2006/customXml" ds:itemID="{E964C5A4-F7DF-4C5B-9795-1FF833979E36}">
-  <ds:schemaRefs>
-    <ds:schemaRef ds:uri="http://schemas.microsoft.com/VisualStudio/2011/storyboarding/control"/>
-  </ds:schemaRefs>
-</ds:datastoreItem>
-</file>
-
-<file path=customXml/itemProps434.xml><?xml version="1.0" encoding="utf-8"?>
-<ds:datastoreItem xmlns:ds="http://schemas.openxmlformats.org/officeDocument/2006/customXml" ds:itemID="{F1567C39-CDE9-4083-BB9B-DE1FE5CEB6A2}">
-  <ds:schemaRefs>
-    <ds:schemaRef ds:uri="http://schemas.microsoft.com/VisualStudio/2011/storyboarding/control"/>
-  </ds:schemaRefs>
-</ds:datastoreItem>
-</file>
-
-<file path=customXml/itemProps435.xml><?xml version="1.0" encoding="utf-8"?>
-<ds:datastoreItem xmlns:ds="http://schemas.openxmlformats.org/officeDocument/2006/customXml" ds:itemID="{3D4272AF-908A-4214-95E0-891EF5C32ED3}">
-  <ds:schemaRefs>
-    <ds:schemaRef ds:uri="http://schemas.microsoft.com/VisualStudio/2011/storyboarding/control"/>
-  </ds:schemaRefs>
-</ds:datastoreItem>
-</file>
-
-<file path=customXml/itemProps436.xml><?xml version="1.0" encoding="utf-8"?>
+<file path=customXml/itemProps96.xml><?xml version="1.0" encoding="utf-8"?>
 <ds:datastoreItem xmlns:ds="http://schemas.openxmlformats.org/officeDocument/2006/customXml" ds:itemID="{5E6EC792-0DE7-471B-B182-6380CC84B799}">
   <ds:schemaRefs>
     <ds:schemaRef ds:uri="http://schemas.microsoft.com/VisualStudio/2011/storyboarding/control"/>
@@ -51601,488 +52065,24 @@
 </ds:datastoreItem>
 </file>
 
-<file path=customXml/itemProps44.xml><?xml version="1.0" encoding="utf-8"?>
-<ds:datastoreItem xmlns:ds="http://schemas.openxmlformats.org/officeDocument/2006/customXml" ds:itemID="{ADB30EDF-F881-43E1-A9EA-8F1D27F30DEA}">
+<file path=customXml/itemProps97.xml><?xml version="1.0" encoding="utf-8"?>
+<ds:datastoreItem xmlns:ds="http://schemas.openxmlformats.org/officeDocument/2006/customXml" ds:itemID="{DAB14F77-4755-4677-8ED9-6968F47A26C4}">
   <ds:schemaRefs>
     <ds:schemaRef ds:uri="http://schemas.microsoft.com/VisualStudio/2011/storyboarding/control"/>
   </ds:schemaRefs>
 </ds:datastoreItem>
 </file>
 
-<file path=customXml/itemProps45.xml><?xml version="1.0" encoding="utf-8"?>
-<ds:datastoreItem xmlns:ds="http://schemas.openxmlformats.org/officeDocument/2006/customXml" ds:itemID="{123D7C50-2143-4434-89DE-53979BA0B518}">
+<file path=customXml/itemProps98.xml><?xml version="1.0" encoding="utf-8"?>
+<ds:datastoreItem xmlns:ds="http://schemas.openxmlformats.org/officeDocument/2006/customXml" ds:itemID="{E8006CB5-66B4-426C-B09F-46903F774D08}">
   <ds:schemaRefs>
     <ds:schemaRef ds:uri="http://schemas.microsoft.com/VisualStudio/2011/storyboarding/control"/>
   </ds:schemaRefs>
 </ds:datastoreItem>
 </file>
 
-<file path=customXml/itemProps46.xml><?xml version="1.0" encoding="utf-8"?>
-<ds:datastoreItem xmlns:ds="http://schemas.openxmlformats.org/officeDocument/2006/customXml" ds:itemID="{B1BEDB0F-5A50-4B4B-946F-5A656833C0AE}">
-  <ds:schemaRefs>
-    <ds:schemaRef ds:uri="http://schemas.microsoft.com/VisualStudio/2011/storyboarding/control"/>
-  </ds:schemaRefs>
-</ds:datastoreItem>
-</file>
-
-<file path=customXml/itemProps47.xml><?xml version="1.0" encoding="utf-8"?>
-<ds:datastoreItem xmlns:ds="http://schemas.openxmlformats.org/officeDocument/2006/customXml" ds:itemID="{74178230-2CA7-4E22-A564-FCD85B33EC02}">
-  <ds:schemaRefs>
-    <ds:schemaRef ds:uri="http://schemas.microsoft.com/VisualStudio/2011/storyboarding/control"/>
-  </ds:schemaRefs>
-</ds:datastoreItem>
-</file>
-
-<file path=customXml/itemProps48.xml><?xml version="1.0" encoding="utf-8"?>
-<ds:datastoreItem xmlns:ds="http://schemas.openxmlformats.org/officeDocument/2006/customXml" ds:itemID="{7E7DB216-20C5-4184-865E-26088A20039D}">
-  <ds:schemaRefs>
-    <ds:schemaRef ds:uri="http://schemas.microsoft.com/VisualStudio/2011/storyboarding/control"/>
-  </ds:schemaRefs>
-</ds:datastoreItem>
-</file>
-
-<file path=customXml/itemProps49.xml><?xml version="1.0" encoding="utf-8"?>
-<ds:datastoreItem xmlns:ds="http://schemas.openxmlformats.org/officeDocument/2006/customXml" ds:itemID="{71F2B48B-405E-4756-B31C-A0E5D7C47A0C}">
-  <ds:schemaRefs>
-    <ds:schemaRef ds:uri="http://schemas.microsoft.com/VisualStudio/2011/storyboarding/control"/>
-  </ds:schemaRefs>
-</ds:datastoreItem>
-</file>
-
-<file path=customXml/itemProps5.xml><?xml version="1.0" encoding="utf-8"?>
-<ds:datastoreItem xmlns:ds="http://schemas.openxmlformats.org/officeDocument/2006/customXml" ds:itemID="{D8A066E9-E7DF-49AD-8FC1-BC6D09DB0760}">
-  <ds:schemaRefs>
-    <ds:schemaRef ds:uri="http://schemas.microsoft.com/VisualStudio/2011/storyboarding/control"/>
-  </ds:schemaRefs>
-</ds:datastoreItem>
-</file>
-
-<file path=customXml/itemProps50.xml><?xml version="1.0" encoding="utf-8"?>
-<ds:datastoreItem xmlns:ds="http://schemas.openxmlformats.org/officeDocument/2006/customXml" ds:itemID="{5A6F5145-09F5-421E-ABA8-035D9DF59D73}">
-  <ds:schemaRefs>
-    <ds:schemaRef ds:uri="http://schemas.microsoft.com/VisualStudio/2011/storyboarding/control/v1.0"/>
-  </ds:schemaRefs>
-</ds:datastoreItem>
-</file>
-
-<file path=customXml/itemProps51.xml><?xml version="1.0" encoding="utf-8"?>
-<ds:datastoreItem xmlns:ds="http://schemas.openxmlformats.org/officeDocument/2006/customXml" ds:itemID="{72C29E87-98EF-42E5-BC2E-DDC53C278632}">
-  <ds:schemaRefs>
-    <ds:schemaRef ds:uri="http://schemas.microsoft.com/VisualStudio/2011/storyboarding/control"/>
-  </ds:schemaRefs>
-</ds:datastoreItem>
-</file>
-
-<file path=customXml/itemProps52.xml><?xml version="1.0" encoding="utf-8"?>
-<ds:datastoreItem xmlns:ds="http://schemas.openxmlformats.org/officeDocument/2006/customXml" ds:itemID="{056DC8D3-5DB3-4974-9BD6-08F9DA2A8728}">
-  <ds:schemaRefs>
-    <ds:schemaRef ds:uri="http://schemas.microsoft.com/VisualStudio/2011/storyboarding/control"/>
-  </ds:schemaRefs>
-</ds:datastoreItem>
-</file>
-
-<file path=customXml/itemProps53.xml><?xml version="1.0" encoding="utf-8"?>
-<ds:datastoreItem xmlns:ds="http://schemas.openxmlformats.org/officeDocument/2006/customXml" ds:itemID="{A0949D9F-F6CB-4EB9-AFD5-E03CF23C856B}">
-  <ds:schemaRefs>
-    <ds:schemaRef ds:uri="http://schemas.microsoft.com/VisualStudio/2011/storyboarding/control"/>
-  </ds:schemaRefs>
-</ds:datastoreItem>
-</file>
-
-<file path=customXml/itemProps54.xml><?xml version="1.0" encoding="utf-8"?>
-<ds:datastoreItem xmlns:ds="http://schemas.openxmlformats.org/officeDocument/2006/customXml" ds:itemID="{3F656DE6-F858-4E58-81EA-03905D1F64BD}">
-  <ds:schemaRefs>
-    <ds:schemaRef ds:uri="http://schemas.microsoft.com/VisualStudio/2011/storyboarding/control"/>
-  </ds:schemaRefs>
-</ds:datastoreItem>
-</file>
-
-<file path=customXml/itemProps55.xml><?xml version="1.0" encoding="utf-8"?>
-<ds:datastoreItem xmlns:ds="http://schemas.openxmlformats.org/officeDocument/2006/customXml" ds:itemID="{132ABD4A-35EB-45E0-AACD-92A103B2C388}">
-  <ds:schemaRefs>
-    <ds:schemaRef ds:uri="http://schemas.microsoft.com/VisualStudio/2011/storyboarding/control"/>
-  </ds:schemaRefs>
-</ds:datastoreItem>
-</file>
-
-<file path=customXml/itemProps56.xml><?xml version="1.0" encoding="utf-8"?>
-<ds:datastoreItem xmlns:ds="http://schemas.openxmlformats.org/officeDocument/2006/customXml" ds:itemID="{BDB7EAA1-3CB5-45BB-8644-E0B50D07B7F6}">
-  <ds:schemaRefs>
-    <ds:schemaRef ds:uri="http://schemas.microsoft.com/VisualStudio/2011/storyboarding/control"/>
-  </ds:schemaRefs>
-</ds:datastoreItem>
-</file>
-
-<file path=customXml/itemProps57.xml><?xml version="1.0" encoding="utf-8"?>
-<ds:datastoreItem xmlns:ds="http://schemas.openxmlformats.org/officeDocument/2006/customXml" ds:itemID="{F98273B1-2CAD-4DA9-83D6-B1BECAE6CBBD}">
-  <ds:schemaRefs>
-    <ds:schemaRef ds:uri="http://schemas.microsoft.com/VisualStudio/2011/storyboarding/control"/>
-  </ds:schemaRefs>
-</ds:datastoreItem>
-</file>
-
-<file path=customXml/itemProps58.xml><?xml version="1.0" encoding="utf-8"?>
-<ds:datastoreItem xmlns:ds="http://schemas.openxmlformats.org/officeDocument/2006/customXml" ds:itemID="{75616A95-5930-4322-AEFC-C3C4B06178E7}">
-  <ds:schemaRefs>
-    <ds:schemaRef ds:uri="http://schemas.microsoft.com/VisualStudio/2011/storyboarding/control"/>
-  </ds:schemaRefs>
-</ds:datastoreItem>
-</file>
-
-<file path=customXml/itemProps59.xml><?xml version="1.0" encoding="utf-8"?>
-<ds:datastoreItem xmlns:ds="http://schemas.openxmlformats.org/officeDocument/2006/customXml" ds:itemID="{A0DF516F-C721-43EC-AAF9-D596445406A4}">
-  <ds:schemaRefs>
-    <ds:schemaRef ds:uri="http://schemas.microsoft.com/VisualStudio/2011/storyboarding/control"/>
-  </ds:schemaRefs>
-</ds:datastoreItem>
-</file>
-
-<file path=customXml/itemProps6.xml><?xml version="1.0" encoding="utf-8"?>
-<ds:datastoreItem xmlns:ds="http://schemas.openxmlformats.org/officeDocument/2006/customXml" ds:itemID="{F0BF6A6C-93F8-4168-A950-2D71DAD07F57}">
-  <ds:schemaRefs>
-    <ds:schemaRef ds:uri="http://schemas.microsoft.com/VisualStudio/2011/storyboarding/control"/>
-  </ds:schemaRefs>
-</ds:datastoreItem>
-</file>
-
-<file path=customXml/itemProps60.xml><?xml version="1.0" encoding="utf-8"?>
-<ds:datastoreItem xmlns:ds="http://schemas.openxmlformats.org/officeDocument/2006/customXml" ds:itemID="{613587D0-2816-47A7-BCC3-932BF5FF33A6}">
-  <ds:schemaRefs>
-    <ds:schemaRef ds:uri="http://schemas.microsoft.com/VisualStudio/2011/storyboarding/control"/>
-  </ds:schemaRefs>
-</ds:datastoreItem>
-</file>
-
-<file path=customXml/itemProps61.xml><?xml version="1.0" encoding="utf-8"?>
-<ds:datastoreItem xmlns:ds="http://schemas.openxmlformats.org/officeDocument/2006/customXml" ds:itemID="{EB9A75C5-1C39-421A-BB4B-B9B73953A968}">
-  <ds:schemaRefs>
-    <ds:schemaRef ds:uri="http://schemas.microsoft.com/VisualStudio/2011/storyboarding/control"/>
-  </ds:schemaRefs>
-</ds:datastoreItem>
-</file>
-
-<file path=customXml/itemProps62.xml><?xml version="1.0" encoding="utf-8"?>
-<ds:datastoreItem xmlns:ds="http://schemas.openxmlformats.org/officeDocument/2006/customXml" ds:itemID="{8ECB5A9E-0FFA-428E-93B5-B4F4BADC6315}">
-  <ds:schemaRefs>
-    <ds:schemaRef ds:uri="http://schemas.microsoft.com/VisualStudio/2011/storyboarding/control"/>
-  </ds:schemaRefs>
-</ds:datastoreItem>
-</file>
-
-<file path=customXml/itemProps63.xml><?xml version="1.0" encoding="utf-8"?>
-<ds:datastoreItem xmlns:ds="http://schemas.openxmlformats.org/officeDocument/2006/customXml" ds:itemID="{EA885A8A-8C98-465B-AF2E-A134F35414CB}">
-  <ds:schemaRefs>
-    <ds:schemaRef ds:uri="http://schemas.microsoft.com/VisualStudio/2011/storyboarding/control"/>
-  </ds:schemaRefs>
-</ds:datastoreItem>
-</file>
-
-<file path=customXml/itemProps64.xml><?xml version="1.0" encoding="utf-8"?>
-<ds:datastoreItem xmlns:ds="http://schemas.openxmlformats.org/officeDocument/2006/customXml" ds:itemID="{7E15396C-6D97-4D12-9962-8332B131FFDE}">
-  <ds:schemaRefs>
-    <ds:schemaRef ds:uri="http://schemas.microsoft.com/VisualStudio/2011/storyboarding/control"/>
-  </ds:schemaRefs>
-</ds:datastoreItem>
-</file>
-
-<file path=customXml/itemProps65.xml><?xml version="1.0" encoding="utf-8"?>
-<ds:datastoreItem xmlns:ds="http://schemas.openxmlformats.org/officeDocument/2006/customXml" ds:itemID="{50FF826C-EAD7-4910-8339-D9E21711811A}">
-  <ds:schemaRefs>
-    <ds:schemaRef ds:uri="http://schemas.microsoft.com/VisualStudio/2011/storyboarding/control"/>
-  </ds:schemaRefs>
-</ds:datastoreItem>
-</file>
-
-<file path=customXml/itemProps66.xml><?xml version="1.0" encoding="utf-8"?>
-<ds:datastoreItem xmlns:ds="http://schemas.openxmlformats.org/officeDocument/2006/customXml" ds:itemID="{EEBBD3B6-1B9E-49B8-87F7-BDC7C570E011}">
-  <ds:schemaRefs>
-    <ds:schemaRef ds:uri="http://schemas.microsoft.com/VisualStudio/2011/storyboarding/control"/>
-  </ds:schemaRefs>
-</ds:datastoreItem>
-</file>
-
-<file path=customXml/itemProps67.xml><?xml version="1.0" encoding="utf-8"?>
-<ds:datastoreItem xmlns:ds="http://schemas.openxmlformats.org/officeDocument/2006/customXml" ds:itemID="{BCFDDF06-4D2E-4D6D-9A1B-C447B3F4EA67}">
-  <ds:schemaRefs>
-    <ds:schemaRef ds:uri="http://schemas.microsoft.com/VisualStudio/2011/storyboarding/control/v1.0"/>
-  </ds:schemaRefs>
-</ds:datastoreItem>
-</file>
-
-<file path=customXml/itemProps68.xml><?xml version="1.0" encoding="utf-8"?>
-<ds:datastoreItem xmlns:ds="http://schemas.openxmlformats.org/officeDocument/2006/customXml" ds:itemID="{9A7640EE-2A10-4D04-98A5-BF26F958E3B3}">
-  <ds:schemaRefs>
-    <ds:schemaRef ds:uri="http://schemas.microsoft.com/VisualStudio/2011/storyboarding/control"/>
-  </ds:schemaRefs>
-</ds:datastoreItem>
-</file>
-
-<file path=customXml/itemProps69.xml><?xml version="1.0" encoding="utf-8"?>
-<ds:datastoreItem xmlns:ds="http://schemas.openxmlformats.org/officeDocument/2006/customXml" ds:itemID="{3EC6CF79-6DE1-41AE-8297-38AC6A8F17AF}">
-  <ds:schemaRefs>
-    <ds:schemaRef ds:uri="http://schemas.microsoft.com/VisualStudio/2011/storyboarding/control"/>
-  </ds:schemaRefs>
-</ds:datastoreItem>
-</file>
-
-<file path=customXml/itemProps7.xml><?xml version="1.0" encoding="utf-8"?>
-<ds:datastoreItem xmlns:ds="http://schemas.openxmlformats.org/officeDocument/2006/customXml" ds:itemID="{1421D463-AFC6-45D3-A597-E2FD7836AE5E}">
-  <ds:schemaRefs>
-    <ds:schemaRef ds:uri="http://schemas.microsoft.com/VisualStudio/2011/storyboarding/control"/>
-  </ds:schemaRefs>
-</ds:datastoreItem>
-</file>
-
-<file path=customXml/itemProps70.xml><?xml version="1.0" encoding="utf-8"?>
-<ds:datastoreItem xmlns:ds="http://schemas.openxmlformats.org/officeDocument/2006/customXml" ds:itemID="{19D80D1B-8782-4B44-86B4-615CBC8FE376}">
-  <ds:schemaRefs>
-    <ds:schemaRef ds:uri="http://schemas.microsoft.com/VisualStudio/2011/storyboarding/control"/>
-  </ds:schemaRefs>
-</ds:datastoreItem>
-</file>
-
-<file path=customXml/itemProps71.xml><?xml version="1.0" encoding="utf-8"?>
-<ds:datastoreItem xmlns:ds="http://schemas.openxmlformats.org/officeDocument/2006/customXml" ds:itemID="{F08CA351-012E-4B88-A759-D78BC8B70F0A}">
-  <ds:schemaRefs>
-    <ds:schemaRef ds:uri="http://schemas.microsoft.com/VisualStudio/2011/storyboarding/control"/>
-  </ds:schemaRefs>
-</ds:datastoreItem>
-</file>
-
-<file path=customXml/itemProps72.xml><?xml version="1.0" encoding="utf-8"?>
-<ds:datastoreItem xmlns:ds="http://schemas.openxmlformats.org/officeDocument/2006/customXml" ds:itemID="{E94073FF-C822-4928-A48C-695D37F75B58}">
-  <ds:schemaRefs>
-    <ds:schemaRef ds:uri="http://schemas.microsoft.com/VisualStudio/2011/storyboarding/control"/>
-  </ds:schemaRefs>
-</ds:datastoreItem>
-</file>
-
-<file path=customXml/itemProps73.xml><?xml version="1.0" encoding="utf-8"?>
-<ds:datastoreItem xmlns:ds="http://schemas.openxmlformats.org/officeDocument/2006/customXml" ds:itemID="{BE0AFB40-677F-4B63-9EEE-3556D082C4E9}">
-  <ds:schemaRefs>
-    <ds:schemaRef ds:uri="http://schemas.microsoft.com/VisualStudio/2011/storyboarding/control"/>
-  </ds:schemaRefs>
-</ds:datastoreItem>
-</file>
-
-<file path=customXml/itemProps74.xml><?xml version="1.0" encoding="utf-8"?>
-<ds:datastoreItem xmlns:ds="http://schemas.openxmlformats.org/officeDocument/2006/customXml" ds:itemID="{73DAD6AB-1727-4F21-B496-441E5FFFB3C5}">
-  <ds:schemaRefs>
-    <ds:schemaRef ds:uri="http://schemas.microsoft.com/VisualStudio/2011/storyboarding/control"/>
-  </ds:schemaRefs>
-</ds:datastoreItem>
-</file>
-
-<file path=customXml/itemProps75.xml><?xml version="1.0" encoding="utf-8"?>
-<ds:datastoreItem xmlns:ds="http://schemas.openxmlformats.org/officeDocument/2006/customXml" ds:itemID="{A717C928-272B-48EE-89F0-036373076858}">
-  <ds:schemaRefs>
-    <ds:schemaRef ds:uri="http://schemas.microsoft.com/VisualStudio/2011/storyboarding/control"/>
-  </ds:schemaRefs>
-</ds:datastoreItem>
-</file>
-
-<file path=customXml/itemProps76.xml><?xml version="1.0" encoding="utf-8"?>
-<ds:datastoreItem xmlns:ds="http://schemas.openxmlformats.org/officeDocument/2006/customXml" ds:itemID="{67A5E7BE-8375-4425-9594-C01E15EF2651}">
-  <ds:schemaRefs>
-    <ds:schemaRef ds:uri="http://schemas.microsoft.com/VisualStudio/2011/storyboarding/control"/>
-  </ds:schemaRefs>
-</ds:datastoreItem>
-</file>
-
-<file path=customXml/itemProps77.xml><?xml version="1.0" encoding="utf-8"?>
-<ds:datastoreItem xmlns:ds="http://schemas.openxmlformats.org/officeDocument/2006/customXml" ds:itemID="{8E3CD8FD-A6FB-4D9D-B900-4456435FC34C}">
-  <ds:schemaRefs>
-    <ds:schemaRef ds:uri="http://schemas.microsoft.com/VisualStudio/2011/storyboarding/control"/>
-  </ds:schemaRefs>
-</ds:datastoreItem>
-</file>
-
-<file path=customXml/itemProps78.xml><?xml version="1.0" encoding="utf-8"?>
-<ds:datastoreItem xmlns:ds="http://schemas.openxmlformats.org/officeDocument/2006/customXml" ds:itemID="{1457B7FC-E4DC-4897-9BBA-55583E2834E8}">
-  <ds:schemaRefs>
-    <ds:schemaRef ds:uri="http://schemas.microsoft.com/VisualStudio/2011/storyboarding/control"/>
-  </ds:schemaRefs>
-</ds:datastoreItem>
-</file>
-
-<file path=customXml/itemProps79.xml><?xml version="1.0" encoding="utf-8"?>
-<ds:datastoreItem xmlns:ds="http://schemas.openxmlformats.org/officeDocument/2006/customXml" ds:itemID="{C82015F8-1739-4531-B001-E211FC2CA644}">
-  <ds:schemaRefs>
-    <ds:schemaRef ds:uri="http://schemas.microsoft.com/VisualStudio/2011/storyboarding/control"/>
-  </ds:schemaRefs>
-</ds:datastoreItem>
-</file>
-
-<file path=customXml/itemProps8.xml><?xml version="1.0" encoding="utf-8"?>
-<ds:datastoreItem xmlns:ds="http://schemas.openxmlformats.org/officeDocument/2006/customXml" ds:itemID="{2ED0A94E-5533-4321-A8A5-F3ABEFD83B0D}">
-  <ds:schemaRefs>
-    <ds:schemaRef ds:uri="http://schemas.microsoft.com/VisualStudio/2011/storyboarding/control"/>
-  </ds:schemaRefs>
-</ds:datastoreItem>
-</file>
-
-<file path=customXml/itemProps80.xml><?xml version="1.0" encoding="utf-8"?>
-<ds:datastoreItem xmlns:ds="http://schemas.openxmlformats.org/officeDocument/2006/customXml" ds:itemID="{11E1D8EC-48C3-4BE5-A56D-BB6F20252E26}">
-  <ds:schemaRefs>
-    <ds:schemaRef ds:uri="http://schemas.microsoft.com/VisualStudio/2011/storyboarding/control"/>
-  </ds:schemaRefs>
-</ds:datastoreItem>
-</file>
-
-<file path=customXml/itemProps81.xml><?xml version="1.0" encoding="utf-8"?>
-<ds:datastoreItem xmlns:ds="http://schemas.openxmlformats.org/officeDocument/2006/customXml" ds:itemID="{1D5B9308-65DA-4DBF-97ED-9FC82FE9EC44}">
-  <ds:schemaRefs>
-    <ds:schemaRef ds:uri="http://schemas.microsoft.com/VisualStudio/2011/storyboarding/control"/>
-  </ds:schemaRefs>
-</ds:datastoreItem>
-</file>
-
-<file path=customXml/itemProps82.xml><?xml version="1.0" encoding="utf-8"?>
-<ds:datastoreItem xmlns:ds="http://schemas.openxmlformats.org/officeDocument/2006/customXml" ds:itemID="{0EB279C6-B571-453A-BD40-5F8D944FB710}">
-  <ds:schemaRefs>
-    <ds:schemaRef ds:uri="http://schemas.microsoft.com/VisualStudio/2011/storyboarding/control"/>
-  </ds:schemaRefs>
-</ds:datastoreItem>
-</file>
-
-<file path=customXml/itemProps83.xml><?xml version="1.0" encoding="utf-8"?>
-<ds:datastoreItem xmlns:ds="http://schemas.openxmlformats.org/officeDocument/2006/customXml" ds:itemID="{DF8FA34F-9D43-4E6A-AF66-4A6FCB05608C}">
-  <ds:schemaRefs>
-    <ds:schemaRef ds:uri="http://schemas.microsoft.com/VisualStudio/2011/storyboarding/control"/>
-  </ds:schemaRefs>
-</ds:datastoreItem>
-</file>
-
-<file path=customXml/itemProps84.xml><?xml version="1.0" encoding="utf-8"?>
-<ds:datastoreItem xmlns:ds="http://schemas.openxmlformats.org/officeDocument/2006/customXml" ds:itemID="{46AB615D-345E-4689-A6EC-267343DBECD6}">
-  <ds:schemaRefs>
-    <ds:schemaRef ds:uri="http://schemas.microsoft.com/VisualStudio/2011/storyboarding/control"/>
-  </ds:schemaRefs>
-</ds:datastoreItem>
-</file>
-
-<file path=customXml/itemProps85.xml><?xml version="1.0" encoding="utf-8"?>
-<ds:datastoreItem xmlns:ds="http://schemas.openxmlformats.org/officeDocument/2006/customXml" ds:itemID="{D4968674-B3DD-4A06-81C5-4427589A5870}">
-  <ds:schemaRefs>
-    <ds:schemaRef ds:uri="http://schemas.microsoft.com/VisualStudio/2011/storyboarding/control"/>
-  </ds:schemaRefs>
-</ds:datastoreItem>
-</file>
-
-<file path=customXml/itemProps86.xml><?xml version="1.0" encoding="utf-8"?>
-<ds:datastoreItem xmlns:ds="http://schemas.openxmlformats.org/officeDocument/2006/customXml" ds:itemID="{8A3C9BB4-DCD9-4828-B0F9-CF71EA95D9A1}">
-  <ds:schemaRefs>
-    <ds:schemaRef ds:uri="http://schemas.microsoft.com/VisualStudio/2011/storyboarding/control"/>
-  </ds:schemaRefs>
-</ds:datastoreItem>
-</file>
-
-<file path=customXml/itemProps87.xml><?xml version="1.0" encoding="utf-8"?>
-<ds:datastoreItem xmlns:ds="http://schemas.openxmlformats.org/officeDocument/2006/customXml" ds:itemID="{1F1B93E1-578C-4F88-8648-5147DF6C4399}">
-  <ds:schemaRefs>
-    <ds:schemaRef ds:uri="http://schemas.microsoft.com/VisualStudio/2011/storyboarding/control"/>
-  </ds:schemaRefs>
-</ds:datastoreItem>
-</file>
-
-<file path=customXml/itemProps88.xml><?xml version="1.0" encoding="utf-8"?>
-<ds:datastoreItem xmlns:ds="http://schemas.openxmlformats.org/officeDocument/2006/customXml" ds:itemID="{99041C39-6427-4986-9AC5-D174733614A9}">
-  <ds:schemaRefs>
-    <ds:schemaRef ds:uri="http://schemas.microsoft.com/VisualStudio/2011/storyboarding/control"/>
-  </ds:schemaRefs>
-</ds:datastoreItem>
-</file>
-
-<file path=customXml/itemProps89.xml><?xml version="1.0" encoding="utf-8"?>
-<ds:datastoreItem xmlns:ds="http://schemas.openxmlformats.org/officeDocument/2006/customXml" ds:itemID="{42067514-F2AE-4C7D-B6F2-E8950F6B61AA}">
-  <ds:schemaRefs>
-    <ds:schemaRef ds:uri="http://schemas.microsoft.com/VisualStudio/2011/storyboarding/control"/>
-  </ds:schemaRefs>
-</ds:datastoreItem>
-</file>
-
-<file path=customXml/itemProps9.xml><?xml version="1.0" encoding="utf-8"?>
-<ds:datastoreItem xmlns:ds="http://schemas.openxmlformats.org/officeDocument/2006/customXml" ds:itemID="{CFC13812-EB5F-45B1-A345-C7F9AFD25243}">
-  <ds:schemaRefs>
-    <ds:schemaRef ds:uri="http://schemas.microsoft.com/VisualStudio/2011/storyboarding/control"/>
-  </ds:schemaRefs>
-</ds:datastoreItem>
-</file>
-
-<file path=customXml/itemProps90.xml><?xml version="1.0" encoding="utf-8"?>
-<ds:datastoreItem xmlns:ds="http://schemas.openxmlformats.org/officeDocument/2006/customXml" ds:itemID="{C7B9EB14-5EB2-4204-9A8C-0AFB8420E7F1}">
-  <ds:schemaRefs>
-    <ds:schemaRef ds:uri="http://schemas.microsoft.com/VisualStudio/2011/storyboarding/control"/>
-  </ds:schemaRefs>
-</ds:datastoreItem>
-</file>
-
-<file path=customXml/itemProps91.xml><?xml version="1.0" encoding="utf-8"?>
-<ds:datastoreItem xmlns:ds="http://schemas.openxmlformats.org/officeDocument/2006/customXml" ds:itemID="{AC1634BA-886B-4FD7-8D7F-1003FB2B6994}">
-  <ds:schemaRefs>
-    <ds:schemaRef ds:uri="http://schemas.microsoft.com/VisualStudio/2011/storyboarding/control"/>
-  </ds:schemaRefs>
-</ds:datastoreItem>
-</file>
-
-<file path=customXml/itemProps92.xml><?xml version="1.0" encoding="utf-8"?>
-<ds:datastoreItem xmlns:ds="http://schemas.openxmlformats.org/officeDocument/2006/customXml" ds:itemID="{40965D7A-4A32-4947-9203-8F4A32D4AC1F}">
-  <ds:schemaRefs>
-    <ds:schemaRef ds:uri="http://schemas.microsoft.com/VisualStudio/2011/storyboarding/control"/>
-  </ds:schemaRefs>
-</ds:datastoreItem>
-</file>
-
-<file path=customXml/itemProps93.xml><?xml version="1.0" encoding="utf-8"?>
-<ds:datastoreItem xmlns:ds="http://schemas.openxmlformats.org/officeDocument/2006/customXml" ds:itemID="{DE4B178E-C927-4073-9184-F55E742380AC}">
-  <ds:schemaRefs>
-    <ds:schemaRef ds:uri="http://schemas.microsoft.com/VisualStudio/2011/storyboarding/control"/>
-  </ds:schemaRefs>
-</ds:datastoreItem>
-</file>
-
-<file path=customXml/itemProps94.xml><?xml version="1.0" encoding="utf-8"?>
-<ds:datastoreItem xmlns:ds="http://schemas.openxmlformats.org/officeDocument/2006/customXml" ds:itemID="{5D000F4A-88A4-40CD-A680-AB0199374CD2}">
-  <ds:schemaRefs>
-    <ds:schemaRef ds:uri="http://schemas.microsoft.com/VisualStudio/2011/storyboarding/control"/>
-  </ds:schemaRefs>
-</ds:datastoreItem>
-</file>
-
-<file path=customXml/itemProps95.xml><?xml version="1.0" encoding="utf-8"?>
-<ds:datastoreItem xmlns:ds="http://schemas.openxmlformats.org/officeDocument/2006/customXml" ds:itemID="{D8A94EED-CD88-420F-AF54-52AE0137EF29}">
-  <ds:schemaRefs>
-    <ds:schemaRef ds:uri="http://schemas.microsoft.com/VisualStudio/2011/storyboarding/control"/>
-  </ds:schemaRefs>
-</ds:datastoreItem>
-</file>
-
-<file path=customXml/itemProps96.xml><?xml version="1.0" encoding="utf-8"?>
-<ds:datastoreItem xmlns:ds="http://schemas.openxmlformats.org/officeDocument/2006/customXml" ds:itemID="{8CC97FF8-6B88-4E4B-9490-557BC9B3B6E4}">
-  <ds:schemaRefs>
-    <ds:schemaRef ds:uri="http://schemas.microsoft.com/VisualStudio/2011/storyboarding/control"/>
-  </ds:schemaRefs>
-</ds:datastoreItem>
-</file>
-
-<file path=customXml/itemProps97.xml><?xml version="1.0" encoding="utf-8"?>
-<ds:datastoreItem xmlns:ds="http://schemas.openxmlformats.org/officeDocument/2006/customXml" ds:itemID="{27288D3D-5A9F-4657-BBF4-738B0C457A89}">
-  <ds:schemaRefs>
-    <ds:schemaRef ds:uri="http://schemas.microsoft.com/VisualStudio/2011/storyboarding/control"/>
-  </ds:schemaRefs>
-</ds:datastoreItem>
-</file>
-
-<file path=customXml/itemProps98.xml><?xml version="1.0" encoding="utf-8"?>
-<ds:datastoreItem xmlns:ds="http://schemas.openxmlformats.org/officeDocument/2006/customXml" ds:itemID="{17DA2C23-F634-46EC-8650-57A19AE6618D}">
-  <ds:schemaRefs>
-    <ds:schemaRef ds:uri="http://schemas.microsoft.com/VisualStudio/2011/storyboarding/control"/>
-  </ds:schemaRefs>
-</ds:datastoreItem>
-</file>
-
 <file path=customXml/itemProps99.xml><?xml version="1.0" encoding="utf-8"?>
-<ds:datastoreItem xmlns:ds="http://schemas.openxmlformats.org/officeDocument/2006/customXml" ds:itemID="{D95446BE-4BAD-4ABA-8FA1-A99CFFB6D8FB}">
+<ds:datastoreItem xmlns:ds="http://schemas.openxmlformats.org/officeDocument/2006/customXml" ds:itemID="{9B6AF35C-235D-48A0-8830-5DFB2DFC9FD5}">
   <ds:schemaRefs>
     <ds:schemaRef ds:uri="http://schemas.microsoft.com/VisualStudio/2011/storyboarding/control"/>
   </ds:schemaRefs>
